--- a/images/Azure Firewall.pptx
+++ b/images/Azure Firewall.pptx
@@ -6,6 +6,8 @@
   </p:sldMasterIdLst>
   <p:sldIdLst>
     <p:sldId id="258" r:id="rId2"/>
+    <p:sldId id="259" r:id="rId3"/>
+    <p:sldId id="260" r:id="rId4"/>
   </p:sldIdLst>
   <p:sldSz cx="12192000" cy="6858000"/>
   <p:notesSz cx="6858000" cy="9144000"/>
@@ -104,6 +106,11 @@
       </a:defRPr>
     </a:lvl9pPr>
   </p:defaultTextStyle>
+  <p:extLst>
+    <p:ext uri="{EFAFB233-063F-42B5-8137-9DF3F51BA10A}">
+      <p15:sldGuideLst xmlns:p15="http://schemas.microsoft.com/office/powerpoint/2012/main"/>
+    </p:ext>
+  </p:extLst>
 </p:presentation>
 </file>
 
@@ -256,7 +263,7 @@
           <a:p>
             <a:fld id="{BF3F27D8-FD3A-40AA-9727-2773807CBD8D}" type="datetimeFigureOut">
               <a:rPr lang="en-CA" smtClean="0"/>
-              <a:t>2021-05-08</a:t>
+              <a:t>2021-05-09</a:t>
             </a:fld>
             <a:endParaRPr lang="en-CA"/>
           </a:p>
@@ -456,7 +463,7 @@
           <a:p>
             <a:fld id="{BF3F27D8-FD3A-40AA-9727-2773807CBD8D}" type="datetimeFigureOut">
               <a:rPr lang="en-CA" smtClean="0"/>
-              <a:t>2021-05-08</a:t>
+              <a:t>2021-05-09</a:t>
             </a:fld>
             <a:endParaRPr lang="en-CA"/>
           </a:p>
@@ -666,7 +673,7 @@
           <a:p>
             <a:fld id="{BF3F27D8-FD3A-40AA-9727-2773807CBD8D}" type="datetimeFigureOut">
               <a:rPr lang="en-CA" smtClean="0"/>
-              <a:t>2021-05-08</a:t>
+              <a:t>2021-05-09</a:t>
             </a:fld>
             <a:endParaRPr lang="en-CA"/>
           </a:p>
@@ -866,7 +873,7 @@
           <a:p>
             <a:fld id="{BF3F27D8-FD3A-40AA-9727-2773807CBD8D}" type="datetimeFigureOut">
               <a:rPr lang="en-CA" smtClean="0"/>
-              <a:t>2021-05-08</a:t>
+              <a:t>2021-05-09</a:t>
             </a:fld>
             <a:endParaRPr lang="en-CA"/>
           </a:p>
@@ -1142,7 +1149,7 @@
           <a:p>
             <a:fld id="{BF3F27D8-FD3A-40AA-9727-2773807CBD8D}" type="datetimeFigureOut">
               <a:rPr lang="en-CA" smtClean="0"/>
-              <a:t>2021-05-08</a:t>
+              <a:t>2021-05-09</a:t>
             </a:fld>
             <a:endParaRPr lang="en-CA"/>
           </a:p>
@@ -1410,7 +1417,7 @@
           <a:p>
             <a:fld id="{BF3F27D8-FD3A-40AA-9727-2773807CBD8D}" type="datetimeFigureOut">
               <a:rPr lang="en-CA" smtClean="0"/>
-              <a:t>2021-05-08</a:t>
+              <a:t>2021-05-09</a:t>
             </a:fld>
             <a:endParaRPr lang="en-CA"/>
           </a:p>
@@ -1825,7 +1832,7 @@
           <a:p>
             <a:fld id="{BF3F27D8-FD3A-40AA-9727-2773807CBD8D}" type="datetimeFigureOut">
               <a:rPr lang="en-CA" smtClean="0"/>
-              <a:t>2021-05-08</a:t>
+              <a:t>2021-05-09</a:t>
             </a:fld>
             <a:endParaRPr lang="en-CA"/>
           </a:p>
@@ -1967,7 +1974,7 @@
           <a:p>
             <a:fld id="{BF3F27D8-FD3A-40AA-9727-2773807CBD8D}" type="datetimeFigureOut">
               <a:rPr lang="en-CA" smtClean="0"/>
-              <a:t>2021-05-08</a:t>
+              <a:t>2021-05-09</a:t>
             </a:fld>
             <a:endParaRPr lang="en-CA"/>
           </a:p>
@@ -2080,7 +2087,7 @@
           <a:p>
             <a:fld id="{BF3F27D8-FD3A-40AA-9727-2773807CBD8D}" type="datetimeFigureOut">
               <a:rPr lang="en-CA" smtClean="0"/>
-              <a:t>2021-05-08</a:t>
+              <a:t>2021-05-09</a:t>
             </a:fld>
             <a:endParaRPr lang="en-CA"/>
           </a:p>
@@ -2393,7 +2400,7 @@
           <a:p>
             <a:fld id="{BF3F27D8-FD3A-40AA-9727-2773807CBD8D}" type="datetimeFigureOut">
               <a:rPr lang="en-CA" smtClean="0"/>
-              <a:t>2021-05-08</a:t>
+              <a:t>2021-05-09</a:t>
             </a:fld>
             <a:endParaRPr lang="en-CA"/>
           </a:p>
@@ -2682,7 +2689,7 @@
           <a:p>
             <a:fld id="{BF3F27D8-FD3A-40AA-9727-2773807CBD8D}" type="datetimeFigureOut">
               <a:rPr lang="en-CA" smtClean="0"/>
-              <a:t>2021-05-08</a:t>
+              <a:t>2021-05-09</a:t>
             </a:fld>
             <a:endParaRPr lang="en-CA"/>
           </a:p>
@@ -2925,7 +2932,7 @@
           <a:p>
             <a:fld id="{BF3F27D8-FD3A-40AA-9727-2773807CBD8D}" type="datetimeFigureOut">
               <a:rPr lang="en-CA" smtClean="0"/>
-              <a:t>2021-05-08</a:t>
+              <a:t>2021-05-09</a:t>
             </a:fld>
             <a:endParaRPr lang="en-CA"/>
           </a:p>
@@ -5061,42 +5068,6 @@
           </p:pic>
         </p:grpSp>
       </p:grpSp>
-      <p:pic>
-        <p:nvPicPr>
-          <p:cNvPr id="79" name="Picture 78" descr="Logo&#10;&#10;Description automatically generated">
-            <a:extLst>
-              <a:ext uri="{FF2B5EF4-FFF2-40B4-BE49-F238E27FC236}">
-                <a16:creationId xmlns:a16="http://schemas.microsoft.com/office/drawing/2014/main" id="{5F96BF57-B3B2-449A-B059-FF607059C6E3}"/>
-              </a:ext>
-            </a:extLst>
-          </p:cNvPr>
-          <p:cNvPicPr>
-            <a:picLocks noChangeAspect="1"/>
-          </p:cNvPicPr>
-          <p:nvPr/>
-        </p:nvPicPr>
-        <p:blipFill>
-          <a:blip r:embed="rId10">
-            <a:extLst>
-              <a:ext uri="{28A0092B-C50C-407E-A947-70E740481C1C}">
-                <a14:useLocalDpi xmlns:a14="http://schemas.microsoft.com/office/drawing/2010/main" val="0"/>
-              </a:ext>
-            </a:extLst>
-          </a:blip>
-          <a:stretch>
-            <a:fillRect/>
-          </a:stretch>
-        </p:blipFill>
-        <p:spPr>
-          <a:xfrm>
-            <a:off x="5423281" y="2446730"/>
-            <a:ext cx="390145" cy="390145"/>
-          </a:xfrm>
-          <a:prstGeom prst="rect">
-            <a:avLst/>
-          </a:prstGeom>
-        </p:spPr>
-      </p:pic>
       <p:sp>
         <p:nvSpPr>
           <p:cNvPr id="80" name="Rectangle 79">
@@ -5164,8 +5135,8 @@
             </a:extLst>
           </p:cNvPr>
           <p:cNvCxnSpPr>
+            <a:cxnSpLocks/>
             <a:stCxn id="40" idx="3"/>
-            <a:endCxn id="79" idx="1"/>
           </p:cNvCxnSpPr>
           <p:nvPr/>
         </p:nvCxnSpPr>
@@ -5548,7 +5519,7 @@
         </p:nvSpPr>
         <p:spPr>
           <a:xfrm>
-            <a:off x="4738454" y="2162005"/>
+            <a:off x="4730131" y="1883285"/>
             <a:ext cx="1856207" cy="251870"/>
           </a:xfrm>
           <a:prstGeom prst="rect">
@@ -5682,13 +5653,13 @@
             <p:nvPr/>
           </p:nvPicPr>
           <p:blipFill>
-            <a:blip r:embed="rId11">
+            <a:blip r:embed="rId10">
               <a:extLst>
                 <a:ext uri="{28A0092B-C50C-407E-A947-70E740481C1C}">
                   <a14:useLocalDpi xmlns:a14="http://schemas.microsoft.com/office/drawing/2010/main" val="0"/>
                 </a:ext>
                 <a:ext uri="{96DAC541-7B7A-43D3-8B79-37D633B846F1}">
-                  <asvg:svgBlip xmlns:asvg="http://schemas.microsoft.com/office/drawing/2016/SVG/main" r:embed="rId12"/>
+                  <asvg:svgBlip xmlns:asvg="http://schemas.microsoft.com/office/drawing/2016/SVG/main" r:embed="rId11"/>
                 </a:ext>
               </a:extLst>
             </a:blip>
@@ -5801,7 +5772,7 @@
               <p:nvPr/>
             </p:nvPicPr>
             <p:blipFill>
-              <a:blip r:embed="rId13">
+              <a:blip r:embed="rId12">
                 <a:extLst>
                   <a:ext uri="{28A0092B-C50C-407E-A947-70E740481C1C}">
                     <a14:useLocalDpi xmlns:a14="http://schemas.microsoft.com/office/drawing/2010/main" val="0"/>
@@ -6049,13 +6020,13 @@
             <p:nvPr/>
           </p:nvPicPr>
           <p:blipFill>
-            <a:blip r:embed="rId14">
+            <a:blip r:embed="rId13">
               <a:extLst>
                 <a:ext uri="{28A0092B-C50C-407E-A947-70E740481C1C}">
                   <a14:useLocalDpi xmlns:a14="http://schemas.microsoft.com/office/drawing/2010/main" val="0"/>
                 </a:ext>
                 <a:ext uri="{96DAC541-7B7A-43D3-8B79-37D633B846F1}">
-                  <asvg:svgBlip xmlns:asvg="http://schemas.microsoft.com/office/drawing/2016/SVG/main" r:embed="rId15"/>
+                  <asvg:svgBlip xmlns:asvg="http://schemas.microsoft.com/office/drawing/2016/SVG/main" r:embed="rId14"/>
                 </a:ext>
               </a:extLst>
             </a:blip>
@@ -6166,13 +6137,13 @@
             <p:nvPr/>
           </p:nvPicPr>
           <p:blipFill>
-            <a:blip r:embed="rId14">
+            <a:blip r:embed="rId13">
               <a:extLst>
                 <a:ext uri="{28A0092B-C50C-407E-A947-70E740481C1C}">
                   <a14:useLocalDpi xmlns:a14="http://schemas.microsoft.com/office/drawing/2010/main" val="0"/>
                 </a:ext>
                 <a:ext uri="{96DAC541-7B7A-43D3-8B79-37D633B846F1}">
-                  <asvg:svgBlip xmlns:asvg="http://schemas.microsoft.com/office/drawing/2016/SVG/main" r:embed="rId15"/>
+                  <asvg:svgBlip xmlns:asvg="http://schemas.microsoft.com/office/drawing/2016/SVG/main" r:embed="rId14"/>
                 </a:ext>
               </a:extLst>
             </a:blip>
@@ -6305,10 +6276,5152 @@
           </a:p>
         </p:txBody>
       </p:sp>
+      <p:sp>
+        <p:nvSpPr>
+          <p:cNvPr id="70" name="Rectangle 69">
+            <a:extLst>
+              <a:ext uri="{FF2B5EF4-FFF2-40B4-BE49-F238E27FC236}">
+                <a16:creationId xmlns:a16="http://schemas.microsoft.com/office/drawing/2014/main" id="{275C8101-D293-4BB2-B252-666979EE9455}"/>
+              </a:ext>
+            </a:extLst>
+          </p:cNvPr>
+          <p:cNvSpPr/>
+          <p:nvPr/>
+        </p:nvSpPr>
+        <p:spPr>
+          <a:xfrm>
+            <a:off x="5285911" y="5886130"/>
+            <a:ext cx="609462" cy="246221"/>
+          </a:xfrm>
+          <a:prstGeom prst="rect">
+            <a:avLst/>
+          </a:prstGeom>
+        </p:spPr>
+        <p:txBody>
+          <a:bodyPr wrap="none">
+            <a:spAutoFit/>
+          </a:bodyPr>
+          <a:lstStyle/>
+          <a:p>
+            <a:r>
+              <a:rPr lang="en-CA" sz="1000" b="0" i="0" dirty="0">
+                <a:solidFill>
+                  <a:srgbClr val="000000"/>
+                </a:solidFill>
+                <a:effectLst/>
+              </a:rPr>
+              <a:t>10.0.0.4</a:t>
+            </a:r>
+            <a:endParaRPr lang="en-CA" sz="1000" dirty="0"/>
+          </a:p>
+        </p:txBody>
+      </p:sp>
+      <p:sp>
+        <p:nvSpPr>
+          <p:cNvPr id="73" name="Rectangle 72">
+            <a:extLst>
+              <a:ext uri="{FF2B5EF4-FFF2-40B4-BE49-F238E27FC236}">
+                <a16:creationId xmlns:a16="http://schemas.microsoft.com/office/drawing/2014/main" id="{7F173918-3754-4253-97E4-8535D404FDC9}"/>
+              </a:ext>
+            </a:extLst>
+          </p:cNvPr>
+          <p:cNvSpPr/>
+          <p:nvPr/>
+        </p:nvSpPr>
+        <p:spPr>
+          <a:xfrm>
+            <a:off x="1890004" y="3009198"/>
+            <a:ext cx="609462" cy="246221"/>
+          </a:xfrm>
+          <a:prstGeom prst="rect">
+            <a:avLst/>
+          </a:prstGeom>
+        </p:spPr>
+        <p:txBody>
+          <a:bodyPr wrap="none">
+            <a:spAutoFit/>
+          </a:bodyPr>
+          <a:lstStyle/>
+          <a:p>
+            <a:r>
+              <a:rPr lang="en-CA" sz="1000" b="0" i="0" dirty="0">
+                <a:solidFill>
+                  <a:srgbClr val="000000"/>
+                </a:solidFill>
+                <a:effectLst/>
+              </a:rPr>
+              <a:t>10.1.0.4</a:t>
+            </a:r>
+            <a:endParaRPr lang="en-CA" sz="1000" dirty="0"/>
+          </a:p>
+        </p:txBody>
+      </p:sp>
+      <p:grpSp>
+        <p:nvGrpSpPr>
+          <p:cNvPr id="75" name="Group 74">
+            <a:extLst>
+              <a:ext uri="{FF2B5EF4-FFF2-40B4-BE49-F238E27FC236}">
+                <a16:creationId xmlns:a16="http://schemas.microsoft.com/office/drawing/2014/main" id="{37F0EC76-7BCF-4444-A578-3D44B5B8758E}"/>
+              </a:ext>
+            </a:extLst>
+          </p:cNvPr>
+          <p:cNvGrpSpPr/>
+          <p:nvPr/>
+        </p:nvGrpSpPr>
+        <p:grpSpPr>
+          <a:xfrm>
+            <a:off x="1449499" y="2965228"/>
+            <a:ext cx="681499" cy="482543"/>
+            <a:chOff x="7958860" y="5899341"/>
+            <a:chExt cx="681499" cy="482543"/>
+          </a:xfrm>
+        </p:grpSpPr>
+        <p:pic>
+          <p:nvPicPr>
+            <p:cNvPr id="78" name="Graphic 77">
+              <a:extLst>
+                <a:ext uri="{FF2B5EF4-FFF2-40B4-BE49-F238E27FC236}">
+                  <a16:creationId xmlns:a16="http://schemas.microsoft.com/office/drawing/2014/main" id="{58CF565F-8DEC-4297-9358-BE1F8ED00A24}"/>
+                </a:ext>
+              </a:extLst>
+            </p:cNvPr>
+            <p:cNvPicPr>
+              <a:picLocks noChangeAspect="1"/>
+            </p:cNvPicPr>
+            <p:nvPr/>
+          </p:nvPicPr>
+          <p:blipFill>
+            <a:blip r:embed="rId13">
+              <a:extLst>
+                <a:ext uri="{28A0092B-C50C-407E-A947-70E740481C1C}">
+                  <a14:useLocalDpi xmlns:a14="http://schemas.microsoft.com/office/drawing/2010/main" val="0"/>
+                </a:ext>
+                <a:ext uri="{96DAC541-7B7A-43D3-8B79-37D633B846F1}">
+                  <asvg:svgBlip xmlns:asvg="http://schemas.microsoft.com/office/drawing/2016/SVG/main" r:embed="rId14"/>
+                </a:ext>
+              </a:extLst>
+            </a:blip>
+            <a:stretch>
+              <a:fillRect/>
+            </a:stretch>
+          </p:blipFill>
+          <p:spPr>
+            <a:xfrm>
+              <a:off x="8158490" y="5899341"/>
+              <a:ext cx="282237" cy="317140"/>
+            </a:xfrm>
+            <a:prstGeom prst="rect">
+              <a:avLst/>
+            </a:prstGeom>
+          </p:spPr>
+        </p:pic>
+        <p:sp>
+          <p:nvSpPr>
+            <p:cNvPr id="81" name="Rectangle 80">
+              <a:extLst>
+                <a:ext uri="{FF2B5EF4-FFF2-40B4-BE49-F238E27FC236}">
+                  <a16:creationId xmlns:a16="http://schemas.microsoft.com/office/drawing/2014/main" id="{23D0B856-E199-4E08-B43C-60F98C4BF723}"/>
+                </a:ext>
+              </a:extLst>
+            </p:cNvPr>
+            <p:cNvSpPr/>
+            <p:nvPr/>
+          </p:nvSpPr>
+          <p:spPr>
+            <a:xfrm>
+              <a:off x="7958860" y="6149829"/>
+              <a:ext cx="681499" cy="232055"/>
+            </a:xfrm>
+            <a:prstGeom prst="rect">
+              <a:avLst/>
+            </a:prstGeom>
+            <a:noFill/>
+            <a:ln>
+              <a:noFill/>
+            </a:ln>
+          </p:spPr>
+          <p:style>
+            <a:lnRef idx="2">
+              <a:schemeClr val="accent1">
+                <a:shade val="50000"/>
+              </a:schemeClr>
+            </a:lnRef>
+            <a:fillRef idx="1">
+              <a:schemeClr val="accent1"/>
+            </a:fillRef>
+            <a:effectRef idx="0">
+              <a:schemeClr val="accent1"/>
+            </a:effectRef>
+            <a:fontRef idx="minor">
+              <a:schemeClr val="lt1"/>
+            </a:fontRef>
+          </p:style>
+          <p:txBody>
+            <a:bodyPr rtlCol="0" anchor="ctr"/>
+            <a:lstStyle/>
+            <a:p>
+              <a:pPr algn="ctr"/>
+              <a:r>
+                <a:rPr lang="en-CA" sz="1000" b="1" dirty="0">
+                  <a:solidFill>
+                    <a:schemeClr val="tx1"/>
+                  </a:solidFill>
+                </a:rPr>
+                <a:t>NIC</a:t>
+              </a:r>
+            </a:p>
+          </p:txBody>
+        </p:sp>
+      </p:grpSp>
+      <p:pic>
+        <p:nvPicPr>
+          <p:cNvPr id="85" name="Graphic 84">
+            <a:extLst>
+              <a:ext uri="{FF2B5EF4-FFF2-40B4-BE49-F238E27FC236}">
+                <a16:creationId xmlns:a16="http://schemas.microsoft.com/office/drawing/2014/main" id="{73DA85B3-7B53-4DD4-8306-9C5D04C9B000}"/>
+              </a:ext>
+            </a:extLst>
+          </p:cNvPr>
+          <p:cNvPicPr>
+            <a:picLocks noChangeAspect="1"/>
+          </p:cNvPicPr>
+          <p:nvPr/>
+        </p:nvPicPr>
+        <p:blipFill>
+          <a:blip r:embed="rId15">
+            <a:extLst>
+              <a:ext uri="{28A0092B-C50C-407E-A947-70E740481C1C}">
+                <a14:useLocalDpi xmlns:a14="http://schemas.microsoft.com/office/drawing/2010/main" val="0"/>
+              </a:ext>
+              <a:ext uri="{96DAC541-7B7A-43D3-8B79-37D633B846F1}">
+                <asvg:svgBlip xmlns:asvg="http://schemas.microsoft.com/office/drawing/2016/SVG/main" r:embed="rId16"/>
+              </a:ext>
+            </a:extLst>
+          </a:blip>
+          <a:stretch>
+            <a:fillRect/>
+          </a:stretch>
+        </p:blipFill>
+        <p:spPr>
+          <a:xfrm>
+            <a:off x="5264719" y="2159679"/>
+            <a:ext cx="677582" cy="677582"/>
+          </a:xfrm>
+          <a:prstGeom prst="rect">
+            <a:avLst/>
+          </a:prstGeom>
+        </p:spPr>
+      </p:pic>
+      <p:grpSp>
+        <p:nvGrpSpPr>
+          <p:cNvPr id="17" name="Group 16">
+            <a:extLst>
+              <a:ext uri="{FF2B5EF4-FFF2-40B4-BE49-F238E27FC236}">
+                <a16:creationId xmlns:a16="http://schemas.microsoft.com/office/drawing/2014/main" id="{10270D88-EDA6-4EB3-B2CF-99E9BB5B1716}"/>
+              </a:ext>
+            </a:extLst>
+          </p:cNvPr>
+          <p:cNvGrpSpPr/>
+          <p:nvPr/>
+        </p:nvGrpSpPr>
+        <p:grpSpPr>
+          <a:xfrm>
+            <a:off x="2242175" y="1580844"/>
+            <a:ext cx="2226572" cy="853084"/>
+            <a:chOff x="347685" y="5790096"/>
+            <a:chExt cx="2226572" cy="853084"/>
+          </a:xfrm>
+        </p:grpSpPr>
+        <p:grpSp>
+          <p:nvGrpSpPr>
+            <p:cNvPr id="16" name="Group 15">
+              <a:extLst>
+                <a:ext uri="{FF2B5EF4-FFF2-40B4-BE49-F238E27FC236}">
+                  <a16:creationId xmlns:a16="http://schemas.microsoft.com/office/drawing/2014/main" id="{410827D4-D6D8-4431-ACB7-0347DCC4857E}"/>
+                </a:ext>
+              </a:extLst>
+            </p:cNvPr>
+            <p:cNvGrpSpPr/>
+            <p:nvPr/>
+          </p:nvGrpSpPr>
+          <p:grpSpPr>
+            <a:xfrm>
+              <a:off x="347685" y="5790096"/>
+              <a:ext cx="1126704" cy="853084"/>
+              <a:chOff x="465703" y="4521412"/>
+              <a:chExt cx="1126704" cy="853084"/>
+            </a:xfrm>
+          </p:grpSpPr>
+          <p:sp>
+            <p:nvSpPr>
+              <p:cNvPr id="86" name="Rectangle 85">
+                <a:extLst>
+                  <a:ext uri="{FF2B5EF4-FFF2-40B4-BE49-F238E27FC236}">
+                    <a16:creationId xmlns:a16="http://schemas.microsoft.com/office/drawing/2014/main" id="{4F9A7B80-8FFD-454D-8621-203ECE7CBAA9}"/>
+                  </a:ext>
+                </a:extLst>
+              </p:cNvPr>
+              <p:cNvSpPr/>
+              <p:nvPr/>
+            </p:nvSpPr>
+            <p:spPr>
+              <a:xfrm>
+                <a:off x="465703" y="5080318"/>
+                <a:ext cx="890667" cy="294178"/>
+              </a:xfrm>
+              <a:prstGeom prst="rect">
+                <a:avLst/>
+              </a:prstGeom>
+              <a:noFill/>
+              <a:ln>
+                <a:noFill/>
+              </a:ln>
+            </p:spPr>
+            <p:style>
+              <a:lnRef idx="2">
+                <a:schemeClr val="accent1">
+                  <a:shade val="50000"/>
+                </a:schemeClr>
+              </a:lnRef>
+              <a:fillRef idx="1">
+                <a:schemeClr val="accent1"/>
+              </a:fillRef>
+              <a:effectRef idx="0">
+                <a:schemeClr val="accent1"/>
+              </a:effectRef>
+              <a:fontRef idx="minor">
+                <a:schemeClr val="lt1"/>
+              </a:fontRef>
+            </p:style>
+            <p:txBody>
+              <a:bodyPr rtlCol="0" anchor="ctr"/>
+              <a:lstStyle/>
+              <a:p>
+                <a:pPr algn="ctr"/>
+                <a:r>
+                  <a:rPr lang="en-CA" sz="1000" b="1" dirty="0">
+                    <a:solidFill>
+                      <a:schemeClr val="tx1"/>
+                    </a:solidFill>
+                  </a:rPr>
+                  <a:t>Route Table</a:t>
+                </a:r>
+              </a:p>
+            </p:txBody>
+          </p:sp>
+          <p:pic>
+            <p:nvPicPr>
+              <p:cNvPr id="6" name="Graphic 5">
+                <a:extLst>
+                  <a:ext uri="{FF2B5EF4-FFF2-40B4-BE49-F238E27FC236}">
+                    <a16:creationId xmlns:a16="http://schemas.microsoft.com/office/drawing/2014/main" id="{576B0EA3-8144-469A-A036-944DC295C0C0}"/>
+                  </a:ext>
+                </a:extLst>
+              </p:cNvPr>
+              <p:cNvPicPr>
+                <a:picLocks noChangeAspect="1"/>
+              </p:cNvPicPr>
+              <p:nvPr/>
+            </p:nvPicPr>
+            <p:blipFill>
+              <a:blip r:embed="rId17">
+                <a:extLst>
+                  <a:ext uri="{28A0092B-C50C-407E-A947-70E740481C1C}">
+                    <a14:useLocalDpi xmlns:a14="http://schemas.microsoft.com/office/drawing/2010/main" val="0"/>
+                  </a:ext>
+                  <a:ext uri="{96DAC541-7B7A-43D3-8B79-37D633B846F1}">
+                    <asvg:svgBlip xmlns:asvg="http://schemas.microsoft.com/office/drawing/2016/SVG/main" r:embed="rId18"/>
+                  </a:ext>
+                </a:extLst>
+              </a:blip>
+              <a:stretch>
+                <a:fillRect/>
+              </a:stretch>
+            </p:blipFill>
+            <p:spPr>
+              <a:xfrm>
+                <a:off x="612052" y="4783968"/>
+                <a:ext cx="404474" cy="404474"/>
+              </a:xfrm>
+              <a:prstGeom prst="rect">
+                <a:avLst/>
+              </a:prstGeom>
+            </p:spPr>
+          </p:pic>
+          <p:pic>
+            <p:nvPicPr>
+              <p:cNvPr id="13" name="Graphic 12">
+                <a:extLst>
+                  <a:ext uri="{FF2B5EF4-FFF2-40B4-BE49-F238E27FC236}">
+                    <a16:creationId xmlns:a16="http://schemas.microsoft.com/office/drawing/2014/main" id="{9E9983BF-273C-4FBB-9250-E82F01772DAA}"/>
+                  </a:ext>
+                </a:extLst>
+              </p:cNvPr>
+              <p:cNvPicPr>
+                <a:picLocks noChangeAspect="1"/>
+              </p:cNvPicPr>
+              <p:nvPr/>
+            </p:nvPicPr>
+            <p:blipFill>
+              <a:blip r:embed="rId19">
+                <a:extLst>
+                  <a:ext uri="{28A0092B-C50C-407E-A947-70E740481C1C}">
+                    <a14:useLocalDpi xmlns:a14="http://schemas.microsoft.com/office/drawing/2010/main" val="0"/>
+                  </a:ext>
+                  <a:ext uri="{96DAC541-7B7A-43D3-8B79-37D633B846F1}">
+                    <asvg:svgBlip xmlns:asvg="http://schemas.microsoft.com/office/drawing/2016/SVG/main" r:embed="rId20"/>
+                  </a:ext>
+                </a:extLst>
+              </a:blip>
+              <a:stretch>
+                <a:fillRect/>
+              </a:stretch>
+            </p:blipFill>
+            <p:spPr>
+              <a:xfrm>
+                <a:off x="903438" y="4671903"/>
+                <a:ext cx="476250" cy="476250"/>
+              </a:xfrm>
+              <a:prstGeom prst="rect">
+                <a:avLst/>
+              </a:prstGeom>
+            </p:spPr>
+          </p:pic>
+          <p:sp>
+            <p:nvSpPr>
+              <p:cNvPr id="88" name="Rectangle 87">
+                <a:extLst>
+                  <a:ext uri="{FF2B5EF4-FFF2-40B4-BE49-F238E27FC236}">
+                    <a16:creationId xmlns:a16="http://schemas.microsoft.com/office/drawing/2014/main" id="{97A606EC-FC12-4208-AB4C-44EAC5AB7D4D}"/>
+                  </a:ext>
+                </a:extLst>
+              </p:cNvPr>
+              <p:cNvSpPr/>
+              <p:nvPr/>
+            </p:nvSpPr>
+            <p:spPr>
+              <a:xfrm>
+                <a:off x="701740" y="4521412"/>
+                <a:ext cx="890667" cy="294178"/>
+              </a:xfrm>
+              <a:prstGeom prst="rect">
+                <a:avLst/>
+              </a:prstGeom>
+              <a:noFill/>
+              <a:ln>
+                <a:noFill/>
+              </a:ln>
+            </p:spPr>
+            <p:style>
+              <a:lnRef idx="2">
+                <a:schemeClr val="accent1">
+                  <a:shade val="50000"/>
+                </a:schemeClr>
+              </a:lnRef>
+              <a:fillRef idx="1">
+                <a:schemeClr val="accent1"/>
+              </a:fillRef>
+              <a:effectRef idx="0">
+                <a:schemeClr val="accent1"/>
+              </a:effectRef>
+              <a:fontRef idx="minor">
+                <a:schemeClr val="lt1"/>
+              </a:fontRef>
+            </p:style>
+            <p:txBody>
+              <a:bodyPr rtlCol="0" anchor="ctr"/>
+              <a:lstStyle/>
+              <a:p>
+                <a:pPr algn="ctr"/>
+                <a:r>
+                  <a:rPr lang="en-CA" sz="1000" b="1" dirty="0">
+                    <a:solidFill>
+                      <a:schemeClr val="tx1"/>
+                    </a:solidFill>
+                  </a:rPr>
+                  <a:t>Route Filters</a:t>
+                </a:r>
+              </a:p>
+            </p:txBody>
+          </p:sp>
+        </p:grpSp>
+        <p:sp>
+          <p:nvSpPr>
+            <p:cNvPr id="93" name="Rectangle 92">
+              <a:extLst>
+                <a:ext uri="{FF2B5EF4-FFF2-40B4-BE49-F238E27FC236}">
+                  <a16:creationId xmlns:a16="http://schemas.microsoft.com/office/drawing/2014/main" id="{FD370651-0740-4204-91B8-729BAD4B68D5}"/>
+                </a:ext>
+              </a:extLst>
+            </p:cNvPr>
+            <p:cNvSpPr/>
+            <p:nvPr/>
+          </p:nvSpPr>
+          <p:spPr>
+            <a:xfrm>
+              <a:off x="1223185" y="6036457"/>
+              <a:ext cx="1351072" cy="246221"/>
+            </a:xfrm>
+            <a:prstGeom prst="rect">
+              <a:avLst/>
+            </a:prstGeom>
+          </p:spPr>
+          <p:txBody>
+            <a:bodyPr wrap="square">
+              <a:spAutoFit/>
+            </a:bodyPr>
+            <a:lstStyle/>
+            <a:p>
+              <a:r>
+                <a:rPr lang="en-CA" sz="1000" b="1" i="0" dirty="0">
+                  <a:solidFill>
+                    <a:srgbClr val="000000"/>
+                  </a:solidFill>
+                  <a:effectLst/>
+                </a:rPr>
+                <a:t>10.0.0.4 </a:t>
+              </a:r>
+              <a:r>
+                <a:rPr lang="en-CA" sz="1000" b="1" i="0" dirty="0">
+                  <a:solidFill>
+                    <a:srgbClr val="000000"/>
+                  </a:solidFill>
+                  <a:effectLst/>
+                  <a:sym typeface="Wingdings" panose="05000000000000000000" pitchFamily="2" charset="2"/>
+                </a:rPr>
+                <a:t> 10.2.0.16</a:t>
+              </a:r>
+              <a:endParaRPr lang="en-CA" sz="1000" b="1" dirty="0"/>
+            </a:p>
+          </p:txBody>
+        </p:sp>
+      </p:grpSp>
     </p:spTree>
     <p:extLst>
       <p:ext uri="{BB962C8B-B14F-4D97-AF65-F5344CB8AC3E}">
         <p14:creationId xmlns:p14="http://schemas.microsoft.com/office/powerpoint/2010/main" val="1166990520"/>
+      </p:ext>
+    </p:extLst>
+  </p:cSld>
+  <p:clrMapOvr>
+    <a:masterClrMapping/>
+  </p:clrMapOvr>
+</p:sld>
+</file>
+
+<file path=ppt/slides/slide2.xml><?xml version="1.0" encoding="utf-8"?>
+<p:sld xmlns:a="http://schemas.openxmlformats.org/drawingml/2006/main" xmlns:r="http://schemas.openxmlformats.org/officeDocument/2006/relationships" xmlns:p="http://schemas.openxmlformats.org/presentationml/2006/main">
+  <p:cSld>
+    <p:spTree>
+      <p:nvGrpSpPr>
+        <p:cNvPr id="1" name=""/>
+        <p:cNvGrpSpPr/>
+        <p:nvPr/>
+      </p:nvGrpSpPr>
+      <p:grpSpPr>
+        <a:xfrm>
+          <a:off x="0" y="0"/>
+          <a:ext cx="0" cy="0"/>
+          <a:chOff x="0" y="0"/>
+          <a:chExt cx="0" cy="0"/>
+        </a:xfrm>
+      </p:grpSpPr>
+      <p:sp>
+        <p:nvSpPr>
+          <p:cNvPr id="4" name="Rectangle 3">
+            <a:extLst>
+              <a:ext uri="{FF2B5EF4-FFF2-40B4-BE49-F238E27FC236}">
+                <a16:creationId xmlns:a16="http://schemas.microsoft.com/office/drawing/2014/main" id="{844DE82F-CEA7-43B9-A98E-4E676A4B3126}"/>
+              </a:ext>
+            </a:extLst>
+          </p:cNvPr>
+          <p:cNvSpPr/>
+          <p:nvPr/>
+        </p:nvSpPr>
+        <p:spPr>
+          <a:xfrm>
+            <a:off x="1315092" y="2759894"/>
+            <a:ext cx="2815120" cy="747445"/>
+          </a:xfrm>
+          <a:prstGeom prst="rect">
+            <a:avLst/>
+          </a:prstGeom>
+          <a:noFill/>
+        </p:spPr>
+        <p:style>
+          <a:lnRef idx="2">
+            <a:schemeClr val="accent1">
+              <a:shade val="50000"/>
+            </a:schemeClr>
+          </a:lnRef>
+          <a:fillRef idx="1">
+            <a:schemeClr val="accent1"/>
+          </a:fillRef>
+          <a:effectRef idx="0">
+            <a:schemeClr val="accent1"/>
+          </a:effectRef>
+          <a:fontRef idx="minor">
+            <a:schemeClr val="lt1"/>
+          </a:fontRef>
+        </p:style>
+        <p:txBody>
+          <a:bodyPr rtlCol="0" anchor="ctr"/>
+          <a:lstStyle/>
+          <a:p>
+            <a:r>
+              <a:rPr lang="en-CA" sz="1400" b="1" dirty="0">
+                <a:solidFill>
+                  <a:schemeClr val="tx1"/>
+                </a:solidFill>
+              </a:rPr>
+              <a:t>Key Vault Name:</a:t>
+            </a:r>
+          </a:p>
+          <a:p>
+            <a:r>
+              <a:rPr lang="en-CA" sz="1400" b="1" dirty="0">
+                <a:solidFill>
+                  <a:schemeClr val="tx1"/>
+                </a:solidFill>
+              </a:rPr>
+              <a:t>kv-pep-spokepep.vault.azure.net</a:t>
+            </a:r>
+          </a:p>
+        </p:txBody>
+      </p:sp>
+      <p:sp>
+        <p:nvSpPr>
+          <p:cNvPr id="5" name="Rectangle 4">
+            <a:extLst>
+              <a:ext uri="{FF2B5EF4-FFF2-40B4-BE49-F238E27FC236}">
+                <a16:creationId xmlns:a16="http://schemas.microsoft.com/office/drawing/2014/main" id="{3D5D1041-2FB1-4DDF-83C5-C33615F3B752}"/>
+              </a:ext>
+            </a:extLst>
+          </p:cNvPr>
+          <p:cNvSpPr/>
+          <p:nvPr/>
+        </p:nvSpPr>
+        <p:spPr>
+          <a:xfrm>
+            <a:off x="5289479" y="1282557"/>
+            <a:ext cx="4707276" cy="747445"/>
+          </a:xfrm>
+          <a:prstGeom prst="rect">
+            <a:avLst/>
+          </a:prstGeom>
+          <a:noFill/>
+        </p:spPr>
+        <p:style>
+          <a:lnRef idx="2">
+            <a:schemeClr val="accent1">
+              <a:shade val="50000"/>
+            </a:schemeClr>
+          </a:lnRef>
+          <a:fillRef idx="1">
+            <a:schemeClr val="accent1"/>
+          </a:fillRef>
+          <a:effectRef idx="0">
+            <a:schemeClr val="accent1"/>
+          </a:effectRef>
+          <a:fontRef idx="minor">
+            <a:schemeClr val="lt1"/>
+          </a:fontRef>
+        </p:style>
+        <p:txBody>
+          <a:bodyPr rtlCol="0" anchor="ctr"/>
+          <a:lstStyle/>
+          <a:p>
+            <a:r>
+              <a:rPr lang="en-CA" sz="1400" b="1" dirty="0">
+                <a:solidFill>
+                  <a:schemeClr val="tx1"/>
+                </a:solidFill>
+              </a:rPr>
+              <a:t>Before Private Link (External &amp; Internal Name Resolution)</a:t>
+            </a:r>
+          </a:p>
+          <a:p>
+            <a:pPr marL="285750" indent="-285750">
+              <a:buFont typeface="Arial" panose="020B0604020202020204" pitchFamily="34" charset="0"/>
+              <a:buChar char="•"/>
+            </a:pPr>
+            <a:r>
+              <a:rPr lang="en-CA" sz="1400" dirty="0">
+                <a:solidFill>
+                  <a:schemeClr val="tx1"/>
+                </a:solidFill>
+              </a:rPr>
+              <a:t>HOST: kv-pep-spokepep.vault.azure.net</a:t>
+            </a:r>
+          </a:p>
+          <a:p>
+            <a:pPr marL="285750" indent="-285750">
+              <a:buFont typeface="Arial" panose="020B0604020202020204" pitchFamily="34" charset="0"/>
+              <a:buChar char="•"/>
+            </a:pPr>
+            <a:r>
+              <a:rPr lang="en-CA" sz="1400" dirty="0">
+                <a:solidFill>
+                  <a:schemeClr val="tx1"/>
+                </a:solidFill>
+              </a:rPr>
+              <a:t>IP: 20.38.149.196</a:t>
+            </a:r>
+          </a:p>
+        </p:txBody>
+      </p:sp>
+      <p:sp>
+        <p:nvSpPr>
+          <p:cNvPr id="6" name="Rectangle 5">
+            <a:extLst>
+              <a:ext uri="{FF2B5EF4-FFF2-40B4-BE49-F238E27FC236}">
+                <a16:creationId xmlns:a16="http://schemas.microsoft.com/office/drawing/2014/main" id="{3E93FD78-2327-48D1-A718-68690BEAF08F}"/>
+              </a:ext>
+            </a:extLst>
+          </p:cNvPr>
+          <p:cNvSpPr/>
+          <p:nvPr/>
+        </p:nvSpPr>
+        <p:spPr>
+          <a:xfrm>
+            <a:off x="5289479" y="2681554"/>
+            <a:ext cx="4707276" cy="904127"/>
+          </a:xfrm>
+          <a:prstGeom prst="rect">
+            <a:avLst/>
+          </a:prstGeom>
+          <a:noFill/>
+        </p:spPr>
+        <p:style>
+          <a:lnRef idx="2">
+            <a:schemeClr val="accent1">
+              <a:shade val="50000"/>
+            </a:schemeClr>
+          </a:lnRef>
+          <a:fillRef idx="1">
+            <a:schemeClr val="accent1"/>
+          </a:fillRef>
+          <a:effectRef idx="0">
+            <a:schemeClr val="accent1"/>
+          </a:effectRef>
+          <a:fontRef idx="minor">
+            <a:schemeClr val="lt1"/>
+          </a:fontRef>
+        </p:style>
+        <p:txBody>
+          <a:bodyPr rtlCol="0" anchor="ctr"/>
+          <a:lstStyle/>
+          <a:p>
+            <a:r>
+              <a:rPr lang="en-CA" sz="1400" b="1" dirty="0">
+                <a:solidFill>
+                  <a:schemeClr val="tx1"/>
+                </a:solidFill>
+              </a:rPr>
+              <a:t>After Private Link (External Name Resolution)</a:t>
+            </a:r>
+          </a:p>
+          <a:p>
+            <a:pPr marL="285750" indent="-285750">
+              <a:buFont typeface="Arial" panose="020B0604020202020204" pitchFamily="34" charset="0"/>
+              <a:buChar char="•"/>
+            </a:pPr>
+            <a:r>
+              <a:rPr lang="en-CA" sz="1400" dirty="0">
+                <a:solidFill>
+                  <a:schemeClr val="tx1"/>
+                </a:solidFill>
+              </a:rPr>
+              <a:t>CNAME: kv-pep-spokepep.privatelink.vaultcore.azure.net</a:t>
+            </a:r>
+          </a:p>
+          <a:p>
+            <a:pPr marL="285750" indent="-285750">
+              <a:buFont typeface="Arial" panose="020B0604020202020204" pitchFamily="34" charset="0"/>
+              <a:buChar char="•"/>
+            </a:pPr>
+            <a:r>
+              <a:rPr lang="en-CA" sz="1400" dirty="0">
+                <a:solidFill>
+                  <a:schemeClr val="tx1"/>
+                </a:solidFill>
+              </a:rPr>
+              <a:t>HOST: kv-pep-spokepep.vault.azure.net</a:t>
+            </a:r>
+          </a:p>
+          <a:p>
+            <a:pPr marL="285750" indent="-285750">
+              <a:buFont typeface="Arial" panose="020B0604020202020204" pitchFamily="34" charset="0"/>
+              <a:buChar char="•"/>
+            </a:pPr>
+            <a:r>
+              <a:rPr lang="en-CA" sz="1400" dirty="0">
+                <a:solidFill>
+                  <a:schemeClr val="tx1"/>
+                </a:solidFill>
+              </a:rPr>
+              <a:t>IP: 20.38.149.196</a:t>
+            </a:r>
+          </a:p>
+        </p:txBody>
+      </p:sp>
+      <p:sp>
+        <p:nvSpPr>
+          <p:cNvPr id="7" name="Rectangle 6">
+            <a:extLst>
+              <a:ext uri="{FF2B5EF4-FFF2-40B4-BE49-F238E27FC236}">
+                <a16:creationId xmlns:a16="http://schemas.microsoft.com/office/drawing/2014/main" id="{82914380-6EE8-4DF9-BE6F-28C11EF5ACDB}"/>
+              </a:ext>
+            </a:extLst>
+          </p:cNvPr>
+          <p:cNvSpPr/>
+          <p:nvPr/>
+        </p:nvSpPr>
+        <p:spPr>
+          <a:xfrm>
+            <a:off x="5289479" y="4245794"/>
+            <a:ext cx="4707276" cy="904127"/>
+          </a:xfrm>
+          <a:prstGeom prst="rect">
+            <a:avLst/>
+          </a:prstGeom>
+          <a:noFill/>
+        </p:spPr>
+        <p:style>
+          <a:lnRef idx="2">
+            <a:schemeClr val="accent1">
+              <a:shade val="50000"/>
+            </a:schemeClr>
+          </a:lnRef>
+          <a:fillRef idx="1">
+            <a:schemeClr val="accent1"/>
+          </a:fillRef>
+          <a:effectRef idx="0">
+            <a:schemeClr val="accent1"/>
+          </a:effectRef>
+          <a:fontRef idx="minor">
+            <a:schemeClr val="lt1"/>
+          </a:fontRef>
+        </p:style>
+        <p:txBody>
+          <a:bodyPr rtlCol="0" anchor="ctr"/>
+          <a:lstStyle/>
+          <a:p>
+            <a:r>
+              <a:rPr lang="en-CA" sz="1400" b="1" dirty="0">
+                <a:solidFill>
+                  <a:schemeClr val="tx1"/>
+                </a:solidFill>
+              </a:rPr>
+              <a:t>After Private Link (Internal Name Resolution)</a:t>
+            </a:r>
+          </a:p>
+          <a:p>
+            <a:pPr marL="285750" indent="-285750">
+              <a:buFont typeface="Arial" panose="020B0604020202020204" pitchFamily="34" charset="0"/>
+              <a:buChar char="•"/>
+            </a:pPr>
+            <a:r>
+              <a:rPr lang="en-CA" sz="1400" dirty="0">
+                <a:solidFill>
+                  <a:schemeClr val="tx1"/>
+                </a:solidFill>
+              </a:rPr>
+              <a:t>HOST: kv-pep-spokepep.privatelink.vaultcore.azure.net</a:t>
+            </a:r>
+          </a:p>
+          <a:p>
+            <a:pPr marL="285750" indent="-285750">
+              <a:buFont typeface="Arial" panose="020B0604020202020204" pitchFamily="34" charset="0"/>
+              <a:buChar char="•"/>
+            </a:pPr>
+            <a:r>
+              <a:rPr lang="en-CA" sz="1400" dirty="0">
+                <a:solidFill>
+                  <a:schemeClr val="tx1"/>
+                </a:solidFill>
+              </a:rPr>
+              <a:t>IP: 10.2.0.4</a:t>
+            </a:r>
+          </a:p>
+        </p:txBody>
+      </p:sp>
+      <p:cxnSp>
+        <p:nvCxnSpPr>
+          <p:cNvPr id="9" name="Straight Arrow Connector 8">
+            <a:extLst>
+              <a:ext uri="{FF2B5EF4-FFF2-40B4-BE49-F238E27FC236}">
+                <a16:creationId xmlns:a16="http://schemas.microsoft.com/office/drawing/2014/main" id="{66160431-D693-445C-98CC-F44F54D4C86A}"/>
+              </a:ext>
+            </a:extLst>
+          </p:cNvPr>
+          <p:cNvCxnSpPr>
+            <a:stCxn id="4" idx="3"/>
+            <a:endCxn id="6" idx="1"/>
+          </p:cNvCxnSpPr>
+          <p:nvPr/>
+        </p:nvCxnSpPr>
+        <p:spPr>
+          <a:xfrm>
+            <a:off x="4130212" y="3133617"/>
+            <a:ext cx="1159267" cy="1"/>
+          </a:xfrm>
+          <a:prstGeom prst="straightConnector1">
+            <a:avLst/>
+          </a:prstGeom>
+          <a:ln>
+            <a:tailEnd type="triangle"/>
+          </a:ln>
+        </p:spPr>
+        <p:style>
+          <a:lnRef idx="1">
+            <a:schemeClr val="accent1"/>
+          </a:lnRef>
+          <a:fillRef idx="0">
+            <a:schemeClr val="accent1"/>
+          </a:fillRef>
+          <a:effectRef idx="0">
+            <a:schemeClr val="accent1"/>
+          </a:effectRef>
+          <a:fontRef idx="minor">
+            <a:schemeClr val="tx1"/>
+          </a:fontRef>
+        </p:style>
+      </p:cxnSp>
+      <p:cxnSp>
+        <p:nvCxnSpPr>
+          <p:cNvPr id="11" name="Connector: Elbow 10">
+            <a:extLst>
+              <a:ext uri="{FF2B5EF4-FFF2-40B4-BE49-F238E27FC236}">
+                <a16:creationId xmlns:a16="http://schemas.microsoft.com/office/drawing/2014/main" id="{763820E6-356E-4BE6-B082-C2AB3A436FB5}"/>
+              </a:ext>
+            </a:extLst>
+          </p:cNvPr>
+          <p:cNvCxnSpPr>
+            <a:stCxn id="4" idx="0"/>
+            <a:endCxn id="5" idx="1"/>
+          </p:cNvCxnSpPr>
+          <p:nvPr/>
+        </p:nvCxnSpPr>
+        <p:spPr>
+          <a:xfrm rot="5400000" flipH="1" flipV="1">
+            <a:off x="3454258" y="924674"/>
+            <a:ext cx="1103614" cy="2566827"/>
+          </a:xfrm>
+          <a:prstGeom prst="bentConnector2">
+            <a:avLst/>
+          </a:prstGeom>
+          <a:ln>
+            <a:tailEnd type="triangle"/>
+          </a:ln>
+        </p:spPr>
+        <p:style>
+          <a:lnRef idx="1">
+            <a:schemeClr val="accent1"/>
+          </a:lnRef>
+          <a:fillRef idx="0">
+            <a:schemeClr val="accent1"/>
+          </a:fillRef>
+          <a:effectRef idx="0">
+            <a:schemeClr val="accent1"/>
+          </a:effectRef>
+          <a:fontRef idx="minor">
+            <a:schemeClr val="tx1"/>
+          </a:fontRef>
+        </p:style>
+      </p:cxnSp>
+      <p:cxnSp>
+        <p:nvCxnSpPr>
+          <p:cNvPr id="13" name="Connector: Elbow 12">
+            <a:extLst>
+              <a:ext uri="{FF2B5EF4-FFF2-40B4-BE49-F238E27FC236}">
+                <a16:creationId xmlns:a16="http://schemas.microsoft.com/office/drawing/2014/main" id="{ACB4A334-FB8D-4F36-B7A8-06B58FB6B009}"/>
+              </a:ext>
+            </a:extLst>
+          </p:cNvPr>
+          <p:cNvCxnSpPr>
+            <a:stCxn id="4" idx="2"/>
+            <a:endCxn id="7" idx="1"/>
+          </p:cNvCxnSpPr>
+          <p:nvPr/>
+        </p:nvCxnSpPr>
+        <p:spPr>
+          <a:xfrm rot="16200000" flipH="1">
+            <a:off x="3410806" y="2819184"/>
+            <a:ext cx="1190519" cy="2566827"/>
+          </a:xfrm>
+          <a:prstGeom prst="bentConnector2">
+            <a:avLst/>
+          </a:prstGeom>
+          <a:ln>
+            <a:tailEnd type="triangle"/>
+          </a:ln>
+        </p:spPr>
+        <p:style>
+          <a:lnRef idx="1">
+            <a:schemeClr val="accent1"/>
+          </a:lnRef>
+          <a:fillRef idx="0">
+            <a:schemeClr val="accent1"/>
+          </a:fillRef>
+          <a:effectRef idx="0">
+            <a:schemeClr val="accent1"/>
+          </a:effectRef>
+          <a:fontRef idx="minor">
+            <a:schemeClr val="tx1"/>
+          </a:fontRef>
+        </p:style>
+      </p:cxnSp>
+    </p:spTree>
+    <p:extLst>
+      <p:ext uri="{BB962C8B-B14F-4D97-AF65-F5344CB8AC3E}">
+        <p14:creationId xmlns:p14="http://schemas.microsoft.com/office/powerpoint/2010/main" val="839509754"/>
+      </p:ext>
+    </p:extLst>
+  </p:cSld>
+  <p:clrMapOvr>
+    <a:masterClrMapping/>
+  </p:clrMapOvr>
+</p:sld>
+</file>
+
+<file path=ppt/slides/slide3.xml><?xml version="1.0" encoding="utf-8"?>
+<p:sld xmlns:a="http://schemas.openxmlformats.org/drawingml/2006/main" xmlns:r="http://schemas.openxmlformats.org/officeDocument/2006/relationships" xmlns:p="http://schemas.openxmlformats.org/presentationml/2006/main">
+  <p:cSld>
+    <p:spTree>
+      <p:nvGrpSpPr>
+        <p:cNvPr id="1" name=""/>
+        <p:cNvGrpSpPr/>
+        <p:nvPr/>
+      </p:nvGrpSpPr>
+      <p:grpSpPr>
+        <a:xfrm>
+          <a:off x="0" y="0"/>
+          <a:ext cx="0" cy="0"/>
+          <a:chOff x="0" y="0"/>
+          <a:chExt cx="0" cy="0"/>
+        </a:xfrm>
+      </p:grpSpPr>
+      <p:grpSp>
+        <p:nvGrpSpPr>
+          <p:cNvPr id="2" name="Group 1">
+            <a:extLst>
+              <a:ext uri="{FF2B5EF4-FFF2-40B4-BE49-F238E27FC236}">
+                <a16:creationId xmlns:a16="http://schemas.microsoft.com/office/drawing/2014/main" id="{EB3B6704-766B-485C-85DD-714B934AB52C}"/>
+              </a:ext>
+            </a:extLst>
+          </p:cNvPr>
+          <p:cNvGrpSpPr/>
+          <p:nvPr/>
+        </p:nvGrpSpPr>
+        <p:grpSpPr>
+          <a:xfrm>
+            <a:off x="306756" y="3429000"/>
+            <a:ext cx="2785265" cy="2379543"/>
+            <a:chOff x="861561" y="687707"/>
+            <a:chExt cx="2785265" cy="2379543"/>
+          </a:xfrm>
+        </p:grpSpPr>
+        <p:sp>
+          <p:nvSpPr>
+            <p:cNvPr id="3" name="Rectangle 2">
+              <a:extLst>
+                <a:ext uri="{FF2B5EF4-FFF2-40B4-BE49-F238E27FC236}">
+                  <a16:creationId xmlns:a16="http://schemas.microsoft.com/office/drawing/2014/main" id="{72AADC0E-3C85-4E0A-8C05-6BCC1F4BF588}"/>
+                </a:ext>
+              </a:extLst>
+            </p:cNvPr>
+            <p:cNvSpPr/>
+            <p:nvPr/>
+          </p:nvSpPr>
+          <p:spPr>
+            <a:xfrm>
+              <a:off x="883675" y="1036705"/>
+              <a:ext cx="2763151" cy="2030545"/>
+            </a:xfrm>
+            <a:prstGeom prst="rect">
+              <a:avLst/>
+            </a:prstGeom>
+            <a:noFill/>
+            <a:ln>
+              <a:prstDash val="lgDash"/>
+            </a:ln>
+          </p:spPr>
+          <p:style>
+            <a:lnRef idx="2">
+              <a:schemeClr val="accent1">
+                <a:shade val="50000"/>
+              </a:schemeClr>
+            </a:lnRef>
+            <a:fillRef idx="1">
+              <a:schemeClr val="accent1"/>
+            </a:fillRef>
+            <a:effectRef idx="0">
+              <a:schemeClr val="accent1"/>
+            </a:effectRef>
+            <a:fontRef idx="minor">
+              <a:schemeClr val="lt1"/>
+            </a:fontRef>
+          </p:style>
+          <p:txBody>
+            <a:bodyPr rtlCol="0" anchor="ctr"/>
+            <a:lstStyle/>
+            <a:p>
+              <a:pPr algn="ctr"/>
+              <a:endParaRPr lang="en-CA"/>
+            </a:p>
+          </p:txBody>
+        </p:sp>
+        <p:grpSp>
+          <p:nvGrpSpPr>
+            <p:cNvPr id="4" name="Group 3">
+              <a:extLst>
+                <a:ext uri="{FF2B5EF4-FFF2-40B4-BE49-F238E27FC236}">
+                  <a16:creationId xmlns:a16="http://schemas.microsoft.com/office/drawing/2014/main" id="{CD5CC296-1F1B-4390-BC90-7AAD8704B0FD}"/>
+                </a:ext>
+              </a:extLst>
+            </p:cNvPr>
+            <p:cNvGrpSpPr/>
+            <p:nvPr/>
+          </p:nvGrpSpPr>
+          <p:grpSpPr>
+            <a:xfrm>
+              <a:off x="861561" y="794053"/>
+              <a:ext cx="1633502" cy="488729"/>
+              <a:chOff x="4649644" y="3825726"/>
+              <a:chExt cx="1633502" cy="488729"/>
+            </a:xfrm>
+          </p:grpSpPr>
+          <p:pic>
+            <p:nvPicPr>
+              <p:cNvPr id="11" name="Picture 10" descr="Icon&#10;&#10;Description automatically generated">
+                <a:extLst>
+                  <a:ext uri="{FF2B5EF4-FFF2-40B4-BE49-F238E27FC236}">
+                    <a16:creationId xmlns:a16="http://schemas.microsoft.com/office/drawing/2014/main" id="{89A4DF07-70B0-4BF4-9DD5-CD8EC172DBA9}"/>
+                  </a:ext>
+                </a:extLst>
+              </p:cNvPr>
+              <p:cNvPicPr>
+                <a:picLocks noChangeAspect="1"/>
+              </p:cNvPicPr>
+              <p:nvPr/>
+            </p:nvPicPr>
+            <p:blipFill>
+              <a:blip r:embed="rId2">
+                <a:extLst>
+                  <a:ext uri="{28A0092B-C50C-407E-A947-70E740481C1C}">
+                    <a14:useLocalDpi xmlns:a14="http://schemas.microsoft.com/office/drawing/2010/main" val="0"/>
+                  </a:ext>
+                </a:extLst>
+              </a:blip>
+              <a:stretch>
+                <a:fillRect/>
+              </a:stretch>
+            </p:blipFill>
+            <p:spPr>
+              <a:xfrm>
+                <a:off x="4649644" y="3833117"/>
+                <a:ext cx="481338" cy="481338"/>
+              </a:xfrm>
+              <a:prstGeom prst="rect">
+                <a:avLst/>
+              </a:prstGeom>
+            </p:spPr>
+          </p:pic>
+          <p:sp>
+            <p:nvSpPr>
+              <p:cNvPr id="12" name="Rectangle 11">
+                <a:extLst>
+                  <a:ext uri="{FF2B5EF4-FFF2-40B4-BE49-F238E27FC236}">
+                    <a16:creationId xmlns:a16="http://schemas.microsoft.com/office/drawing/2014/main" id="{2C45FAEF-1EB3-49B9-B595-C29B24D6F643}"/>
+                  </a:ext>
+                </a:extLst>
+              </p:cNvPr>
+              <p:cNvSpPr/>
+              <p:nvPr/>
+            </p:nvSpPr>
+            <p:spPr>
+              <a:xfrm>
+                <a:off x="4998629" y="3825726"/>
+                <a:ext cx="1284517" cy="342457"/>
+              </a:xfrm>
+              <a:prstGeom prst="rect">
+                <a:avLst/>
+              </a:prstGeom>
+              <a:noFill/>
+              <a:ln>
+                <a:noFill/>
+              </a:ln>
+            </p:spPr>
+            <p:style>
+              <a:lnRef idx="2">
+                <a:schemeClr val="accent1">
+                  <a:shade val="50000"/>
+                </a:schemeClr>
+              </a:lnRef>
+              <a:fillRef idx="1">
+                <a:schemeClr val="accent1"/>
+              </a:fillRef>
+              <a:effectRef idx="0">
+                <a:schemeClr val="accent1"/>
+              </a:effectRef>
+              <a:fontRef idx="minor">
+                <a:schemeClr val="lt1"/>
+              </a:fontRef>
+            </p:style>
+            <p:txBody>
+              <a:bodyPr rtlCol="0" anchor="ctr"/>
+              <a:lstStyle/>
+              <a:p>
+                <a:pPr algn="ctr"/>
+                <a:r>
+                  <a:rPr lang="en-CA" sz="1000" b="1" dirty="0">
+                    <a:solidFill>
+                      <a:schemeClr val="tx1"/>
+                    </a:solidFill>
+                  </a:rPr>
+                  <a:t>VNet – 10.1.0.0/16</a:t>
+                </a:r>
+              </a:p>
+            </p:txBody>
+          </p:sp>
+        </p:grpSp>
+        <p:sp>
+          <p:nvSpPr>
+            <p:cNvPr id="5" name="Rectangle 4">
+              <a:extLst>
+                <a:ext uri="{FF2B5EF4-FFF2-40B4-BE49-F238E27FC236}">
+                  <a16:creationId xmlns:a16="http://schemas.microsoft.com/office/drawing/2014/main" id="{D1E9FABA-DCAC-486F-8E5E-011F3DE45CB9}"/>
+                </a:ext>
+              </a:extLst>
+            </p:cNvPr>
+            <p:cNvSpPr/>
+            <p:nvPr/>
+          </p:nvSpPr>
+          <p:spPr>
+            <a:xfrm>
+              <a:off x="1007344" y="1447914"/>
+              <a:ext cx="2393354" cy="1393945"/>
+            </a:xfrm>
+            <a:prstGeom prst="rect">
+              <a:avLst/>
+            </a:prstGeom>
+            <a:noFill/>
+            <a:ln>
+              <a:prstDash val="lgDash"/>
+            </a:ln>
+          </p:spPr>
+          <p:style>
+            <a:lnRef idx="2">
+              <a:schemeClr val="accent1">
+                <a:shade val="50000"/>
+              </a:schemeClr>
+            </a:lnRef>
+            <a:fillRef idx="1">
+              <a:schemeClr val="accent1"/>
+            </a:fillRef>
+            <a:effectRef idx="0">
+              <a:schemeClr val="accent1"/>
+            </a:effectRef>
+            <a:fontRef idx="minor">
+              <a:schemeClr val="lt1"/>
+            </a:fontRef>
+          </p:style>
+          <p:txBody>
+            <a:bodyPr rtlCol="0" anchor="ctr"/>
+            <a:lstStyle/>
+            <a:p>
+              <a:pPr algn="ctr"/>
+              <a:endParaRPr lang="en-CA"/>
+            </a:p>
+          </p:txBody>
+        </p:sp>
+        <p:sp>
+          <p:nvSpPr>
+            <p:cNvPr id="6" name="Rectangle 5">
+              <a:extLst>
+                <a:ext uri="{FF2B5EF4-FFF2-40B4-BE49-F238E27FC236}">
+                  <a16:creationId xmlns:a16="http://schemas.microsoft.com/office/drawing/2014/main" id="{E1FFE385-F2C3-4926-A3C6-F31457F777E8}"/>
+                </a:ext>
+              </a:extLst>
+            </p:cNvPr>
+            <p:cNvSpPr/>
+            <p:nvPr/>
+          </p:nvSpPr>
+          <p:spPr>
+            <a:xfrm>
+              <a:off x="911037" y="1225621"/>
+              <a:ext cx="1354213" cy="281638"/>
+            </a:xfrm>
+            <a:prstGeom prst="rect">
+              <a:avLst/>
+            </a:prstGeom>
+            <a:noFill/>
+            <a:ln>
+              <a:noFill/>
+            </a:ln>
+          </p:spPr>
+          <p:style>
+            <a:lnRef idx="2">
+              <a:schemeClr val="accent1">
+                <a:shade val="50000"/>
+              </a:schemeClr>
+            </a:lnRef>
+            <a:fillRef idx="1">
+              <a:schemeClr val="accent1"/>
+            </a:fillRef>
+            <a:effectRef idx="0">
+              <a:schemeClr val="accent1"/>
+            </a:effectRef>
+            <a:fontRef idx="minor">
+              <a:schemeClr val="lt1"/>
+            </a:fontRef>
+          </p:style>
+          <p:txBody>
+            <a:bodyPr rtlCol="0" anchor="ctr"/>
+            <a:lstStyle/>
+            <a:p>
+              <a:pPr algn="ctr"/>
+              <a:r>
+                <a:rPr lang="en-CA" sz="1000" b="1" dirty="0">
+                  <a:solidFill>
+                    <a:schemeClr val="tx1"/>
+                  </a:solidFill>
+                </a:rPr>
+                <a:t>Subnet – 10.1.0.0/24</a:t>
+              </a:r>
+            </a:p>
+          </p:txBody>
+        </p:sp>
+        <p:sp>
+          <p:nvSpPr>
+            <p:cNvPr id="7" name="Rectangle 6">
+              <a:extLst>
+                <a:ext uri="{FF2B5EF4-FFF2-40B4-BE49-F238E27FC236}">
+                  <a16:creationId xmlns:a16="http://schemas.microsoft.com/office/drawing/2014/main" id="{00CD3ACC-7506-41E0-98FE-35236236CFF7}"/>
+                </a:ext>
+              </a:extLst>
+            </p:cNvPr>
+            <p:cNvSpPr/>
+            <p:nvPr/>
+          </p:nvSpPr>
+          <p:spPr>
+            <a:xfrm>
+              <a:off x="1210345" y="687707"/>
+              <a:ext cx="1284517" cy="251870"/>
+            </a:xfrm>
+            <a:prstGeom prst="rect">
+              <a:avLst/>
+            </a:prstGeom>
+            <a:noFill/>
+            <a:ln>
+              <a:noFill/>
+            </a:ln>
+          </p:spPr>
+          <p:style>
+            <a:lnRef idx="2">
+              <a:schemeClr val="accent1">
+                <a:shade val="50000"/>
+              </a:schemeClr>
+            </a:lnRef>
+            <a:fillRef idx="1">
+              <a:schemeClr val="accent1"/>
+            </a:fillRef>
+            <a:effectRef idx="0">
+              <a:schemeClr val="accent1"/>
+            </a:effectRef>
+            <a:fontRef idx="minor">
+              <a:schemeClr val="lt1"/>
+            </a:fontRef>
+          </p:style>
+          <p:txBody>
+            <a:bodyPr rtlCol="0" anchor="ctr"/>
+            <a:lstStyle/>
+            <a:p>
+              <a:pPr algn="ctr"/>
+              <a:r>
+                <a:rPr lang="en-CA" sz="1000" b="1" dirty="0">
+                  <a:solidFill>
+                    <a:schemeClr val="tx1"/>
+                  </a:solidFill>
+                </a:rPr>
+                <a:t>Spoke VNet - App</a:t>
+              </a:r>
+            </a:p>
+          </p:txBody>
+        </p:sp>
+        <p:grpSp>
+          <p:nvGrpSpPr>
+            <p:cNvPr id="8" name="Group 7">
+              <a:extLst>
+                <a:ext uri="{FF2B5EF4-FFF2-40B4-BE49-F238E27FC236}">
+                  <a16:creationId xmlns:a16="http://schemas.microsoft.com/office/drawing/2014/main" id="{FDDDD130-44C9-424A-A93F-1D67A048F2E4}"/>
+                </a:ext>
+              </a:extLst>
+            </p:cNvPr>
+            <p:cNvGrpSpPr/>
+            <p:nvPr/>
+          </p:nvGrpSpPr>
+          <p:grpSpPr>
+            <a:xfrm>
+              <a:off x="1735124" y="1849040"/>
+              <a:ext cx="937793" cy="651037"/>
+              <a:chOff x="1149983" y="3959196"/>
+              <a:chExt cx="937793" cy="651037"/>
+            </a:xfrm>
+          </p:grpSpPr>
+          <p:sp>
+            <p:nvSpPr>
+              <p:cNvPr id="9" name="Rectangle 8">
+                <a:extLst>
+                  <a:ext uri="{FF2B5EF4-FFF2-40B4-BE49-F238E27FC236}">
+                    <a16:creationId xmlns:a16="http://schemas.microsoft.com/office/drawing/2014/main" id="{5FB97AF3-4890-4AA2-A74B-E71443216386}"/>
+                  </a:ext>
+                </a:extLst>
+              </p:cNvPr>
+              <p:cNvSpPr/>
+              <p:nvPr/>
+            </p:nvSpPr>
+            <p:spPr>
+              <a:xfrm>
+                <a:off x="1149983" y="4324482"/>
+                <a:ext cx="937793" cy="285751"/>
+              </a:xfrm>
+              <a:prstGeom prst="rect">
+                <a:avLst/>
+              </a:prstGeom>
+              <a:noFill/>
+              <a:ln>
+                <a:noFill/>
+              </a:ln>
+            </p:spPr>
+            <p:style>
+              <a:lnRef idx="2">
+                <a:schemeClr val="accent1">
+                  <a:shade val="50000"/>
+                </a:schemeClr>
+              </a:lnRef>
+              <a:fillRef idx="1">
+                <a:schemeClr val="accent1"/>
+              </a:fillRef>
+              <a:effectRef idx="0">
+                <a:schemeClr val="accent1"/>
+              </a:effectRef>
+              <a:fontRef idx="minor">
+                <a:schemeClr val="lt1"/>
+              </a:fontRef>
+            </p:style>
+            <p:txBody>
+              <a:bodyPr rtlCol="0" anchor="ctr"/>
+              <a:lstStyle/>
+              <a:p>
+                <a:pPr algn="ctr"/>
+                <a:r>
+                  <a:rPr lang="en-CA" sz="1000" b="1" dirty="0">
+                    <a:solidFill>
+                      <a:schemeClr val="tx1"/>
+                    </a:solidFill>
+                  </a:rPr>
+                  <a:t>VM</a:t>
+                </a:r>
+              </a:p>
+            </p:txBody>
+          </p:sp>
+          <p:pic>
+            <p:nvPicPr>
+              <p:cNvPr id="10" name="Picture 9" descr="Icon&#10;&#10;Description automatically generated">
+                <a:extLst>
+                  <a:ext uri="{FF2B5EF4-FFF2-40B4-BE49-F238E27FC236}">
+                    <a16:creationId xmlns:a16="http://schemas.microsoft.com/office/drawing/2014/main" id="{1AC2D7A8-6979-4F8D-9021-96ACDB668FD4}"/>
+                  </a:ext>
+                </a:extLst>
+              </p:cNvPr>
+              <p:cNvPicPr>
+                <a:picLocks noChangeAspect="1"/>
+              </p:cNvPicPr>
+              <p:nvPr/>
+            </p:nvPicPr>
+            <p:blipFill>
+              <a:blip r:embed="rId3">
+                <a:extLst>
+                  <a:ext uri="{28A0092B-C50C-407E-A947-70E740481C1C}">
+                    <a14:useLocalDpi xmlns:a14="http://schemas.microsoft.com/office/drawing/2010/main" val="0"/>
+                  </a:ext>
+                </a:extLst>
+              </a:blip>
+              <a:stretch>
+                <a:fillRect/>
+              </a:stretch>
+            </p:blipFill>
+            <p:spPr>
+              <a:xfrm>
+                <a:off x="1377242" y="3959196"/>
+                <a:ext cx="475361" cy="426617"/>
+              </a:xfrm>
+              <a:prstGeom prst="rect">
+                <a:avLst/>
+              </a:prstGeom>
+            </p:spPr>
+          </p:pic>
+        </p:grpSp>
+      </p:grpSp>
+      <p:grpSp>
+        <p:nvGrpSpPr>
+          <p:cNvPr id="13" name="Group 12">
+            <a:extLst>
+              <a:ext uri="{FF2B5EF4-FFF2-40B4-BE49-F238E27FC236}">
+                <a16:creationId xmlns:a16="http://schemas.microsoft.com/office/drawing/2014/main" id="{73F7A390-29AD-46B9-9BFE-AFC3D98C5A4D}"/>
+              </a:ext>
+            </a:extLst>
+          </p:cNvPr>
+          <p:cNvGrpSpPr/>
+          <p:nvPr/>
+        </p:nvGrpSpPr>
+        <p:grpSpPr>
+          <a:xfrm>
+            <a:off x="3947585" y="3429000"/>
+            <a:ext cx="2807379" cy="2379543"/>
+            <a:chOff x="4236132" y="2642781"/>
+            <a:chExt cx="2807379" cy="2379543"/>
+          </a:xfrm>
+        </p:grpSpPr>
+        <p:sp>
+          <p:nvSpPr>
+            <p:cNvPr id="14" name="Rectangle 13">
+              <a:extLst>
+                <a:ext uri="{FF2B5EF4-FFF2-40B4-BE49-F238E27FC236}">
+                  <a16:creationId xmlns:a16="http://schemas.microsoft.com/office/drawing/2014/main" id="{5CFD6275-522B-49D6-944B-FC61CE0A2896}"/>
+                </a:ext>
+              </a:extLst>
+            </p:cNvPr>
+            <p:cNvSpPr/>
+            <p:nvPr/>
+          </p:nvSpPr>
+          <p:spPr>
+            <a:xfrm>
+              <a:off x="4258246" y="2991779"/>
+              <a:ext cx="2763151" cy="2030545"/>
+            </a:xfrm>
+            <a:prstGeom prst="rect">
+              <a:avLst/>
+            </a:prstGeom>
+            <a:noFill/>
+            <a:ln>
+              <a:prstDash val="lgDash"/>
+            </a:ln>
+          </p:spPr>
+          <p:style>
+            <a:lnRef idx="2">
+              <a:schemeClr val="accent1">
+                <a:shade val="50000"/>
+              </a:schemeClr>
+            </a:lnRef>
+            <a:fillRef idx="1">
+              <a:schemeClr val="accent1"/>
+            </a:fillRef>
+            <a:effectRef idx="0">
+              <a:schemeClr val="accent1"/>
+            </a:effectRef>
+            <a:fontRef idx="minor">
+              <a:schemeClr val="lt1"/>
+            </a:fontRef>
+          </p:style>
+          <p:txBody>
+            <a:bodyPr rtlCol="0" anchor="ctr"/>
+            <a:lstStyle/>
+            <a:p>
+              <a:pPr algn="ctr"/>
+              <a:endParaRPr lang="en-CA"/>
+            </a:p>
+          </p:txBody>
+        </p:sp>
+        <p:grpSp>
+          <p:nvGrpSpPr>
+            <p:cNvPr id="15" name="Group 14">
+              <a:extLst>
+                <a:ext uri="{FF2B5EF4-FFF2-40B4-BE49-F238E27FC236}">
+                  <a16:creationId xmlns:a16="http://schemas.microsoft.com/office/drawing/2014/main" id="{2A97229E-3674-4033-BFD4-A78824B42FB7}"/>
+                </a:ext>
+              </a:extLst>
+            </p:cNvPr>
+            <p:cNvGrpSpPr/>
+            <p:nvPr/>
+          </p:nvGrpSpPr>
+          <p:grpSpPr>
+            <a:xfrm>
+              <a:off x="4236132" y="2749127"/>
+              <a:ext cx="1633502" cy="488729"/>
+              <a:chOff x="4649644" y="3825726"/>
+              <a:chExt cx="1633502" cy="488729"/>
+            </a:xfrm>
+          </p:grpSpPr>
+          <p:pic>
+            <p:nvPicPr>
+              <p:cNvPr id="25" name="Picture 24" descr="Icon&#10;&#10;Description automatically generated">
+                <a:extLst>
+                  <a:ext uri="{FF2B5EF4-FFF2-40B4-BE49-F238E27FC236}">
+                    <a16:creationId xmlns:a16="http://schemas.microsoft.com/office/drawing/2014/main" id="{04F72060-740D-491E-A437-6A38AEC6F0F4}"/>
+                  </a:ext>
+                </a:extLst>
+              </p:cNvPr>
+              <p:cNvPicPr>
+                <a:picLocks noChangeAspect="1"/>
+              </p:cNvPicPr>
+              <p:nvPr/>
+            </p:nvPicPr>
+            <p:blipFill>
+              <a:blip r:embed="rId2">
+                <a:extLst>
+                  <a:ext uri="{28A0092B-C50C-407E-A947-70E740481C1C}">
+                    <a14:useLocalDpi xmlns:a14="http://schemas.microsoft.com/office/drawing/2010/main" val="0"/>
+                  </a:ext>
+                </a:extLst>
+              </a:blip>
+              <a:stretch>
+                <a:fillRect/>
+              </a:stretch>
+            </p:blipFill>
+            <p:spPr>
+              <a:xfrm>
+                <a:off x="4649644" y="3833117"/>
+                <a:ext cx="481338" cy="481338"/>
+              </a:xfrm>
+              <a:prstGeom prst="rect">
+                <a:avLst/>
+              </a:prstGeom>
+            </p:spPr>
+          </p:pic>
+          <p:sp>
+            <p:nvSpPr>
+              <p:cNvPr id="26" name="Rectangle 25">
+                <a:extLst>
+                  <a:ext uri="{FF2B5EF4-FFF2-40B4-BE49-F238E27FC236}">
+                    <a16:creationId xmlns:a16="http://schemas.microsoft.com/office/drawing/2014/main" id="{F65488D5-E674-498B-86EB-61992149FB9D}"/>
+                  </a:ext>
+                </a:extLst>
+              </p:cNvPr>
+              <p:cNvSpPr/>
+              <p:nvPr/>
+            </p:nvSpPr>
+            <p:spPr>
+              <a:xfrm>
+                <a:off x="4998629" y="3825726"/>
+                <a:ext cx="1284517" cy="342457"/>
+              </a:xfrm>
+              <a:prstGeom prst="rect">
+                <a:avLst/>
+              </a:prstGeom>
+              <a:noFill/>
+              <a:ln>
+                <a:noFill/>
+              </a:ln>
+            </p:spPr>
+            <p:style>
+              <a:lnRef idx="2">
+                <a:schemeClr val="accent1">
+                  <a:shade val="50000"/>
+                </a:schemeClr>
+              </a:lnRef>
+              <a:fillRef idx="1">
+                <a:schemeClr val="accent1"/>
+              </a:fillRef>
+              <a:effectRef idx="0">
+                <a:schemeClr val="accent1"/>
+              </a:effectRef>
+              <a:fontRef idx="minor">
+                <a:schemeClr val="lt1"/>
+              </a:fontRef>
+            </p:style>
+            <p:txBody>
+              <a:bodyPr rtlCol="0" anchor="ctr"/>
+              <a:lstStyle/>
+              <a:p>
+                <a:pPr algn="ctr"/>
+                <a:r>
+                  <a:rPr lang="en-CA" sz="1000" b="1" dirty="0">
+                    <a:solidFill>
+                      <a:schemeClr val="tx1"/>
+                    </a:solidFill>
+                  </a:rPr>
+                  <a:t>VNet – 10.0.0.0/16</a:t>
+                </a:r>
+              </a:p>
+            </p:txBody>
+          </p:sp>
+        </p:grpSp>
+        <p:sp>
+          <p:nvSpPr>
+            <p:cNvPr id="16" name="Rectangle 15">
+              <a:extLst>
+                <a:ext uri="{FF2B5EF4-FFF2-40B4-BE49-F238E27FC236}">
+                  <a16:creationId xmlns:a16="http://schemas.microsoft.com/office/drawing/2014/main" id="{63AB0E81-82E0-4627-97EE-FF599AC5FD49}"/>
+                </a:ext>
+              </a:extLst>
+            </p:cNvPr>
+            <p:cNvSpPr/>
+            <p:nvPr/>
+          </p:nvSpPr>
+          <p:spPr>
+            <a:xfrm>
+              <a:off x="4381915" y="3402988"/>
+              <a:ext cx="2393354" cy="1393945"/>
+            </a:xfrm>
+            <a:prstGeom prst="rect">
+              <a:avLst/>
+            </a:prstGeom>
+            <a:noFill/>
+            <a:ln>
+              <a:prstDash val="lgDash"/>
+            </a:ln>
+          </p:spPr>
+          <p:style>
+            <a:lnRef idx="2">
+              <a:schemeClr val="accent1">
+                <a:shade val="50000"/>
+              </a:schemeClr>
+            </a:lnRef>
+            <a:fillRef idx="1">
+              <a:schemeClr val="accent1"/>
+            </a:fillRef>
+            <a:effectRef idx="0">
+              <a:schemeClr val="accent1"/>
+            </a:effectRef>
+            <a:fontRef idx="minor">
+              <a:schemeClr val="lt1"/>
+            </a:fontRef>
+          </p:style>
+          <p:txBody>
+            <a:bodyPr rtlCol="0" anchor="ctr"/>
+            <a:lstStyle/>
+            <a:p>
+              <a:pPr algn="ctr"/>
+              <a:endParaRPr lang="en-CA"/>
+            </a:p>
+          </p:txBody>
+        </p:sp>
+        <p:grpSp>
+          <p:nvGrpSpPr>
+            <p:cNvPr id="17" name="Group 16">
+              <a:extLst>
+                <a:ext uri="{FF2B5EF4-FFF2-40B4-BE49-F238E27FC236}">
+                  <a16:creationId xmlns:a16="http://schemas.microsoft.com/office/drawing/2014/main" id="{6DFF6914-9121-4AB9-BC2B-879BA522F9B7}"/>
+                </a:ext>
+              </a:extLst>
+            </p:cNvPr>
+            <p:cNvGrpSpPr/>
+            <p:nvPr/>
+          </p:nvGrpSpPr>
+          <p:grpSpPr>
+            <a:xfrm>
+              <a:off x="6245199" y="4202515"/>
+              <a:ext cx="798312" cy="759550"/>
+              <a:chOff x="10481349" y="5875433"/>
+              <a:chExt cx="798312" cy="759550"/>
+            </a:xfrm>
+          </p:grpSpPr>
+          <p:sp>
+            <p:nvSpPr>
+              <p:cNvPr id="23" name="Rectangle 22">
+                <a:extLst>
+                  <a:ext uri="{FF2B5EF4-FFF2-40B4-BE49-F238E27FC236}">
+                    <a16:creationId xmlns:a16="http://schemas.microsoft.com/office/drawing/2014/main" id="{3D9CED80-E41F-4EBF-8515-ADAEAEF9554A}"/>
+                  </a:ext>
+                </a:extLst>
+              </p:cNvPr>
+              <p:cNvSpPr/>
+              <p:nvPr/>
+            </p:nvSpPr>
+            <p:spPr>
+              <a:xfrm>
+                <a:off x="10481349" y="6349232"/>
+                <a:ext cx="798312" cy="285751"/>
+              </a:xfrm>
+              <a:prstGeom prst="rect">
+                <a:avLst/>
+              </a:prstGeom>
+              <a:noFill/>
+              <a:ln>
+                <a:noFill/>
+              </a:ln>
+            </p:spPr>
+            <p:style>
+              <a:lnRef idx="2">
+                <a:schemeClr val="accent1">
+                  <a:shade val="50000"/>
+                </a:schemeClr>
+              </a:lnRef>
+              <a:fillRef idx="1">
+                <a:schemeClr val="accent1"/>
+              </a:fillRef>
+              <a:effectRef idx="0">
+                <a:schemeClr val="accent1"/>
+              </a:effectRef>
+              <a:fontRef idx="minor">
+                <a:schemeClr val="lt1"/>
+              </a:fontRef>
+            </p:style>
+            <p:txBody>
+              <a:bodyPr rtlCol="0" anchor="ctr"/>
+              <a:lstStyle/>
+              <a:p>
+                <a:pPr algn="ctr"/>
+                <a:r>
+                  <a:rPr lang="en-CA" sz="1000" b="1" dirty="0">
+                    <a:solidFill>
+                      <a:schemeClr val="tx1"/>
+                    </a:solidFill>
+                  </a:rPr>
+                  <a:t>Service Endpoint</a:t>
+                </a:r>
+              </a:p>
+            </p:txBody>
+          </p:sp>
+          <p:pic>
+            <p:nvPicPr>
+              <p:cNvPr id="24" name="Graphic 23">
+                <a:extLst>
+                  <a:ext uri="{FF2B5EF4-FFF2-40B4-BE49-F238E27FC236}">
+                    <a16:creationId xmlns:a16="http://schemas.microsoft.com/office/drawing/2014/main" id="{482944B2-A507-4BCB-96D3-A0A151870BC4}"/>
+                  </a:ext>
+                </a:extLst>
+              </p:cNvPr>
+              <p:cNvPicPr>
+                <a:picLocks noChangeAspect="1"/>
+              </p:cNvPicPr>
+              <p:nvPr/>
+            </p:nvPicPr>
+            <p:blipFill>
+              <a:blip r:embed="rId4">
+                <a:extLst>
+                  <a:ext uri="{28A0092B-C50C-407E-A947-70E740481C1C}">
+                    <a14:useLocalDpi xmlns:a14="http://schemas.microsoft.com/office/drawing/2010/main" val="0"/>
+                  </a:ext>
+                  <a:ext uri="{96DAC541-7B7A-43D3-8B79-37D633B846F1}">
+                    <asvg:svgBlip xmlns:asvg="http://schemas.microsoft.com/office/drawing/2016/SVG/main" r:embed="rId5"/>
+                  </a:ext>
+                </a:extLst>
+              </a:blip>
+              <a:stretch>
+                <a:fillRect/>
+              </a:stretch>
+            </p:blipFill>
+            <p:spPr>
+              <a:xfrm>
+                <a:off x="10698905" y="5875433"/>
+                <a:ext cx="476250" cy="476250"/>
+              </a:xfrm>
+              <a:prstGeom prst="rect">
+                <a:avLst/>
+              </a:prstGeom>
+            </p:spPr>
+          </p:pic>
+        </p:grpSp>
+        <p:sp>
+          <p:nvSpPr>
+            <p:cNvPr id="18" name="Rectangle 17">
+              <a:extLst>
+                <a:ext uri="{FF2B5EF4-FFF2-40B4-BE49-F238E27FC236}">
+                  <a16:creationId xmlns:a16="http://schemas.microsoft.com/office/drawing/2014/main" id="{5BE82763-44DF-4127-8C18-DAB0D0C8E00B}"/>
+                </a:ext>
+              </a:extLst>
+            </p:cNvPr>
+            <p:cNvSpPr/>
+            <p:nvPr/>
+          </p:nvSpPr>
+          <p:spPr>
+            <a:xfrm>
+              <a:off x="4285608" y="3180695"/>
+              <a:ext cx="1354213" cy="281638"/>
+            </a:xfrm>
+            <a:prstGeom prst="rect">
+              <a:avLst/>
+            </a:prstGeom>
+            <a:noFill/>
+            <a:ln>
+              <a:noFill/>
+            </a:ln>
+          </p:spPr>
+          <p:style>
+            <a:lnRef idx="2">
+              <a:schemeClr val="accent1">
+                <a:shade val="50000"/>
+              </a:schemeClr>
+            </a:lnRef>
+            <a:fillRef idx="1">
+              <a:schemeClr val="accent1"/>
+            </a:fillRef>
+            <a:effectRef idx="0">
+              <a:schemeClr val="accent1"/>
+            </a:effectRef>
+            <a:fontRef idx="minor">
+              <a:schemeClr val="lt1"/>
+            </a:fontRef>
+          </p:style>
+          <p:txBody>
+            <a:bodyPr rtlCol="0" anchor="ctr"/>
+            <a:lstStyle/>
+            <a:p>
+              <a:pPr algn="ctr"/>
+              <a:r>
+                <a:rPr lang="en-CA" sz="1000" b="1" dirty="0">
+                  <a:solidFill>
+                    <a:schemeClr val="tx1"/>
+                  </a:solidFill>
+                </a:rPr>
+                <a:t>Subnet – 10.0.0.0/24</a:t>
+              </a:r>
+            </a:p>
+          </p:txBody>
+        </p:sp>
+        <p:sp>
+          <p:nvSpPr>
+            <p:cNvPr id="19" name="Rectangle 18">
+              <a:extLst>
+                <a:ext uri="{FF2B5EF4-FFF2-40B4-BE49-F238E27FC236}">
+                  <a16:creationId xmlns:a16="http://schemas.microsoft.com/office/drawing/2014/main" id="{5341EAA5-E6DA-4A08-8484-95E27DC44C05}"/>
+                </a:ext>
+              </a:extLst>
+            </p:cNvPr>
+            <p:cNvSpPr/>
+            <p:nvPr/>
+          </p:nvSpPr>
+          <p:spPr>
+            <a:xfrm>
+              <a:off x="4556635" y="2642781"/>
+              <a:ext cx="1284517" cy="251870"/>
+            </a:xfrm>
+            <a:prstGeom prst="rect">
+              <a:avLst/>
+            </a:prstGeom>
+            <a:noFill/>
+            <a:ln>
+              <a:noFill/>
+            </a:ln>
+          </p:spPr>
+          <p:style>
+            <a:lnRef idx="2">
+              <a:schemeClr val="accent1">
+                <a:shade val="50000"/>
+              </a:schemeClr>
+            </a:lnRef>
+            <a:fillRef idx="1">
+              <a:schemeClr val="accent1"/>
+            </a:fillRef>
+            <a:effectRef idx="0">
+              <a:schemeClr val="accent1"/>
+            </a:effectRef>
+            <a:fontRef idx="minor">
+              <a:schemeClr val="lt1"/>
+            </a:fontRef>
+          </p:style>
+          <p:txBody>
+            <a:bodyPr rtlCol="0" anchor="ctr"/>
+            <a:lstStyle/>
+            <a:p>
+              <a:pPr algn="ctr"/>
+              <a:r>
+                <a:rPr lang="en-CA" sz="1000" b="1" dirty="0">
+                  <a:solidFill>
+                    <a:schemeClr val="tx1"/>
+                  </a:solidFill>
+                </a:rPr>
+                <a:t>Hub VNet - Firewall</a:t>
+              </a:r>
+            </a:p>
+          </p:txBody>
+        </p:sp>
+        <p:grpSp>
+          <p:nvGrpSpPr>
+            <p:cNvPr id="20" name="Group 19">
+              <a:extLst>
+                <a:ext uri="{FF2B5EF4-FFF2-40B4-BE49-F238E27FC236}">
+                  <a16:creationId xmlns:a16="http://schemas.microsoft.com/office/drawing/2014/main" id="{EA79C4C7-E60A-4FD6-9808-5424BBF3919D}"/>
+                </a:ext>
+              </a:extLst>
+            </p:cNvPr>
+            <p:cNvGrpSpPr/>
+            <p:nvPr/>
+          </p:nvGrpSpPr>
+          <p:grpSpPr>
+            <a:xfrm>
+              <a:off x="5052077" y="3627465"/>
+              <a:ext cx="937793" cy="899722"/>
+              <a:chOff x="8852382" y="4748380"/>
+              <a:chExt cx="937793" cy="899722"/>
+            </a:xfrm>
+          </p:grpSpPr>
+          <p:pic>
+            <p:nvPicPr>
+              <p:cNvPr id="21" name="Graphic 20">
+                <a:extLst>
+                  <a:ext uri="{FF2B5EF4-FFF2-40B4-BE49-F238E27FC236}">
+                    <a16:creationId xmlns:a16="http://schemas.microsoft.com/office/drawing/2014/main" id="{F7D78560-9304-4C2F-9550-9E524AC859FA}"/>
+                  </a:ext>
+                </a:extLst>
+              </p:cNvPr>
+              <p:cNvPicPr>
+                <a:picLocks noChangeAspect="1"/>
+              </p:cNvPicPr>
+              <p:nvPr/>
+            </p:nvPicPr>
+            <p:blipFill>
+              <a:blip r:embed="rId6">
+                <a:extLst>
+                  <a:ext uri="{28A0092B-C50C-407E-A947-70E740481C1C}">
+                    <a14:useLocalDpi xmlns:a14="http://schemas.microsoft.com/office/drawing/2010/main" val="0"/>
+                  </a:ext>
+                  <a:ext uri="{96DAC541-7B7A-43D3-8B79-37D633B846F1}">
+                    <asvg:svgBlip xmlns:asvg="http://schemas.microsoft.com/office/drawing/2016/SVG/main" r:embed="rId7"/>
+                  </a:ext>
+                </a:extLst>
+              </a:blip>
+              <a:stretch>
+                <a:fillRect/>
+              </a:stretch>
+            </p:blipFill>
+            <p:spPr>
+              <a:xfrm>
+                <a:off x="9030464" y="4748380"/>
+                <a:ext cx="696866" cy="696866"/>
+              </a:xfrm>
+              <a:prstGeom prst="rect">
+                <a:avLst/>
+              </a:prstGeom>
+            </p:spPr>
+          </p:pic>
+          <p:sp>
+            <p:nvSpPr>
+              <p:cNvPr id="22" name="Rectangle 21">
+                <a:extLst>
+                  <a:ext uri="{FF2B5EF4-FFF2-40B4-BE49-F238E27FC236}">
+                    <a16:creationId xmlns:a16="http://schemas.microsoft.com/office/drawing/2014/main" id="{4ADD1CD0-DE17-4D32-9691-D06C83EDBF5B}"/>
+                  </a:ext>
+                </a:extLst>
+              </p:cNvPr>
+              <p:cNvSpPr/>
+              <p:nvPr/>
+            </p:nvSpPr>
+            <p:spPr>
+              <a:xfrm>
+                <a:off x="8852382" y="5362351"/>
+                <a:ext cx="937793" cy="285751"/>
+              </a:xfrm>
+              <a:prstGeom prst="rect">
+                <a:avLst/>
+              </a:prstGeom>
+              <a:noFill/>
+              <a:ln>
+                <a:noFill/>
+              </a:ln>
+            </p:spPr>
+            <p:style>
+              <a:lnRef idx="2">
+                <a:schemeClr val="accent1">
+                  <a:shade val="50000"/>
+                </a:schemeClr>
+              </a:lnRef>
+              <a:fillRef idx="1">
+                <a:schemeClr val="accent1"/>
+              </a:fillRef>
+              <a:effectRef idx="0">
+                <a:schemeClr val="accent1"/>
+              </a:effectRef>
+              <a:fontRef idx="minor">
+                <a:schemeClr val="lt1"/>
+              </a:fontRef>
+            </p:style>
+            <p:txBody>
+              <a:bodyPr rtlCol="0" anchor="ctr"/>
+              <a:lstStyle/>
+              <a:p>
+                <a:pPr algn="ctr"/>
+                <a:r>
+                  <a:rPr lang="en-CA" sz="1000" b="1" dirty="0">
+                    <a:solidFill>
+                      <a:schemeClr val="tx1"/>
+                    </a:solidFill>
+                  </a:rPr>
+                  <a:t>Azure Firewall</a:t>
+                </a:r>
+              </a:p>
+            </p:txBody>
+          </p:sp>
+        </p:grpSp>
+      </p:grpSp>
+      <p:grpSp>
+        <p:nvGrpSpPr>
+          <p:cNvPr id="27" name="Group 26">
+            <a:extLst>
+              <a:ext uri="{FF2B5EF4-FFF2-40B4-BE49-F238E27FC236}">
+                <a16:creationId xmlns:a16="http://schemas.microsoft.com/office/drawing/2014/main" id="{77392632-8D88-43BC-B47B-3360D0B3322B}"/>
+              </a:ext>
+            </a:extLst>
+          </p:cNvPr>
+          <p:cNvGrpSpPr/>
+          <p:nvPr/>
+        </p:nvGrpSpPr>
+        <p:grpSpPr>
+          <a:xfrm>
+            <a:off x="7610528" y="3425962"/>
+            <a:ext cx="2785265" cy="2379543"/>
+            <a:chOff x="7317944" y="801444"/>
+            <a:chExt cx="2785265" cy="2379543"/>
+          </a:xfrm>
+        </p:grpSpPr>
+        <p:sp>
+          <p:nvSpPr>
+            <p:cNvPr id="28" name="Rectangle 27">
+              <a:extLst>
+                <a:ext uri="{FF2B5EF4-FFF2-40B4-BE49-F238E27FC236}">
+                  <a16:creationId xmlns:a16="http://schemas.microsoft.com/office/drawing/2014/main" id="{DA9AF3C8-F9D6-4E26-93DB-A4C712D07911}"/>
+                </a:ext>
+              </a:extLst>
+            </p:cNvPr>
+            <p:cNvSpPr/>
+            <p:nvPr/>
+          </p:nvSpPr>
+          <p:spPr>
+            <a:xfrm>
+              <a:off x="7340058" y="1150442"/>
+              <a:ext cx="2763151" cy="2030545"/>
+            </a:xfrm>
+            <a:prstGeom prst="rect">
+              <a:avLst/>
+            </a:prstGeom>
+            <a:noFill/>
+            <a:ln>
+              <a:prstDash val="lgDash"/>
+            </a:ln>
+          </p:spPr>
+          <p:style>
+            <a:lnRef idx="2">
+              <a:schemeClr val="accent1">
+                <a:shade val="50000"/>
+              </a:schemeClr>
+            </a:lnRef>
+            <a:fillRef idx="1">
+              <a:schemeClr val="accent1"/>
+            </a:fillRef>
+            <a:effectRef idx="0">
+              <a:schemeClr val="accent1"/>
+            </a:effectRef>
+            <a:fontRef idx="minor">
+              <a:schemeClr val="lt1"/>
+            </a:fontRef>
+          </p:style>
+          <p:txBody>
+            <a:bodyPr rtlCol="0" anchor="ctr"/>
+            <a:lstStyle/>
+            <a:p>
+              <a:pPr algn="ctr"/>
+              <a:endParaRPr lang="en-CA"/>
+            </a:p>
+          </p:txBody>
+        </p:sp>
+        <p:grpSp>
+          <p:nvGrpSpPr>
+            <p:cNvPr id="29" name="Group 28">
+              <a:extLst>
+                <a:ext uri="{FF2B5EF4-FFF2-40B4-BE49-F238E27FC236}">
+                  <a16:creationId xmlns:a16="http://schemas.microsoft.com/office/drawing/2014/main" id="{C90D9CB5-0B8F-4EB7-96B5-E293BC10207F}"/>
+                </a:ext>
+              </a:extLst>
+            </p:cNvPr>
+            <p:cNvGrpSpPr/>
+            <p:nvPr/>
+          </p:nvGrpSpPr>
+          <p:grpSpPr>
+            <a:xfrm>
+              <a:off x="7317944" y="907790"/>
+              <a:ext cx="1633502" cy="488729"/>
+              <a:chOff x="4649644" y="3825726"/>
+              <a:chExt cx="1633502" cy="488729"/>
+            </a:xfrm>
+          </p:grpSpPr>
+          <p:pic>
+            <p:nvPicPr>
+              <p:cNvPr id="36" name="Picture 35" descr="Icon&#10;&#10;Description automatically generated">
+                <a:extLst>
+                  <a:ext uri="{FF2B5EF4-FFF2-40B4-BE49-F238E27FC236}">
+                    <a16:creationId xmlns:a16="http://schemas.microsoft.com/office/drawing/2014/main" id="{7B3215DD-A75F-4B90-B5CE-162636C4BC8E}"/>
+                  </a:ext>
+                </a:extLst>
+              </p:cNvPr>
+              <p:cNvPicPr>
+                <a:picLocks noChangeAspect="1"/>
+              </p:cNvPicPr>
+              <p:nvPr/>
+            </p:nvPicPr>
+            <p:blipFill>
+              <a:blip r:embed="rId2">
+                <a:extLst>
+                  <a:ext uri="{28A0092B-C50C-407E-A947-70E740481C1C}">
+                    <a14:useLocalDpi xmlns:a14="http://schemas.microsoft.com/office/drawing/2010/main" val="0"/>
+                  </a:ext>
+                </a:extLst>
+              </a:blip>
+              <a:stretch>
+                <a:fillRect/>
+              </a:stretch>
+            </p:blipFill>
+            <p:spPr>
+              <a:xfrm>
+                <a:off x="4649644" y="3833117"/>
+                <a:ext cx="481338" cy="481338"/>
+              </a:xfrm>
+              <a:prstGeom prst="rect">
+                <a:avLst/>
+              </a:prstGeom>
+            </p:spPr>
+          </p:pic>
+          <p:sp>
+            <p:nvSpPr>
+              <p:cNvPr id="37" name="Rectangle 36">
+                <a:extLst>
+                  <a:ext uri="{FF2B5EF4-FFF2-40B4-BE49-F238E27FC236}">
+                    <a16:creationId xmlns:a16="http://schemas.microsoft.com/office/drawing/2014/main" id="{FF61C64F-F02C-4F74-A174-29B1E9640A15}"/>
+                  </a:ext>
+                </a:extLst>
+              </p:cNvPr>
+              <p:cNvSpPr/>
+              <p:nvPr/>
+            </p:nvSpPr>
+            <p:spPr>
+              <a:xfrm>
+                <a:off x="4998629" y="3825726"/>
+                <a:ext cx="1284517" cy="342457"/>
+              </a:xfrm>
+              <a:prstGeom prst="rect">
+                <a:avLst/>
+              </a:prstGeom>
+              <a:noFill/>
+              <a:ln>
+                <a:noFill/>
+              </a:ln>
+            </p:spPr>
+            <p:style>
+              <a:lnRef idx="2">
+                <a:schemeClr val="accent1">
+                  <a:shade val="50000"/>
+                </a:schemeClr>
+              </a:lnRef>
+              <a:fillRef idx="1">
+                <a:schemeClr val="accent1"/>
+              </a:fillRef>
+              <a:effectRef idx="0">
+                <a:schemeClr val="accent1"/>
+              </a:effectRef>
+              <a:fontRef idx="minor">
+                <a:schemeClr val="lt1"/>
+              </a:fontRef>
+            </p:style>
+            <p:txBody>
+              <a:bodyPr rtlCol="0" anchor="ctr"/>
+              <a:lstStyle/>
+              <a:p>
+                <a:pPr algn="ctr"/>
+                <a:r>
+                  <a:rPr lang="en-CA" sz="1000" b="1" dirty="0">
+                    <a:solidFill>
+                      <a:schemeClr val="tx1"/>
+                    </a:solidFill>
+                  </a:rPr>
+                  <a:t>VNet – 10.2.0.0/16</a:t>
+                </a:r>
+              </a:p>
+            </p:txBody>
+          </p:sp>
+        </p:grpSp>
+        <p:sp>
+          <p:nvSpPr>
+            <p:cNvPr id="30" name="Rectangle 29">
+              <a:extLst>
+                <a:ext uri="{FF2B5EF4-FFF2-40B4-BE49-F238E27FC236}">
+                  <a16:creationId xmlns:a16="http://schemas.microsoft.com/office/drawing/2014/main" id="{FBF53306-0049-4768-805A-4445FCE61D99}"/>
+                </a:ext>
+              </a:extLst>
+            </p:cNvPr>
+            <p:cNvSpPr/>
+            <p:nvPr/>
+          </p:nvSpPr>
+          <p:spPr>
+            <a:xfrm>
+              <a:off x="7463727" y="1561651"/>
+              <a:ext cx="2393354" cy="1393945"/>
+            </a:xfrm>
+            <a:prstGeom prst="rect">
+              <a:avLst/>
+            </a:prstGeom>
+            <a:noFill/>
+            <a:ln>
+              <a:prstDash val="lgDash"/>
+            </a:ln>
+          </p:spPr>
+          <p:style>
+            <a:lnRef idx="2">
+              <a:schemeClr val="accent1">
+                <a:shade val="50000"/>
+              </a:schemeClr>
+            </a:lnRef>
+            <a:fillRef idx="1">
+              <a:schemeClr val="accent1"/>
+            </a:fillRef>
+            <a:effectRef idx="0">
+              <a:schemeClr val="accent1"/>
+            </a:effectRef>
+            <a:fontRef idx="minor">
+              <a:schemeClr val="lt1"/>
+            </a:fontRef>
+          </p:style>
+          <p:txBody>
+            <a:bodyPr rtlCol="0" anchor="ctr"/>
+            <a:lstStyle/>
+            <a:p>
+              <a:pPr algn="ctr"/>
+              <a:endParaRPr lang="en-CA"/>
+            </a:p>
+          </p:txBody>
+        </p:sp>
+        <p:sp>
+          <p:nvSpPr>
+            <p:cNvPr id="31" name="Rectangle 30">
+              <a:extLst>
+                <a:ext uri="{FF2B5EF4-FFF2-40B4-BE49-F238E27FC236}">
+                  <a16:creationId xmlns:a16="http://schemas.microsoft.com/office/drawing/2014/main" id="{4F5D86A1-70BC-4C1B-9A61-59259D402D90}"/>
+                </a:ext>
+              </a:extLst>
+            </p:cNvPr>
+            <p:cNvSpPr/>
+            <p:nvPr/>
+          </p:nvSpPr>
+          <p:spPr>
+            <a:xfrm>
+              <a:off x="7367420" y="1339358"/>
+              <a:ext cx="1354213" cy="281638"/>
+            </a:xfrm>
+            <a:prstGeom prst="rect">
+              <a:avLst/>
+            </a:prstGeom>
+            <a:noFill/>
+            <a:ln>
+              <a:noFill/>
+            </a:ln>
+          </p:spPr>
+          <p:style>
+            <a:lnRef idx="2">
+              <a:schemeClr val="accent1">
+                <a:shade val="50000"/>
+              </a:schemeClr>
+            </a:lnRef>
+            <a:fillRef idx="1">
+              <a:schemeClr val="accent1"/>
+            </a:fillRef>
+            <a:effectRef idx="0">
+              <a:schemeClr val="accent1"/>
+            </a:effectRef>
+            <a:fontRef idx="minor">
+              <a:schemeClr val="lt1"/>
+            </a:fontRef>
+          </p:style>
+          <p:txBody>
+            <a:bodyPr rtlCol="0" anchor="ctr"/>
+            <a:lstStyle/>
+            <a:p>
+              <a:pPr algn="ctr"/>
+              <a:r>
+                <a:rPr lang="en-CA" sz="1000" b="1" dirty="0">
+                  <a:solidFill>
+                    <a:schemeClr val="tx1"/>
+                  </a:solidFill>
+                </a:rPr>
+                <a:t>Subnet – 10.2.0.0/24</a:t>
+              </a:r>
+            </a:p>
+          </p:txBody>
+        </p:sp>
+        <p:sp>
+          <p:nvSpPr>
+            <p:cNvPr id="32" name="Rectangle 31">
+              <a:extLst>
+                <a:ext uri="{FF2B5EF4-FFF2-40B4-BE49-F238E27FC236}">
+                  <a16:creationId xmlns:a16="http://schemas.microsoft.com/office/drawing/2014/main" id="{AF326DC6-78D8-461E-9C3D-9A156556666E}"/>
+                </a:ext>
+              </a:extLst>
+            </p:cNvPr>
+            <p:cNvSpPr/>
+            <p:nvPr/>
+          </p:nvSpPr>
+          <p:spPr>
+            <a:xfrm>
+              <a:off x="7666728" y="801444"/>
+              <a:ext cx="1856207" cy="251870"/>
+            </a:xfrm>
+            <a:prstGeom prst="rect">
+              <a:avLst/>
+            </a:prstGeom>
+            <a:noFill/>
+            <a:ln>
+              <a:noFill/>
+            </a:ln>
+          </p:spPr>
+          <p:style>
+            <a:lnRef idx="2">
+              <a:schemeClr val="accent1">
+                <a:shade val="50000"/>
+              </a:schemeClr>
+            </a:lnRef>
+            <a:fillRef idx="1">
+              <a:schemeClr val="accent1"/>
+            </a:fillRef>
+            <a:effectRef idx="0">
+              <a:schemeClr val="accent1"/>
+            </a:effectRef>
+            <a:fontRef idx="minor">
+              <a:schemeClr val="lt1"/>
+            </a:fontRef>
+          </p:style>
+          <p:txBody>
+            <a:bodyPr rtlCol="0" anchor="ctr"/>
+            <a:lstStyle/>
+            <a:p>
+              <a:pPr algn="ctr"/>
+              <a:r>
+                <a:rPr lang="en-CA" sz="1000" b="1" dirty="0">
+                  <a:solidFill>
+                    <a:schemeClr val="tx1"/>
+                  </a:solidFill>
+                </a:rPr>
+                <a:t>Spoke VNet – Private Endpoint</a:t>
+              </a:r>
+            </a:p>
+          </p:txBody>
+        </p:sp>
+        <p:grpSp>
+          <p:nvGrpSpPr>
+            <p:cNvPr id="33" name="Group 32">
+              <a:extLst>
+                <a:ext uri="{FF2B5EF4-FFF2-40B4-BE49-F238E27FC236}">
+                  <a16:creationId xmlns:a16="http://schemas.microsoft.com/office/drawing/2014/main" id="{3062DE4F-ADD2-478E-A797-8E0211456870}"/>
+                </a:ext>
+              </a:extLst>
+            </p:cNvPr>
+            <p:cNvGrpSpPr/>
+            <p:nvPr/>
+          </p:nvGrpSpPr>
+          <p:grpSpPr>
+            <a:xfrm>
+              <a:off x="8241680" y="1741341"/>
+              <a:ext cx="937793" cy="758736"/>
+              <a:chOff x="8190528" y="1919557"/>
+              <a:chExt cx="937793" cy="758736"/>
+            </a:xfrm>
+          </p:grpSpPr>
+          <p:sp>
+            <p:nvSpPr>
+              <p:cNvPr id="34" name="Rectangle 33">
+                <a:extLst>
+                  <a:ext uri="{FF2B5EF4-FFF2-40B4-BE49-F238E27FC236}">
+                    <a16:creationId xmlns:a16="http://schemas.microsoft.com/office/drawing/2014/main" id="{C7C04BD7-7E5C-4B70-B9E3-AB16D54A3848}"/>
+                  </a:ext>
+                </a:extLst>
+              </p:cNvPr>
+              <p:cNvSpPr/>
+              <p:nvPr/>
+            </p:nvSpPr>
+            <p:spPr>
+              <a:xfrm>
+                <a:off x="8190528" y="2392542"/>
+                <a:ext cx="937793" cy="285751"/>
+              </a:xfrm>
+              <a:prstGeom prst="rect">
+                <a:avLst/>
+              </a:prstGeom>
+              <a:noFill/>
+              <a:ln>
+                <a:noFill/>
+              </a:ln>
+            </p:spPr>
+            <p:style>
+              <a:lnRef idx="2">
+                <a:schemeClr val="accent1">
+                  <a:shade val="50000"/>
+                </a:schemeClr>
+              </a:lnRef>
+              <a:fillRef idx="1">
+                <a:schemeClr val="accent1"/>
+              </a:fillRef>
+              <a:effectRef idx="0">
+                <a:schemeClr val="accent1"/>
+              </a:effectRef>
+              <a:fontRef idx="minor">
+                <a:schemeClr val="lt1"/>
+              </a:fontRef>
+            </p:style>
+            <p:txBody>
+              <a:bodyPr rtlCol="0" anchor="ctr"/>
+              <a:lstStyle/>
+              <a:p>
+                <a:pPr algn="ctr"/>
+                <a:r>
+                  <a:rPr lang="en-CA" sz="1000" b="1" dirty="0">
+                    <a:solidFill>
+                      <a:schemeClr val="tx1"/>
+                    </a:solidFill>
+                  </a:rPr>
+                  <a:t>Private Endpoint NIC</a:t>
+                </a:r>
+              </a:p>
+            </p:txBody>
+          </p:sp>
+          <p:pic>
+            <p:nvPicPr>
+              <p:cNvPr id="35" name="Graphic 34">
+                <a:extLst>
+                  <a:ext uri="{FF2B5EF4-FFF2-40B4-BE49-F238E27FC236}">
+                    <a16:creationId xmlns:a16="http://schemas.microsoft.com/office/drawing/2014/main" id="{4FED3D8B-1F1E-4034-9DB7-61E6FD0A3B0F}"/>
+                  </a:ext>
+                </a:extLst>
+              </p:cNvPr>
+              <p:cNvPicPr>
+                <a:picLocks noChangeAspect="1"/>
+              </p:cNvPicPr>
+              <p:nvPr/>
+            </p:nvPicPr>
+            <p:blipFill>
+              <a:blip r:embed="rId8">
+                <a:extLst>
+                  <a:ext uri="{28A0092B-C50C-407E-A947-70E740481C1C}">
+                    <a14:useLocalDpi xmlns:a14="http://schemas.microsoft.com/office/drawing/2010/main" val="0"/>
+                  </a:ext>
+                  <a:ext uri="{96DAC541-7B7A-43D3-8B79-37D633B846F1}">
+                    <asvg:svgBlip xmlns:asvg="http://schemas.microsoft.com/office/drawing/2016/SVG/main" r:embed="rId9"/>
+                  </a:ext>
+                </a:extLst>
+              </a:blip>
+              <a:stretch>
+                <a:fillRect/>
+              </a:stretch>
+            </p:blipFill>
+            <p:spPr>
+              <a:xfrm>
+                <a:off x="8427975" y="1919557"/>
+                <a:ext cx="464855" cy="481434"/>
+              </a:xfrm>
+              <a:prstGeom prst="rect">
+                <a:avLst/>
+              </a:prstGeom>
+            </p:spPr>
+          </p:pic>
+        </p:grpSp>
+      </p:grpSp>
+      <p:grpSp>
+        <p:nvGrpSpPr>
+          <p:cNvPr id="45" name="Group 44">
+            <a:extLst>
+              <a:ext uri="{FF2B5EF4-FFF2-40B4-BE49-F238E27FC236}">
+                <a16:creationId xmlns:a16="http://schemas.microsoft.com/office/drawing/2014/main" id="{87574B1A-B388-4507-9674-63303332F5D1}"/>
+              </a:ext>
+            </a:extLst>
+          </p:cNvPr>
+          <p:cNvGrpSpPr/>
+          <p:nvPr/>
+        </p:nvGrpSpPr>
+        <p:grpSpPr>
+          <a:xfrm>
+            <a:off x="5427499" y="1528637"/>
+            <a:ext cx="3592650" cy="584844"/>
+            <a:chOff x="5167896" y="2079796"/>
+            <a:chExt cx="3592650" cy="584844"/>
+          </a:xfrm>
+        </p:grpSpPr>
+        <p:sp>
+          <p:nvSpPr>
+            <p:cNvPr id="39" name="Rectangle 38">
+              <a:extLst>
+                <a:ext uri="{FF2B5EF4-FFF2-40B4-BE49-F238E27FC236}">
+                  <a16:creationId xmlns:a16="http://schemas.microsoft.com/office/drawing/2014/main" id="{AAF7FCDF-75C0-49E1-A5A8-F586E101E511}"/>
+                </a:ext>
+              </a:extLst>
+            </p:cNvPr>
+            <p:cNvSpPr/>
+            <p:nvPr/>
+          </p:nvSpPr>
+          <p:spPr>
+            <a:xfrm>
+              <a:off x="5167896" y="2079796"/>
+              <a:ext cx="1856207" cy="251870"/>
+            </a:xfrm>
+            <a:prstGeom prst="rect">
+              <a:avLst/>
+            </a:prstGeom>
+            <a:noFill/>
+            <a:ln>
+              <a:noFill/>
+            </a:ln>
+          </p:spPr>
+          <p:style>
+            <a:lnRef idx="2">
+              <a:schemeClr val="accent1">
+                <a:shade val="50000"/>
+              </a:schemeClr>
+            </a:lnRef>
+            <a:fillRef idx="1">
+              <a:schemeClr val="accent1"/>
+            </a:fillRef>
+            <a:effectRef idx="0">
+              <a:schemeClr val="accent1"/>
+            </a:effectRef>
+            <a:fontRef idx="minor">
+              <a:schemeClr val="lt1"/>
+            </a:fontRef>
+          </p:style>
+          <p:txBody>
+            <a:bodyPr rtlCol="0" anchor="ctr"/>
+            <a:lstStyle/>
+            <a:p>
+              <a:r>
+                <a:rPr lang="en-CA" sz="1000" b="1" dirty="0">
+                  <a:solidFill>
+                    <a:schemeClr val="tx1"/>
+                  </a:solidFill>
+                </a:rPr>
+                <a:t>privatelink.vaultcore.azure.net</a:t>
+              </a:r>
+            </a:p>
+          </p:txBody>
+        </p:sp>
+        <p:sp>
+          <p:nvSpPr>
+            <p:cNvPr id="40" name="Rectangle 39">
+              <a:extLst>
+                <a:ext uri="{FF2B5EF4-FFF2-40B4-BE49-F238E27FC236}">
+                  <a16:creationId xmlns:a16="http://schemas.microsoft.com/office/drawing/2014/main" id="{865AC032-8E43-498F-B5C0-93CA89FC1805}"/>
+                </a:ext>
+              </a:extLst>
+            </p:cNvPr>
+            <p:cNvSpPr/>
+            <p:nvPr/>
+          </p:nvSpPr>
+          <p:spPr>
+            <a:xfrm>
+              <a:off x="5167896" y="2264530"/>
+              <a:ext cx="3592650" cy="400110"/>
+            </a:xfrm>
+            <a:prstGeom prst="rect">
+              <a:avLst/>
+            </a:prstGeom>
+          </p:spPr>
+          <p:txBody>
+            <a:bodyPr wrap="none">
+              <a:spAutoFit/>
+            </a:bodyPr>
+            <a:lstStyle/>
+            <a:p>
+              <a:r>
+                <a:rPr lang="en-CA" sz="1000" dirty="0"/>
+                <a:t>Received Query: kv-pep-spokepep.privatelink.vaultcore.azure.net</a:t>
+              </a:r>
+            </a:p>
+            <a:p>
+              <a:r>
+                <a:rPr lang="en-CA" sz="1000" dirty="0"/>
+                <a:t>Response: 10.2.0.4</a:t>
+              </a:r>
+            </a:p>
+          </p:txBody>
+        </p:sp>
+      </p:grpSp>
+      <p:sp>
+        <p:nvSpPr>
+          <p:cNvPr id="41" name="Rectangle 40">
+            <a:extLst>
+              <a:ext uri="{FF2B5EF4-FFF2-40B4-BE49-F238E27FC236}">
+                <a16:creationId xmlns:a16="http://schemas.microsoft.com/office/drawing/2014/main" id="{6591A4C1-2002-4F24-9514-85F82F8F7C24}"/>
+              </a:ext>
+            </a:extLst>
+          </p:cNvPr>
+          <p:cNvSpPr/>
+          <p:nvPr/>
+        </p:nvSpPr>
+        <p:spPr>
+          <a:xfrm>
+            <a:off x="8643653" y="5123129"/>
+            <a:ext cx="609462" cy="246221"/>
+          </a:xfrm>
+          <a:prstGeom prst="rect">
+            <a:avLst/>
+          </a:prstGeom>
+        </p:spPr>
+        <p:txBody>
+          <a:bodyPr wrap="none">
+            <a:spAutoFit/>
+          </a:bodyPr>
+          <a:lstStyle/>
+          <a:p>
+            <a:r>
+              <a:rPr lang="en-CA" sz="1000" b="0" i="0" dirty="0">
+                <a:solidFill>
+                  <a:srgbClr val="000000"/>
+                </a:solidFill>
+                <a:effectLst/>
+              </a:rPr>
+              <a:t>10.2.0.4</a:t>
+            </a:r>
+            <a:endParaRPr lang="en-CA" sz="1000" dirty="0"/>
+          </a:p>
+        </p:txBody>
+      </p:sp>
+      <p:grpSp>
+        <p:nvGrpSpPr>
+          <p:cNvPr id="42" name="Group 41">
+            <a:extLst>
+              <a:ext uri="{FF2B5EF4-FFF2-40B4-BE49-F238E27FC236}">
+                <a16:creationId xmlns:a16="http://schemas.microsoft.com/office/drawing/2014/main" id="{6529E171-35A4-4CC9-8823-5D02759F9A98}"/>
+              </a:ext>
+            </a:extLst>
+          </p:cNvPr>
+          <p:cNvGrpSpPr/>
+          <p:nvPr/>
+        </p:nvGrpSpPr>
+        <p:grpSpPr>
+          <a:xfrm>
+            <a:off x="8224026" y="5084484"/>
+            <a:ext cx="681499" cy="482543"/>
+            <a:chOff x="7958860" y="5899341"/>
+            <a:chExt cx="681499" cy="482543"/>
+          </a:xfrm>
+        </p:grpSpPr>
+        <p:pic>
+          <p:nvPicPr>
+            <p:cNvPr id="43" name="Graphic 42">
+              <a:extLst>
+                <a:ext uri="{FF2B5EF4-FFF2-40B4-BE49-F238E27FC236}">
+                  <a16:creationId xmlns:a16="http://schemas.microsoft.com/office/drawing/2014/main" id="{DDE3D353-5AFB-4432-92E3-FFFCB280A70B}"/>
+                </a:ext>
+              </a:extLst>
+            </p:cNvPr>
+            <p:cNvPicPr>
+              <a:picLocks noChangeAspect="1"/>
+            </p:cNvPicPr>
+            <p:nvPr/>
+          </p:nvPicPr>
+          <p:blipFill>
+            <a:blip r:embed="rId10">
+              <a:extLst>
+                <a:ext uri="{28A0092B-C50C-407E-A947-70E740481C1C}">
+                  <a14:useLocalDpi xmlns:a14="http://schemas.microsoft.com/office/drawing/2010/main" val="0"/>
+                </a:ext>
+                <a:ext uri="{96DAC541-7B7A-43D3-8B79-37D633B846F1}">
+                  <asvg:svgBlip xmlns:asvg="http://schemas.microsoft.com/office/drawing/2016/SVG/main" r:embed="rId11"/>
+                </a:ext>
+              </a:extLst>
+            </a:blip>
+            <a:stretch>
+              <a:fillRect/>
+            </a:stretch>
+          </p:blipFill>
+          <p:spPr>
+            <a:xfrm>
+              <a:off x="8158490" y="5899341"/>
+              <a:ext cx="282237" cy="317140"/>
+            </a:xfrm>
+            <a:prstGeom prst="rect">
+              <a:avLst/>
+            </a:prstGeom>
+          </p:spPr>
+        </p:pic>
+        <p:sp>
+          <p:nvSpPr>
+            <p:cNvPr id="44" name="Rectangle 43">
+              <a:extLst>
+                <a:ext uri="{FF2B5EF4-FFF2-40B4-BE49-F238E27FC236}">
+                  <a16:creationId xmlns:a16="http://schemas.microsoft.com/office/drawing/2014/main" id="{A397E645-E109-4DF9-A81D-E7691127C9C1}"/>
+                </a:ext>
+              </a:extLst>
+            </p:cNvPr>
+            <p:cNvSpPr/>
+            <p:nvPr/>
+          </p:nvSpPr>
+          <p:spPr>
+            <a:xfrm>
+              <a:off x="7958860" y="6149829"/>
+              <a:ext cx="681499" cy="232055"/>
+            </a:xfrm>
+            <a:prstGeom prst="rect">
+              <a:avLst/>
+            </a:prstGeom>
+            <a:noFill/>
+            <a:ln>
+              <a:noFill/>
+            </a:ln>
+          </p:spPr>
+          <p:style>
+            <a:lnRef idx="2">
+              <a:schemeClr val="accent1">
+                <a:shade val="50000"/>
+              </a:schemeClr>
+            </a:lnRef>
+            <a:fillRef idx="1">
+              <a:schemeClr val="accent1"/>
+            </a:fillRef>
+            <a:effectRef idx="0">
+              <a:schemeClr val="accent1"/>
+            </a:effectRef>
+            <a:fontRef idx="minor">
+              <a:schemeClr val="lt1"/>
+            </a:fontRef>
+          </p:style>
+          <p:txBody>
+            <a:bodyPr rtlCol="0" anchor="ctr"/>
+            <a:lstStyle/>
+            <a:p>
+              <a:pPr algn="ctr"/>
+              <a:r>
+                <a:rPr lang="en-CA" sz="1000" b="1" dirty="0">
+                  <a:solidFill>
+                    <a:schemeClr val="tx1"/>
+                  </a:solidFill>
+                </a:rPr>
+                <a:t>NIC</a:t>
+              </a:r>
+            </a:p>
+          </p:txBody>
+        </p:sp>
+      </p:grpSp>
+      <p:cxnSp>
+        <p:nvCxnSpPr>
+          <p:cNvPr id="47" name="Straight Connector 46">
+            <a:extLst>
+              <a:ext uri="{FF2B5EF4-FFF2-40B4-BE49-F238E27FC236}">
+                <a16:creationId xmlns:a16="http://schemas.microsoft.com/office/drawing/2014/main" id="{67FF1BEF-5EAC-4F99-BC61-C338386052D2}"/>
+              </a:ext>
+            </a:extLst>
+          </p:cNvPr>
+          <p:cNvCxnSpPr/>
+          <p:nvPr/>
+        </p:nvCxnSpPr>
+        <p:spPr>
+          <a:xfrm flipV="1">
+            <a:off x="1882939" y="1955800"/>
+            <a:ext cx="2993862" cy="1793759"/>
+          </a:xfrm>
+          <a:prstGeom prst="line">
+            <a:avLst/>
+          </a:prstGeom>
+          <a:ln>
+            <a:solidFill>
+              <a:schemeClr val="tx1"/>
+            </a:solidFill>
+            <a:prstDash val="lgDash"/>
+          </a:ln>
+        </p:spPr>
+        <p:style>
+          <a:lnRef idx="1">
+            <a:schemeClr val="accent1"/>
+          </a:lnRef>
+          <a:fillRef idx="0">
+            <a:schemeClr val="accent1"/>
+          </a:fillRef>
+          <a:effectRef idx="0">
+            <a:schemeClr val="accent1"/>
+          </a:effectRef>
+          <a:fontRef idx="minor">
+            <a:schemeClr val="tx1"/>
+          </a:fontRef>
+        </p:style>
+      </p:cxnSp>
+      <p:sp>
+        <p:nvSpPr>
+          <p:cNvPr id="48" name="Rectangle 47">
+            <a:extLst>
+              <a:ext uri="{FF2B5EF4-FFF2-40B4-BE49-F238E27FC236}">
+                <a16:creationId xmlns:a16="http://schemas.microsoft.com/office/drawing/2014/main" id="{9245ED68-775F-46DF-8AF9-54FAFFE81529}"/>
+              </a:ext>
+            </a:extLst>
+          </p:cNvPr>
+          <p:cNvSpPr/>
+          <p:nvPr/>
+        </p:nvSpPr>
+        <p:spPr>
+          <a:xfrm>
+            <a:off x="3039214" y="2519371"/>
+            <a:ext cx="681312" cy="223829"/>
+          </a:xfrm>
+          <a:prstGeom prst="rect">
+            <a:avLst/>
+          </a:prstGeom>
+          <a:noFill/>
+          <a:ln>
+            <a:noFill/>
+          </a:ln>
+        </p:spPr>
+        <p:style>
+          <a:lnRef idx="2">
+            <a:schemeClr val="accent1">
+              <a:shade val="50000"/>
+            </a:schemeClr>
+          </a:lnRef>
+          <a:fillRef idx="1">
+            <a:schemeClr val="accent1"/>
+          </a:fillRef>
+          <a:effectRef idx="0">
+            <a:schemeClr val="accent1"/>
+          </a:effectRef>
+          <a:fontRef idx="minor">
+            <a:schemeClr val="lt1"/>
+          </a:fontRef>
+        </p:style>
+        <p:txBody>
+          <a:bodyPr rtlCol="0" anchor="ctr"/>
+          <a:lstStyle/>
+          <a:p>
+            <a:r>
+              <a:rPr lang="en-CA" sz="1000" b="1" dirty="0">
+                <a:solidFill>
+                  <a:schemeClr val="tx1"/>
+                </a:solidFill>
+              </a:rPr>
+              <a:t>VNet link</a:t>
+            </a:r>
+          </a:p>
+        </p:txBody>
+      </p:sp>
+      <p:cxnSp>
+        <p:nvCxnSpPr>
+          <p:cNvPr id="49" name="Straight Connector 48">
+            <a:extLst>
+              <a:ext uri="{FF2B5EF4-FFF2-40B4-BE49-F238E27FC236}">
+                <a16:creationId xmlns:a16="http://schemas.microsoft.com/office/drawing/2014/main" id="{47397073-B989-430E-A721-8FDDE739542F}"/>
+              </a:ext>
+            </a:extLst>
+          </p:cNvPr>
+          <p:cNvCxnSpPr>
+            <a:cxnSpLocks/>
+          </p:cNvCxnSpPr>
+          <p:nvPr/>
+        </p:nvCxnSpPr>
+        <p:spPr>
+          <a:xfrm flipH="1" flipV="1">
+            <a:off x="5152150" y="2064082"/>
+            <a:ext cx="9293" cy="1677441"/>
+          </a:xfrm>
+          <a:prstGeom prst="line">
+            <a:avLst/>
+          </a:prstGeom>
+          <a:ln>
+            <a:solidFill>
+              <a:schemeClr val="tx1"/>
+            </a:solidFill>
+            <a:prstDash val="lgDash"/>
+          </a:ln>
+        </p:spPr>
+        <p:style>
+          <a:lnRef idx="1">
+            <a:schemeClr val="accent1"/>
+          </a:lnRef>
+          <a:fillRef idx="0">
+            <a:schemeClr val="accent1"/>
+          </a:fillRef>
+          <a:effectRef idx="0">
+            <a:schemeClr val="accent1"/>
+          </a:effectRef>
+          <a:fontRef idx="minor">
+            <a:schemeClr val="tx1"/>
+          </a:fontRef>
+        </p:style>
+      </p:cxnSp>
+      <p:sp>
+        <p:nvSpPr>
+          <p:cNvPr id="53" name="Rectangle 52">
+            <a:extLst>
+              <a:ext uri="{FF2B5EF4-FFF2-40B4-BE49-F238E27FC236}">
+                <a16:creationId xmlns:a16="http://schemas.microsoft.com/office/drawing/2014/main" id="{96520873-F207-4184-8BDC-D0C686D46EB1}"/>
+              </a:ext>
+            </a:extLst>
+          </p:cNvPr>
+          <p:cNvSpPr/>
+          <p:nvPr/>
+        </p:nvSpPr>
+        <p:spPr>
+          <a:xfrm>
+            <a:off x="4569690" y="2578730"/>
+            <a:ext cx="681312" cy="223829"/>
+          </a:xfrm>
+          <a:prstGeom prst="rect">
+            <a:avLst/>
+          </a:prstGeom>
+          <a:noFill/>
+          <a:ln>
+            <a:noFill/>
+          </a:ln>
+        </p:spPr>
+        <p:style>
+          <a:lnRef idx="2">
+            <a:schemeClr val="accent1">
+              <a:shade val="50000"/>
+            </a:schemeClr>
+          </a:lnRef>
+          <a:fillRef idx="1">
+            <a:schemeClr val="accent1"/>
+          </a:fillRef>
+          <a:effectRef idx="0">
+            <a:schemeClr val="accent1"/>
+          </a:effectRef>
+          <a:fontRef idx="minor">
+            <a:schemeClr val="lt1"/>
+          </a:fontRef>
+        </p:style>
+        <p:txBody>
+          <a:bodyPr rtlCol="0" anchor="ctr"/>
+          <a:lstStyle/>
+          <a:p>
+            <a:r>
+              <a:rPr lang="en-CA" sz="1000" b="1" dirty="0">
+                <a:solidFill>
+                  <a:schemeClr val="tx1"/>
+                </a:solidFill>
+              </a:rPr>
+              <a:t>VNet link</a:t>
+            </a:r>
+          </a:p>
+        </p:txBody>
+      </p:sp>
+      <p:sp>
+        <p:nvSpPr>
+          <p:cNvPr id="54" name="Rectangle 53">
+            <a:extLst>
+              <a:ext uri="{FF2B5EF4-FFF2-40B4-BE49-F238E27FC236}">
+                <a16:creationId xmlns:a16="http://schemas.microsoft.com/office/drawing/2014/main" id="{AB4AE7E0-E10F-4D16-ABE6-197213440BDD}"/>
+              </a:ext>
+            </a:extLst>
+          </p:cNvPr>
+          <p:cNvSpPr/>
+          <p:nvPr/>
+        </p:nvSpPr>
+        <p:spPr>
+          <a:xfrm>
+            <a:off x="6655480" y="2488670"/>
+            <a:ext cx="681312" cy="223829"/>
+          </a:xfrm>
+          <a:prstGeom prst="rect">
+            <a:avLst/>
+          </a:prstGeom>
+          <a:noFill/>
+          <a:ln>
+            <a:noFill/>
+          </a:ln>
+        </p:spPr>
+        <p:style>
+          <a:lnRef idx="2">
+            <a:schemeClr val="accent1">
+              <a:shade val="50000"/>
+            </a:schemeClr>
+          </a:lnRef>
+          <a:fillRef idx="1">
+            <a:schemeClr val="accent1"/>
+          </a:fillRef>
+          <a:effectRef idx="0">
+            <a:schemeClr val="accent1"/>
+          </a:effectRef>
+          <a:fontRef idx="minor">
+            <a:schemeClr val="lt1"/>
+          </a:fontRef>
+        </p:style>
+        <p:txBody>
+          <a:bodyPr rtlCol="0" anchor="ctr"/>
+          <a:lstStyle/>
+          <a:p>
+            <a:r>
+              <a:rPr lang="en-CA" sz="1000" b="1" dirty="0">
+                <a:solidFill>
+                  <a:schemeClr val="tx1"/>
+                </a:solidFill>
+              </a:rPr>
+              <a:t>VNet link</a:t>
+            </a:r>
+          </a:p>
+        </p:txBody>
+      </p:sp>
+      <p:cxnSp>
+        <p:nvCxnSpPr>
+          <p:cNvPr id="55" name="Straight Connector 54">
+            <a:extLst>
+              <a:ext uri="{FF2B5EF4-FFF2-40B4-BE49-F238E27FC236}">
+                <a16:creationId xmlns:a16="http://schemas.microsoft.com/office/drawing/2014/main" id="{9615AAFC-A4B1-4211-BDDD-980A11BE7934}"/>
+              </a:ext>
+            </a:extLst>
+          </p:cNvPr>
+          <p:cNvCxnSpPr>
+            <a:cxnSpLocks/>
+            <a:endCxn id="40" idx="1"/>
+          </p:cNvCxnSpPr>
+          <p:nvPr/>
+        </p:nvCxnSpPr>
+        <p:spPr>
+          <a:xfrm flipH="1" flipV="1">
+            <a:off x="5427499" y="1913426"/>
+            <a:ext cx="3137275" cy="1764709"/>
+          </a:xfrm>
+          <a:prstGeom prst="line">
+            <a:avLst/>
+          </a:prstGeom>
+          <a:ln>
+            <a:solidFill>
+              <a:schemeClr val="tx1"/>
+            </a:solidFill>
+            <a:prstDash val="lgDash"/>
+          </a:ln>
+        </p:spPr>
+        <p:style>
+          <a:lnRef idx="1">
+            <a:schemeClr val="accent1"/>
+          </a:lnRef>
+          <a:fillRef idx="0">
+            <a:schemeClr val="accent1"/>
+          </a:fillRef>
+          <a:effectRef idx="0">
+            <a:schemeClr val="accent1"/>
+          </a:effectRef>
+          <a:fontRef idx="minor">
+            <a:schemeClr val="tx1"/>
+          </a:fontRef>
+        </p:style>
+      </p:cxnSp>
+      <p:sp>
+        <p:nvSpPr>
+          <p:cNvPr id="58" name="Rectangle 57">
+            <a:extLst>
+              <a:ext uri="{FF2B5EF4-FFF2-40B4-BE49-F238E27FC236}">
+                <a16:creationId xmlns:a16="http://schemas.microsoft.com/office/drawing/2014/main" id="{3BB4FEB7-786D-41FB-9B65-E9F8EBCF6A93}"/>
+              </a:ext>
+            </a:extLst>
+          </p:cNvPr>
+          <p:cNvSpPr/>
+          <p:nvPr/>
+        </p:nvSpPr>
+        <p:spPr>
+          <a:xfrm>
+            <a:off x="5427498" y="1372955"/>
+            <a:ext cx="1856207" cy="251870"/>
+          </a:xfrm>
+          <a:prstGeom prst="rect">
+            <a:avLst/>
+          </a:prstGeom>
+          <a:noFill/>
+          <a:ln>
+            <a:noFill/>
+          </a:ln>
+        </p:spPr>
+        <p:style>
+          <a:lnRef idx="2">
+            <a:schemeClr val="accent1">
+              <a:shade val="50000"/>
+            </a:schemeClr>
+          </a:lnRef>
+          <a:fillRef idx="1">
+            <a:schemeClr val="accent1"/>
+          </a:fillRef>
+          <a:effectRef idx="0">
+            <a:schemeClr val="accent1"/>
+          </a:effectRef>
+          <a:fontRef idx="minor">
+            <a:schemeClr val="lt1"/>
+          </a:fontRef>
+        </p:style>
+        <p:txBody>
+          <a:bodyPr rtlCol="0" anchor="ctr"/>
+          <a:lstStyle/>
+          <a:p>
+            <a:r>
+              <a:rPr lang="en-CA" sz="1000" b="1" u="sng" dirty="0">
+                <a:solidFill>
+                  <a:schemeClr val="tx1"/>
+                </a:solidFill>
+              </a:rPr>
+              <a:t>Azure Private DNS Zone</a:t>
+            </a:r>
+          </a:p>
+        </p:txBody>
+      </p:sp>
+      <p:cxnSp>
+        <p:nvCxnSpPr>
+          <p:cNvPr id="60" name="Straight Arrow Connector 59">
+            <a:extLst>
+              <a:ext uri="{FF2B5EF4-FFF2-40B4-BE49-F238E27FC236}">
+                <a16:creationId xmlns:a16="http://schemas.microsoft.com/office/drawing/2014/main" id="{A4FE6DD8-8C24-4D4C-A737-38752E1C926A}"/>
+              </a:ext>
+            </a:extLst>
+          </p:cNvPr>
+          <p:cNvCxnSpPr>
+            <a:stCxn id="3" idx="3"/>
+            <a:endCxn id="14" idx="1"/>
+          </p:cNvCxnSpPr>
+          <p:nvPr/>
+        </p:nvCxnSpPr>
+        <p:spPr>
+          <a:xfrm>
+            <a:off x="3092021" y="4793271"/>
+            <a:ext cx="877678" cy="0"/>
+          </a:xfrm>
+          <a:prstGeom prst="straightConnector1">
+            <a:avLst/>
+          </a:prstGeom>
+          <a:ln>
+            <a:solidFill>
+              <a:schemeClr val="tx1"/>
+            </a:solidFill>
+            <a:headEnd type="triangle"/>
+            <a:tailEnd type="triangle"/>
+          </a:ln>
+        </p:spPr>
+        <p:style>
+          <a:lnRef idx="1">
+            <a:schemeClr val="accent1"/>
+          </a:lnRef>
+          <a:fillRef idx="0">
+            <a:schemeClr val="accent1"/>
+          </a:fillRef>
+          <a:effectRef idx="0">
+            <a:schemeClr val="accent1"/>
+          </a:effectRef>
+          <a:fontRef idx="minor">
+            <a:schemeClr val="tx1"/>
+          </a:fontRef>
+        </p:style>
+      </p:cxnSp>
+      <p:cxnSp>
+        <p:nvCxnSpPr>
+          <p:cNvPr id="62" name="Straight Arrow Connector 61">
+            <a:extLst>
+              <a:ext uri="{FF2B5EF4-FFF2-40B4-BE49-F238E27FC236}">
+                <a16:creationId xmlns:a16="http://schemas.microsoft.com/office/drawing/2014/main" id="{DA236131-19FE-4D98-816C-FB299F2758AC}"/>
+              </a:ext>
+            </a:extLst>
+          </p:cNvPr>
+          <p:cNvCxnSpPr>
+            <a:cxnSpLocks/>
+            <a:stCxn id="14" idx="3"/>
+            <a:endCxn id="28" idx="1"/>
+          </p:cNvCxnSpPr>
+          <p:nvPr/>
+        </p:nvCxnSpPr>
+        <p:spPr>
+          <a:xfrm flipV="1">
+            <a:off x="6732850" y="4790233"/>
+            <a:ext cx="899792" cy="3038"/>
+          </a:xfrm>
+          <a:prstGeom prst="straightConnector1">
+            <a:avLst/>
+          </a:prstGeom>
+          <a:ln>
+            <a:solidFill>
+              <a:schemeClr val="tx1"/>
+            </a:solidFill>
+            <a:headEnd type="triangle"/>
+            <a:tailEnd type="triangle"/>
+          </a:ln>
+        </p:spPr>
+        <p:style>
+          <a:lnRef idx="1">
+            <a:schemeClr val="accent1"/>
+          </a:lnRef>
+          <a:fillRef idx="0">
+            <a:schemeClr val="accent1"/>
+          </a:fillRef>
+          <a:effectRef idx="0">
+            <a:schemeClr val="accent1"/>
+          </a:effectRef>
+          <a:fontRef idx="minor">
+            <a:schemeClr val="tx1"/>
+          </a:fontRef>
+        </p:style>
+      </p:cxnSp>
+      <p:sp>
+        <p:nvSpPr>
+          <p:cNvPr id="63" name="Rectangle 62">
+            <a:extLst>
+              <a:ext uri="{FF2B5EF4-FFF2-40B4-BE49-F238E27FC236}">
+                <a16:creationId xmlns:a16="http://schemas.microsoft.com/office/drawing/2014/main" id="{BD5B99C8-27ED-499B-8FCE-A44A980E7655}"/>
+              </a:ext>
+            </a:extLst>
+          </p:cNvPr>
+          <p:cNvSpPr/>
+          <p:nvPr/>
+        </p:nvSpPr>
+        <p:spPr>
+          <a:xfrm>
+            <a:off x="3074768" y="4557880"/>
+            <a:ext cx="937793" cy="285751"/>
+          </a:xfrm>
+          <a:prstGeom prst="rect">
+            <a:avLst/>
+          </a:prstGeom>
+          <a:noFill/>
+          <a:ln>
+            <a:noFill/>
+          </a:ln>
+        </p:spPr>
+        <p:style>
+          <a:lnRef idx="2">
+            <a:schemeClr val="accent1">
+              <a:shade val="50000"/>
+            </a:schemeClr>
+          </a:lnRef>
+          <a:fillRef idx="1">
+            <a:schemeClr val="accent1"/>
+          </a:fillRef>
+          <a:effectRef idx="0">
+            <a:schemeClr val="accent1"/>
+          </a:effectRef>
+          <a:fontRef idx="minor">
+            <a:schemeClr val="lt1"/>
+          </a:fontRef>
+        </p:style>
+        <p:txBody>
+          <a:bodyPr rtlCol="0" anchor="ctr"/>
+          <a:lstStyle/>
+          <a:p>
+            <a:pPr algn="ctr"/>
+            <a:r>
+              <a:rPr lang="en-CA" sz="1000" b="1" dirty="0">
+                <a:solidFill>
+                  <a:schemeClr val="tx1"/>
+                </a:solidFill>
+              </a:rPr>
+              <a:t>VNet Peering</a:t>
+            </a:r>
+          </a:p>
+        </p:txBody>
+      </p:sp>
+      <p:sp>
+        <p:nvSpPr>
+          <p:cNvPr id="64" name="Rectangle 63">
+            <a:extLst>
+              <a:ext uri="{FF2B5EF4-FFF2-40B4-BE49-F238E27FC236}">
+                <a16:creationId xmlns:a16="http://schemas.microsoft.com/office/drawing/2014/main" id="{C034C40A-B745-490D-A106-E116AEDEEB09}"/>
+              </a:ext>
+            </a:extLst>
+          </p:cNvPr>
+          <p:cNvSpPr/>
+          <p:nvPr/>
+        </p:nvSpPr>
+        <p:spPr>
+          <a:xfrm>
+            <a:off x="6716577" y="4559279"/>
+            <a:ext cx="937793" cy="285751"/>
+          </a:xfrm>
+          <a:prstGeom prst="rect">
+            <a:avLst/>
+          </a:prstGeom>
+          <a:noFill/>
+          <a:ln>
+            <a:noFill/>
+          </a:ln>
+        </p:spPr>
+        <p:style>
+          <a:lnRef idx="2">
+            <a:schemeClr val="accent1">
+              <a:shade val="50000"/>
+            </a:schemeClr>
+          </a:lnRef>
+          <a:fillRef idx="1">
+            <a:schemeClr val="accent1"/>
+          </a:fillRef>
+          <a:effectRef idx="0">
+            <a:schemeClr val="accent1"/>
+          </a:effectRef>
+          <a:fontRef idx="minor">
+            <a:schemeClr val="lt1"/>
+          </a:fontRef>
+        </p:style>
+        <p:txBody>
+          <a:bodyPr rtlCol="0" anchor="ctr"/>
+          <a:lstStyle/>
+          <a:p>
+            <a:pPr algn="ctr"/>
+            <a:r>
+              <a:rPr lang="en-CA" sz="1000" b="1" dirty="0">
+                <a:solidFill>
+                  <a:schemeClr val="tx1"/>
+                </a:solidFill>
+              </a:rPr>
+              <a:t>VNet Peering</a:t>
+            </a:r>
+          </a:p>
+        </p:txBody>
+      </p:sp>
+      <p:sp>
+        <p:nvSpPr>
+          <p:cNvPr id="67" name="Rectangle 66">
+            <a:extLst>
+              <a:ext uri="{FF2B5EF4-FFF2-40B4-BE49-F238E27FC236}">
+                <a16:creationId xmlns:a16="http://schemas.microsoft.com/office/drawing/2014/main" id="{BCA23C9C-FB12-4009-910A-B0208033107A}"/>
+              </a:ext>
+            </a:extLst>
+          </p:cNvPr>
+          <p:cNvSpPr/>
+          <p:nvPr/>
+        </p:nvSpPr>
+        <p:spPr>
+          <a:xfrm>
+            <a:off x="1339672" y="5108939"/>
+            <a:ext cx="609462" cy="246221"/>
+          </a:xfrm>
+          <a:prstGeom prst="rect">
+            <a:avLst/>
+          </a:prstGeom>
+        </p:spPr>
+        <p:txBody>
+          <a:bodyPr wrap="none">
+            <a:spAutoFit/>
+          </a:bodyPr>
+          <a:lstStyle/>
+          <a:p>
+            <a:r>
+              <a:rPr lang="en-CA" sz="1000" b="0" i="0" dirty="0">
+                <a:solidFill>
+                  <a:srgbClr val="000000"/>
+                </a:solidFill>
+                <a:effectLst/>
+              </a:rPr>
+              <a:t>10.1.0.4</a:t>
+            </a:r>
+            <a:endParaRPr lang="en-CA" sz="1000" dirty="0"/>
+          </a:p>
+        </p:txBody>
+      </p:sp>
+      <p:grpSp>
+        <p:nvGrpSpPr>
+          <p:cNvPr id="68" name="Group 67">
+            <a:extLst>
+              <a:ext uri="{FF2B5EF4-FFF2-40B4-BE49-F238E27FC236}">
+                <a16:creationId xmlns:a16="http://schemas.microsoft.com/office/drawing/2014/main" id="{76C3B845-6A07-4ED5-9043-879135A1CDD9}"/>
+              </a:ext>
+            </a:extLst>
+          </p:cNvPr>
+          <p:cNvGrpSpPr/>
+          <p:nvPr/>
+        </p:nvGrpSpPr>
+        <p:grpSpPr>
+          <a:xfrm>
+            <a:off x="899167" y="5064969"/>
+            <a:ext cx="681499" cy="482543"/>
+            <a:chOff x="7958860" y="5899341"/>
+            <a:chExt cx="681499" cy="482543"/>
+          </a:xfrm>
+        </p:grpSpPr>
+        <p:pic>
+          <p:nvPicPr>
+            <p:cNvPr id="69" name="Graphic 68">
+              <a:extLst>
+                <a:ext uri="{FF2B5EF4-FFF2-40B4-BE49-F238E27FC236}">
+                  <a16:creationId xmlns:a16="http://schemas.microsoft.com/office/drawing/2014/main" id="{B9C7D9EF-16FC-4A07-B7DA-7A1902044D65}"/>
+                </a:ext>
+              </a:extLst>
+            </p:cNvPr>
+            <p:cNvPicPr>
+              <a:picLocks noChangeAspect="1"/>
+            </p:cNvPicPr>
+            <p:nvPr/>
+          </p:nvPicPr>
+          <p:blipFill>
+            <a:blip r:embed="rId10">
+              <a:extLst>
+                <a:ext uri="{28A0092B-C50C-407E-A947-70E740481C1C}">
+                  <a14:useLocalDpi xmlns:a14="http://schemas.microsoft.com/office/drawing/2010/main" val="0"/>
+                </a:ext>
+                <a:ext uri="{96DAC541-7B7A-43D3-8B79-37D633B846F1}">
+                  <asvg:svgBlip xmlns:asvg="http://schemas.microsoft.com/office/drawing/2016/SVG/main" r:embed="rId11"/>
+                </a:ext>
+              </a:extLst>
+            </a:blip>
+            <a:stretch>
+              <a:fillRect/>
+            </a:stretch>
+          </p:blipFill>
+          <p:spPr>
+            <a:xfrm>
+              <a:off x="8158490" y="5899341"/>
+              <a:ext cx="282237" cy="317140"/>
+            </a:xfrm>
+            <a:prstGeom prst="rect">
+              <a:avLst/>
+            </a:prstGeom>
+          </p:spPr>
+        </p:pic>
+        <p:sp>
+          <p:nvSpPr>
+            <p:cNvPr id="70" name="Rectangle 69">
+              <a:extLst>
+                <a:ext uri="{FF2B5EF4-FFF2-40B4-BE49-F238E27FC236}">
+                  <a16:creationId xmlns:a16="http://schemas.microsoft.com/office/drawing/2014/main" id="{F7370A02-872C-4838-92F9-2ED85AD5CFB0}"/>
+                </a:ext>
+              </a:extLst>
+            </p:cNvPr>
+            <p:cNvSpPr/>
+            <p:nvPr/>
+          </p:nvSpPr>
+          <p:spPr>
+            <a:xfrm>
+              <a:off x="7958860" y="6149829"/>
+              <a:ext cx="681499" cy="232055"/>
+            </a:xfrm>
+            <a:prstGeom prst="rect">
+              <a:avLst/>
+            </a:prstGeom>
+            <a:noFill/>
+            <a:ln>
+              <a:noFill/>
+            </a:ln>
+          </p:spPr>
+          <p:style>
+            <a:lnRef idx="2">
+              <a:schemeClr val="accent1">
+                <a:shade val="50000"/>
+              </a:schemeClr>
+            </a:lnRef>
+            <a:fillRef idx="1">
+              <a:schemeClr val="accent1"/>
+            </a:fillRef>
+            <a:effectRef idx="0">
+              <a:schemeClr val="accent1"/>
+            </a:effectRef>
+            <a:fontRef idx="minor">
+              <a:schemeClr val="lt1"/>
+            </a:fontRef>
+          </p:style>
+          <p:txBody>
+            <a:bodyPr rtlCol="0" anchor="ctr"/>
+            <a:lstStyle/>
+            <a:p>
+              <a:pPr algn="ctr"/>
+              <a:r>
+                <a:rPr lang="en-CA" sz="1000" b="1" dirty="0">
+                  <a:solidFill>
+                    <a:schemeClr val="tx1"/>
+                  </a:solidFill>
+                </a:rPr>
+                <a:t>NIC</a:t>
+              </a:r>
+            </a:p>
+          </p:txBody>
+        </p:sp>
+      </p:grpSp>
+      <p:grpSp>
+        <p:nvGrpSpPr>
+          <p:cNvPr id="71" name="Group 70">
+            <a:extLst>
+              <a:ext uri="{FF2B5EF4-FFF2-40B4-BE49-F238E27FC236}">
+                <a16:creationId xmlns:a16="http://schemas.microsoft.com/office/drawing/2014/main" id="{8D0054EB-8B1E-475A-923A-675F458E709C}"/>
+              </a:ext>
+            </a:extLst>
+          </p:cNvPr>
+          <p:cNvGrpSpPr/>
+          <p:nvPr/>
+        </p:nvGrpSpPr>
+        <p:grpSpPr>
+          <a:xfrm>
+            <a:off x="11143797" y="4433502"/>
+            <a:ext cx="970573" cy="790037"/>
+            <a:chOff x="10899931" y="2303928"/>
+            <a:chExt cx="970573" cy="790037"/>
+          </a:xfrm>
+        </p:grpSpPr>
+        <p:grpSp>
+          <p:nvGrpSpPr>
+            <p:cNvPr id="72" name="Group 71">
+              <a:extLst>
+                <a:ext uri="{FF2B5EF4-FFF2-40B4-BE49-F238E27FC236}">
+                  <a16:creationId xmlns:a16="http://schemas.microsoft.com/office/drawing/2014/main" id="{36F31CBE-A829-4EFB-8B0D-66E65B9B834E}"/>
+                </a:ext>
+              </a:extLst>
+            </p:cNvPr>
+            <p:cNvGrpSpPr/>
+            <p:nvPr/>
+          </p:nvGrpSpPr>
+          <p:grpSpPr>
+            <a:xfrm>
+              <a:off x="10899931" y="2303928"/>
+              <a:ext cx="942975" cy="666822"/>
+              <a:chOff x="5667375" y="2971728"/>
+              <a:chExt cx="942975" cy="666822"/>
+            </a:xfrm>
+          </p:grpSpPr>
+          <p:pic>
+            <p:nvPicPr>
+              <p:cNvPr id="74" name="Picture 73" descr="Logo&#10;&#10;Description automatically generated">
+                <a:extLst>
+                  <a:ext uri="{FF2B5EF4-FFF2-40B4-BE49-F238E27FC236}">
+                    <a16:creationId xmlns:a16="http://schemas.microsoft.com/office/drawing/2014/main" id="{E06CDAB0-040A-4459-ADB5-73F905ACDB7A}"/>
+                  </a:ext>
+                </a:extLst>
+              </p:cNvPr>
+              <p:cNvPicPr>
+                <a:picLocks noChangeAspect="1"/>
+              </p:cNvPicPr>
+              <p:nvPr/>
+            </p:nvPicPr>
+            <p:blipFill>
+              <a:blip r:embed="rId12">
+                <a:extLst>
+                  <a:ext uri="{28A0092B-C50C-407E-A947-70E740481C1C}">
+                    <a14:useLocalDpi xmlns:a14="http://schemas.microsoft.com/office/drawing/2010/main" val="0"/>
+                  </a:ext>
+                </a:extLst>
+              </a:blip>
+              <a:stretch>
+                <a:fillRect/>
+              </a:stretch>
+            </p:blipFill>
+            <p:spPr>
+              <a:xfrm>
+                <a:off x="5910491" y="2971728"/>
+                <a:ext cx="448532" cy="448532"/>
+              </a:xfrm>
+              <a:prstGeom prst="rect">
+                <a:avLst/>
+              </a:prstGeom>
+            </p:spPr>
+          </p:pic>
+          <p:sp>
+            <p:nvSpPr>
+              <p:cNvPr id="75" name="Rectangle 74">
+                <a:extLst>
+                  <a:ext uri="{FF2B5EF4-FFF2-40B4-BE49-F238E27FC236}">
+                    <a16:creationId xmlns:a16="http://schemas.microsoft.com/office/drawing/2014/main" id="{43737EAE-B823-41BC-BC9A-CC504787DC66}"/>
+                  </a:ext>
+                </a:extLst>
+              </p:cNvPr>
+              <p:cNvSpPr/>
+              <p:nvPr/>
+            </p:nvSpPr>
+            <p:spPr>
+              <a:xfrm>
+                <a:off x="5667375" y="3352799"/>
+                <a:ext cx="942975" cy="285751"/>
+              </a:xfrm>
+              <a:prstGeom prst="rect">
+                <a:avLst/>
+              </a:prstGeom>
+              <a:noFill/>
+              <a:ln>
+                <a:noFill/>
+              </a:ln>
+            </p:spPr>
+            <p:style>
+              <a:lnRef idx="2">
+                <a:schemeClr val="accent1">
+                  <a:shade val="50000"/>
+                </a:schemeClr>
+              </a:lnRef>
+              <a:fillRef idx="1">
+                <a:schemeClr val="accent1"/>
+              </a:fillRef>
+              <a:effectRef idx="0">
+                <a:schemeClr val="accent1"/>
+              </a:effectRef>
+              <a:fontRef idx="minor">
+                <a:schemeClr val="lt1"/>
+              </a:fontRef>
+            </p:style>
+            <p:txBody>
+              <a:bodyPr rtlCol="0" anchor="ctr"/>
+              <a:lstStyle/>
+              <a:p>
+                <a:pPr algn="ctr"/>
+                <a:r>
+                  <a:rPr lang="en-CA" sz="1000" b="1" dirty="0">
+                    <a:solidFill>
+                      <a:schemeClr val="tx1"/>
+                    </a:solidFill>
+                  </a:rPr>
+                  <a:t>Key Vault</a:t>
+                </a:r>
+              </a:p>
+            </p:txBody>
+          </p:sp>
+        </p:grpSp>
+        <p:sp>
+          <p:nvSpPr>
+            <p:cNvPr id="73" name="Rectangle 72">
+              <a:extLst>
+                <a:ext uri="{FF2B5EF4-FFF2-40B4-BE49-F238E27FC236}">
+                  <a16:creationId xmlns:a16="http://schemas.microsoft.com/office/drawing/2014/main" id="{B37B8E0E-40F9-4E3D-B9FB-B0C3DD9BA1C3}"/>
+                </a:ext>
+              </a:extLst>
+            </p:cNvPr>
+            <p:cNvSpPr/>
+            <p:nvPr/>
+          </p:nvSpPr>
+          <p:spPr>
+            <a:xfrm>
+              <a:off x="10932427" y="2847744"/>
+              <a:ext cx="938077" cy="246221"/>
+            </a:xfrm>
+            <a:prstGeom prst="rect">
+              <a:avLst/>
+            </a:prstGeom>
+          </p:spPr>
+          <p:txBody>
+            <a:bodyPr wrap="none">
+              <a:spAutoFit/>
+            </a:bodyPr>
+            <a:lstStyle/>
+            <a:p>
+              <a:r>
+                <a:rPr lang="en-CA" sz="1000" b="0" dirty="0">
+                  <a:effectLst/>
+                </a:rPr>
+                <a:t>20.38.149.196</a:t>
+              </a:r>
+            </a:p>
+          </p:txBody>
+        </p:sp>
+      </p:grpSp>
+      <p:grpSp>
+        <p:nvGrpSpPr>
+          <p:cNvPr id="76" name="Group 75">
+            <a:extLst>
+              <a:ext uri="{FF2B5EF4-FFF2-40B4-BE49-F238E27FC236}">
+                <a16:creationId xmlns:a16="http://schemas.microsoft.com/office/drawing/2014/main" id="{5EA87288-B881-4CF2-9A8D-E6BF1F2DBDA0}"/>
+              </a:ext>
+            </a:extLst>
+          </p:cNvPr>
+          <p:cNvGrpSpPr/>
+          <p:nvPr/>
+        </p:nvGrpSpPr>
+        <p:grpSpPr>
+          <a:xfrm>
+            <a:off x="10281497" y="4170311"/>
+            <a:ext cx="958620" cy="560053"/>
+            <a:chOff x="9716705" y="373171"/>
+            <a:chExt cx="958620" cy="560053"/>
+          </a:xfrm>
+        </p:grpSpPr>
+        <p:sp>
+          <p:nvSpPr>
+            <p:cNvPr id="77" name="Rectangle 76">
+              <a:extLst>
+                <a:ext uri="{FF2B5EF4-FFF2-40B4-BE49-F238E27FC236}">
+                  <a16:creationId xmlns:a16="http://schemas.microsoft.com/office/drawing/2014/main" id="{928227E8-E72B-4DAC-902A-C4602FE3E7FA}"/>
+                </a:ext>
+              </a:extLst>
+            </p:cNvPr>
+            <p:cNvSpPr/>
+            <p:nvPr/>
+          </p:nvSpPr>
+          <p:spPr>
+            <a:xfrm>
+              <a:off x="9716705" y="698053"/>
+              <a:ext cx="958620" cy="235171"/>
+            </a:xfrm>
+            <a:prstGeom prst="rect">
+              <a:avLst/>
+            </a:prstGeom>
+            <a:noFill/>
+            <a:ln>
+              <a:noFill/>
+            </a:ln>
+          </p:spPr>
+          <p:style>
+            <a:lnRef idx="2">
+              <a:schemeClr val="accent1">
+                <a:shade val="50000"/>
+              </a:schemeClr>
+            </a:lnRef>
+            <a:fillRef idx="1">
+              <a:schemeClr val="accent1"/>
+            </a:fillRef>
+            <a:effectRef idx="0">
+              <a:schemeClr val="accent1"/>
+            </a:effectRef>
+            <a:fontRef idx="minor">
+              <a:schemeClr val="lt1"/>
+            </a:fontRef>
+          </p:style>
+          <p:txBody>
+            <a:bodyPr rtlCol="0" anchor="ctr"/>
+            <a:lstStyle/>
+            <a:p>
+              <a:pPr algn="ctr"/>
+              <a:r>
+                <a:rPr lang="en-CA" sz="1000" b="1" dirty="0">
+                  <a:solidFill>
+                    <a:schemeClr val="tx1"/>
+                  </a:solidFill>
+                </a:rPr>
+                <a:t>Private Link</a:t>
+              </a:r>
+            </a:p>
+          </p:txBody>
+        </p:sp>
+        <p:pic>
+          <p:nvPicPr>
+            <p:cNvPr id="78" name="Graphic 77">
+              <a:extLst>
+                <a:ext uri="{FF2B5EF4-FFF2-40B4-BE49-F238E27FC236}">
+                  <a16:creationId xmlns:a16="http://schemas.microsoft.com/office/drawing/2014/main" id="{4D4DC50B-5844-4A26-98CC-EE8856820023}"/>
+                </a:ext>
+              </a:extLst>
+            </p:cNvPr>
+            <p:cNvPicPr>
+              <a:picLocks noChangeAspect="1"/>
+            </p:cNvPicPr>
+            <p:nvPr/>
+          </p:nvPicPr>
+          <p:blipFill>
+            <a:blip r:embed="rId13">
+              <a:extLst>
+                <a:ext uri="{28A0092B-C50C-407E-A947-70E740481C1C}">
+                  <a14:useLocalDpi xmlns:a14="http://schemas.microsoft.com/office/drawing/2010/main" val="0"/>
+                </a:ext>
+                <a:ext uri="{96DAC541-7B7A-43D3-8B79-37D633B846F1}">
+                  <asvg:svgBlip xmlns:asvg="http://schemas.microsoft.com/office/drawing/2016/SVG/main" r:embed="rId14"/>
+                </a:ext>
+              </a:extLst>
+            </a:blip>
+            <a:stretch>
+              <a:fillRect/>
+            </a:stretch>
+          </p:blipFill>
+          <p:spPr>
+            <a:xfrm>
+              <a:off x="9940904" y="373171"/>
+              <a:ext cx="444392" cy="444392"/>
+            </a:xfrm>
+            <a:prstGeom prst="rect">
+              <a:avLst/>
+            </a:prstGeom>
+          </p:spPr>
+        </p:pic>
+      </p:grpSp>
+      <p:cxnSp>
+        <p:nvCxnSpPr>
+          <p:cNvPr id="79" name="Straight Arrow Connector 78">
+            <a:extLst>
+              <a:ext uri="{FF2B5EF4-FFF2-40B4-BE49-F238E27FC236}">
+                <a16:creationId xmlns:a16="http://schemas.microsoft.com/office/drawing/2014/main" id="{50FDD441-E571-4CF4-9D49-89AFCE2EED20}"/>
+              </a:ext>
+            </a:extLst>
+          </p:cNvPr>
+          <p:cNvCxnSpPr>
+            <a:cxnSpLocks/>
+          </p:cNvCxnSpPr>
+          <p:nvPr/>
+        </p:nvCxnSpPr>
+        <p:spPr>
+          <a:xfrm>
+            <a:off x="9193404" y="4686534"/>
+            <a:ext cx="2188914" cy="0"/>
+          </a:xfrm>
+          <a:prstGeom prst="straightConnector1">
+            <a:avLst/>
+          </a:prstGeom>
+          <a:ln>
+            <a:tailEnd type="triangle"/>
+          </a:ln>
+        </p:spPr>
+        <p:style>
+          <a:lnRef idx="1">
+            <a:schemeClr val="accent1"/>
+          </a:lnRef>
+          <a:fillRef idx="0">
+            <a:schemeClr val="accent1"/>
+          </a:fillRef>
+          <a:effectRef idx="0">
+            <a:schemeClr val="accent1"/>
+          </a:effectRef>
+          <a:fontRef idx="minor">
+            <a:schemeClr val="tx1"/>
+          </a:fontRef>
+        </p:style>
+      </p:cxnSp>
+      <p:sp>
+        <p:nvSpPr>
+          <p:cNvPr id="80" name="Rectangle 79">
+            <a:extLst>
+              <a:ext uri="{FF2B5EF4-FFF2-40B4-BE49-F238E27FC236}">
+                <a16:creationId xmlns:a16="http://schemas.microsoft.com/office/drawing/2014/main" id="{76C79C13-9297-454A-91B8-7A47A21C472B}"/>
+              </a:ext>
+            </a:extLst>
+          </p:cNvPr>
+          <p:cNvSpPr/>
+          <p:nvPr/>
+        </p:nvSpPr>
+        <p:spPr>
+          <a:xfrm>
+            <a:off x="9571140" y="4624459"/>
+            <a:ext cx="1723370" cy="421396"/>
+          </a:xfrm>
+          <a:prstGeom prst="rect">
+            <a:avLst/>
+          </a:prstGeom>
+          <a:noFill/>
+          <a:ln>
+            <a:noFill/>
+          </a:ln>
+        </p:spPr>
+        <p:style>
+          <a:lnRef idx="2">
+            <a:schemeClr val="accent1">
+              <a:shade val="50000"/>
+            </a:schemeClr>
+          </a:lnRef>
+          <a:fillRef idx="1">
+            <a:schemeClr val="accent1"/>
+          </a:fillRef>
+          <a:effectRef idx="0">
+            <a:schemeClr val="accent1"/>
+          </a:effectRef>
+          <a:fontRef idx="minor">
+            <a:schemeClr val="lt1"/>
+          </a:fontRef>
+        </p:style>
+        <p:txBody>
+          <a:bodyPr rtlCol="0" anchor="ctr"/>
+          <a:lstStyle/>
+          <a:p>
+            <a:pPr algn="ctr"/>
+            <a:r>
+              <a:rPr lang="en-CA" sz="800" dirty="0">
+                <a:solidFill>
+                  <a:schemeClr val="tx1"/>
+                </a:solidFill>
+              </a:rPr>
+              <a:t>NIC with Private IP from the Subnet is created &amp; assigned to Key Vault</a:t>
+            </a:r>
+          </a:p>
+        </p:txBody>
+      </p:sp>
+      <p:pic>
+        <p:nvPicPr>
+          <p:cNvPr id="82" name="Picture 81" descr="Logo&#10;&#10;Description automatically generated">
+            <a:extLst>
+              <a:ext uri="{FF2B5EF4-FFF2-40B4-BE49-F238E27FC236}">
+                <a16:creationId xmlns:a16="http://schemas.microsoft.com/office/drawing/2014/main" id="{01A3A4B4-8511-44A7-AE5D-46DC36122B35}"/>
+              </a:ext>
+            </a:extLst>
+          </p:cNvPr>
+          <p:cNvPicPr>
+            <a:picLocks noChangeAspect="1"/>
+          </p:cNvPicPr>
+          <p:nvPr/>
+        </p:nvPicPr>
+        <p:blipFill>
+          <a:blip r:embed="rId15">
+            <a:extLst>
+              <a:ext uri="{28A0092B-C50C-407E-A947-70E740481C1C}">
+                <a14:useLocalDpi xmlns:a14="http://schemas.microsoft.com/office/drawing/2010/main" val="0"/>
+              </a:ext>
+            </a:extLst>
+          </a:blip>
+          <a:stretch>
+            <a:fillRect/>
+          </a:stretch>
+        </p:blipFill>
+        <p:spPr>
+          <a:xfrm>
+            <a:off x="1580666" y="768301"/>
+            <a:ext cx="550698" cy="550698"/>
+          </a:xfrm>
+          <a:prstGeom prst="rect">
+            <a:avLst/>
+          </a:prstGeom>
+        </p:spPr>
+      </p:pic>
+      <p:grpSp>
+        <p:nvGrpSpPr>
+          <p:cNvPr id="87" name="Group 86">
+            <a:extLst>
+              <a:ext uri="{FF2B5EF4-FFF2-40B4-BE49-F238E27FC236}">
+                <a16:creationId xmlns:a16="http://schemas.microsoft.com/office/drawing/2014/main" id="{ECC72671-9D05-4733-9474-D4EEA0EBEA5E}"/>
+              </a:ext>
+            </a:extLst>
+          </p:cNvPr>
+          <p:cNvGrpSpPr/>
+          <p:nvPr/>
+        </p:nvGrpSpPr>
+        <p:grpSpPr>
+          <a:xfrm>
+            <a:off x="2139292" y="694141"/>
+            <a:ext cx="3746538" cy="578526"/>
+            <a:chOff x="8213038" y="348483"/>
+            <a:chExt cx="3746538" cy="578526"/>
+          </a:xfrm>
+        </p:grpSpPr>
+        <p:sp>
+          <p:nvSpPr>
+            <p:cNvPr id="85" name="Rectangle 84">
+              <a:extLst>
+                <a:ext uri="{FF2B5EF4-FFF2-40B4-BE49-F238E27FC236}">
+                  <a16:creationId xmlns:a16="http://schemas.microsoft.com/office/drawing/2014/main" id="{20F1A402-F6AB-4B70-BFC1-1FEE4BA9EE6A}"/>
+                </a:ext>
+              </a:extLst>
+            </p:cNvPr>
+            <p:cNvSpPr/>
+            <p:nvPr/>
+          </p:nvSpPr>
+          <p:spPr>
+            <a:xfrm>
+              <a:off x="8213038" y="526899"/>
+              <a:ext cx="3746538" cy="400110"/>
+            </a:xfrm>
+            <a:prstGeom prst="rect">
+              <a:avLst/>
+            </a:prstGeom>
+          </p:spPr>
+          <p:txBody>
+            <a:bodyPr wrap="none">
+              <a:spAutoFit/>
+            </a:bodyPr>
+            <a:lstStyle/>
+            <a:p>
+              <a:r>
+                <a:rPr lang="en-CA" sz="1000" dirty="0"/>
+                <a:t>Received Query: kv-pep-spokepep.vault.azure.net</a:t>
+              </a:r>
+            </a:p>
+            <a:p>
+              <a:r>
+                <a:rPr lang="en-CA" sz="1000" dirty="0"/>
+                <a:t>Response: kv-pep-spokepep.privatelink.vaultcore.azure.net (CNAME)</a:t>
+              </a:r>
+            </a:p>
+          </p:txBody>
+        </p:sp>
+        <p:sp>
+          <p:nvSpPr>
+            <p:cNvPr id="86" name="Rectangle 85">
+              <a:extLst>
+                <a:ext uri="{FF2B5EF4-FFF2-40B4-BE49-F238E27FC236}">
+                  <a16:creationId xmlns:a16="http://schemas.microsoft.com/office/drawing/2014/main" id="{91D43308-886B-4B94-9548-04DE05458525}"/>
+                </a:ext>
+              </a:extLst>
+            </p:cNvPr>
+            <p:cNvSpPr/>
+            <p:nvPr/>
+          </p:nvSpPr>
+          <p:spPr>
+            <a:xfrm>
+              <a:off x="8213038" y="348483"/>
+              <a:ext cx="2930759" cy="240553"/>
+            </a:xfrm>
+            <a:prstGeom prst="rect">
+              <a:avLst/>
+            </a:prstGeom>
+            <a:noFill/>
+            <a:ln>
+              <a:noFill/>
+            </a:ln>
+          </p:spPr>
+          <p:style>
+            <a:lnRef idx="2">
+              <a:schemeClr val="accent1">
+                <a:shade val="50000"/>
+              </a:schemeClr>
+            </a:lnRef>
+            <a:fillRef idx="1">
+              <a:schemeClr val="accent1"/>
+            </a:fillRef>
+            <a:effectRef idx="0">
+              <a:schemeClr val="accent1"/>
+            </a:effectRef>
+            <a:fontRef idx="minor">
+              <a:schemeClr val="lt1"/>
+            </a:fontRef>
+          </p:style>
+          <p:txBody>
+            <a:bodyPr rtlCol="0" anchor="ctr"/>
+            <a:lstStyle/>
+            <a:p>
+              <a:r>
+                <a:rPr lang="en-CA" sz="1000" b="1" u="sng" dirty="0">
+                  <a:solidFill>
+                    <a:schemeClr val="tx1"/>
+                  </a:solidFill>
+                </a:rPr>
+                <a:t>Authoritative DNS for vault.azure.net</a:t>
+              </a:r>
+            </a:p>
+          </p:txBody>
+        </p:sp>
+      </p:grpSp>
+      <p:pic>
+        <p:nvPicPr>
+          <p:cNvPr id="89" name="Graphic 88">
+            <a:extLst>
+              <a:ext uri="{FF2B5EF4-FFF2-40B4-BE49-F238E27FC236}">
+                <a16:creationId xmlns:a16="http://schemas.microsoft.com/office/drawing/2014/main" id="{3DB5B327-8951-4371-924D-3ACD2F8B6403}"/>
+              </a:ext>
+            </a:extLst>
+          </p:cNvPr>
+          <p:cNvPicPr>
+            <a:picLocks noChangeAspect="1"/>
+          </p:cNvPicPr>
+          <p:nvPr/>
+        </p:nvPicPr>
+        <p:blipFill>
+          <a:blip r:embed="rId16">
+            <a:extLst>
+              <a:ext uri="{28A0092B-C50C-407E-A947-70E740481C1C}">
+                <a14:useLocalDpi xmlns:a14="http://schemas.microsoft.com/office/drawing/2010/main" val="0"/>
+              </a:ext>
+              <a:ext uri="{96DAC541-7B7A-43D3-8B79-37D633B846F1}">
+                <asvg:svgBlip xmlns:asvg="http://schemas.microsoft.com/office/drawing/2016/SVG/main" r:embed="rId17"/>
+              </a:ext>
+            </a:extLst>
+          </a:blip>
+          <a:stretch>
+            <a:fillRect/>
+          </a:stretch>
+        </p:blipFill>
+        <p:spPr>
+          <a:xfrm>
+            <a:off x="4850188" y="1430335"/>
+            <a:ext cx="677582" cy="677582"/>
+          </a:xfrm>
+          <a:prstGeom prst="rect">
+            <a:avLst/>
+          </a:prstGeom>
+        </p:spPr>
+      </p:pic>
+      <p:grpSp>
+        <p:nvGrpSpPr>
+          <p:cNvPr id="93" name="Group 92">
+            <a:extLst>
+              <a:ext uri="{FF2B5EF4-FFF2-40B4-BE49-F238E27FC236}">
+                <a16:creationId xmlns:a16="http://schemas.microsoft.com/office/drawing/2014/main" id="{23B1198F-7D71-41CA-B3F5-E405FBE11AAB}"/>
+              </a:ext>
+            </a:extLst>
+          </p:cNvPr>
+          <p:cNvGrpSpPr/>
+          <p:nvPr/>
+        </p:nvGrpSpPr>
+        <p:grpSpPr>
+          <a:xfrm>
+            <a:off x="2066257" y="3365478"/>
+            <a:ext cx="1687360" cy="739217"/>
+            <a:chOff x="10548538" y="833769"/>
+            <a:chExt cx="1687360" cy="739217"/>
+          </a:xfrm>
+        </p:grpSpPr>
+        <p:pic>
+          <p:nvPicPr>
+            <p:cNvPr id="91" name="Graphic 90">
+              <a:extLst>
+                <a:ext uri="{FF2B5EF4-FFF2-40B4-BE49-F238E27FC236}">
+                  <a16:creationId xmlns:a16="http://schemas.microsoft.com/office/drawing/2014/main" id="{944999C9-D848-437D-BFE7-FB6E76C5BFD8}"/>
+                </a:ext>
+              </a:extLst>
+            </p:cNvPr>
+            <p:cNvPicPr>
+              <a:picLocks noChangeAspect="1"/>
+            </p:cNvPicPr>
+            <p:nvPr/>
+          </p:nvPicPr>
+          <p:blipFill>
+            <a:blip r:embed="rId18">
+              <a:extLst>
+                <a:ext uri="{28A0092B-C50C-407E-A947-70E740481C1C}">
+                  <a14:useLocalDpi xmlns:a14="http://schemas.microsoft.com/office/drawing/2010/main" val="0"/>
+                </a:ext>
+                <a:ext uri="{96DAC541-7B7A-43D3-8B79-37D633B846F1}">
+                  <asvg:svgBlip xmlns:asvg="http://schemas.microsoft.com/office/drawing/2016/SVG/main" r:embed="rId19"/>
+                </a:ext>
+              </a:extLst>
+            </a:blip>
+            <a:stretch>
+              <a:fillRect/>
+            </a:stretch>
+          </p:blipFill>
+          <p:spPr>
+            <a:xfrm>
+              <a:off x="10548538" y="972348"/>
+              <a:ext cx="600638" cy="600638"/>
+            </a:xfrm>
+            <a:prstGeom prst="rect">
+              <a:avLst/>
+            </a:prstGeom>
+          </p:spPr>
+        </p:pic>
+        <p:sp>
+          <p:nvSpPr>
+            <p:cNvPr id="92" name="Rectangle 91">
+              <a:extLst>
+                <a:ext uri="{FF2B5EF4-FFF2-40B4-BE49-F238E27FC236}">
+                  <a16:creationId xmlns:a16="http://schemas.microsoft.com/office/drawing/2014/main" id="{8DE37129-F3C0-4B8A-8771-81E79E2F8392}"/>
+                </a:ext>
+              </a:extLst>
+            </p:cNvPr>
+            <p:cNvSpPr/>
+            <p:nvPr/>
+          </p:nvSpPr>
+          <p:spPr>
+            <a:xfrm>
+              <a:off x="10986460" y="833769"/>
+              <a:ext cx="1249438" cy="448532"/>
+            </a:xfrm>
+            <a:prstGeom prst="rect">
+              <a:avLst/>
+            </a:prstGeom>
+            <a:noFill/>
+            <a:ln>
+              <a:noFill/>
+            </a:ln>
+          </p:spPr>
+          <p:style>
+            <a:lnRef idx="2">
+              <a:schemeClr val="accent1">
+                <a:shade val="50000"/>
+              </a:schemeClr>
+            </a:lnRef>
+            <a:fillRef idx="1">
+              <a:schemeClr val="accent1"/>
+            </a:fillRef>
+            <a:effectRef idx="0">
+              <a:schemeClr val="accent1"/>
+            </a:effectRef>
+            <a:fontRef idx="minor">
+              <a:schemeClr val="lt1"/>
+            </a:fontRef>
+          </p:style>
+          <p:txBody>
+            <a:bodyPr rtlCol="0" anchor="ctr"/>
+            <a:lstStyle/>
+            <a:p>
+              <a:r>
+                <a:rPr lang="en-CA" sz="1000" b="1" dirty="0">
+                  <a:solidFill>
+                    <a:schemeClr val="tx1"/>
+                  </a:solidFill>
+                </a:rPr>
+                <a:t>Azure Provided DNS</a:t>
+              </a:r>
+            </a:p>
+            <a:p>
+              <a:r>
+                <a:rPr lang="en-CA" sz="1000" b="1" dirty="0">
+                  <a:solidFill>
+                    <a:schemeClr val="tx1"/>
+                  </a:solidFill>
+                </a:rPr>
+                <a:t>168.63..129.16</a:t>
+              </a:r>
+            </a:p>
+          </p:txBody>
+        </p:sp>
+      </p:grpSp>
+      <p:grpSp>
+        <p:nvGrpSpPr>
+          <p:cNvPr id="95" name="Group 94">
+            <a:extLst>
+              <a:ext uri="{FF2B5EF4-FFF2-40B4-BE49-F238E27FC236}">
+                <a16:creationId xmlns:a16="http://schemas.microsoft.com/office/drawing/2014/main" id="{966F9A0C-359B-4EB6-9FB9-630761CAFFC8}"/>
+              </a:ext>
+            </a:extLst>
+          </p:cNvPr>
+          <p:cNvGrpSpPr/>
+          <p:nvPr/>
+        </p:nvGrpSpPr>
+        <p:grpSpPr>
+          <a:xfrm>
+            <a:off x="5648623" y="3274541"/>
+            <a:ext cx="1687360" cy="739217"/>
+            <a:chOff x="10548538" y="833769"/>
+            <a:chExt cx="1687360" cy="739217"/>
+          </a:xfrm>
+        </p:grpSpPr>
+        <p:pic>
+          <p:nvPicPr>
+            <p:cNvPr id="96" name="Graphic 95">
+              <a:extLst>
+                <a:ext uri="{FF2B5EF4-FFF2-40B4-BE49-F238E27FC236}">
+                  <a16:creationId xmlns:a16="http://schemas.microsoft.com/office/drawing/2014/main" id="{8BF47639-9D71-4ED2-8D8F-5440C5DFE2F8}"/>
+                </a:ext>
+              </a:extLst>
+            </p:cNvPr>
+            <p:cNvPicPr>
+              <a:picLocks noChangeAspect="1"/>
+            </p:cNvPicPr>
+            <p:nvPr/>
+          </p:nvPicPr>
+          <p:blipFill>
+            <a:blip r:embed="rId18">
+              <a:extLst>
+                <a:ext uri="{28A0092B-C50C-407E-A947-70E740481C1C}">
+                  <a14:useLocalDpi xmlns:a14="http://schemas.microsoft.com/office/drawing/2010/main" val="0"/>
+                </a:ext>
+                <a:ext uri="{96DAC541-7B7A-43D3-8B79-37D633B846F1}">
+                  <asvg:svgBlip xmlns:asvg="http://schemas.microsoft.com/office/drawing/2016/SVG/main" r:embed="rId19"/>
+                </a:ext>
+              </a:extLst>
+            </a:blip>
+            <a:stretch>
+              <a:fillRect/>
+            </a:stretch>
+          </p:blipFill>
+          <p:spPr>
+            <a:xfrm>
+              <a:off x="10548538" y="972348"/>
+              <a:ext cx="600638" cy="600638"/>
+            </a:xfrm>
+            <a:prstGeom prst="rect">
+              <a:avLst/>
+            </a:prstGeom>
+          </p:spPr>
+        </p:pic>
+        <p:sp>
+          <p:nvSpPr>
+            <p:cNvPr id="97" name="Rectangle 96">
+              <a:extLst>
+                <a:ext uri="{FF2B5EF4-FFF2-40B4-BE49-F238E27FC236}">
+                  <a16:creationId xmlns:a16="http://schemas.microsoft.com/office/drawing/2014/main" id="{A4E53367-1BCE-4EC6-B92A-ADEDBBF4A54A}"/>
+                </a:ext>
+              </a:extLst>
+            </p:cNvPr>
+            <p:cNvSpPr/>
+            <p:nvPr/>
+          </p:nvSpPr>
+          <p:spPr>
+            <a:xfrm>
+              <a:off x="10986460" y="833769"/>
+              <a:ext cx="1249438" cy="448532"/>
+            </a:xfrm>
+            <a:prstGeom prst="rect">
+              <a:avLst/>
+            </a:prstGeom>
+            <a:noFill/>
+            <a:ln>
+              <a:noFill/>
+            </a:ln>
+          </p:spPr>
+          <p:style>
+            <a:lnRef idx="2">
+              <a:schemeClr val="accent1">
+                <a:shade val="50000"/>
+              </a:schemeClr>
+            </a:lnRef>
+            <a:fillRef idx="1">
+              <a:schemeClr val="accent1"/>
+            </a:fillRef>
+            <a:effectRef idx="0">
+              <a:schemeClr val="accent1"/>
+            </a:effectRef>
+            <a:fontRef idx="minor">
+              <a:schemeClr val="lt1"/>
+            </a:fontRef>
+          </p:style>
+          <p:txBody>
+            <a:bodyPr rtlCol="0" anchor="ctr"/>
+            <a:lstStyle/>
+            <a:p>
+              <a:r>
+                <a:rPr lang="en-CA" sz="1000" b="1" dirty="0">
+                  <a:solidFill>
+                    <a:schemeClr val="tx1"/>
+                  </a:solidFill>
+                </a:rPr>
+                <a:t>Azure Provided DNS</a:t>
+              </a:r>
+            </a:p>
+            <a:p>
+              <a:r>
+                <a:rPr lang="en-CA" sz="1000" b="1" dirty="0">
+                  <a:solidFill>
+                    <a:schemeClr val="tx1"/>
+                  </a:solidFill>
+                </a:rPr>
+                <a:t>168.63..129.16</a:t>
+              </a:r>
+            </a:p>
+          </p:txBody>
+        </p:sp>
+      </p:grpSp>
+      <p:grpSp>
+        <p:nvGrpSpPr>
+          <p:cNvPr id="98" name="Group 97">
+            <a:extLst>
+              <a:ext uri="{FF2B5EF4-FFF2-40B4-BE49-F238E27FC236}">
+                <a16:creationId xmlns:a16="http://schemas.microsoft.com/office/drawing/2014/main" id="{05C0C4FC-2CAD-4B5E-B6B1-BCDECFEF4B7F}"/>
+              </a:ext>
+            </a:extLst>
+          </p:cNvPr>
+          <p:cNvGrpSpPr/>
+          <p:nvPr/>
+        </p:nvGrpSpPr>
+        <p:grpSpPr>
+          <a:xfrm>
+            <a:off x="9699062" y="3288534"/>
+            <a:ext cx="1687360" cy="739217"/>
+            <a:chOff x="10548538" y="833769"/>
+            <a:chExt cx="1687360" cy="739217"/>
+          </a:xfrm>
+        </p:grpSpPr>
+        <p:pic>
+          <p:nvPicPr>
+            <p:cNvPr id="99" name="Graphic 98">
+              <a:extLst>
+                <a:ext uri="{FF2B5EF4-FFF2-40B4-BE49-F238E27FC236}">
+                  <a16:creationId xmlns:a16="http://schemas.microsoft.com/office/drawing/2014/main" id="{0A78682E-AEC1-4737-B8EF-4CC050502781}"/>
+                </a:ext>
+              </a:extLst>
+            </p:cNvPr>
+            <p:cNvPicPr>
+              <a:picLocks noChangeAspect="1"/>
+            </p:cNvPicPr>
+            <p:nvPr/>
+          </p:nvPicPr>
+          <p:blipFill>
+            <a:blip r:embed="rId18">
+              <a:extLst>
+                <a:ext uri="{28A0092B-C50C-407E-A947-70E740481C1C}">
+                  <a14:useLocalDpi xmlns:a14="http://schemas.microsoft.com/office/drawing/2010/main" val="0"/>
+                </a:ext>
+                <a:ext uri="{96DAC541-7B7A-43D3-8B79-37D633B846F1}">
+                  <asvg:svgBlip xmlns:asvg="http://schemas.microsoft.com/office/drawing/2016/SVG/main" r:embed="rId19"/>
+                </a:ext>
+              </a:extLst>
+            </a:blip>
+            <a:stretch>
+              <a:fillRect/>
+            </a:stretch>
+          </p:blipFill>
+          <p:spPr>
+            <a:xfrm>
+              <a:off x="10548538" y="972348"/>
+              <a:ext cx="600638" cy="600638"/>
+            </a:xfrm>
+            <a:prstGeom prst="rect">
+              <a:avLst/>
+            </a:prstGeom>
+          </p:spPr>
+        </p:pic>
+        <p:sp>
+          <p:nvSpPr>
+            <p:cNvPr id="100" name="Rectangle 99">
+              <a:extLst>
+                <a:ext uri="{FF2B5EF4-FFF2-40B4-BE49-F238E27FC236}">
+                  <a16:creationId xmlns:a16="http://schemas.microsoft.com/office/drawing/2014/main" id="{F58FB4BD-73C6-456E-B687-A58B912510AD}"/>
+                </a:ext>
+              </a:extLst>
+            </p:cNvPr>
+            <p:cNvSpPr/>
+            <p:nvPr/>
+          </p:nvSpPr>
+          <p:spPr>
+            <a:xfrm>
+              <a:off x="10986460" y="833769"/>
+              <a:ext cx="1249438" cy="448532"/>
+            </a:xfrm>
+            <a:prstGeom prst="rect">
+              <a:avLst/>
+            </a:prstGeom>
+            <a:noFill/>
+            <a:ln>
+              <a:noFill/>
+            </a:ln>
+          </p:spPr>
+          <p:style>
+            <a:lnRef idx="2">
+              <a:schemeClr val="accent1">
+                <a:shade val="50000"/>
+              </a:schemeClr>
+            </a:lnRef>
+            <a:fillRef idx="1">
+              <a:schemeClr val="accent1"/>
+            </a:fillRef>
+            <a:effectRef idx="0">
+              <a:schemeClr val="accent1"/>
+            </a:effectRef>
+            <a:fontRef idx="minor">
+              <a:schemeClr val="lt1"/>
+            </a:fontRef>
+          </p:style>
+          <p:txBody>
+            <a:bodyPr rtlCol="0" anchor="ctr"/>
+            <a:lstStyle/>
+            <a:p>
+              <a:r>
+                <a:rPr lang="en-CA" sz="1000" b="1" dirty="0">
+                  <a:solidFill>
+                    <a:schemeClr val="tx1"/>
+                  </a:solidFill>
+                </a:rPr>
+                <a:t>Azure Provided DNS</a:t>
+              </a:r>
+            </a:p>
+            <a:p>
+              <a:r>
+                <a:rPr lang="en-CA" sz="1000" b="1" dirty="0">
+                  <a:solidFill>
+                    <a:schemeClr val="tx1"/>
+                  </a:solidFill>
+                </a:rPr>
+                <a:t>168.63..129.16</a:t>
+              </a:r>
+            </a:p>
+          </p:txBody>
+        </p:sp>
+      </p:grpSp>
+      <p:sp>
+        <p:nvSpPr>
+          <p:cNvPr id="101" name="Rectangle 100">
+            <a:extLst>
+              <a:ext uri="{FF2B5EF4-FFF2-40B4-BE49-F238E27FC236}">
+                <a16:creationId xmlns:a16="http://schemas.microsoft.com/office/drawing/2014/main" id="{C14F3F12-5056-46EC-BABC-1CB817F0DA0C}"/>
+              </a:ext>
+            </a:extLst>
+          </p:cNvPr>
+          <p:cNvSpPr/>
+          <p:nvPr/>
+        </p:nvSpPr>
+        <p:spPr>
+          <a:xfrm>
+            <a:off x="4930315" y="5226770"/>
+            <a:ext cx="609462" cy="246221"/>
+          </a:xfrm>
+          <a:prstGeom prst="rect">
+            <a:avLst/>
+          </a:prstGeom>
+        </p:spPr>
+        <p:txBody>
+          <a:bodyPr wrap="none">
+            <a:spAutoFit/>
+          </a:bodyPr>
+          <a:lstStyle/>
+          <a:p>
+            <a:r>
+              <a:rPr lang="en-CA" sz="1000" b="0" i="0" dirty="0">
+                <a:solidFill>
+                  <a:srgbClr val="000000"/>
+                </a:solidFill>
+                <a:effectLst/>
+              </a:rPr>
+              <a:t>10.0.0.4</a:t>
+            </a:r>
+            <a:endParaRPr lang="en-CA" sz="1000" dirty="0"/>
+          </a:p>
+        </p:txBody>
+      </p:sp>
+      <p:cxnSp>
+        <p:nvCxnSpPr>
+          <p:cNvPr id="103" name="Connector: Curved 102">
+            <a:extLst>
+              <a:ext uri="{FF2B5EF4-FFF2-40B4-BE49-F238E27FC236}">
+                <a16:creationId xmlns:a16="http://schemas.microsoft.com/office/drawing/2014/main" id="{34C20AF9-7771-4A6B-A3FF-34E0350EB8B5}"/>
+              </a:ext>
+            </a:extLst>
+          </p:cNvPr>
+          <p:cNvCxnSpPr>
+            <a:cxnSpLocks/>
+            <a:endCxn id="91" idx="2"/>
+          </p:cNvCxnSpPr>
+          <p:nvPr/>
+        </p:nvCxnSpPr>
+        <p:spPr>
+          <a:xfrm rot="5400000" flipH="1" flipV="1">
+            <a:off x="1881318" y="4172512"/>
+            <a:ext cx="553075" cy="417442"/>
+          </a:xfrm>
+          <a:prstGeom prst="curvedConnector3">
+            <a:avLst/>
+          </a:prstGeom>
+          <a:ln>
+            <a:solidFill>
+              <a:srgbClr val="00B050"/>
+            </a:solidFill>
+            <a:tailEnd type="triangle"/>
+          </a:ln>
+        </p:spPr>
+        <p:style>
+          <a:lnRef idx="1">
+            <a:schemeClr val="accent1"/>
+          </a:lnRef>
+          <a:fillRef idx="0">
+            <a:schemeClr val="accent1"/>
+          </a:fillRef>
+          <a:effectRef idx="0">
+            <a:schemeClr val="accent1"/>
+          </a:effectRef>
+          <a:fontRef idx="minor">
+            <a:schemeClr val="tx1"/>
+          </a:fontRef>
+        </p:style>
+      </p:cxnSp>
+      <p:cxnSp>
+        <p:nvCxnSpPr>
+          <p:cNvPr id="105" name="Connector: Curved 104">
+            <a:extLst>
+              <a:ext uri="{FF2B5EF4-FFF2-40B4-BE49-F238E27FC236}">
+                <a16:creationId xmlns:a16="http://schemas.microsoft.com/office/drawing/2014/main" id="{736CA65A-477F-4026-8769-0F75DB5D3C35}"/>
+              </a:ext>
+            </a:extLst>
+          </p:cNvPr>
+          <p:cNvCxnSpPr>
+            <a:cxnSpLocks/>
+            <a:stCxn id="91" idx="0"/>
+          </p:cNvCxnSpPr>
+          <p:nvPr/>
+        </p:nvCxnSpPr>
+        <p:spPr>
+          <a:xfrm rot="16200000" flipV="1">
+            <a:off x="1072771" y="2210252"/>
+            <a:ext cx="2194166" cy="393444"/>
+          </a:xfrm>
+          <a:prstGeom prst="curvedConnector3">
+            <a:avLst/>
+          </a:prstGeom>
+          <a:ln>
+            <a:solidFill>
+              <a:srgbClr val="00B050"/>
+            </a:solidFill>
+            <a:tailEnd type="triangle"/>
+          </a:ln>
+        </p:spPr>
+        <p:style>
+          <a:lnRef idx="1">
+            <a:schemeClr val="accent1"/>
+          </a:lnRef>
+          <a:fillRef idx="0">
+            <a:schemeClr val="accent1"/>
+          </a:fillRef>
+          <a:effectRef idx="0">
+            <a:schemeClr val="accent1"/>
+          </a:effectRef>
+          <a:fontRef idx="minor">
+            <a:schemeClr val="tx1"/>
+          </a:fontRef>
+        </p:style>
+      </p:cxnSp>
+      <p:cxnSp>
+        <p:nvCxnSpPr>
+          <p:cNvPr id="107" name="Connector: Curved 106">
+            <a:extLst>
+              <a:ext uri="{FF2B5EF4-FFF2-40B4-BE49-F238E27FC236}">
+                <a16:creationId xmlns:a16="http://schemas.microsoft.com/office/drawing/2014/main" id="{EF1E3DC8-0CFF-4E61-A0C9-AD16E0090418}"/>
+              </a:ext>
+            </a:extLst>
+          </p:cNvPr>
+          <p:cNvCxnSpPr>
+            <a:cxnSpLocks/>
+            <a:stCxn id="82" idx="1"/>
+            <a:endCxn id="91" idx="1"/>
+          </p:cNvCxnSpPr>
+          <p:nvPr/>
+        </p:nvCxnSpPr>
+        <p:spPr>
+          <a:xfrm rot="10800000" flipH="1" flipV="1">
+            <a:off x="1580665" y="1043650"/>
+            <a:ext cx="485591" cy="2760726"/>
+          </a:xfrm>
+          <a:prstGeom prst="curvedConnector3">
+            <a:avLst>
+              <a:gd name="adj1" fmla="val -47077"/>
+            </a:avLst>
+          </a:prstGeom>
+          <a:ln>
+            <a:solidFill>
+              <a:srgbClr val="00B050"/>
+            </a:solidFill>
+            <a:tailEnd type="triangle"/>
+          </a:ln>
+        </p:spPr>
+        <p:style>
+          <a:lnRef idx="1">
+            <a:schemeClr val="accent1"/>
+          </a:lnRef>
+          <a:fillRef idx="0">
+            <a:schemeClr val="accent1"/>
+          </a:fillRef>
+          <a:effectRef idx="0">
+            <a:schemeClr val="accent1"/>
+          </a:effectRef>
+          <a:fontRef idx="minor">
+            <a:schemeClr val="tx1"/>
+          </a:fontRef>
+        </p:style>
+      </p:cxnSp>
+      <p:cxnSp>
+        <p:nvCxnSpPr>
+          <p:cNvPr id="116" name="Connector: Curved 115">
+            <a:extLst>
+              <a:ext uri="{FF2B5EF4-FFF2-40B4-BE49-F238E27FC236}">
+                <a16:creationId xmlns:a16="http://schemas.microsoft.com/office/drawing/2014/main" id="{7FF4934B-00BB-48ED-9058-0D970622F11F}"/>
+              </a:ext>
+            </a:extLst>
+          </p:cNvPr>
+          <p:cNvCxnSpPr>
+            <a:cxnSpLocks/>
+          </p:cNvCxnSpPr>
+          <p:nvPr/>
+        </p:nvCxnSpPr>
+        <p:spPr>
+          <a:xfrm flipV="1">
+            <a:off x="2490756" y="1556970"/>
+            <a:ext cx="2310354" cy="2061394"/>
+          </a:xfrm>
+          <a:prstGeom prst="curvedConnector3">
+            <a:avLst>
+              <a:gd name="adj1" fmla="val 12987"/>
+            </a:avLst>
+          </a:prstGeom>
+          <a:ln>
+            <a:solidFill>
+              <a:srgbClr val="00B050"/>
+            </a:solidFill>
+            <a:tailEnd type="triangle"/>
+          </a:ln>
+        </p:spPr>
+        <p:style>
+          <a:lnRef idx="1">
+            <a:schemeClr val="accent1"/>
+          </a:lnRef>
+          <a:fillRef idx="0">
+            <a:schemeClr val="accent1"/>
+          </a:fillRef>
+          <a:effectRef idx="0">
+            <a:schemeClr val="accent1"/>
+          </a:effectRef>
+          <a:fontRef idx="minor">
+            <a:schemeClr val="tx1"/>
+          </a:fontRef>
+        </p:style>
+      </p:cxnSp>
+      <p:cxnSp>
+        <p:nvCxnSpPr>
+          <p:cNvPr id="121" name="Connector: Curved 120">
+            <a:extLst>
+              <a:ext uri="{FF2B5EF4-FFF2-40B4-BE49-F238E27FC236}">
+                <a16:creationId xmlns:a16="http://schemas.microsoft.com/office/drawing/2014/main" id="{BC777660-C00A-46C1-A01B-1F243031AB49}"/>
+              </a:ext>
+            </a:extLst>
+          </p:cNvPr>
+          <p:cNvCxnSpPr>
+            <a:cxnSpLocks/>
+            <a:stCxn id="89" idx="2"/>
+          </p:cNvCxnSpPr>
+          <p:nvPr/>
+        </p:nvCxnSpPr>
+        <p:spPr>
+          <a:xfrm rot="5400000">
+            <a:off x="3063334" y="1728188"/>
+            <a:ext cx="1745916" cy="2505374"/>
+          </a:xfrm>
+          <a:prstGeom prst="curvedConnector2">
+            <a:avLst/>
+          </a:prstGeom>
+          <a:ln>
+            <a:solidFill>
+              <a:srgbClr val="00B050"/>
+            </a:solidFill>
+            <a:tailEnd type="triangle"/>
+          </a:ln>
+        </p:spPr>
+        <p:style>
+          <a:lnRef idx="1">
+            <a:schemeClr val="accent1"/>
+          </a:lnRef>
+          <a:fillRef idx="0">
+            <a:schemeClr val="accent1"/>
+          </a:fillRef>
+          <a:effectRef idx="0">
+            <a:schemeClr val="accent1"/>
+          </a:effectRef>
+          <a:fontRef idx="minor">
+            <a:schemeClr val="tx1"/>
+          </a:fontRef>
+        </p:style>
+      </p:cxnSp>
+      <p:cxnSp>
+        <p:nvCxnSpPr>
+          <p:cNvPr id="125" name="Connector: Curved 124">
+            <a:extLst>
+              <a:ext uri="{FF2B5EF4-FFF2-40B4-BE49-F238E27FC236}">
+                <a16:creationId xmlns:a16="http://schemas.microsoft.com/office/drawing/2014/main" id="{D25040A3-DA71-4E67-9C11-E2895D1527E0}"/>
+              </a:ext>
+            </a:extLst>
+          </p:cNvPr>
+          <p:cNvCxnSpPr>
+            <a:cxnSpLocks/>
+          </p:cNvCxnSpPr>
+          <p:nvPr/>
+        </p:nvCxnSpPr>
+        <p:spPr>
+          <a:xfrm rot="10800000" flipV="1">
+            <a:off x="1534586" y="3838244"/>
+            <a:ext cx="658676" cy="785958"/>
+          </a:xfrm>
+          <a:prstGeom prst="curvedConnector2">
+            <a:avLst/>
+          </a:prstGeom>
+          <a:ln>
+            <a:solidFill>
+              <a:srgbClr val="00B050"/>
+            </a:solidFill>
+            <a:tailEnd type="triangle"/>
+          </a:ln>
+        </p:spPr>
+        <p:style>
+          <a:lnRef idx="1">
+            <a:schemeClr val="accent1"/>
+          </a:lnRef>
+          <a:fillRef idx="0">
+            <a:schemeClr val="accent1"/>
+          </a:fillRef>
+          <a:effectRef idx="0">
+            <a:schemeClr val="accent1"/>
+          </a:effectRef>
+          <a:fontRef idx="minor">
+            <a:schemeClr val="tx1"/>
+          </a:fontRef>
+        </p:style>
+      </p:cxnSp>
+      <p:sp>
+        <p:nvSpPr>
+          <p:cNvPr id="129" name="Rectangle 128">
+            <a:extLst>
+              <a:ext uri="{FF2B5EF4-FFF2-40B4-BE49-F238E27FC236}">
+                <a16:creationId xmlns:a16="http://schemas.microsoft.com/office/drawing/2014/main" id="{094933F3-E885-4E48-A0F9-B25F7439A3A3}"/>
+              </a:ext>
+            </a:extLst>
+          </p:cNvPr>
+          <p:cNvSpPr/>
+          <p:nvPr/>
+        </p:nvSpPr>
+        <p:spPr>
+          <a:xfrm>
+            <a:off x="2197800" y="4401346"/>
+            <a:ext cx="291841" cy="179938"/>
+          </a:xfrm>
+          <a:prstGeom prst="rect">
+            <a:avLst/>
+          </a:prstGeom>
+          <a:noFill/>
+          <a:ln>
+            <a:noFill/>
+          </a:ln>
+        </p:spPr>
+        <p:style>
+          <a:lnRef idx="2">
+            <a:schemeClr val="accent1">
+              <a:shade val="50000"/>
+            </a:schemeClr>
+          </a:lnRef>
+          <a:fillRef idx="1">
+            <a:schemeClr val="accent1"/>
+          </a:fillRef>
+          <a:effectRef idx="0">
+            <a:schemeClr val="accent1"/>
+          </a:effectRef>
+          <a:fontRef idx="minor">
+            <a:schemeClr val="lt1"/>
+          </a:fontRef>
+        </p:style>
+        <p:txBody>
+          <a:bodyPr rtlCol="0" anchor="ctr"/>
+          <a:lstStyle/>
+          <a:p>
+            <a:pPr algn="ctr"/>
+            <a:r>
+              <a:rPr lang="en-CA" sz="1200" b="1" dirty="0">
+                <a:solidFill>
+                  <a:srgbClr val="00B050"/>
+                </a:solidFill>
+              </a:rPr>
+              <a:t>1</a:t>
+            </a:r>
+          </a:p>
+        </p:txBody>
+      </p:sp>
+      <p:sp>
+        <p:nvSpPr>
+          <p:cNvPr id="130" name="Rectangle 129">
+            <a:extLst>
+              <a:ext uri="{FF2B5EF4-FFF2-40B4-BE49-F238E27FC236}">
+                <a16:creationId xmlns:a16="http://schemas.microsoft.com/office/drawing/2014/main" id="{CFA8145E-81D8-4A35-B807-92669B9997FA}"/>
+              </a:ext>
+            </a:extLst>
+          </p:cNvPr>
+          <p:cNvSpPr/>
+          <p:nvPr/>
+        </p:nvSpPr>
+        <p:spPr>
+          <a:xfrm>
+            <a:off x="2069486" y="2086855"/>
+            <a:ext cx="291841" cy="179938"/>
+          </a:xfrm>
+          <a:prstGeom prst="rect">
+            <a:avLst/>
+          </a:prstGeom>
+          <a:noFill/>
+          <a:ln>
+            <a:noFill/>
+          </a:ln>
+        </p:spPr>
+        <p:style>
+          <a:lnRef idx="2">
+            <a:schemeClr val="accent1">
+              <a:shade val="50000"/>
+            </a:schemeClr>
+          </a:lnRef>
+          <a:fillRef idx="1">
+            <a:schemeClr val="accent1"/>
+          </a:fillRef>
+          <a:effectRef idx="0">
+            <a:schemeClr val="accent1"/>
+          </a:effectRef>
+          <a:fontRef idx="minor">
+            <a:schemeClr val="lt1"/>
+          </a:fontRef>
+        </p:style>
+        <p:txBody>
+          <a:bodyPr rtlCol="0" anchor="ctr"/>
+          <a:lstStyle/>
+          <a:p>
+            <a:pPr algn="ctr"/>
+            <a:r>
+              <a:rPr lang="en-CA" sz="1200" b="1" dirty="0">
+                <a:solidFill>
+                  <a:srgbClr val="00B050"/>
+                </a:solidFill>
+              </a:rPr>
+              <a:t>2</a:t>
+            </a:r>
+          </a:p>
+        </p:txBody>
+      </p:sp>
+      <p:sp>
+        <p:nvSpPr>
+          <p:cNvPr id="131" name="Rectangle 130">
+            <a:extLst>
+              <a:ext uri="{FF2B5EF4-FFF2-40B4-BE49-F238E27FC236}">
+                <a16:creationId xmlns:a16="http://schemas.microsoft.com/office/drawing/2014/main" id="{6F1B4490-7198-4352-AE93-C7563B49AB69}"/>
+              </a:ext>
+            </a:extLst>
+          </p:cNvPr>
+          <p:cNvSpPr/>
+          <p:nvPr/>
+        </p:nvSpPr>
+        <p:spPr>
+          <a:xfrm>
+            <a:off x="1317770" y="2200746"/>
+            <a:ext cx="291841" cy="179938"/>
+          </a:xfrm>
+          <a:prstGeom prst="rect">
+            <a:avLst/>
+          </a:prstGeom>
+          <a:noFill/>
+          <a:ln>
+            <a:noFill/>
+          </a:ln>
+        </p:spPr>
+        <p:style>
+          <a:lnRef idx="2">
+            <a:schemeClr val="accent1">
+              <a:shade val="50000"/>
+            </a:schemeClr>
+          </a:lnRef>
+          <a:fillRef idx="1">
+            <a:schemeClr val="accent1"/>
+          </a:fillRef>
+          <a:effectRef idx="0">
+            <a:schemeClr val="accent1"/>
+          </a:effectRef>
+          <a:fontRef idx="minor">
+            <a:schemeClr val="lt1"/>
+          </a:fontRef>
+        </p:style>
+        <p:txBody>
+          <a:bodyPr rtlCol="0" anchor="ctr"/>
+          <a:lstStyle/>
+          <a:p>
+            <a:pPr algn="ctr"/>
+            <a:r>
+              <a:rPr lang="en-CA" sz="1200" b="1" dirty="0">
+                <a:solidFill>
+                  <a:srgbClr val="00B050"/>
+                </a:solidFill>
+              </a:rPr>
+              <a:t>3</a:t>
+            </a:r>
+          </a:p>
+        </p:txBody>
+      </p:sp>
+      <p:sp>
+        <p:nvSpPr>
+          <p:cNvPr id="132" name="Rectangle 131">
+            <a:extLst>
+              <a:ext uri="{FF2B5EF4-FFF2-40B4-BE49-F238E27FC236}">
+                <a16:creationId xmlns:a16="http://schemas.microsoft.com/office/drawing/2014/main" id="{B49198DE-1BBB-42B7-82E9-80F0120F0AD2}"/>
+              </a:ext>
+            </a:extLst>
+          </p:cNvPr>
+          <p:cNvSpPr/>
+          <p:nvPr/>
+        </p:nvSpPr>
+        <p:spPr>
+          <a:xfrm>
+            <a:off x="3074768" y="1785828"/>
+            <a:ext cx="291841" cy="179938"/>
+          </a:xfrm>
+          <a:prstGeom prst="rect">
+            <a:avLst/>
+          </a:prstGeom>
+          <a:noFill/>
+          <a:ln>
+            <a:noFill/>
+          </a:ln>
+        </p:spPr>
+        <p:style>
+          <a:lnRef idx="2">
+            <a:schemeClr val="accent1">
+              <a:shade val="50000"/>
+            </a:schemeClr>
+          </a:lnRef>
+          <a:fillRef idx="1">
+            <a:schemeClr val="accent1"/>
+          </a:fillRef>
+          <a:effectRef idx="0">
+            <a:schemeClr val="accent1"/>
+          </a:effectRef>
+          <a:fontRef idx="minor">
+            <a:schemeClr val="lt1"/>
+          </a:fontRef>
+        </p:style>
+        <p:txBody>
+          <a:bodyPr rtlCol="0" anchor="ctr"/>
+          <a:lstStyle/>
+          <a:p>
+            <a:pPr algn="ctr"/>
+            <a:r>
+              <a:rPr lang="en-CA" sz="1200" b="1" dirty="0">
+                <a:solidFill>
+                  <a:srgbClr val="00B050"/>
+                </a:solidFill>
+              </a:rPr>
+              <a:t>4</a:t>
+            </a:r>
+          </a:p>
+        </p:txBody>
+      </p:sp>
+      <p:sp>
+        <p:nvSpPr>
+          <p:cNvPr id="133" name="Rectangle 132">
+            <a:extLst>
+              <a:ext uri="{FF2B5EF4-FFF2-40B4-BE49-F238E27FC236}">
+                <a16:creationId xmlns:a16="http://schemas.microsoft.com/office/drawing/2014/main" id="{9E36DD6C-AADF-46CB-B892-ECCF94D3CDEE}"/>
+              </a:ext>
+            </a:extLst>
+          </p:cNvPr>
+          <p:cNvSpPr/>
+          <p:nvPr/>
+        </p:nvSpPr>
+        <p:spPr>
+          <a:xfrm>
+            <a:off x="4074204" y="3155565"/>
+            <a:ext cx="291841" cy="179938"/>
+          </a:xfrm>
+          <a:prstGeom prst="rect">
+            <a:avLst/>
+          </a:prstGeom>
+          <a:noFill/>
+          <a:ln>
+            <a:noFill/>
+          </a:ln>
+        </p:spPr>
+        <p:style>
+          <a:lnRef idx="2">
+            <a:schemeClr val="accent1">
+              <a:shade val="50000"/>
+            </a:schemeClr>
+          </a:lnRef>
+          <a:fillRef idx="1">
+            <a:schemeClr val="accent1"/>
+          </a:fillRef>
+          <a:effectRef idx="0">
+            <a:schemeClr val="accent1"/>
+          </a:effectRef>
+          <a:fontRef idx="minor">
+            <a:schemeClr val="lt1"/>
+          </a:fontRef>
+        </p:style>
+        <p:txBody>
+          <a:bodyPr rtlCol="0" anchor="ctr"/>
+          <a:lstStyle/>
+          <a:p>
+            <a:pPr algn="ctr"/>
+            <a:r>
+              <a:rPr lang="en-CA" sz="1200" b="1" dirty="0">
+                <a:solidFill>
+                  <a:srgbClr val="00B050"/>
+                </a:solidFill>
+              </a:rPr>
+              <a:t>5</a:t>
+            </a:r>
+          </a:p>
+        </p:txBody>
+      </p:sp>
+      <p:sp>
+        <p:nvSpPr>
+          <p:cNvPr id="134" name="Rectangle 133">
+            <a:extLst>
+              <a:ext uri="{FF2B5EF4-FFF2-40B4-BE49-F238E27FC236}">
+                <a16:creationId xmlns:a16="http://schemas.microsoft.com/office/drawing/2014/main" id="{83CFD050-A63C-4AB6-AC53-C44F26AC47E8}"/>
+              </a:ext>
+            </a:extLst>
+          </p:cNvPr>
+          <p:cNvSpPr/>
+          <p:nvPr/>
+        </p:nvSpPr>
+        <p:spPr>
+          <a:xfrm>
+            <a:off x="1695722" y="3992027"/>
+            <a:ext cx="291841" cy="179938"/>
+          </a:xfrm>
+          <a:prstGeom prst="rect">
+            <a:avLst/>
+          </a:prstGeom>
+          <a:noFill/>
+          <a:ln>
+            <a:noFill/>
+          </a:ln>
+        </p:spPr>
+        <p:style>
+          <a:lnRef idx="2">
+            <a:schemeClr val="accent1">
+              <a:shade val="50000"/>
+            </a:schemeClr>
+          </a:lnRef>
+          <a:fillRef idx="1">
+            <a:schemeClr val="accent1"/>
+          </a:fillRef>
+          <a:effectRef idx="0">
+            <a:schemeClr val="accent1"/>
+          </a:effectRef>
+          <a:fontRef idx="minor">
+            <a:schemeClr val="lt1"/>
+          </a:fontRef>
+        </p:style>
+        <p:txBody>
+          <a:bodyPr rtlCol="0" anchor="ctr"/>
+          <a:lstStyle/>
+          <a:p>
+            <a:pPr algn="ctr"/>
+            <a:r>
+              <a:rPr lang="en-CA" sz="1200" b="1" dirty="0">
+                <a:solidFill>
+                  <a:srgbClr val="00B050"/>
+                </a:solidFill>
+              </a:rPr>
+              <a:t>6</a:t>
+            </a:r>
+          </a:p>
+        </p:txBody>
+      </p:sp>
+    </p:spTree>
+    <p:extLst>
+      <p:ext uri="{BB962C8B-B14F-4D97-AF65-F5344CB8AC3E}">
+        <p14:creationId xmlns:p14="http://schemas.microsoft.com/office/powerpoint/2010/main" val="4105374908"/>
       </p:ext>
     </p:extLst>
   </p:cSld>

--- a/images/Azure Firewall.pptx
+++ b/images/Azure Firewall.pptx
@@ -263,7 +263,7 @@
           <a:p>
             <a:fld id="{BF3F27D8-FD3A-40AA-9727-2773807CBD8D}" type="datetimeFigureOut">
               <a:rPr lang="en-CA" smtClean="0"/>
-              <a:t>2021-05-09</a:t>
+              <a:t>2021-05-10</a:t>
             </a:fld>
             <a:endParaRPr lang="en-CA"/>
           </a:p>
@@ -463,7 +463,7 @@
           <a:p>
             <a:fld id="{BF3F27D8-FD3A-40AA-9727-2773807CBD8D}" type="datetimeFigureOut">
               <a:rPr lang="en-CA" smtClean="0"/>
-              <a:t>2021-05-09</a:t>
+              <a:t>2021-05-10</a:t>
             </a:fld>
             <a:endParaRPr lang="en-CA"/>
           </a:p>
@@ -673,7 +673,7 @@
           <a:p>
             <a:fld id="{BF3F27D8-FD3A-40AA-9727-2773807CBD8D}" type="datetimeFigureOut">
               <a:rPr lang="en-CA" smtClean="0"/>
-              <a:t>2021-05-09</a:t>
+              <a:t>2021-05-10</a:t>
             </a:fld>
             <a:endParaRPr lang="en-CA"/>
           </a:p>
@@ -873,7 +873,7 @@
           <a:p>
             <a:fld id="{BF3F27D8-FD3A-40AA-9727-2773807CBD8D}" type="datetimeFigureOut">
               <a:rPr lang="en-CA" smtClean="0"/>
-              <a:t>2021-05-09</a:t>
+              <a:t>2021-05-10</a:t>
             </a:fld>
             <a:endParaRPr lang="en-CA"/>
           </a:p>
@@ -1149,7 +1149,7 @@
           <a:p>
             <a:fld id="{BF3F27D8-FD3A-40AA-9727-2773807CBD8D}" type="datetimeFigureOut">
               <a:rPr lang="en-CA" smtClean="0"/>
-              <a:t>2021-05-09</a:t>
+              <a:t>2021-05-10</a:t>
             </a:fld>
             <a:endParaRPr lang="en-CA"/>
           </a:p>
@@ -1417,7 +1417,7 @@
           <a:p>
             <a:fld id="{BF3F27D8-FD3A-40AA-9727-2773807CBD8D}" type="datetimeFigureOut">
               <a:rPr lang="en-CA" smtClean="0"/>
-              <a:t>2021-05-09</a:t>
+              <a:t>2021-05-10</a:t>
             </a:fld>
             <a:endParaRPr lang="en-CA"/>
           </a:p>
@@ -1832,7 +1832,7 @@
           <a:p>
             <a:fld id="{BF3F27D8-FD3A-40AA-9727-2773807CBD8D}" type="datetimeFigureOut">
               <a:rPr lang="en-CA" smtClean="0"/>
-              <a:t>2021-05-09</a:t>
+              <a:t>2021-05-10</a:t>
             </a:fld>
             <a:endParaRPr lang="en-CA"/>
           </a:p>
@@ -1974,7 +1974,7 @@
           <a:p>
             <a:fld id="{BF3F27D8-FD3A-40AA-9727-2773807CBD8D}" type="datetimeFigureOut">
               <a:rPr lang="en-CA" smtClean="0"/>
-              <a:t>2021-05-09</a:t>
+              <a:t>2021-05-10</a:t>
             </a:fld>
             <a:endParaRPr lang="en-CA"/>
           </a:p>
@@ -2087,7 +2087,7 @@
           <a:p>
             <a:fld id="{BF3F27D8-FD3A-40AA-9727-2773807CBD8D}" type="datetimeFigureOut">
               <a:rPr lang="en-CA" smtClean="0"/>
-              <a:t>2021-05-09</a:t>
+              <a:t>2021-05-10</a:t>
             </a:fld>
             <a:endParaRPr lang="en-CA"/>
           </a:p>
@@ -2400,7 +2400,7 @@
           <a:p>
             <a:fld id="{BF3F27D8-FD3A-40AA-9727-2773807CBD8D}" type="datetimeFigureOut">
               <a:rPr lang="en-CA" smtClean="0"/>
-              <a:t>2021-05-09</a:t>
+              <a:t>2021-05-10</a:t>
             </a:fld>
             <a:endParaRPr lang="en-CA"/>
           </a:p>
@@ -2689,7 +2689,7 @@
           <a:p>
             <a:fld id="{BF3F27D8-FD3A-40AA-9727-2773807CBD8D}" type="datetimeFigureOut">
               <a:rPr lang="en-CA" smtClean="0"/>
-              <a:t>2021-05-09</a:t>
+              <a:t>2021-05-10</a:t>
             </a:fld>
             <a:endParaRPr lang="en-CA"/>
           </a:p>
@@ -2932,7 +2932,7 @@
           <a:p>
             <a:fld id="{BF3F27D8-FD3A-40AA-9727-2773807CBD8D}" type="datetimeFigureOut">
               <a:rPr lang="en-CA" smtClean="0"/>
-              <a:t>2021-05-09</a:t>
+              <a:t>2021-05-10</a:t>
             </a:fld>
             <a:endParaRPr lang="en-CA"/>
           </a:p>
@@ -6796,6 +6796,123 @@
           </p:txBody>
         </p:sp>
       </p:grpSp>
+      <p:grpSp>
+        <p:nvGrpSpPr>
+          <p:cNvPr id="94" name="Group 93">
+            <a:extLst>
+              <a:ext uri="{FF2B5EF4-FFF2-40B4-BE49-F238E27FC236}">
+                <a16:creationId xmlns:a16="http://schemas.microsoft.com/office/drawing/2014/main" id="{BA74032A-2BBB-497A-BFF0-D7948FACBDC1}"/>
+              </a:ext>
+            </a:extLst>
+          </p:cNvPr>
+          <p:cNvGrpSpPr/>
+          <p:nvPr/>
+        </p:nvGrpSpPr>
+        <p:grpSpPr>
+          <a:xfrm>
+            <a:off x="3494341" y="5843020"/>
+            <a:ext cx="909089" cy="673481"/>
+            <a:chOff x="10270591" y="801364"/>
+            <a:chExt cx="909089" cy="673481"/>
+          </a:xfrm>
+        </p:grpSpPr>
+        <p:pic>
+          <p:nvPicPr>
+            <p:cNvPr id="95" name="Graphic 94">
+              <a:extLst>
+                <a:ext uri="{FF2B5EF4-FFF2-40B4-BE49-F238E27FC236}">
+                  <a16:creationId xmlns:a16="http://schemas.microsoft.com/office/drawing/2014/main" id="{AB9F1960-5BAA-4D08-B8F8-1EB9BDD8DCA0}"/>
+                </a:ext>
+              </a:extLst>
+            </p:cNvPr>
+            <p:cNvPicPr>
+              <a:picLocks noChangeAspect="1"/>
+            </p:cNvPicPr>
+            <p:nvPr/>
+          </p:nvPicPr>
+          <p:blipFill>
+            <a:blip r:embed="rId21">
+              <a:extLst>
+                <a:ext uri="{28A0092B-C50C-407E-A947-70E740481C1C}">
+                  <a14:useLocalDpi xmlns:a14="http://schemas.microsoft.com/office/drawing/2010/main" val="0"/>
+                </a:ext>
+                <a:ext uri="{96DAC541-7B7A-43D3-8B79-37D633B846F1}">
+                  <asvg:svgBlip xmlns:asvg="http://schemas.microsoft.com/office/drawing/2016/SVG/main" r:embed="rId22"/>
+                </a:ext>
+              </a:extLst>
+            </a:blip>
+            <a:stretch>
+              <a:fillRect/>
+            </a:stretch>
+          </p:blipFill>
+          <p:spPr>
+            <a:xfrm>
+              <a:off x="10538759" y="801364"/>
+              <a:ext cx="400110" cy="400110"/>
+            </a:xfrm>
+            <a:prstGeom prst="rect">
+              <a:avLst/>
+            </a:prstGeom>
+          </p:spPr>
+        </p:pic>
+        <p:sp>
+          <p:nvSpPr>
+            <p:cNvPr id="96" name="Rectangle 95">
+              <a:extLst>
+                <a:ext uri="{FF2B5EF4-FFF2-40B4-BE49-F238E27FC236}">
+                  <a16:creationId xmlns:a16="http://schemas.microsoft.com/office/drawing/2014/main" id="{B39EC020-386A-47BE-8438-8FA0D4D78775}"/>
+                </a:ext>
+              </a:extLst>
+            </p:cNvPr>
+            <p:cNvSpPr/>
+            <p:nvPr/>
+          </p:nvSpPr>
+          <p:spPr>
+            <a:xfrm>
+              <a:off x="10270591" y="1189094"/>
+              <a:ext cx="909089" cy="285751"/>
+            </a:xfrm>
+            <a:prstGeom prst="rect">
+              <a:avLst/>
+            </a:prstGeom>
+            <a:noFill/>
+            <a:ln>
+              <a:noFill/>
+            </a:ln>
+          </p:spPr>
+          <p:style>
+            <a:lnRef idx="2">
+              <a:schemeClr val="accent1">
+                <a:shade val="50000"/>
+              </a:schemeClr>
+            </a:lnRef>
+            <a:fillRef idx="1">
+              <a:schemeClr val="accent1"/>
+            </a:fillRef>
+            <a:effectRef idx="0">
+              <a:schemeClr val="accent1"/>
+            </a:effectRef>
+            <a:fontRef idx="minor">
+              <a:schemeClr val="lt1"/>
+            </a:fontRef>
+          </p:style>
+          <p:txBody>
+            <a:bodyPr rtlCol="0" anchor="ctr"/>
+            <a:lstStyle/>
+            <a:p>
+              <a:pPr algn="ctr"/>
+              <a:r>
+                <a:rPr lang="en-CA" sz="1000" b="1" dirty="0">
+                  <a:solidFill>
+                    <a:schemeClr val="tx1"/>
+                  </a:solidFill>
+                </a:rPr>
+                <a:t>Log analytics workspace</a:t>
+              </a:r>
+            </a:p>
+          </p:txBody>
+        </p:sp>
+      </p:grpSp>
     </p:spTree>
     <p:extLst>
       <p:ext uri="{BB962C8B-B14F-4D97-AF65-F5344CB8AC3E}">
@@ -7780,9 +7897,9 @@
         <p:grpSpPr>
           <a:xfrm>
             <a:off x="3947585" y="3429000"/>
-            <a:ext cx="2807379" cy="2379543"/>
+            <a:ext cx="2862861" cy="2379543"/>
             <a:chOff x="4236132" y="2642781"/>
-            <a:chExt cx="2807379" cy="2379543"/>
+            <a:chExt cx="2862861" cy="2379543"/>
           </a:xfrm>
         </p:grpSpPr>
         <p:sp>
@@ -8013,10 +8130,10 @@
           </p:nvGrpSpPr>
           <p:grpSpPr>
             <a:xfrm>
-              <a:off x="6245199" y="4202515"/>
-              <a:ext cx="798312" cy="759550"/>
-              <a:chOff x="10481349" y="5875433"/>
-              <a:chExt cx="798312" cy="759550"/>
+              <a:off x="6011209" y="4341489"/>
+              <a:ext cx="1087784" cy="678393"/>
+              <a:chOff x="10247359" y="6014407"/>
+              <a:chExt cx="1087784" cy="678393"/>
             </a:xfrm>
           </p:grpSpPr>
           <p:sp>
@@ -8033,8 +8150,8 @@
             </p:nvSpPr>
             <p:spPr>
               <a:xfrm>
-                <a:off x="10481349" y="6349232"/>
-                <a:ext cx="798312" cy="285751"/>
+                <a:off x="10247359" y="6407049"/>
+                <a:ext cx="1087784" cy="285751"/>
               </a:xfrm>
               <a:prstGeom prst="rect">
                 <a:avLst/>
@@ -8107,7 +8224,7 @@
             </p:blipFill>
             <p:spPr>
               <a:xfrm>
-                <a:off x="10698905" y="5875433"/>
+                <a:off x="10631340" y="6014407"/>
                 <a:ext cx="476250" cy="476250"/>
               </a:xfrm>
               <a:prstGeom prst="rect">
@@ -10505,7 +10622,7 @@
                     <a:schemeClr val="tx1"/>
                   </a:solidFill>
                 </a:rPr>
-                <a:t>168.63..129.16</a:t>
+                <a:t>168.63.129.16</a:t>
               </a:r>
             </a:p>
           </p:txBody>
@@ -10631,7 +10748,7 @@
                     <a:schemeClr val="tx1"/>
                   </a:solidFill>
                 </a:rPr>
-                <a:t>168.63..129.16</a:t>
+                <a:t>168.63.129.16</a:t>
               </a:r>
             </a:p>
           </p:txBody>
@@ -10757,7 +10874,7 @@
                     <a:schemeClr val="tx1"/>
                   </a:solidFill>
                 </a:rPr>
-                <a:t>168.63..129.16</a:t>
+                <a:t>168.63.129.16</a:t>
               </a:r>
             </a:p>
           </p:txBody>
@@ -11414,6 +11531,1218 @@
                 </a:solidFill>
               </a:rPr>
               <a:t>6</a:t>
+            </a:r>
+          </a:p>
+        </p:txBody>
+      </p:sp>
+      <p:grpSp>
+        <p:nvGrpSpPr>
+          <p:cNvPr id="102" name="Group 101">
+            <a:extLst>
+              <a:ext uri="{FF2B5EF4-FFF2-40B4-BE49-F238E27FC236}">
+                <a16:creationId xmlns:a16="http://schemas.microsoft.com/office/drawing/2014/main" id="{DC151174-28C9-45F7-B03A-34CFD83896BB}"/>
+              </a:ext>
+            </a:extLst>
+          </p:cNvPr>
+          <p:cNvGrpSpPr/>
+          <p:nvPr/>
+        </p:nvGrpSpPr>
+        <p:grpSpPr>
+          <a:xfrm>
+            <a:off x="1655319" y="5046449"/>
+            <a:ext cx="2226572" cy="853084"/>
+            <a:chOff x="347685" y="5790096"/>
+            <a:chExt cx="2226572" cy="853084"/>
+          </a:xfrm>
+        </p:grpSpPr>
+        <p:grpSp>
+          <p:nvGrpSpPr>
+            <p:cNvPr id="104" name="Group 103">
+              <a:extLst>
+                <a:ext uri="{FF2B5EF4-FFF2-40B4-BE49-F238E27FC236}">
+                  <a16:creationId xmlns:a16="http://schemas.microsoft.com/office/drawing/2014/main" id="{35D33F76-27DB-4DEF-B780-BA9F7E3C5057}"/>
+                </a:ext>
+              </a:extLst>
+            </p:cNvPr>
+            <p:cNvGrpSpPr/>
+            <p:nvPr/>
+          </p:nvGrpSpPr>
+          <p:grpSpPr>
+            <a:xfrm>
+              <a:off x="347685" y="5790096"/>
+              <a:ext cx="1126704" cy="853084"/>
+              <a:chOff x="465703" y="4521412"/>
+              <a:chExt cx="1126704" cy="853084"/>
+            </a:xfrm>
+          </p:grpSpPr>
+          <p:sp>
+            <p:nvSpPr>
+              <p:cNvPr id="108" name="Rectangle 107">
+                <a:extLst>
+                  <a:ext uri="{FF2B5EF4-FFF2-40B4-BE49-F238E27FC236}">
+                    <a16:creationId xmlns:a16="http://schemas.microsoft.com/office/drawing/2014/main" id="{18BF2F2A-4420-43E9-B237-77460B925324}"/>
+                  </a:ext>
+                </a:extLst>
+              </p:cNvPr>
+              <p:cNvSpPr/>
+              <p:nvPr/>
+            </p:nvSpPr>
+            <p:spPr>
+              <a:xfrm>
+                <a:off x="465703" y="5080318"/>
+                <a:ext cx="890667" cy="294178"/>
+              </a:xfrm>
+              <a:prstGeom prst="rect">
+                <a:avLst/>
+              </a:prstGeom>
+              <a:noFill/>
+              <a:ln>
+                <a:noFill/>
+              </a:ln>
+            </p:spPr>
+            <p:style>
+              <a:lnRef idx="2">
+                <a:schemeClr val="accent1">
+                  <a:shade val="50000"/>
+                </a:schemeClr>
+              </a:lnRef>
+              <a:fillRef idx="1">
+                <a:schemeClr val="accent1"/>
+              </a:fillRef>
+              <a:effectRef idx="0">
+                <a:schemeClr val="accent1"/>
+              </a:effectRef>
+              <a:fontRef idx="minor">
+                <a:schemeClr val="lt1"/>
+              </a:fontRef>
+            </p:style>
+            <p:txBody>
+              <a:bodyPr rtlCol="0" anchor="ctr"/>
+              <a:lstStyle/>
+              <a:p>
+                <a:pPr algn="ctr"/>
+                <a:r>
+                  <a:rPr lang="en-CA" sz="1000" b="1" dirty="0">
+                    <a:solidFill>
+                      <a:schemeClr val="tx1"/>
+                    </a:solidFill>
+                  </a:rPr>
+                  <a:t>Route Table</a:t>
+                </a:r>
+              </a:p>
+            </p:txBody>
+          </p:sp>
+          <p:pic>
+            <p:nvPicPr>
+              <p:cNvPr id="109" name="Graphic 108">
+                <a:extLst>
+                  <a:ext uri="{FF2B5EF4-FFF2-40B4-BE49-F238E27FC236}">
+                    <a16:creationId xmlns:a16="http://schemas.microsoft.com/office/drawing/2014/main" id="{7B80C503-EE56-4E25-B377-249566136928}"/>
+                  </a:ext>
+                </a:extLst>
+              </p:cNvPr>
+              <p:cNvPicPr>
+                <a:picLocks noChangeAspect="1"/>
+              </p:cNvPicPr>
+              <p:nvPr/>
+            </p:nvPicPr>
+            <p:blipFill>
+              <a:blip r:embed="rId20">
+                <a:extLst>
+                  <a:ext uri="{28A0092B-C50C-407E-A947-70E740481C1C}">
+                    <a14:useLocalDpi xmlns:a14="http://schemas.microsoft.com/office/drawing/2010/main" val="0"/>
+                  </a:ext>
+                  <a:ext uri="{96DAC541-7B7A-43D3-8B79-37D633B846F1}">
+                    <asvg:svgBlip xmlns:asvg="http://schemas.microsoft.com/office/drawing/2016/SVG/main" r:embed="rId21"/>
+                  </a:ext>
+                </a:extLst>
+              </a:blip>
+              <a:stretch>
+                <a:fillRect/>
+              </a:stretch>
+            </p:blipFill>
+            <p:spPr>
+              <a:xfrm>
+                <a:off x="612052" y="4783968"/>
+                <a:ext cx="404474" cy="404474"/>
+              </a:xfrm>
+              <a:prstGeom prst="rect">
+                <a:avLst/>
+              </a:prstGeom>
+            </p:spPr>
+          </p:pic>
+          <p:pic>
+            <p:nvPicPr>
+              <p:cNvPr id="110" name="Graphic 109">
+                <a:extLst>
+                  <a:ext uri="{FF2B5EF4-FFF2-40B4-BE49-F238E27FC236}">
+                    <a16:creationId xmlns:a16="http://schemas.microsoft.com/office/drawing/2014/main" id="{C3E6B332-9BAA-4E94-99E9-D5EAB7E3E9CD}"/>
+                  </a:ext>
+                </a:extLst>
+              </p:cNvPr>
+              <p:cNvPicPr>
+                <a:picLocks noChangeAspect="1"/>
+              </p:cNvPicPr>
+              <p:nvPr/>
+            </p:nvPicPr>
+            <p:blipFill>
+              <a:blip r:embed="rId22">
+                <a:extLst>
+                  <a:ext uri="{28A0092B-C50C-407E-A947-70E740481C1C}">
+                    <a14:useLocalDpi xmlns:a14="http://schemas.microsoft.com/office/drawing/2010/main" val="0"/>
+                  </a:ext>
+                  <a:ext uri="{96DAC541-7B7A-43D3-8B79-37D633B846F1}">
+                    <asvg:svgBlip xmlns:asvg="http://schemas.microsoft.com/office/drawing/2016/SVG/main" r:embed="rId23"/>
+                  </a:ext>
+                </a:extLst>
+              </a:blip>
+              <a:stretch>
+                <a:fillRect/>
+              </a:stretch>
+            </p:blipFill>
+            <p:spPr>
+              <a:xfrm>
+                <a:off x="903438" y="4671903"/>
+                <a:ext cx="476250" cy="476250"/>
+              </a:xfrm>
+              <a:prstGeom prst="rect">
+                <a:avLst/>
+              </a:prstGeom>
+            </p:spPr>
+          </p:pic>
+          <p:sp>
+            <p:nvSpPr>
+              <p:cNvPr id="111" name="Rectangle 110">
+                <a:extLst>
+                  <a:ext uri="{FF2B5EF4-FFF2-40B4-BE49-F238E27FC236}">
+                    <a16:creationId xmlns:a16="http://schemas.microsoft.com/office/drawing/2014/main" id="{CFEC0944-9AF2-4F73-91D6-1BA581C3472A}"/>
+                  </a:ext>
+                </a:extLst>
+              </p:cNvPr>
+              <p:cNvSpPr/>
+              <p:nvPr/>
+            </p:nvSpPr>
+            <p:spPr>
+              <a:xfrm>
+                <a:off x="701740" y="4521412"/>
+                <a:ext cx="890667" cy="294178"/>
+              </a:xfrm>
+              <a:prstGeom prst="rect">
+                <a:avLst/>
+              </a:prstGeom>
+              <a:noFill/>
+              <a:ln>
+                <a:noFill/>
+              </a:ln>
+            </p:spPr>
+            <p:style>
+              <a:lnRef idx="2">
+                <a:schemeClr val="accent1">
+                  <a:shade val="50000"/>
+                </a:schemeClr>
+              </a:lnRef>
+              <a:fillRef idx="1">
+                <a:schemeClr val="accent1"/>
+              </a:fillRef>
+              <a:effectRef idx="0">
+                <a:schemeClr val="accent1"/>
+              </a:effectRef>
+              <a:fontRef idx="minor">
+                <a:schemeClr val="lt1"/>
+              </a:fontRef>
+            </p:style>
+            <p:txBody>
+              <a:bodyPr rtlCol="0" anchor="ctr"/>
+              <a:lstStyle/>
+              <a:p>
+                <a:pPr algn="ctr"/>
+                <a:r>
+                  <a:rPr lang="en-CA" sz="1000" b="1" dirty="0">
+                    <a:solidFill>
+                      <a:schemeClr val="tx1"/>
+                    </a:solidFill>
+                  </a:rPr>
+                  <a:t>Route Filters</a:t>
+                </a:r>
+              </a:p>
+            </p:txBody>
+          </p:sp>
+        </p:grpSp>
+        <p:sp>
+          <p:nvSpPr>
+            <p:cNvPr id="106" name="Rectangle 105">
+              <a:extLst>
+                <a:ext uri="{FF2B5EF4-FFF2-40B4-BE49-F238E27FC236}">
+                  <a16:creationId xmlns:a16="http://schemas.microsoft.com/office/drawing/2014/main" id="{310BB397-3500-4160-A636-3F9076964097}"/>
+                </a:ext>
+              </a:extLst>
+            </p:cNvPr>
+            <p:cNvSpPr/>
+            <p:nvPr/>
+          </p:nvSpPr>
+          <p:spPr>
+            <a:xfrm>
+              <a:off x="1223185" y="6036457"/>
+              <a:ext cx="1351072" cy="246221"/>
+            </a:xfrm>
+            <a:prstGeom prst="rect">
+              <a:avLst/>
+            </a:prstGeom>
+          </p:spPr>
+          <p:txBody>
+            <a:bodyPr wrap="square">
+              <a:spAutoFit/>
+            </a:bodyPr>
+            <a:lstStyle/>
+            <a:p>
+              <a:r>
+                <a:rPr lang="en-CA" sz="1000" b="1" i="0" dirty="0">
+                  <a:solidFill>
+                    <a:srgbClr val="000000"/>
+                  </a:solidFill>
+                  <a:effectLst/>
+                </a:rPr>
+                <a:t>10.0.0.4 </a:t>
+              </a:r>
+              <a:r>
+                <a:rPr lang="en-CA" sz="1000" b="1" i="0" dirty="0">
+                  <a:solidFill>
+                    <a:srgbClr val="000000"/>
+                  </a:solidFill>
+                  <a:effectLst/>
+                  <a:sym typeface="Wingdings" panose="05000000000000000000" pitchFamily="2" charset="2"/>
+                </a:rPr>
+                <a:t> 10.2.0.16</a:t>
+              </a:r>
+              <a:endParaRPr lang="en-CA" sz="1000" b="1" dirty="0"/>
+            </a:p>
+          </p:txBody>
+        </p:sp>
+      </p:grpSp>
+      <p:cxnSp>
+        <p:nvCxnSpPr>
+          <p:cNvPr id="46" name="Connector: Curved 45">
+            <a:extLst>
+              <a:ext uri="{FF2B5EF4-FFF2-40B4-BE49-F238E27FC236}">
+                <a16:creationId xmlns:a16="http://schemas.microsoft.com/office/drawing/2014/main" id="{2A969B5F-0CBB-470F-9363-14FD18AFB78C}"/>
+              </a:ext>
+            </a:extLst>
+          </p:cNvPr>
+          <p:cNvCxnSpPr>
+            <a:cxnSpLocks/>
+            <a:endCxn id="22" idx="1"/>
+          </p:cNvCxnSpPr>
+          <p:nvPr/>
+        </p:nvCxnSpPr>
+        <p:spPr>
+          <a:xfrm>
+            <a:off x="2029735" y="4877784"/>
+            <a:ext cx="2733795" cy="292747"/>
+          </a:xfrm>
+          <a:prstGeom prst="curvedConnector3">
+            <a:avLst>
+              <a:gd name="adj1" fmla="val 50000"/>
+            </a:avLst>
+          </a:prstGeom>
+          <a:ln>
+            <a:solidFill>
+              <a:srgbClr val="00B050"/>
+            </a:solidFill>
+            <a:tailEnd type="triangle"/>
+          </a:ln>
+        </p:spPr>
+        <p:style>
+          <a:lnRef idx="1">
+            <a:schemeClr val="accent1"/>
+          </a:lnRef>
+          <a:fillRef idx="0">
+            <a:schemeClr val="accent1"/>
+          </a:fillRef>
+          <a:effectRef idx="0">
+            <a:schemeClr val="accent1"/>
+          </a:effectRef>
+          <a:fontRef idx="minor">
+            <a:schemeClr val="tx1"/>
+          </a:fontRef>
+        </p:style>
+      </p:cxnSp>
+      <p:sp>
+        <p:nvSpPr>
+          <p:cNvPr id="114" name="Rectangle 113">
+            <a:extLst>
+              <a:ext uri="{FF2B5EF4-FFF2-40B4-BE49-F238E27FC236}">
+                <a16:creationId xmlns:a16="http://schemas.microsoft.com/office/drawing/2014/main" id="{07BEE488-F238-43BA-A7D8-B36455E4E6FB}"/>
+              </a:ext>
+            </a:extLst>
+          </p:cNvPr>
+          <p:cNvSpPr/>
+          <p:nvPr/>
+        </p:nvSpPr>
+        <p:spPr>
+          <a:xfrm>
+            <a:off x="3500518" y="4919118"/>
+            <a:ext cx="291841" cy="179938"/>
+          </a:xfrm>
+          <a:prstGeom prst="rect">
+            <a:avLst/>
+          </a:prstGeom>
+          <a:noFill/>
+          <a:ln>
+            <a:noFill/>
+          </a:ln>
+        </p:spPr>
+        <p:style>
+          <a:lnRef idx="2">
+            <a:schemeClr val="accent1">
+              <a:shade val="50000"/>
+            </a:schemeClr>
+          </a:lnRef>
+          <a:fillRef idx="1">
+            <a:schemeClr val="accent1"/>
+          </a:fillRef>
+          <a:effectRef idx="0">
+            <a:schemeClr val="accent1"/>
+          </a:effectRef>
+          <a:fontRef idx="minor">
+            <a:schemeClr val="lt1"/>
+          </a:fontRef>
+        </p:style>
+        <p:txBody>
+          <a:bodyPr rtlCol="0" anchor="ctr"/>
+          <a:lstStyle/>
+          <a:p>
+            <a:pPr algn="ctr"/>
+            <a:r>
+              <a:rPr lang="en-CA" sz="1200" b="1" dirty="0">
+                <a:solidFill>
+                  <a:srgbClr val="00B050"/>
+                </a:solidFill>
+              </a:rPr>
+              <a:t>7</a:t>
+            </a:r>
+          </a:p>
+        </p:txBody>
+      </p:sp>
+      <p:sp>
+        <p:nvSpPr>
+          <p:cNvPr id="115" name="Rectangle 114">
+            <a:extLst>
+              <a:ext uri="{FF2B5EF4-FFF2-40B4-BE49-F238E27FC236}">
+                <a16:creationId xmlns:a16="http://schemas.microsoft.com/office/drawing/2014/main" id="{0F795B74-07B5-45B9-AC62-4A7ED4145323}"/>
+              </a:ext>
+            </a:extLst>
+          </p:cNvPr>
+          <p:cNvSpPr/>
+          <p:nvPr/>
+        </p:nvSpPr>
+        <p:spPr>
+          <a:xfrm>
+            <a:off x="4296570" y="4471674"/>
+            <a:ext cx="889529" cy="223829"/>
+          </a:xfrm>
+          <a:prstGeom prst="rect">
+            <a:avLst/>
+          </a:prstGeom>
+          <a:noFill/>
+          <a:ln>
+            <a:noFill/>
+          </a:ln>
+        </p:spPr>
+        <p:style>
+          <a:lnRef idx="2">
+            <a:schemeClr val="accent1">
+              <a:shade val="50000"/>
+            </a:schemeClr>
+          </a:lnRef>
+          <a:fillRef idx="1">
+            <a:schemeClr val="accent1"/>
+          </a:fillRef>
+          <a:effectRef idx="0">
+            <a:schemeClr val="accent1"/>
+          </a:effectRef>
+          <a:fontRef idx="minor">
+            <a:schemeClr val="lt1"/>
+          </a:fontRef>
+        </p:style>
+        <p:txBody>
+          <a:bodyPr rtlCol="0" anchor="ctr"/>
+          <a:lstStyle/>
+          <a:p>
+            <a:r>
+              <a:rPr lang="en-CA" sz="900" dirty="0">
+                <a:solidFill>
+                  <a:srgbClr val="FF0000"/>
+                </a:solidFill>
+              </a:rPr>
+              <a:t>Deny all traffic by default</a:t>
+            </a:r>
+          </a:p>
+        </p:txBody>
+      </p:sp>
+      <p:cxnSp>
+        <p:nvCxnSpPr>
+          <p:cNvPr id="112" name="Connector: Curved 111">
+            <a:extLst>
+              <a:ext uri="{FF2B5EF4-FFF2-40B4-BE49-F238E27FC236}">
+                <a16:creationId xmlns:a16="http://schemas.microsoft.com/office/drawing/2014/main" id="{79D14330-C3E9-4A8C-8635-465B9F119B42}"/>
+              </a:ext>
+            </a:extLst>
+          </p:cNvPr>
+          <p:cNvCxnSpPr>
+            <a:cxnSpLocks/>
+            <a:stCxn id="21" idx="3"/>
+            <a:endCxn id="35" idx="1"/>
+          </p:cNvCxnSpPr>
+          <p:nvPr/>
+        </p:nvCxnSpPr>
+        <p:spPr>
+          <a:xfrm flipV="1">
+            <a:off x="5638478" y="4606576"/>
+            <a:ext cx="3133233" cy="155541"/>
+          </a:xfrm>
+          <a:prstGeom prst="curvedConnector3">
+            <a:avLst>
+              <a:gd name="adj1" fmla="val 21094"/>
+            </a:avLst>
+          </a:prstGeom>
+          <a:ln>
+            <a:solidFill>
+              <a:srgbClr val="00B050"/>
+            </a:solidFill>
+            <a:tailEnd type="triangle"/>
+          </a:ln>
+        </p:spPr>
+        <p:style>
+          <a:lnRef idx="1">
+            <a:schemeClr val="accent1"/>
+          </a:lnRef>
+          <a:fillRef idx="0">
+            <a:schemeClr val="accent1"/>
+          </a:fillRef>
+          <a:effectRef idx="0">
+            <a:schemeClr val="accent1"/>
+          </a:effectRef>
+          <a:fontRef idx="minor">
+            <a:schemeClr val="tx1"/>
+          </a:fontRef>
+        </p:style>
+      </p:cxnSp>
+      <p:sp>
+        <p:nvSpPr>
+          <p:cNvPr id="135" name="Rectangle 134">
+            <a:extLst>
+              <a:ext uri="{FF2B5EF4-FFF2-40B4-BE49-F238E27FC236}">
+                <a16:creationId xmlns:a16="http://schemas.microsoft.com/office/drawing/2014/main" id="{FA3E21C0-C6E7-46CD-9D6F-6C000DACFAF5}"/>
+              </a:ext>
+            </a:extLst>
+          </p:cNvPr>
+          <p:cNvSpPr/>
+          <p:nvPr/>
+        </p:nvSpPr>
+        <p:spPr>
+          <a:xfrm>
+            <a:off x="6783783" y="4402721"/>
+            <a:ext cx="291841" cy="179938"/>
+          </a:xfrm>
+          <a:prstGeom prst="rect">
+            <a:avLst/>
+          </a:prstGeom>
+          <a:noFill/>
+          <a:ln>
+            <a:noFill/>
+          </a:ln>
+        </p:spPr>
+        <p:style>
+          <a:lnRef idx="2">
+            <a:schemeClr val="accent1">
+              <a:shade val="50000"/>
+            </a:schemeClr>
+          </a:lnRef>
+          <a:fillRef idx="1">
+            <a:schemeClr val="accent1"/>
+          </a:fillRef>
+          <a:effectRef idx="0">
+            <a:schemeClr val="accent1"/>
+          </a:effectRef>
+          <a:fontRef idx="minor">
+            <a:schemeClr val="lt1"/>
+          </a:fontRef>
+        </p:style>
+        <p:txBody>
+          <a:bodyPr rtlCol="0" anchor="ctr"/>
+          <a:lstStyle/>
+          <a:p>
+            <a:pPr algn="ctr"/>
+            <a:r>
+              <a:rPr lang="en-CA" sz="1200" b="1" dirty="0">
+                <a:solidFill>
+                  <a:srgbClr val="00B050"/>
+                </a:solidFill>
+              </a:rPr>
+              <a:t>8</a:t>
+            </a:r>
+          </a:p>
+        </p:txBody>
+      </p:sp>
+      <p:sp>
+        <p:nvSpPr>
+          <p:cNvPr id="136" name="Rectangle 135">
+            <a:extLst>
+              <a:ext uri="{FF2B5EF4-FFF2-40B4-BE49-F238E27FC236}">
+                <a16:creationId xmlns:a16="http://schemas.microsoft.com/office/drawing/2014/main" id="{F5001689-12E6-4913-A416-A4975AE84199}"/>
+              </a:ext>
+            </a:extLst>
+          </p:cNvPr>
+          <p:cNvSpPr/>
+          <p:nvPr/>
+        </p:nvSpPr>
+        <p:spPr>
+          <a:xfrm>
+            <a:off x="5460365" y="4867404"/>
+            <a:ext cx="1480090" cy="223829"/>
+          </a:xfrm>
+          <a:prstGeom prst="rect">
+            <a:avLst/>
+          </a:prstGeom>
+          <a:noFill/>
+          <a:ln>
+            <a:noFill/>
+          </a:ln>
+        </p:spPr>
+        <p:style>
+          <a:lnRef idx="2">
+            <a:schemeClr val="accent1">
+              <a:shade val="50000"/>
+            </a:schemeClr>
+          </a:lnRef>
+          <a:fillRef idx="1">
+            <a:schemeClr val="accent1"/>
+          </a:fillRef>
+          <a:effectRef idx="0">
+            <a:schemeClr val="accent1"/>
+          </a:effectRef>
+          <a:fontRef idx="minor">
+            <a:schemeClr val="lt1"/>
+          </a:fontRef>
+        </p:style>
+        <p:txBody>
+          <a:bodyPr rtlCol="0" anchor="ctr"/>
+          <a:lstStyle/>
+          <a:p>
+            <a:r>
+              <a:rPr lang="en-CA" sz="900" dirty="0">
+                <a:solidFill>
+                  <a:srgbClr val="00B050"/>
+                </a:solidFill>
+              </a:rPr>
+              <a:t>Traffic filtering rules allow inbound/outbound access</a:t>
+            </a:r>
+          </a:p>
+        </p:txBody>
+      </p:sp>
+      <p:grpSp>
+        <p:nvGrpSpPr>
+          <p:cNvPr id="137" name="Group 136">
+            <a:extLst>
+              <a:ext uri="{FF2B5EF4-FFF2-40B4-BE49-F238E27FC236}">
+                <a16:creationId xmlns:a16="http://schemas.microsoft.com/office/drawing/2014/main" id="{2AB08ECC-4BCF-47EC-83B2-5C671FEB927E}"/>
+              </a:ext>
+            </a:extLst>
+          </p:cNvPr>
+          <p:cNvGrpSpPr/>
+          <p:nvPr/>
+        </p:nvGrpSpPr>
+        <p:grpSpPr>
+          <a:xfrm>
+            <a:off x="11176293" y="5933248"/>
+            <a:ext cx="942975" cy="790037"/>
+            <a:chOff x="10899931" y="2303928"/>
+            <a:chExt cx="942975" cy="790037"/>
+          </a:xfrm>
+        </p:grpSpPr>
+        <p:grpSp>
+          <p:nvGrpSpPr>
+            <p:cNvPr id="138" name="Group 137">
+              <a:extLst>
+                <a:ext uri="{FF2B5EF4-FFF2-40B4-BE49-F238E27FC236}">
+                  <a16:creationId xmlns:a16="http://schemas.microsoft.com/office/drawing/2014/main" id="{1880D116-13FB-45EE-9C46-89A8313DB0B5}"/>
+                </a:ext>
+              </a:extLst>
+            </p:cNvPr>
+            <p:cNvGrpSpPr/>
+            <p:nvPr/>
+          </p:nvGrpSpPr>
+          <p:grpSpPr>
+            <a:xfrm>
+              <a:off x="10899931" y="2303928"/>
+              <a:ext cx="942975" cy="666822"/>
+              <a:chOff x="5667375" y="2971728"/>
+              <a:chExt cx="942975" cy="666822"/>
+            </a:xfrm>
+          </p:grpSpPr>
+          <p:pic>
+            <p:nvPicPr>
+              <p:cNvPr id="140" name="Picture 139" descr="Logo&#10;&#10;Description automatically generated">
+                <a:extLst>
+                  <a:ext uri="{FF2B5EF4-FFF2-40B4-BE49-F238E27FC236}">
+                    <a16:creationId xmlns:a16="http://schemas.microsoft.com/office/drawing/2014/main" id="{C7A6FC65-4008-429F-A1C5-5B9A91F35739}"/>
+                  </a:ext>
+                </a:extLst>
+              </p:cNvPr>
+              <p:cNvPicPr>
+                <a:picLocks noChangeAspect="1"/>
+              </p:cNvPicPr>
+              <p:nvPr/>
+            </p:nvPicPr>
+            <p:blipFill>
+              <a:blip r:embed="rId12">
+                <a:extLst>
+                  <a:ext uri="{28A0092B-C50C-407E-A947-70E740481C1C}">
+                    <a14:useLocalDpi xmlns:a14="http://schemas.microsoft.com/office/drawing/2010/main" val="0"/>
+                  </a:ext>
+                </a:extLst>
+              </a:blip>
+              <a:stretch>
+                <a:fillRect/>
+              </a:stretch>
+            </p:blipFill>
+            <p:spPr>
+              <a:xfrm>
+                <a:off x="5910491" y="2971728"/>
+                <a:ext cx="448532" cy="448532"/>
+              </a:xfrm>
+              <a:prstGeom prst="rect">
+                <a:avLst/>
+              </a:prstGeom>
+            </p:spPr>
+          </p:pic>
+          <p:sp>
+            <p:nvSpPr>
+              <p:cNvPr id="141" name="Rectangle 140">
+                <a:extLst>
+                  <a:ext uri="{FF2B5EF4-FFF2-40B4-BE49-F238E27FC236}">
+                    <a16:creationId xmlns:a16="http://schemas.microsoft.com/office/drawing/2014/main" id="{AF65972C-9E62-4684-918D-D9BA8A1FF20A}"/>
+                  </a:ext>
+                </a:extLst>
+              </p:cNvPr>
+              <p:cNvSpPr/>
+              <p:nvPr/>
+            </p:nvSpPr>
+            <p:spPr>
+              <a:xfrm>
+                <a:off x="5667375" y="3352799"/>
+                <a:ext cx="942975" cy="285751"/>
+              </a:xfrm>
+              <a:prstGeom prst="rect">
+                <a:avLst/>
+              </a:prstGeom>
+              <a:noFill/>
+              <a:ln>
+                <a:noFill/>
+              </a:ln>
+            </p:spPr>
+            <p:style>
+              <a:lnRef idx="2">
+                <a:schemeClr val="accent1">
+                  <a:shade val="50000"/>
+                </a:schemeClr>
+              </a:lnRef>
+              <a:fillRef idx="1">
+                <a:schemeClr val="accent1"/>
+              </a:fillRef>
+              <a:effectRef idx="0">
+                <a:schemeClr val="accent1"/>
+              </a:effectRef>
+              <a:fontRef idx="minor">
+                <a:schemeClr val="lt1"/>
+              </a:fontRef>
+            </p:style>
+            <p:txBody>
+              <a:bodyPr rtlCol="0" anchor="ctr"/>
+              <a:lstStyle/>
+              <a:p>
+                <a:pPr algn="ctr"/>
+                <a:r>
+                  <a:rPr lang="en-CA" sz="1000" b="1" dirty="0">
+                    <a:solidFill>
+                      <a:schemeClr val="tx1"/>
+                    </a:solidFill>
+                  </a:rPr>
+                  <a:t>Key Vault</a:t>
+                </a:r>
+              </a:p>
+            </p:txBody>
+          </p:sp>
+        </p:grpSp>
+        <p:sp>
+          <p:nvSpPr>
+            <p:cNvPr id="139" name="Rectangle 138">
+              <a:extLst>
+                <a:ext uri="{FF2B5EF4-FFF2-40B4-BE49-F238E27FC236}">
+                  <a16:creationId xmlns:a16="http://schemas.microsoft.com/office/drawing/2014/main" id="{B542BCE5-598F-48ED-AC2C-51CA00F5F47F}"/>
+                </a:ext>
+              </a:extLst>
+            </p:cNvPr>
+            <p:cNvSpPr/>
+            <p:nvPr/>
+          </p:nvSpPr>
+          <p:spPr>
+            <a:xfrm>
+              <a:off x="10932427" y="2847744"/>
+              <a:ext cx="806631" cy="246221"/>
+            </a:xfrm>
+            <a:prstGeom prst="rect">
+              <a:avLst/>
+            </a:prstGeom>
+          </p:spPr>
+          <p:txBody>
+            <a:bodyPr wrap="none">
+              <a:spAutoFit/>
+            </a:bodyPr>
+            <a:lstStyle/>
+            <a:p>
+              <a:r>
+                <a:rPr lang="en-CA" sz="1000" b="0" dirty="0">
+                  <a:effectLst/>
+                </a:rPr>
+                <a:t>20.37.14.31</a:t>
+              </a:r>
+            </a:p>
+          </p:txBody>
+        </p:sp>
+      </p:grpSp>
+      <p:cxnSp>
+        <p:nvCxnSpPr>
+          <p:cNvPr id="127" name="Connector: Curved 126">
+            <a:extLst>
+              <a:ext uri="{FF2B5EF4-FFF2-40B4-BE49-F238E27FC236}">
+                <a16:creationId xmlns:a16="http://schemas.microsoft.com/office/drawing/2014/main" id="{F5FA7042-8C78-45BD-923D-5504A294FB03}"/>
+              </a:ext>
+            </a:extLst>
+          </p:cNvPr>
+          <p:cNvCxnSpPr>
+            <a:stCxn id="22" idx="3"/>
+            <a:endCxn id="140" idx="1"/>
+          </p:cNvCxnSpPr>
+          <p:nvPr/>
+        </p:nvCxnSpPr>
+        <p:spPr>
+          <a:xfrm>
+            <a:off x="5701323" y="5170531"/>
+            <a:ext cx="5718086" cy="986983"/>
+          </a:xfrm>
+          <a:prstGeom prst="curvedConnector3">
+            <a:avLst>
+              <a:gd name="adj1" fmla="val 21520"/>
+            </a:avLst>
+          </a:prstGeom>
+          <a:ln>
+            <a:solidFill>
+              <a:srgbClr val="00B050"/>
+            </a:solidFill>
+            <a:tailEnd type="triangle"/>
+          </a:ln>
+        </p:spPr>
+        <p:style>
+          <a:lnRef idx="1">
+            <a:schemeClr val="accent1"/>
+          </a:lnRef>
+          <a:fillRef idx="0">
+            <a:schemeClr val="accent1"/>
+          </a:fillRef>
+          <a:effectRef idx="0">
+            <a:schemeClr val="accent1"/>
+          </a:effectRef>
+          <a:fontRef idx="minor">
+            <a:schemeClr val="tx1"/>
+          </a:fontRef>
+        </p:style>
+      </p:cxnSp>
+      <p:sp>
+        <p:nvSpPr>
+          <p:cNvPr id="146" name="Rectangle 145">
+            <a:extLst>
+              <a:ext uri="{FF2B5EF4-FFF2-40B4-BE49-F238E27FC236}">
+                <a16:creationId xmlns:a16="http://schemas.microsoft.com/office/drawing/2014/main" id="{6D4F2BC6-07C9-48CF-81F0-916180DB56B9}"/>
+              </a:ext>
+            </a:extLst>
+          </p:cNvPr>
+          <p:cNvSpPr/>
+          <p:nvPr/>
+        </p:nvSpPr>
+        <p:spPr>
+          <a:xfrm>
+            <a:off x="8091866" y="6022527"/>
+            <a:ext cx="291841" cy="179938"/>
+          </a:xfrm>
+          <a:prstGeom prst="rect">
+            <a:avLst/>
+          </a:prstGeom>
+          <a:noFill/>
+          <a:ln>
+            <a:noFill/>
+          </a:ln>
+        </p:spPr>
+        <p:style>
+          <a:lnRef idx="2">
+            <a:schemeClr val="accent1">
+              <a:shade val="50000"/>
+            </a:schemeClr>
+          </a:lnRef>
+          <a:fillRef idx="1">
+            <a:schemeClr val="accent1"/>
+          </a:fillRef>
+          <a:effectRef idx="0">
+            <a:schemeClr val="accent1"/>
+          </a:effectRef>
+          <a:fontRef idx="minor">
+            <a:schemeClr val="lt1"/>
+          </a:fontRef>
+        </p:style>
+        <p:txBody>
+          <a:bodyPr rtlCol="0" anchor="ctr"/>
+          <a:lstStyle/>
+          <a:p>
+            <a:pPr algn="ctr"/>
+            <a:r>
+              <a:rPr lang="en-CA" sz="1200" b="1" dirty="0">
+                <a:solidFill>
+                  <a:srgbClr val="00B050"/>
+                </a:solidFill>
+              </a:rPr>
+              <a:t>9</a:t>
+            </a:r>
+          </a:p>
+        </p:txBody>
+      </p:sp>
+      <p:sp>
+        <p:nvSpPr>
+          <p:cNvPr id="147" name="Rectangle 146">
+            <a:extLst>
+              <a:ext uri="{FF2B5EF4-FFF2-40B4-BE49-F238E27FC236}">
+                <a16:creationId xmlns:a16="http://schemas.microsoft.com/office/drawing/2014/main" id="{8451734E-45C4-44FB-8D83-84B5854F35AC}"/>
+              </a:ext>
+            </a:extLst>
+          </p:cNvPr>
+          <p:cNvSpPr/>
+          <p:nvPr/>
+        </p:nvSpPr>
+        <p:spPr>
+          <a:xfrm>
+            <a:off x="8771711" y="5888667"/>
+            <a:ext cx="1753277" cy="223829"/>
+          </a:xfrm>
+          <a:prstGeom prst="rect">
+            <a:avLst/>
+          </a:prstGeom>
+          <a:noFill/>
+          <a:ln>
+            <a:noFill/>
+          </a:ln>
+        </p:spPr>
+        <p:style>
+          <a:lnRef idx="2">
+            <a:schemeClr val="accent1">
+              <a:shade val="50000"/>
+            </a:schemeClr>
+          </a:lnRef>
+          <a:fillRef idx="1">
+            <a:schemeClr val="accent1"/>
+          </a:fillRef>
+          <a:effectRef idx="0">
+            <a:schemeClr val="accent1"/>
+          </a:effectRef>
+          <a:fontRef idx="minor">
+            <a:schemeClr val="lt1"/>
+          </a:fontRef>
+        </p:style>
+        <p:txBody>
+          <a:bodyPr rtlCol="0" anchor="ctr"/>
+          <a:lstStyle/>
+          <a:p>
+            <a:r>
+              <a:rPr lang="en-CA" sz="900" dirty="0">
+                <a:solidFill>
+                  <a:srgbClr val="00B050"/>
+                </a:solidFill>
+              </a:rPr>
+              <a:t>Traffic through service endpoint</a:t>
+            </a:r>
+          </a:p>
+        </p:txBody>
+      </p:sp>
+      <p:sp>
+        <p:nvSpPr>
+          <p:cNvPr id="148" name="Rectangle 147">
+            <a:extLst>
+              <a:ext uri="{FF2B5EF4-FFF2-40B4-BE49-F238E27FC236}">
+                <a16:creationId xmlns:a16="http://schemas.microsoft.com/office/drawing/2014/main" id="{2FCADCB1-904B-41C3-BACA-2F6B21C4FBE5}"/>
+              </a:ext>
+            </a:extLst>
+          </p:cNvPr>
+          <p:cNvSpPr/>
+          <p:nvPr/>
+        </p:nvSpPr>
+        <p:spPr>
+          <a:xfrm>
+            <a:off x="2169854" y="54233"/>
+            <a:ext cx="6672771" cy="678023"/>
+          </a:xfrm>
+          <a:prstGeom prst="rect">
+            <a:avLst/>
+          </a:prstGeom>
+          <a:noFill/>
+          <a:ln>
+            <a:noFill/>
+          </a:ln>
+        </p:spPr>
+        <p:style>
+          <a:lnRef idx="2">
+            <a:schemeClr val="accent1">
+              <a:shade val="50000"/>
+            </a:schemeClr>
+          </a:lnRef>
+          <a:fillRef idx="1">
+            <a:schemeClr val="accent1"/>
+          </a:fillRef>
+          <a:effectRef idx="0">
+            <a:schemeClr val="accent1"/>
+          </a:effectRef>
+          <a:fontRef idx="minor">
+            <a:schemeClr val="lt1"/>
+          </a:fontRef>
+        </p:style>
+        <p:txBody>
+          <a:bodyPr rtlCol="0" anchor="ctr"/>
+          <a:lstStyle/>
+          <a:p>
+            <a:pPr algn="ctr"/>
+            <a:r>
+              <a:rPr lang="en-CA" sz="1600" b="1" u="sng" dirty="0">
+                <a:solidFill>
+                  <a:schemeClr val="tx1"/>
+                </a:solidFill>
+              </a:rPr>
+              <a:t>Azure Network - Firewall, DNS, Private Endpoint &amp; Service Endpoint</a:t>
+            </a:r>
+          </a:p>
+        </p:txBody>
+      </p:sp>
+      <p:grpSp>
+        <p:nvGrpSpPr>
+          <p:cNvPr id="152" name="Group 151">
+            <a:extLst>
+              <a:ext uri="{FF2B5EF4-FFF2-40B4-BE49-F238E27FC236}">
+                <a16:creationId xmlns:a16="http://schemas.microsoft.com/office/drawing/2014/main" id="{90D782DC-684A-41A4-881B-2BEAB874215F}"/>
+              </a:ext>
+            </a:extLst>
+          </p:cNvPr>
+          <p:cNvGrpSpPr/>
+          <p:nvPr/>
+        </p:nvGrpSpPr>
+        <p:grpSpPr>
+          <a:xfrm>
+            <a:off x="4779316" y="6022527"/>
+            <a:ext cx="909089" cy="673481"/>
+            <a:chOff x="10270591" y="801364"/>
+            <a:chExt cx="909089" cy="673481"/>
+          </a:xfrm>
+        </p:grpSpPr>
+        <p:pic>
+          <p:nvPicPr>
+            <p:cNvPr id="150" name="Graphic 149">
+              <a:extLst>
+                <a:ext uri="{FF2B5EF4-FFF2-40B4-BE49-F238E27FC236}">
+                  <a16:creationId xmlns:a16="http://schemas.microsoft.com/office/drawing/2014/main" id="{B5682F88-3C6C-4FAB-BDD1-8386AE5B0D1A}"/>
+                </a:ext>
+              </a:extLst>
+            </p:cNvPr>
+            <p:cNvPicPr>
+              <a:picLocks noChangeAspect="1"/>
+            </p:cNvPicPr>
+            <p:nvPr/>
+          </p:nvPicPr>
+          <p:blipFill>
+            <a:blip r:embed="rId24">
+              <a:extLst>
+                <a:ext uri="{28A0092B-C50C-407E-A947-70E740481C1C}">
+                  <a14:useLocalDpi xmlns:a14="http://schemas.microsoft.com/office/drawing/2010/main" val="0"/>
+                </a:ext>
+                <a:ext uri="{96DAC541-7B7A-43D3-8B79-37D633B846F1}">
+                  <asvg:svgBlip xmlns:asvg="http://schemas.microsoft.com/office/drawing/2016/SVG/main" r:embed="rId25"/>
+                </a:ext>
+              </a:extLst>
+            </a:blip>
+            <a:stretch>
+              <a:fillRect/>
+            </a:stretch>
+          </p:blipFill>
+          <p:spPr>
+            <a:xfrm>
+              <a:off x="10538759" y="801364"/>
+              <a:ext cx="400110" cy="400110"/>
+            </a:xfrm>
+            <a:prstGeom prst="rect">
+              <a:avLst/>
+            </a:prstGeom>
+          </p:spPr>
+        </p:pic>
+        <p:sp>
+          <p:nvSpPr>
+            <p:cNvPr id="151" name="Rectangle 150">
+              <a:extLst>
+                <a:ext uri="{FF2B5EF4-FFF2-40B4-BE49-F238E27FC236}">
+                  <a16:creationId xmlns:a16="http://schemas.microsoft.com/office/drawing/2014/main" id="{5D207138-F8BF-4DE7-9072-F02E63BC3FDD}"/>
+                </a:ext>
+              </a:extLst>
+            </p:cNvPr>
+            <p:cNvSpPr/>
+            <p:nvPr/>
+          </p:nvSpPr>
+          <p:spPr>
+            <a:xfrm>
+              <a:off x="10270591" y="1189094"/>
+              <a:ext cx="909089" cy="285751"/>
+            </a:xfrm>
+            <a:prstGeom prst="rect">
+              <a:avLst/>
+            </a:prstGeom>
+            <a:noFill/>
+            <a:ln>
+              <a:noFill/>
+            </a:ln>
+          </p:spPr>
+          <p:style>
+            <a:lnRef idx="2">
+              <a:schemeClr val="accent1">
+                <a:shade val="50000"/>
+              </a:schemeClr>
+            </a:lnRef>
+            <a:fillRef idx="1">
+              <a:schemeClr val="accent1"/>
+            </a:fillRef>
+            <a:effectRef idx="0">
+              <a:schemeClr val="accent1"/>
+            </a:effectRef>
+            <a:fontRef idx="minor">
+              <a:schemeClr val="lt1"/>
+            </a:fontRef>
+          </p:style>
+          <p:txBody>
+            <a:bodyPr rtlCol="0" anchor="ctr"/>
+            <a:lstStyle/>
+            <a:p>
+              <a:pPr algn="ctr"/>
+              <a:r>
+                <a:rPr lang="en-CA" sz="1000" b="1" dirty="0">
+                  <a:solidFill>
+                    <a:schemeClr val="tx1"/>
+                  </a:solidFill>
+                </a:rPr>
+                <a:t>Log analytics workspace</a:t>
+              </a:r>
+            </a:p>
+          </p:txBody>
+        </p:sp>
+      </p:grpSp>
+      <p:cxnSp>
+        <p:nvCxnSpPr>
+          <p:cNvPr id="154" name="Straight Arrow Connector 153">
+            <a:extLst>
+              <a:ext uri="{FF2B5EF4-FFF2-40B4-BE49-F238E27FC236}">
+                <a16:creationId xmlns:a16="http://schemas.microsoft.com/office/drawing/2014/main" id="{5CA65530-1221-4BD1-A8B6-4A5A6DF5B28A}"/>
+              </a:ext>
+            </a:extLst>
+          </p:cNvPr>
+          <p:cNvCxnSpPr>
+            <a:cxnSpLocks/>
+            <a:endCxn id="150" idx="0"/>
+          </p:cNvCxnSpPr>
+          <p:nvPr/>
+        </p:nvCxnSpPr>
+        <p:spPr>
+          <a:xfrm>
+            <a:off x="5241844" y="5123129"/>
+            <a:ext cx="5695" cy="899398"/>
+          </a:xfrm>
+          <a:prstGeom prst="straightConnector1">
+            <a:avLst/>
+          </a:prstGeom>
+          <a:ln>
+            <a:solidFill>
+              <a:schemeClr val="tx1"/>
+            </a:solidFill>
+            <a:tailEnd type="triangle"/>
+          </a:ln>
+        </p:spPr>
+        <p:style>
+          <a:lnRef idx="1">
+            <a:schemeClr val="accent1"/>
+          </a:lnRef>
+          <a:fillRef idx="0">
+            <a:schemeClr val="accent1"/>
+          </a:fillRef>
+          <a:effectRef idx="0">
+            <a:schemeClr val="accent1"/>
+          </a:effectRef>
+          <a:fontRef idx="minor">
+            <a:schemeClr val="tx1"/>
+          </a:fontRef>
+        </p:style>
+      </p:cxnSp>
+      <p:sp>
+        <p:nvSpPr>
+          <p:cNvPr id="157" name="Rectangle 156">
+            <a:extLst>
+              <a:ext uri="{FF2B5EF4-FFF2-40B4-BE49-F238E27FC236}">
+                <a16:creationId xmlns:a16="http://schemas.microsoft.com/office/drawing/2014/main" id="{BEA9A78D-757D-4F53-A12F-A04F1FDDF867}"/>
+              </a:ext>
+            </a:extLst>
+          </p:cNvPr>
+          <p:cNvSpPr/>
+          <p:nvPr/>
+        </p:nvSpPr>
+        <p:spPr>
+          <a:xfrm>
+            <a:off x="3454950" y="6043934"/>
+            <a:ext cx="1458450" cy="421396"/>
+          </a:xfrm>
+          <a:prstGeom prst="rect">
+            <a:avLst/>
+          </a:prstGeom>
+          <a:noFill/>
+          <a:ln>
+            <a:noFill/>
+          </a:ln>
+        </p:spPr>
+        <p:style>
+          <a:lnRef idx="2">
+            <a:schemeClr val="accent1">
+              <a:shade val="50000"/>
+            </a:schemeClr>
+          </a:lnRef>
+          <a:fillRef idx="1">
+            <a:schemeClr val="accent1"/>
+          </a:fillRef>
+          <a:effectRef idx="0">
+            <a:schemeClr val="accent1"/>
+          </a:effectRef>
+          <a:fontRef idx="minor">
+            <a:schemeClr val="lt1"/>
+          </a:fontRef>
+        </p:style>
+        <p:txBody>
+          <a:bodyPr rtlCol="0" anchor="ctr"/>
+          <a:lstStyle/>
+          <a:p>
+            <a:pPr algn="ctr"/>
+            <a:r>
+              <a:rPr lang="en-CA" sz="800" dirty="0">
+                <a:solidFill>
+                  <a:schemeClr val="tx1"/>
+                </a:solidFill>
+              </a:rPr>
+              <a:t>Integrated with Azure Monitor for logging &amp; analyzing traffic</a:t>
             </a:r>
           </a:p>
         </p:txBody>

--- a/images/Azure Firewall.pptx
+++ b/images/Azure Firewall.pptx
@@ -6913,6 +6913,44 @@
           </p:txBody>
         </p:sp>
       </p:grpSp>
+      <p:sp>
+        <p:nvSpPr>
+          <p:cNvPr id="103" name="Rectangle 102">
+            <a:extLst>
+              <a:ext uri="{FF2B5EF4-FFF2-40B4-BE49-F238E27FC236}">
+                <a16:creationId xmlns:a16="http://schemas.microsoft.com/office/drawing/2014/main" id="{5D1E4941-71E8-48F3-B4F8-C84CD58A0669}"/>
+              </a:ext>
+            </a:extLst>
+          </p:cNvPr>
+          <p:cNvSpPr/>
+          <p:nvPr/>
+        </p:nvSpPr>
+        <p:spPr>
+          <a:xfrm>
+            <a:off x="5546434" y="4644749"/>
+            <a:ext cx="1282723" cy="246221"/>
+          </a:xfrm>
+          <a:prstGeom prst="rect">
+            <a:avLst/>
+          </a:prstGeom>
+        </p:spPr>
+        <p:txBody>
+          <a:bodyPr wrap="none">
+            <a:spAutoFit/>
+          </a:bodyPr>
+          <a:lstStyle/>
+          <a:p>
+            <a:r>
+              <a:rPr lang="en-CA" sz="1000" b="1" dirty="0">
+                <a:solidFill>
+                  <a:srgbClr val="C00000"/>
+                </a:solidFill>
+              </a:rPr>
+              <a:t>AzureFirewallSubnet</a:t>
+            </a:r>
+          </a:p>
+        </p:txBody>
+      </p:sp>
     </p:spTree>
     <p:extLst>
       <p:ext uri="{BB962C8B-B14F-4D97-AF65-F5344CB8AC3E}">
@@ -7781,10 +7819,10 @@
           </p:nvGrpSpPr>
           <p:grpSpPr>
             <a:xfrm>
-              <a:off x="1735124" y="1849040"/>
-              <a:ext cx="937793" cy="651037"/>
-              <a:chOff x="1149983" y="3959196"/>
-              <a:chExt cx="937793" cy="651037"/>
+              <a:off x="1919981" y="1718549"/>
+              <a:ext cx="548005" cy="611834"/>
+              <a:chOff x="1334840" y="3828705"/>
+              <a:chExt cx="548005" cy="611834"/>
             </a:xfrm>
           </p:grpSpPr>
           <p:sp>
@@ -7801,8 +7839,8 @@
             </p:nvSpPr>
             <p:spPr>
               <a:xfrm>
-                <a:off x="1149983" y="4324482"/>
-                <a:ext cx="937793" cy="285751"/>
+                <a:off x="1334840" y="4225627"/>
+                <a:ext cx="548005" cy="214912"/>
               </a:xfrm>
               <a:prstGeom prst="rect">
                 <a:avLst/>
@@ -7872,7 +7910,7 @@
             </p:blipFill>
             <p:spPr>
               <a:xfrm>
-                <a:off x="1377242" y="3959196"/>
+                <a:off x="1377242" y="3828705"/>
                 <a:ext cx="475361" cy="426617"/>
               </a:xfrm>
               <a:prstGeom prst="rect">
@@ -9781,7 +9819,7 @@
         </p:nvSpPr>
         <p:spPr>
           <a:xfrm>
-            <a:off x="1339672" y="5108939"/>
+            <a:off x="1331221" y="4988597"/>
             <a:ext cx="609462" cy="246221"/>
           </a:xfrm>
           <a:prstGeom prst="rect">
@@ -9821,7 +9859,7 @@
         </p:nvGrpSpPr>
         <p:grpSpPr>
           <a:xfrm>
-            <a:off x="899167" y="5064969"/>
+            <a:off x="852512" y="4786722"/>
             <a:ext cx="681499" cy="482543"/>
             <a:chOff x="7958860" y="5899341"/>
             <a:chExt cx="681499" cy="482543"/>
@@ -11160,16 +11198,19 @@
           </p:cNvPr>
           <p:cNvCxnSpPr>
             <a:cxnSpLocks/>
+            <a:endCxn id="10" idx="0"/>
           </p:cNvCxnSpPr>
           <p:nvPr/>
         </p:nvCxnSpPr>
         <p:spPr>
-          <a:xfrm rot="10800000" flipV="1">
-            <a:off x="1534586" y="3838244"/>
-            <a:ext cx="658676" cy="785958"/>
+          <a:xfrm rot="5400000">
+            <a:off x="1608463" y="3875041"/>
+            <a:ext cx="621597" cy="548004"/>
           </a:xfrm>
-          <a:prstGeom prst="curvedConnector2">
-            <a:avLst/>
+          <a:prstGeom prst="curvedConnector3">
+            <a:avLst>
+              <a:gd name="adj1" fmla="val 50000"/>
+            </a:avLst>
           </a:prstGeom>
           <a:ln>
             <a:solidFill>
@@ -11549,7 +11590,7 @@
         </p:nvGrpSpPr>
         <p:grpSpPr>
           <a:xfrm>
-            <a:off x="1655319" y="5046449"/>
+            <a:off x="1899164" y="5046449"/>
             <a:ext cx="2226572" cy="853084"/>
             <a:chOff x="347685" y="5790096"/>
             <a:chExt cx="2226572" cy="853084"/>
@@ -12155,9 +12196,9 @@
         <p:grpSpPr>
           <a:xfrm>
             <a:off x="11176293" y="5933248"/>
-            <a:ext cx="942975" cy="790037"/>
+            <a:ext cx="970573" cy="790037"/>
             <a:chOff x="10899931" y="2303928"/>
-            <a:chExt cx="942975" cy="790037"/>
+            <a:chExt cx="970573" cy="790037"/>
           </a:xfrm>
         </p:grpSpPr>
         <p:grpSp>
@@ -12289,7 +12330,7 @@
           <p:spPr>
             <a:xfrm>
               <a:off x="10932427" y="2847744"/>
-              <a:ext cx="806631" cy="246221"/>
+              <a:ext cx="938077" cy="246221"/>
             </a:xfrm>
             <a:prstGeom prst="rect">
               <a:avLst/>
@@ -12302,10 +12343,8 @@
             <a:lstStyle/>
             <a:p>
               <a:r>
-                <a:rPr lang="en-CA" sz="1000" b="0" dirty="0">
-                  <a:effectLst/>
-                </a:rPr>
-                <a:t>20.37.14.31</a:t>
+                <a:rPr lang="en-CA" sz="1000" dirty="0"/>
+                <a:t>20.38.149.196</a:t>
               </a:r>
             </a:p>
           </p:txBody>
@@ -12747,6 +12786,336 @@
           </a:p>
         </p:txBody>
       </p:sp>
+      <p:sp>
+        <p:nvSpPr>
+          <p:cNvPr id="38" name="Rectangle 37">
+            <a:extLst>
+              <a:ext uri="{FF2B5EF4-FFF2-40B4-BE49-F238E27FC236}">
+                <a16:creationId xmlns:a16="http://schemas.microsoft.com/office/drawing/2014/main" id="{AAB64F02-DF1A-486D-AC98-6EDC01279456}"/>
+              </a:ext>
+            </a:extLst>
+          </p:cNvPr>
+          <p:cNvSpPr/>
+          <p:nvPr/>
+        </p:nvSpPr>
+        <p:spPr>
+          <a:xfrm>
+            <a:off x="5175364" y="3991709"/>
+            <a:ext cx="1282723" cy="246221"/>
+          </a:xfrm>
+          <a:prstGeom prst="rect">
+            <a:avLst/>
+          </a:prstGeom>
+        </p:spPr>
+        <p:txBody>
+          <a:bodyPr wrap="none">
+            <a:spAutoFit/>
+          </a:bodyPr>
+          <a:lstStyle/>
+          <a:p>
+            <a:r>
+              <a:rPr lang="en-CA" sz="1000" b="1" dirty="0">
+                <a:solidFill>
+                  <a:srgbClr val="C00000"/>
+                </a:solidFill>
+              </a:rPr>
+              <a:t>AzureFirewallSubnet</a:t>
+            </a:r>
+          </a:p>
+        </p:txBody>
+      </p:sp>
+      <p:grpSp>
+        <p:nvGrpSpPr>
+          <p:cNvPr id="50" name="Group 49">
+            <a:extLst>
+              <a:ext uri="{FF2B5EF4-FFF2-40B4-BE49-F238E27FC236}">
+                <a16:creationId xmlns:a16="http://schemas.microsoft.com/office/drawing/2014/main" id="{DF5BF278-0C36-49A1-986F-14E58294633A}"/>
+              </a:ext>
+            </a:extLst>
+          </p:cNvPr>
+          <p:cNvGrpSpPr/>
+          <p:nvPr/>
+        </p:nvGrpSpPr>
+        <p:grpSpPr>
+          <a:xfrm>
+            <a:off x="241920" y="5019089"/>
+            <a:ext cx="559659" cy="519942"/>
+            <a:chOff x="1801668" y="6194481"/>
+            <a:chExt cx="559659" cy="519942"/>
+          </a:xfrm>
+        </p:grpSpPr>
+        <p:pic>
+          <p:nvPicPr>
+            <p:cNvPr id="128" name="Graphic 127">
+              <a:extLst>
+                <a:ext uri="{FF2B5EF4-FFF2-40B4-BE49-F238E27FC236}">
+                  <a16:creationId xmlns:a16="http://schemas.microsoft.com/office/drawing/2014/main" id="{C062F507-AF4D-4031-8217-1FBCB7BC809F}"/>
+                </a:ext>
+              </a:extLst>
+            </p:cNvPr>
+            <p:cNvPicPr>
+              <a:picLocks noChangeAspect="1"/>
+            </p:cNvPicPr>
+            <p:nvPr/>
+          </p:nvPicPr>
+          <p:blipFill>
+            <a:blip r:embed="rId26">
+              <a:extLst>
+                <a:ext uri="{28A0092B-C50C-407E-A947-70E740481C1C}">
+                  <a14:useLocalDpi xmlns:a14="http://schemas.microsoft.com/office/drawing/2010/main" val="0"/>
+                </a:ext>
+                <a:ext uri="{96DAC541-7B7A-43D3-8B79-37D633B846F1}">
+                  <asvg:svgBlip xmlns:asvg="http://schemas.microsoft.com/office/drawing/2016/SVG/main" r:embed="rId27"/>
+                </a:ext>
+              </a:extLst>
+            </a:blip>
+            <a:stretch>
+              <a:fillRect/>
+            </a:stretch>
+          </p:blipFill>
+          <p:spPr>
+            <a:xfrm>
+              <a:off x="1898316" y="6194481"/>
+              <a:ext cx="327165" cy="327165"/>
+            </a:xfrm>
+            <a:prstGeom prst="rect">
+              <a:avLst/>
+            </a:prstGeom>
+          </p:spPr>
+        </p:pic>
+        <p:sp>
+          <p:nvSpPr>
+            <p:cNvPr id="142" name="Rectangle 141">
+              <a:extLst>
+                <a:ext uri="{FF2B5EF4-FFF2-40B4-BE49-F238E27FC236}">
+                  <a16:creationId xmlns:a16="http://schemas.microsoft.com/office/drawing/2014/main" id="{77072A0D-4762-4DB3-98D4-6585361F6BAB}"/>
+                </a:ext>
+              </a:extLst>
+            </p:cNvPr>
+            <p:cNvSpPr/>
+            <p:nvPr/>
+          </p:nvSpPr>
+          <p:spPr>
+            <a:xfrm>
+              <a:off x="1801668" y="6468202"/>
+              <a:ext cx="559659" cy="246221"/>
+            </a:xfrm>
+            <a:prstGeom prst="rect">
+              <a:avLst/>
+            </a:prstGeom>
+            <a:noFill/>
+            <a:ln>
+              <a:noFill/>
+            </a:ln>
+          </p:spPr>
+          <p:style>
+            <a:lnRef idx="2">
+              <a:schemeClr val="accent1">
+                <a:shade val="50000"/>
+              </a:schemeClr>
+            </a:lnRef>
+            <a:fillRef idx="1">
+              <a:schemeClr val="accent1"/>
+            </a:fillRef>
+            <a:effectRef idx="0">
+              <a:schemeClr val="accent1"/>
+            </a:effectRef>
+            <a:fontRef idx="minor">
+              <a:schemeClr val="lt1"/>
+            </a:fontRef>
+          </p:style>
+          <p:txBody>
+            <a:bodyPr rtlCol="0" anchor="ctr"/>
+            <a:lstStyle/>
+            <a:p>
+              <a:pPr algn="ctr"/>
+              <a:r>
+                <a:rPr lang="en-CA" sz="1000" b="1" dirty="0">
+                  <a:solidFill>
+                    <a:schemeClr val="tx1"/>
+                  </a:solidFill>
+                </a:rPr>
+                <a:t>NSG</a:t>
+              </a:r>
+            </a:p>
+          </p:txBody>
+        </p:sp>
+      </p:grpSp>
+      <p:grpSp>
+        <p:nvGrpSpPr>
+          <p:cNvPr id="52" name="Group 51">
+            <a:extLst>
+              <a:ext uri="{FF2B5EF4-FFF2-40B4-BE49-F238E27FC236}">
+                <a16:creationId xmlns:a16="http://schemas.microsoft.com/office/drawing/2014/main" id="{D635561B-1B00-493B-A98B-CA2D306BFEFF}"/>
+              </a:ext>
+            </a:extLst>
+          </p:cNvPr>
+          <p:cNvGrpSpPr/>
+          <p:nvPr/>
+        </p:nvGrpSpPr>
+        <p:grpSpPr>
+          <a:xfrm>
+            <a:off x="306856" y="5352018"/>
+            <a:ext cx="1652287" cy="467441"/>
+            <a:chOff x="335276" y="6100300"/>
+            <a:chExt cx="1652287" cy="467441"/>
+          </a:xfrm>
+        </p:grpSpPr>
+        <p:sp>
+          <p:nvSpPr>
+            <p:cNvPr id="144" name="Rectangle 143">
+              <a:extLst>
+                <a:ext uri="{FF2B5EF4-FFF2-40B4-BE49-F238E27FC236}">
+                  <a16:creationId xmlns:a16="http://schemas.microsoft.com/office/drawing/2014/main" id="{0BDFB250-12B8-4EAB-A6A6-A778C9343FC7}"/>
+                </a:ext>
+              </a:extLst>
+            </p:cNvPr>
+            <p:cNvSpPr/>
+            <p:nvPr/>
+          </p:nvSpPr>
+          <p:spPr>
+            <a:xfrm>
+              <a:off x="335276" y="6112500"/>
+              <a:ext cx="1652287" cy="455241"/>
+            </a:xfrm>
+            <a:prstGeom prst="rect">
+              <a:avLst/>
+            </a:prstGeom>
+            <a:noFill/>
+            <a:ln>
+              <a:noFill/>
+            </a:ln>
+          </p:spPr>
+          <p:style>
+            <a:lnRef idx="2">
+              <a:schemeClr val="accent1">
+                <a:shade val="50000"/>
+              </a:schemeClr>
+            </a:lnRef>
+            <a:fillRef idx="1">
+              <a:schemeClr val="accent1"/>
+            </a:fillRef>
+            <a:effectRef idx="0">
+              <a:schemeClr val="accent1"/>
+            </a:effectRef>
+            <a:fontRef idx="minor">
+              <a:schemeClr val="lt1"/>
+            </a:fontRef>
+          </p:style>
+          <p:txBody>
+            <a:bodyPr rtlCol="0" anchor="ctr"/>
+            <a:lstStyle/>
+            <a:p>
+              <a:r>
+                <a:rPr lang="en-CA" sz="800" dirty="0">
+                  <a:solidFill>
+                    <a:schemeClr val="tx1"/>
+                  </a:solidFill>
+                </a:rPr>
+                <a:t>1. Outbound key vault allowed</a:t>
+              </a:r>
+            </a:p>
+            <a:p>
+              <a:r>
+                <a:rPr lang="en-CA" sz="800" dirty="0">
+                  <a:solidFill>
+                    <a:schemeClr val="tx1"/>
+                  </a:solidFill>
+                </a:rPr>
+                <a:t>2. Outbound internet  denied</a:t>
+              </a:r>
+            </a:p>
+          </p:txBody>
+        </p:sp>
+        <p:sp>
+          <p:nvSpPr>
+            <p:cNvPr id="145" name="Multiplication Sign 144">
+              <a:extLst>
+                <a:ext uri="{FF2B5EF4-FFF2-40B4-BE49-F238E27FC236}">
+                  <a16:creationId xmlns:a16="http://schemas.microsoft.com/office/drawing/2014/main" id="{F63C563B-90CB-47B8-9B83-9749A6AC292D}"/>
+                </a:ext>
+              </a:extLst>
+            </p:cNvPr>
+            <p:cNvSpPr/>
+            <p:nvPr/>
+          </p:nvSpPr>
+          <p:spPr>
+            <a:xfrm>
+              <a:off x="1666002" y="6262836"/>
+              <a:ext cx="225354" cy="285752"/>
+            </a:xfrm>
+            <a:prstGeom prst="mathMultiply">
+              <a:avLst/>
+            </a:prstGeom>
+            <a:solidFill>
+              <a:srgbClr val="FF0000"/>
+            </a:solidFill>
+          </p:spPr>
+          <p:style>
+            <a:lnRef idx="2">
+              <a:schemeClr val="accent1">
+                <a:shade val="50000"/>
+              </a:schemeClr>
+            </a:lnRef>
+            <a:fillRef idx="1">
+              <a:schemeClr val="accent1"/>
+            </a:fillRef>
+            <a:effectRef idx="0">
+              <a:schemeClr val="accent1"/>
+            </a:effectRef>
+            <a:fontRef idx="minor">
+              <a:schemeClr val="lt1"/>
+            </a:fontRef>
+          </p:style>
+          <p:txBody>
+            <a:bodyPr rtlCol="0" anchor="ctr"/>
+            <a:lstStyle/>
+            <a:p>
+              <a:pPr algn="ctr"/>
+              <a:endParaRPr lang="en-CA"/>
+            </a:p>
+          </p:txBody>
+        </p:sp>
+        <p:pic>
+          <p:nvPicPr>
+            <p:cNvPr id="149" name="Graphic 148" descr="Checkmark">
+              <a:extLst>
+                <a:ext uri="{FF2B5EF4-FFF2-40B4-BE49-F238E27FC236}">
+                  <a16:creationId xmlns:a16="http://schemas.microsoft.com/office/drawing/2014/main" id="{CE1BEF35-6E66-4B64-98B3-B153EA8EE153}"/>
+                </a:ext>
+              </a:extLst>
+            </p:cNvPr>
+            <p:cNvPicPr>
+              <a:picLocks noChangeAspect="1"/>
+            </p:cNvPicPr>
+            <p:nvPr/>
+          </p:nvPicPr>
+          <p:blipFill>
+            <a:blip r:embed="rId28">
+              <a:extLst>
+                <a:ext uri="{28A0092B-C50C-407E-A947-70E740481C1C}">
+                  <a14:useLocalDpi xmlns:a14="http://schemas.microsoft.com/office/drawing/2010/main" val="0"/>
+                </a:ext>
+                <a:ext uri="{96DAC541-7B7A-43D3-8B79-37D633B846F1}">
+                  <asvg:svgBlip xmlns:asvg="http://schemas.microsoft.com/office/drawing/2016/SVG/main" r:embed="rId29"/>
+                </a:ext>
+              </a:extLst>
+            </a:blip>
+            <a:stretch>
+              <a:fillRect/>
+            </a:stretch>
+          </p:blipFill>
+          <p:spPr>
+            <a:xfrm>
+              <a:off x="1695664" y="6100300"/>
+              <a:ext cx="253470" cy="253470"/>
+            </a:xfrm>
+            <a:prstGeom prst="rect">
+              <a:avLst/>
+            </a:prstGeom>
+          </p:spPr>
+        </p:pic>
+      </p:grpSp>
     </p:spTree>
     <p:extLst>
       <p:ext uri="{BB962C8B-B14F-4D97-AF65-F5344CB8AC3E}">

--- a/images/Azure Firewall.pptx
+++ b/images/Azure Firewall.pptx
@@ -5,9 +5,10 @@
     <p:sldMasterId id="2147483648" r:id="rId1"/>
   </p:sldMasterIdLst>
   <p:sldIdLst>
-    <p:sldId id="258" r:id="rId2"/>
-    <p:sldId id="259" r:id="rId3"/>
-    <p:sldId id="260" r:id="rId4"/>
+    <p:sldId id="261" r:id="rId2"/>
+    <p:sldId id="258" r:id="rId3"/>
+    <p:sldId id="259" r:id="rId4"/>
+    <p:sldId id="260" r:id="rId5"/>
   </p:sldIdLst>
   <p:sldSz cx="12192000" cy="6858000"/>
   <p:notesSz cx="6858000" cy="9144000"/>
@@ -263,7 +264,7 @@
           <a:p>
             <a:fld id="{BF3F27D8-FD3A-40AA-9727-2773807CBD8D}" type="datetimeFigureOut">
               <a:rPr lang="en-CA" smtClean="0"/>
-              <a:t>2021-05-10</a:t>
+              <a:t>2021-05-13</a:t>
             </a:fld>
             <a:endParaRPr lang="en-CA"/>
           </a:p>
@@ -463,7 +464,7 @@
           <a:p>
             <a:fld id="{BF3F27D8-FD3A-40AA-9727-2773807CBD8D}" type="datetimeFigureOut">
               <a:rPr lang="en-CA" smtClean="0"/>
-              <a:t>2021-05-10</a:t>
+              <a:t>2021-05-13</a:t>
             </a:fld>
             <a:endParaRPr lang="en-CA"/>
           </a:p>
@@ -673,7 +674,7 @@
           <a:p>
             <a:fld id="{BF3F27D8-FD3A-40AA-9727-2773807CBD8D}" type="datetimeFigureOut">
               <a:rPr lang="en-CA" smtClean="0"/>
-              <a:t>2021-05-10</a:t>
+              <a:t>2021-05-13</a:t>
             </a:fld>
             <a:endParaRPr lang="en-CA"/>
           </a:p>
@@ -873,7 +874,7 @@
           <a:p>
             <a:fld id="{BF3F27D8-FD3A-40AA-9727-2773807CBD8D}" type="datetimeFigureOut">
               <a:rPr lang="en-CA" smtClean="0"/>
-              <a:t>2021-05-10</a:t>
+              <a:t>2021-05-13</a:t>
             </a:fld>
             <a:endParaRPr lang="en-CA"/>
           </a:p>
@@ -1149,7 +1150,7 @@
           <a:p>
             <a:fld id="{BF3F27D8-FD3A-40AA-9727-2773807CBD8D}" type="datetimeFigureOut">
               <a:rPr lang="en-CA" smtClean="0"/>
-              <a:t>2021-05-10</a:t>
+              <a:t>2021-05-13</a:t>
             </a:fld>
             <a:endParaRPr lang="en-CA"/>
           </a:p>
@@ -1417,7 +1418,7 @@
           <a:p>
             <a:fld id="{BF3F27D8-FD3A-40AA-9727-2773807CBD8D}" type="datetimeFigureOut">
               <a:rPr lang="en-CA" smtClean="0"/>
-              <a:t>2021-05-10</a:t>
+              <a:t>2021-05-13</a:t>
             </a:fld>
             <a:endParaRPr lang="en-CA"/>
           </a:p>
@@ -1832,7 +1833,7 @@
           <a:p>
             <a:fld id="{BF3F27D8-FD3A-40AA-9727-2773807CBD8D}" type="datetimeFigureOut">
               <a:rPr lang="en-CA" smtClean="0"/>
-              <a:t>2021-05-10</a:t>
+              <a:t>2021-05-13</a:t>
             </a:fld>
             <a:endParaRPr lang="en-CA"/>
           </a:p>
@@ -1974,7 +1975,7 @@
           <a:p>
             <a:fld id="{BF3F27D8-FD3A-40AA-9727-2773807CBD8D}" type="datetimeFigureOut">
               <a:rPr lang="en-CA" smtClean="0"/>
-              <a:t>2021-05-10</a:t>
+              <a:t>2021-05-13</a:t>
             </a:fld>
             <a:endParaRPr lang="en-CA"/>
           </a:p>
@@ -2087,7 +2088,7 @@
           <a:p>
             <a:fld id="{BF3F27D8-FD3A-40AA-9727-2773807CBD8D}" type="datetimeFigureOut">
               <a:rPr lang="en-CA" smtClean="0"/>
-              <a:t>2021-05-10</a:t>
+              <a:t>2021-05-13</a:t>
             </a:fld>
             <a:endParaRPr lang="en-CA"/>
           </a:p>
@@ -2400,7 +2401,7 @@
           <a:p>
             <a:fld id="{BF3F27D8-FD3A-40AA-9727-2773807CBD8D}" type="datetimeFigureOut">
               <a:rPr lang="en-CA" smtClean="0"/>
-              <a:t>2021-05-10</a:t>
+              <a:t>2021-05-13</a:t>
             </a:fld>
             <a:endParaRPr lang="en-CA"/>
           </a:p>
@@ -2689,7 +2690,7 @@
           <a:p>
             <a:fld id="{BF3F27D8-FD3A-40AA-9727-2773807CBD8D}" type="datetimeFigureOut">
               <a:rPr lang="en-CA" smtClean="0"/>
-              <a:t>2021-05-10</a:t>
+              <a:t>2021-05-13</a:t>
             </a:fld>
             <a:endParaRPr lang="en-CA"/>
           </a:p>
@@ -2932,7 +2933,7 @@
           <a:p>
             <a:fld id="{BF3F27D8-FD3A-40AA-9727-2773807CBD8D}" type="datetimeFigureOut">
               <a:rPr lang="en-CA" smtClean="0"/>
-              <a:t>2021-05-10</a:t>
+              <a:t>2021-05-13</a:t>
             </a:fld>
             <a:endParaRPr lang="en-CA"/>
           </a:p>
@@ -3333,6 +3334,3007 @@
 </file>
 
 <file path=ppt/slides/slide1.xml><?xml version="1.0" encoding="utf-8"?>
+<p:sld xmlns:a="http://schemas.openxmlformats.org/drawingml/2006/main" xmlns:r="http://schemas.openxmlformats.org/officeDocument/2006/relationships" xmlns:p="http://schemas.openxmlformats.org/presentationml/2006/main">
+  <p:cSld>
+    <p:spTree>
+      <p:nvGrpSpPr>
+        <p:cNvPr id="1" name=""/>
+        <p:cNvGrpSpPr/>
+        <p:nvPr/>
+      </p:nvGrpSpPr>
+      <p:grpSpPr>
+        <a:xfrm>
+          <a:off x="0" y="0"/>
+          <a:ext cx="0" cy="0"/>
+          <a:chOff x="0" y="0"/>
+          <a:chExt cx="0" cy="0"/>
+        </a:xfrm>
+      </p:grpSpPr>
+      <p:grpSp>
+        <p:nvGrpSpPr>
+          <p:cNvPr id="38" name="Group 37">
+            <a:extLst>
+              <a:ext uri="{FF2B5EF4-FFF2-40B4-BE49-F238E27FC236}">
+                <a16:creationId xmlns:a16="http://schemas.microsoft.com/office/drawing/2014/main" id="{C5F4BD92-6EC8-4549-834B-B939246D8F40}"/>
+              </a:ext>
+            </a:extLst>
+          </p:cNvPr>
+          <p:cNvGrpSpPr/>
+          <p:nvPr/>
+        </p:nvGrpSpPr>
+        <p:grpSpPr>
+          <a:xfrm>
+            <a:off x="5498836" y="1528720"/>
+            <a:ext cx="2807379" cy="2379543"/>
+            <a:chOff x="4236132" y="2642781"/>
+            <a:chExt cx="2807379" cy="2379543"/>
+          </a:xfrm>
+        </p:grpSpPr>
+        <p:sp>
+          <p:nvSpPr>
+            <p:cNvPr id="7" name="Rectangle 6">
+              <a:extLst>
+                <a:ext uri="{FF2B5EF4-FFF2-40B4-BE49-F238E27FC236}">
+                  <a16:creationId xmlns:a16="http://schemas.microsoft.com/office/drawing/2014/main" id="{CAEA87A2-AF36-479D-B731-F40E6363E16F}"/>
+                </a:ext>
+              </a:extLst>
+            </p:cNvPr>
+            <p:cNvSpPr/>
+            <p:nvPr/>
+          </p:nvSpPr>
+          <p:spPr>
+            <a:xfrm>
+              <a:off x="4258246" y="2991779"/>
+              <a:ext cx="2763151" cy="2030545"/>
+            </a:xfrm>
+            <a:prstGeom prst="rect">
+              <a:avLst/>
+            </a:prstGeom>
+            <a:noFill/>
+            <a:ln>
+              <a:prstDash val="lgDash"/>
+            </a:ln>
+          </p:spPr>
+          <p:style>
+            <a:lnRef idx="2">
+              <a:schemeClr val="accent1">
+                <a:shade val="50000"/>
+              </a:schemeClr>
+            </a:lnRef>
+            <a:fillRef idx="1">
+              <a:schemeClr val="accent1"/>
+            </a:fillRef>
+            <a:effectRef idx="0">
+              <a:schemeClr val="accent1"/>
+            </a:effectRef>
+            <a:fontRef idx="minor">
+              <a:schemeClr val="lt1"/>
+            </a:fontRef>
+          </p:style>
+          <p:txBody>
+            <a:bodyPr rtlCol="0" anchor="ctr"/>
+            <a:lstStyle/>
+            <a:p>
+              <a:pPr algn="ctr"/>
+              <a:endParaRPr lang="en-CA"/>
+            </a:p>
+          </p:txBody>
+        </p:sp>
+        <p:grpSp>
+          <p:nvGrpSpPr>
+            <p:cNvPr id="8" name="Group 7">
+              <a:extLst>
+                <a:ext uri="{FF2B5EF4-FFF2-40B4-BE49-F238E27FC236}">
+                  <a16:creationId xmlns:a16="http://schemas.microsoft.com/office/drawing/2014/main" id="{8F741CA6-ADEE-47DD-84E9-F2265C95C240}"/>
+                </a:ext>
+              </a:extLst>
+            </p:cNvPr>
+            <p:cNvGrpSpPr/>
+            <p:nvPr/>
+          </p:nvGrpSpPr>
+          <p:grpSpPr>
+            <a:xfrm>
+              <a:off x="4236132" y="2749127"/>
+              <a:ext cx="1633502" cy="488729"/>
+              <a:chOff x="4649644" y="3825726"/>
+              <a:chExt cx="1633502" cy="488729"/>
+            </a:xfrm>
+          </p:grpSpPr>
+          <p:pic>
+            <p:nvPicPr>
+              <p:cNvPr id="28" name="Picture 27" descr="Icon&#10;&#10;Description automatically generated">
+                <a:extLst>
+                  <a:ext uri="{FF2B5EF4-FFF2-40B4-BE49-F238E27FC236}">
+                    <a16:creationId xmlns:a16="http://schemas.microsoft.com/office/drawing/2014/main" id="{23A6B63F-E385-4B2C-82D5-87ABDE40C8A1}"/>
+                  </a:ext>
+                </a:extLst>
+              </p:cNvPr>
+              <p:cNvPicPr>
+                <a:picLocks noChangeAspect="1"/>
+              </p:cNvPicPr>
+              <p:nvPr/>
+            </p:nvPicPr>
+            <p:blipFill>
+              <a:blip r:embed="rId2">
+                <a:extLst>
+                  <a:ext uri="{28A0092B-C50C-407E-A947-70E740481C1C}">
+                    <a14:useLocalDpi xmlns:a14="http://schemas.microsoft.com/office/drawing/2010/main" val="0"/>
+                  </a:ext>
+                </a:extLst>
+              </a:blip>
+              <a:stretch>
+                <a:fillRect/>
+              </a:stretch>
+            </p:blipFill>
+            <p:spPr>
+              <a:xfrm>
+                <a:off x="4649644" y="3833117"/>
+                <a:ext cx="481338" cy="481338"/>
+              </a:xfrm>
+              <a:prstGeom prst="rect">
+                <a:avLst/>
+              </a:prstGeom>
+            </p:spPr>
+          </p:pic>
+          <p:sp>
+            <p:nvSpPr>
+              <p:cNvPr id="29" name="Rectangle 28">
+                <a:extLst>
+                  <a:ext uri="{FF2B5EF4-FFF2-40B4-BE49-F238E27FC236}">
+                    <a16:creationId xmlns:a16="http://schemas.microsoft.com/office/drawing/2014/main" id="{41297575-5E61-4BDD-A9DA-D0DB9D14763A}"/>
+                  </a:ext>
+                </a:extLst>
+              </p:cNvPr>
+              <p:cNvSpPr/>
+              <p:nvPr/>
+            </p:nvSpPr>
+            <p:spPr>
+              <a:xfrm>
+                <a:off x="4998629" y="3825726"/>
+                <a:ext cx="1284517" cy="342457"/>
+              </a:xfrm>
+              <a:prstGeom prst="rect">
+                <a:avLst/>
+              </a:prstGeom>
+              <a:noFill/>
+              <a:ln>
+                <a:noFill/>
+              </a:ln>
+            </p:spPr>
+            <p:style>
+              <a:lnRef idx="2">
+                <a:schemeClr val="accent1">
+                  <a:shade val="50000"/>
+                </a:schemeClr>
+              </a:lnRef>
+              <a:fillRef idx="1">
+                <a:schemeClr val="accent1"/>
+              </a:fillRef>
+              <a:effectRef idx="0">
+                <a:schemeClr val="accent1"/>
+              </a:effectRef>
+              <a:fontRef idx="minor">
+                <a:schemeClr val="lt1"/>
+              </a:fontRef>
+            </p:style>
+            <p:txBody>
+              <a:bodyPr rtlCol="0" anchor="ctr"/>
+              <a:lstStyle/>
+              <a:p>
+                <a:pPr algn="ctr"/>
+                <a:r>
+                  <a:rPr lang="en-CA" sz="1000" b="1" dirty="0">
+                    <a:solidFill>
+                      <a:schemeClr val="tx1"/>
+                    </a:solidFill>
+                  </a:rPr>
+                  <a:t>VNet – 10.0.0.0/16</a:t>
+                </a:r>
+              </a:p>
+            </p:txBody>
+          </p:sp>
+        </p:grpSp>
+        <p:sp>
+          <p:nvSpPr>
+            <p:cNvPr id="11" name="Rectangle 10">
+              <a:extLst>
+                <a:ext uri="{FF2B5EF4-FFF2-40B4-BE49-F238E27FC236}">
+                  <a16:creationId xmlns:a16="http://schemas.microsoft.com/office/drawing/2014/main" id="{B202F45B-86F7-45C8-B28A-01ED83AAD24B}"/>
+                </a:ext>
+              </a:extLst>
+            </p:cNvPr>
+            <p:cNvSpPr/>
+            <p:nvPr/>
+          </p:nvSpPr>
+          <p:spPr>
+            <a:xfrm>
+              <a:off x="4381915" y="3402988"/>
+              <a:ext cx="2393354" cy="1393945"/>
+            </a:xfrm>
+            <a:prstGeom prst="rect">
+              <a:avLst/>
+            </a:prstGeom>
+            <a:noFill/>
+            <a:ln>
+              <a:prstDash val="lgDash"/>
+            </a:ln>
+          </p:spPr>
+          <p:style>
+            <a:lnRef idx="2">
+              <a:schemeClr val="accent1">
+                <a:shade val="50000"/>
+              </a:schemeClr>
+            </a:lnRef>
+            <a:fillRef idx="1">
+              <a:schemeClr val="accent1"/>
+            </a:fillRef>
+            <a:effectRef idx="0">
+              <a:schemeClr val="accent1"/>
+            </a:effectRef>
+            <a:fontRef idx="minor">
+              <a:schemeClr val="lt1"/>
+            </a:fontRef>
+          </p:style>
+          <p:txBody>
+            <a:bodyPr rtlCol="0" anchor="ctr"/>
+            <a:lstStyle/>
+            <a:p>
+              <a:pPr algn="ctr"/>
+              <a:endParaRPr lang="en-CA"/>
+            </a:p>
+          </p:txBody>
+        </p:sp>
+        <p:grpSp>
+          <p:nvGrpSpPr>
+            <p:cNvPr id="15" name="Group 14">
+              <a:extLst>
+                <a:ext uri="{FF2B5EF4-FFF2-40B4-BE49-F238E27FC236}">
+                  <a16:creationId xmlns:a16="http://schemas.microsoft.com/office/drawing/2014/main" id="{78BE77B9-F713-4EBF-9B44-E7A3EAB023AE}"/>
+                </a:ext>
+              </a:extLst>
+            </p:cNvPr>
+            <p:cNvGrpSpPr/>
+            <p:nvPr/>
+          </p:nvGrpSpPr>
+          <p:grpSpPr>
+            <a:xfrm>
+              <a:off x="6245199" y="4202515"/>
+              <a:ext cx="798312" cy="759550"/>
+              <a:chOff x="10481349" y="5875433"/>
+              <a:chExt cx="798312" cy="759550"/>
+            </a:xfrm>
+          </p:grpSpPr>
+          <p:sp>
+            <p:nvSpPr>
+              <p:cNvPr id="20" name="Rectangle 19">
+                <a:extLst>
+                  <a:ext uri="{FF2B5EF4-FFF2-40B4-BE49-F238E27FC236}">
+                    <a16:creationId xmlns:a16="http://schemas.microsoft.com/office/drawing/2014/main" id="{8332E4C7-9FA1-4305-BB92-6066FC3185A5}"/>
+                  </a:ext>
+                </a:extLst>
+              </p:cNvPr>
+              <p:cNvSpPr/>
+              <p:nvPr/>
+            </p:nvSpPr>
+            <p:spPr>
+              <a:xfrm>
+                <a:off x="10481349" y="6349232"/>
+                <a:ext cx="798312" cy="285751"/>
+              </a:xfrm>
+              <a:prstGeom prst="rect">
+                <a:avLst/>
+              </a:prstGeom>
+              <a:noFill/>
+              <a:ln>
+                <a:noFill/>
+              </a:ln>
+            </p:spPr>
+            <p:style>
+              <a:lnRef idx="2">
+                <a:schemeClr val="accent1">
+                  <a:shade val="50000"/>
+                </a:schemeClr>
+              </a:lnRef>
+              <a:fillRef idx="1">
+                <a:schemeClr val="accent1"/>
+              </a:fillRef>
+              <a:effectRef idx="0">
+                <a:schemeClr val="accent1"/>
+              </a:effectRef>
+              <a:fontRef idx="minor">
+                <a:schemeClr val="lt1"/>
+              </a:fontRef>
+            </p:style>
+            <p:txBody>
+              <a:bodyPr rtlCol="0" anchor="ctr"/>
+              <a:lstStyle/>
+              <a:p>
+                <a:pPr algn="ctr"/>
+                <a:r>
+                  <a:rPr lang="en-CA" sz="1000" b="1" dirty="0">
+                    <a:solidFill>
+                      <a:schemeClr val="tx1"/>
+                    </a:solidFill>
+                  </a:rPr>
+                  <a:t>Service Endpoint</a:t>
+                </a:r>
+              </a:p>
+            </p:txBody>
+          </p:sp>
+          <p:pic>
+            <p:nvPicPr>
+              <p:cNvPr id="21" name="Graphic 20">
+                <a:extLst>
+                  <a:ext uri="{FF2B5EF4-FFF2-40B4-BE49-F238E27FC236}">
+                    <a16:creationId xmlns:a16="http://schemas.microsoft.com/office/drawing/2014/main" id="{712CEBC5-2A44-464A-A699-32F3F789B672}"/>
+                  </a:ext>
+                </a:extLst>
+              </p:cNvPr>
+              <p:cNvPicPr>
+                <a:picLocks noChangeAspect="1"/>
+              </p:cNvPicPr>
+              <p:nvPr/>
+            </p:nvPicPr>
+            <p:blipFill>
+              <a:blip r:embed="rId3">
+                <a:extLst>
+                  <a:ext uri="{28A0092B-C50C-407E-A947-70E740481C1C}">
+                    <a14:useLocalDpi xmlns:a14="http://schemas.microsoft.com/office/drawing/2010/main" val="0"/>
+                  </a:ext>
+                  <a:ext uri="{96DAC541-7B7A-43D3-8B79-37D633B846F1}">
+                    <asvg:svgBlip xmlns:asvg="http://schemas.microsoft.com/office/drawing/2016/SVG/main" r:embed="rId4"/>
+                  </a:ext>
+                </a:extLst>
+              </a:blip>
+              <a:stretch>
+                <a:fillRect/>
+              </a:stretch>
+            </p:blipFill>
+            <p:spPr>
+              <a:xfrm>
+                <a:off x="10698905" y="5875433"/>
+                <a:ext cx="476250" cy="476250"/>
+              </a:xfrm>
+              <a:prstGeom prst="rect">
+                <a:avLst/>
+              </a:prstGeom>
+            </p:spPr>
+          </p:pic>
+        </p:grpSp>
+        <p:sp>
+          <p:nvSpPr>
+            <p:cNvPr id="30" name="Rectangle 29">
+              <a:extLst>
+                <a:ext uri="{FF2B5EF4-FFF2-40B4-BE49-F238E27FC236}">
+                  <a16:creationId xmlns:a16="http://schemas.microsoft.com/office/drawing/2014/main" id="{D2BC5263-5F4F-486A-8174-4575FE4E8014}"/>
+                </a:ext>
+              </a:extLst>
+            </p:cNvPr>
+            <p:cNvSpPr/>
+            <p:nvPr/>
+          </p:nvSpPr>
+          <p:spPr>
+            <a:xfrm>
+              <a:off x="4285608" y="3180695"/>
+              <a:ext cx="1354213" cy="281638"/>
+            </a:xfrm>
+            <a:prstGeom prst="rect">
+              <a:avLst/>
+            </a:prstGeom>
+            <a:noFill/>
+            <a:ln>
+              <a:noFill/>
+            </a:ln>
+          </p:spPr>
+          <p:style>
+            <a:lnRef idx="2">
+              <a:schemeClr val="accent1">
+                <a:shade val="50000"/>
+              </a:schemeClr>
+            </a:lnRef>
+            <a:fillRef idx="1">
+              <a:schemeClr val="accent1"/>
+            </a:fillRef>
+            <a:effectRef idx="0">
+              <a:schemeClr val="accent1"/>
+            </a:effectRef>
+            <a:fontRef idx="minor">
+              <a:schemeClr val="lt1"/>
+            </a:fontRef>
+          </p:style>
+          <p:txBody>
+            <a:bodyPr rtlCol="0" anchor="ctr"/>
+            <a:lstStyle/>
+            <a:p>
+              <a:pPr algn="ctr"/>
+              <a:r>
+                <a:rPr lang="en-CA" sz="1000" b="1" dirty="0">
+                  <a:solidFill>
+                    <a:schemeClr val="tx1"/>
+                  </a:solidFill>
+                </a:rPr>
+                <a:t>Subnet – 10.0.0.0/24</a:t>
+              </a:r>
+            </a:p>
+          </p:txBody>
+        </p:sp>
+        <p:sp>
+          <p:nvSpPr>
+            <p:cNvPr id="31" name="Rectangle 30">
+              <a:extLst>
+                <a:ext uri="{FF2B5EF4-FFF2-40B4-BE49-F238E27FC236}">
+                  <a16:creationId xmlns:a16="http://schemas.microsoft.com/office/drawing/2014/main" id="{E4DD2164-5928-4A98-AFA5-A5339F39756C}"/>
+                </a:ext>
+              </a:extLst>
+            </p:cNvPr>
+            <p:cNvSpPr/>
+            <p:nvPr/>
+          </p:nvSpPr>
+          <p:spPr>
+            <a:xfrm>
+              <a:off x="4556635" y="2642781"/>
+              <a:ext cx="1284517" cy="251870"/>
+            </a:xfrm>
+            <a:prstGeom prst="rect">
+              <a:avLst/>
+            </a:prstGeom>
+            <a:noFill/>
+            <a:ln>
+              <a:noFill/>
+            </a:ln>
+          </p:spPr>
+          <p:style>
+            <a:lnRef idx="2">
+              <a:schemeClr val="accent1">
+                <a:shade val="50000"/>
+              </a:schemeClr>
+            </a:lnRef>
+            <a:fillRef idx="1">
+              <a:schemeClr val="accent1"/>
+            </a:fillRef>
+            <a:effectRef idx="0">
+              <a:schemeClr val="accent1"/>
+            </a:effectRef>
+            <a:fontRef idx="minor">
+              <a:schemeClr val="lt1"/>
+            </a:fontRef>
+          </p:style>
+          <p:txBody>
+            <a:bodyPr rtlCol="0" anchor="ctr"/>
+            <a:lstStyle/>
+            <a:p>
+              <a:pPr algn="ctr"/>
+              <a:r>
+                <a:rPr lang="en-CA" sz="1000" b="1" dirty="0">
+                  <a:solidFill>
+                    <a:schemeClr val="tx1"/>
+                  </a:solidFill>
+                </a:rPr>
+                <a:t>Hub VNet - Firewall</a:t>
+              </a:r>
+            </a:p>
+          </p:txBody>
+        </p:sp>
+        <p:grpSp>
+          <p:nvGrpSpPr>
+            <p:cNvPr id="37" name="Group 36">
+              <a:extLst>
+                <a:ext uri="{FF2B5EF4-FFF2-40B4-BE49-F238E27FC236}">
+                  <a16:creationId xmlns:a16="http://schemas.microsoft.com/office/drawing/2014/main" id="{4889FD0F-D741-49FE-B1BA-5A401E283CF6}"/>
+                </a:ext>
+              </a:extLst>
+            </p:cNvPr>
+            <p:cNvGrpSpPr/>
+            <p:nvPr/>
+          </p:nvGrpSpPr>
+          <p:grpSpPr>
+            <a:xfrm>
+              <a:off x="5052077" y="3627465"/>
+              <a:ext cx="937793" cy="899722"/>
+              <a:chOff x="8852382" y="4748380"/>
+              <a:chExt cx="937793" cy="899722"/>
+            </a:xfrm>
+          </p:grpSpPr>
+          <p:pic>
+            <p:nvPicPr>
+              <p:cNvPr id="35" name="Graphic 34">
+                <a:extLst>
+                  <a:ext uri="{FF2B5EF4-FFF2-40B4-BE49-F238E27FC236}">
+                    <a16:creationId xmlns:a16="http://schemas.microsoft.com/office/drawing/2014/main" id="{4E334807-EC7E-4FB8-A584-D410446DB84E}"/>
+                  </a:ext>
+                </a:extLst>
+              </p:cNvPr>
+              <p:cNvPicPr>
+                <a:picLocks noChangeAspect="1"/>
+              </p:cNvPicPr>
+              <p:nvPr/>
+            </p:nvPicPr>
+            <p:blipFill>
+              <a:blip r:embed="rId5">
+                <a:extLst>
+                  <a:ext uri="{28A0092B-C50C-407E-A947-70E740481C1C}">
+                    <a14:useLocalDpi xmlns:a14="http://schemas.microsoft.com/office/drawing/2010/main" val="0"/>
+                  </a:ext>
+                  <a:ext uri="{96DAC541-7B7A-43D3-8B79-37D633B846F1}">
+                    <asvg:svgBlip xmlns:asvg="http://schemas.microsoft.com/office/drawing/2016/SVG/main" r:embed="rId6"/>
+                  </a:ext>
+                </a:extLst>
+              </a:blip>
+              <a:stretch>
+                <a:fillRect/>
+              </a:stretch>
+            </p:blipFill>
+            <p:spPr>
+              <a:xfrm>
+                <a:off x="9030464" y="4748380"/>
+                <a:ext cx="696866" cy="696866"/>
+              </a:xfrm>
+              <a:prstGeom prst="rect">
+                <a:avLst/>
+              </a:prstGeom>
+            </p:spPr>
+          </p:pic>
+          <p:sp>
+            <p:nvSpPr>
+              <p:cNvPr id="36" name="Rectangle 35">
+                <a:extLst>
+                  <a:ext uri="{FF2B5EF4-FFF2-40B4-BE49-F238E27FC236}">
+                    <a16:creationId xmlns:a16="http://schemas.microsoft.com/office/drawing/2014/main" id="{A55DE8C2-EBC3-4965-A34A-52C4786636B8}"/>
+                  </a:ext>
+                </a:extLst>
+              </p:cNvPr>
+              <p:cNvSpPr/>
+              <p:nvPr/>
+            </p:nvSpPr>
+            <p:spPr>
+              <a:xfrm>
+                <a:off x="8852382" y="5362351"/>
+                <a:ext cx="937793" cy="285751"/>
+              </a:xfrm>
+              <a:prstGeom prst="rect">
+                <a:avLst/>
+              </a:prstGeom>
+              <a:noFill/>
+              <a:ln>
+                <a:noFill/>
+              </a:ln>
+            </p:spPr>
+            <p:style>
+              <a:lnRef idx="2">
+                <a:schemeClr val="accent1">
+                  <a:shade val="50000"/>
+                </a:schemeClr>
+              </a:lnRef>
+              <a:fillRef idx="1">
+                <a:schemeClr val="accent1"/>
+              </a:fillRef>
+              <a:effectRef idx="0">
+                <a:schemeClr val="accent1"/>
+              </a:effectRef>
+              <a:fontRef idx="minor">
+                <a:schemeClr val="lt1"/>
+              </a:fontRef>
+            </p:style>
+            <p:txBody>
+              <a:bodyPr rtlCol="0" anchor="ctr"/>
+              <a:lstStyle/>
+              <a:p>
+                <a:pPr algn="ctr"/>
+                <a:r>
+                  <a:rPr lang="en-CA" sz="1000" b="1" dirty="0">
+                    <a:solidFill>
+                      <a:schemeClr val="tx1"/>
+                    </a:solidFill>
+                  </a:rPr>
+                  <a:t>Azure Firewall</a:t>
+                </a:r>
+              </a:p>
+            </p:txBody>
+          </p:sp>
+        </p:grpSp>
+      </p:grpSp>
+      <p:grpSp>
+        <p:nvGrpSpPr>
+          <p:cNvPr id="55" name="Group 54">
+            <a:extLst>
+              <a:ext uri="{FF2B5EF4-FFF2-40B4-BE49-F238E27FC236}">
+                <a16:creationId xmlns:a16="http://schemas.microsoft.com/office/drawing/2014/main" id="{159552CB-20F0-4F59-8A2E-F886E638D3F8}"/>
+              </a:ext>
+            </a:extLst>
+          </p:cNvPr>
+          <p:cNvGrpSpPr/>
+          <p:nvPr/>
+        </p:nvGrpSpPr>
+        <p:grpSpPr>
+          <a:xfrm>
+            <a:off x="1097866" y="1528720"/>
+            <a:ext cx="2785265" cy="2379543"/>
+            <a:chOff x="861561" y="687707"/>
+            <a:chExt cx="2785265" cy="2379543"/>
+          </a:xfrm>
+        </p:grpSpPr>
+        <p:sp>
+          <p:nvSpPr>
+            <p:cNvPr id="40" name="Rectangle 39">
+              <a:extLst>
+                <a:ext uri="{FF2B5EF4-FFF2-40B4-BE49-F238E27FC236}">
+                  <a16:creationId xmlns:a16="http://schemas.microsoft.com/office/drawing/2014/main" id="{66AAE84F-634F-497D-A893-B265E2576D16}"/>
+                </a:ext>
+              </a:extLst>
+            </p:cNvPr>
+            <p:cNvSpPr/>
+            <p:nvPr/>
+          </p:nvSpPr>
+          <p:spPr>
+            <a:xfrm>
+              <a:off x="883675" y="1036705"/>
+              <a:ext cx="2763151" cy="2030545"/>
+            </a:xfrm>
+            <a:prstGeom prst="rect">
+              <a:avLst/>
+            </a:prstGeom>
+            <a:noFill/>
+            <a:ln>
+              <a:prstDash val="lgDash"/>
+            </a:ln>
+          </p:spPr>
+          <p:style>
+            <a:lnRef idx="2">
+              <a:schemeClr val="accent1">
+                <a:shade val="50000"/>
+              </a:schemeClr>
+            </a:lnRef>
+            <a:fillRef idx="1">
+              <a:schemeClr val="accent1"/>
+            </a:fillRef>
+            <a:effectRef idx="0">
+              <a:schemeClr val="accent1"/>
+            </a:effectRef>
+            <a:fontRef idx="minor">
+              <a:schemeClr val="lt1"/>
+            </a:fontRef>
+          </p:style>
+          <p:txBody>
+            <a:bodyPr rtlCol="0" anchor="ctr"/>
+            <a:lstStyle/>
+            <a:p>
+              <a:pPr algn="ctr"/>
+              <a:endParaRPr lang="en-CA"/>
+            </a:p>
+          </p:txBody>
+        </p:sp>
+        <p:grpSp>
+          <p:nvGrpSpPr>
+            <p:cNvPr id="41" name="Group 40">
+              <a:extLst>
+                <a:ext uri="{FF2B5EF4-FFF2-40B4-BE49-F238E27FC236}">
+                  <a16:creationId xmlns:a16="http://schemas.microsoft.com/office/drawing/2014/main" id="{E912C68D-B9DE-447B-9EF8-687C9332F19C}"/>
+                </a:ext>
+              </a:extLst>
+            </p:cNvPr>
+            <p:cNvGrpSpPr/>
+            <p:nvPr/>
+          </p:nvGrpSpPr>
+          <p:grpSpPr>
+            <a:xfrm>
+              <a:off x="861561" y="794053"/>
+              <a:ext cx="1633502" cy="488729"/>
+              <a:chOff x="4649644" y="3825726"/>
+              <a:chExt cx="1633502" cy="488729"/>
+            </a:xfrm>
+          </p:grpSpPr>
+          <p:pic>
+            <p:nvPicPr>
+              <p:cNvPr id="51" name="Picture 50" descr="Icon&#10;&#10;Description automatically generated">
+                <a:extLst>
+                  <a:ext uri="{FF2B5EF4-FFF2-40B4-BE49-F238E27FC236}">
+                    <a16:creationId xmlns:a16="http://schemas.microsoft.com/office/drawing/2014/main" id="{B39E9001-1B4E-43AA-957D-F2AEF41FE60D}"/>
+                  </a:ext>
+                </a:extLst>
+              </p:cNvPr>
+              <p:cNvPicPr>
+                <a:picLocks noChangeAspect="1"/>
+              </p:cNvPicPr>
+              <p:nvPr/>
+            </p:nvPicPr>
+            <p:blipFill>
+              <a:blip r:embed="rId2">
+                <a:extLst>
+                  <a:ext uri="{28A0092B-C50C-407E-A947-70E740481C1C}">
+                    <a14:useLocalDpi xmlns:a14="http://schemas.microsoft.com/office/drawing/2010/main" val="0"/>
+                  </a:ext>
+                </a:extLst>
+              </a:blip>
+              <a:stretch>
+                <a:fillRect/>
+              </a:stretch>
+            </p:blipFill>
+            <p:spPr>
+              <a:xfrm>
+                <a:off x="4649644" y="3833117"/>
+                <a:ext cx="481338" cy="481338"/>
+              </a:xfrm>
+              <a:prstGeom prst="rect">
+                <a:avLst/>
+              </a:prstGeom>
+            </p:spPr>
+          </p:pic>
+          <p:sp>
+            <p:nvSpPr>
+              <p:cNvPr id="52" name="Rectangle 51">
+                <a:extLst>
+                  <a:ext uri="{FF2B5EF4-FFF2-40B4-BE49-F238E27FC236}">
+                    <a16:creationId xmlns:a16="http://schemas.microsoft.com/office/drawing/2014/main" id="{3F533914-517F-405C-9B92-E0365AFF6922}"/>
+                  </a:ext>
+                </a:extLst>
+              </p:cNvPr>
+              <p:cNvSpPr/>
+              <p:nvPr/>
+            </p:nvSpPr>
+            <p:spPr>
+              <a:xfrm>
+                <a:off x="4998629" y="3825726"/>
+                <a:ext cx="1284517" cy="342457"/>
+              </a:xfrm>
+              <a:prstGeom prst="rect">
+                <a:avLst/>
+              </a:prstGeom>
+              <a:noFill/>
+              <a:ln>
+                <a:noFill/>
+              </a:ln>
+            </p:spPr>
+            <p:style>
+              <a:lnRef idx="2">
+                <a:schemeClr val="accent1">
+                  <a:shade val="50000"/>
+                </a:schemeClr>
+              </a:lnRef>
+              <a:fillRef idx="1">
+                <a:schemeClr val="accent1"/>
+              </a:fillRef>
+              <a:effectRef idx="0">
+                <a:schemeClr val="accent1"/>
+              </a:effectRef>
+              <a:fontRef idx="minor">
+                <a:schemeClr val="lt1"/>
+              </a:fontRef>
+            </p:style>
+            <p:txBody>
+              <a:bodyPr rtlCol="0" anchor="ctr"/>
+              <a:lstStyle/>
+              <a:p>
+                <a:pPr algn="ctr"/>
+                <a:r>
+                  <a:rPr lang="en-CA" sz="1000" b="1" dirty="0">
+                    <a:solidFill>
+                      <a:schemeClr val="tx1"/>
+                    </a:solidFill>
+                  </a:rPr>
+                  <a:t>VNet – 10.1.0.0/16</a:t>
+                </a:r>
+              </a:p>
+            </p:txBody>
+          </p:sp>
+        </p:grpSp>
+        <p:sp>
+          <p:nvSpPr>
+            <p:cNvPr id="42" name="Rectangle 41">
+              <a:extLst>
+                <a:ext uri="{FF2B5EF4-FFF2-40B4-BE49-F238E27FC236}">
+                  <a16:creationId xmlns:a16="http://schemas.microsoft.com/office/drawing/2014/main" id="{D693822C-22D2-48C9-BE64-E642335EE3B6}"/>
+                </a:ext>
+              </a:extLst>
+            </p:cNvPr>
+            <p:cNvSpPr/>
+            <p:nvPr/>
+          </p:nvSpPr>
+          <p:spPr>
+            <a:xfrm>
+              <a:off x="1007344" y="1447914"/>
+              <a:ext cx="2393354" cy="1393945"/>
+            </a:xfrm>
+            <a:prstGeom prst="rect">
+              <a:avLst/>
+            </a:prstGeom>
+            <a:noFill/>
+            <a:ln>
+              <a:prstDash val="lgDash"/>
+            </a:ln>
+          </p:spPr>
+          <p:style>
+            <a:lnRef idx="2">
+              <a:schemeClr val="accent1">
+                <a:shade val="50000"/>
+              </a:schemeClr>
+            </a:lnRef>
+            <a:fillRef idx="1">
+              <a:schemeClr val="accent1"/>
+            </a:fillRef>
+            <a:effectRef idx="0">
+              <a:schemeClr val="accent1"/>
+            </a:effectRef>
+            <a:fontRef idx="minor">
+              <a:schemeClr val="lt1"/>
+            </a:fontRef>
+          </p:style>
+          <p:txBody>
+            <a:bodyPr rtlCol="0" anchor="ctr"/>
+            <a:lstStyle/>
+            <a:p>
+              <a:pPr algn="ctr"/>
+              <a:endParaRPr lang="en-CA"/>
+            </a:p>
+          </p:txBody>
+        </p:sp>
+        <p:sp>
+          <p:nvSpPr>
+            <p:cNvPr id="44" name="Rectangle 43">
+              <a:extLst>
+                <a:ext uri="{FF2B5EF4-FFF2-40B4-BE49-F238E27FC236}">
+                  <a16:creationId xmlns:a16="http://schemas.microsoft.com/office/drawing/2014/main" id="{D1A1861A-2174-42B1-9C6E-96D87343AD83}"/>
+                </a:ext>
+              </a:extLst>
+            </p:cNvPr>
+            <p:cNvSpPr/>
+            <p:nvPr/>
+          </p:nvSpPr>
+          <p:spPr>
+            <a:xfrm>
+              <a:off x="911037" y="1225621"/>
+              <a:ext cx="1354213" cy="281638"/>
+            </a:xfrm>
+            <a:prstGeom prst="rect">
+              <a:avLst/>
+            </a:prstGeom>
+            <a:noFill/>
+            <a:ln>
+              <a:noFill/>
+            </a:ln>
+          </p:spPr>
+          <p:style>
+            <a:lnRef idx="2">
+              <a:schemeClr val="accent1">
+                <a:shade val="50000"/>
+              </a:schemeClr>
+            </a:lnRef>
+            <a:fillRef idx="1">
+              <a:schemeClr val="accent1"/>
+            </a:fillRef>
+            <a:effectRef idx="0">
+              <a:schemeClr val="accent1"/>
+            </a:effectRef>
+            <a:fontRef idx="minor">
+              <a:schemeClr val="lt1"/>
+            </a:fontRef>
+          </p:style>
+          <p:txBody>
+            <a:bodyPr rtlCol="0" anchor="ctr"/>
+            <a:lstStyle/>
+            <a:p>
+              <a:pPr algn="ctr"/>
+              <a:r>
+                <a:rPr lang="en-CA" sz="1000" b="1" dirty="0">
+                  <a:solidFill>
+                    <a:schemeClr val="tx1"/>
+                  </a:solidFill>
+                </a:rPr>
+                <a:t>Subnet – 10.1.0.0/24</a:t>
+              </a:r>
+            </a:p>
+          </p:txBody>
+        </p:sp>
+        <p:sp>
+          <p:nvSpPr>
+            <p:cNvPr id="45" name="Rectangle 44">
+              <a:extLst>
+                <a:ext uri="{FF2B5EF4-FFF2-40B4-BE49-F238E27FC236}">
+                  <a16:creationId xmlns:a16="http://schemas.microsoft.com/office/drawing/2014/main" id="{18D59607-1773-41B6-BFF0-65E01AF751BE}"/>
+                </a:ext>
+              </a:extLst>
+            </p:cNvPr>
+            <p:cNvSpPr/>
+            <p:nvPr/>
+          </p:nvSpPr>
+          <p:spPr>
+            <a:xfrm>
+              <a:off x="1210345" y="687707"/>
+              <a:ext cx="1284517" cy="251870"/>
+            </a:xfrm>
+            <a:prstGeom prst="rect">
+              <a:avLst/>
+            </a:prstGeom>
+            <a:noFill/>
+            <a:ln>
+              <a:noFill/>
+            </a:ln>
+          </p:spPr>
+          <p:style>
+            <a:lnRef idx="2">
+              <a:schemeClr val="accent1">
+                <a:shade val="50000"/>
+              </a:schemeClr>
+            </a:lnRef>
+            <a:fillRef idx="1">
+              <a:schemeClr val="accent1"/>
+            </a:fillRef>
+            <a:effectRef idx="0">
+              <a:schemeClr val="accent1"/>
+            </a:effectRef>
+            <a:fontRef idx="minor">
+              <a:schemeClr val="lt1"/>
+            </a:fontRef>
+          </p:style>
+          <p:txBody>
+            <a:bodyPr rtlCol="0" anchor="ctr"/>
+            <a:lstStyle/>
+            <a:p>
+              <a:pPr algn="ctr"/>
+              <a:r>
+                <a:rPr lang="en-CA" sz="1000" b="1" dirty="0">
+                  <a:solidFill>
+                    <a:schemeClr val="tx1"/>
+                  </a:solidFill>
+                </a:rPr>
+                <a:t>Spoke VNet - App</a:t>
+              </a:r>
+            </a:p>
+          </p:txBody>
+        </p:sp>
+        <p:grpSp>
+          <p:nvGrpSpPr>
+            <p:cNvPr id="54" name="Group 53">
+              <a:extLst>
+                <a:ext uri="{FF2B5EF4-FFF2-40B4-BE49-F238E27FC236}">
+                  <a16:creationId xmlns:a16="http://schemas.microsoft.com/office/drawing/2014/main" id="{B4EB95AE-3C7F-4933-AC51-BF7EDA6FC0D9}"/>
+                </a:ext>
+              </a:extLst>
+            </p:cNvPr>
+            <p:cNvGrpSpPr/>
+            <p:nvPr/>
+          </p:nvGrpSpPr>
+          <p:grpSpPr>
+            <a:xfrm>
+              <a:off x="1735124" y="1849040"/>
+              <a:ext cx="937793" cy="651037"/>
+              <a:chOff x="1149983" y="3959196"/>
+              <a:chExt cx="937793" cy="651037"/>
+            </a:xfrm>
+          </p:grpSpPr>
+          <p:sp>
+            <p:nvSpPr>
+              <p:cNvPr id="48" name="Rectangle 47">
+                <a:extLst>
+                  <a:ext uri="{FF2B5EF4-FFF2-40B4-BE49-F238E27FC236}">
+                    <a16:creationId xmlns:a16="http://schemas.microsoft.com/office/drawing/2014/main" id="{EED20B61-EBC9-44CC-B723-F8BD9541867D}"/>
+                  </a:ext>
+                </a:extLst>
+              </p:cNvPr>
+              <p:cNvSpPr/>
+              <p:nvPr/>
+            </p:nvSpPr>
+            <p:spPr>
+              <a:xfrm>
+                <a:off x="1149983" y="4324482"/>
+                <a:ext cx="937793" cy="285751"/>
+              </a:xfrm>
+              <a:prstGeom prst="rect">
+                <a:avLst/>
+              </a:prstGeom>
+              <a:noFill/>
+              <a:ln>
+                <a:noFill/>
+              </a:ln>
+            </p:spPr>
+            <p:style>
+              <a:lnRef idx="2">
+                <a:schemeClr val="accent1">
+                  <a:shade val="50000"/>
+                </a:schemeClr>
+              </a:lnRef>
+              <a:fillRef idx="1">
+                <a:schemeClr val="accent1"/>
+              </a:fillRef>
+              <a:effectRef idx="0">
+                <a:schemeClr val="accent1"/>
+              </a:effectRef>
+              <a:fontRef idx="minor">
+                <a:schemeClr val="lt1"/>
+              </a:fontRef>
+            </p:style>
+            <p:txBody>
+              <a:bodyPr rtlCol="0" anchor="ctr"/>
+              <a:lstStyle/>
+              <a:p>
+                <a:pPr algn="ctr"/>
+                <a:r>
+                  <a:rPr lang="en-CA" sz="1000" b="1" dirty="0">
+                    <a:solidFill>
+                      <a:schemeClr val="tx1"/>
+                    </a:solidFill>
+                  </a:rPr>
+                  <a:t>VM</a:t>
+                </a:r>
+              </a:p>
+            </p:txBody>
+          </p:sp>
+          <p:pic>
+            <p:nvPicPr>
+              <p:cNvPr id="53" name="Picture 52" descr="Icon&#10;&#10;Description automatically generated">
+                <a:extLst>
+                  <a:ext uri="{FF2B5EF4-FFF2-40B4-BE49-F238E27FC236}">
+                    <a16:creationId xmlns:a16="http://schemas.microsoft.com/office/drawing/2014/main" id="{F61D06B5-326A-456E-A484-43FAD7644C3A}"/>
+                  </a:ext>
+                </a:extLst>
+              </p:cNvPr>
+              <p:cNvPicPr>
+                <a:picLocks noChangeAspect="1"/>
+              </p:cNvPicPr>
+              <p:nvPr/>
+            </p:nvPicPr>
+            <p:blipFill>
+              <a:blip r:embed="rId7">
+                <a:extLst>
+                  <a:ext uri="{28A0092B-C50C-407E-A947-70E740481C1C}">
+                    <a14:useLocalDpi xmlns:a14="http://schemas.microsoft.com/office/drawing/2010/main" val="0"/>
+                  </a:ext>
+                </a:extLst>
+              </a:blip>
+              <a:stretch>
+                <a:fillRect/>
+              </a:stretch>
+            </p:blipFill>
+            <p:spPr>
+              <a:xfrm>
+                <a:off x="1377242" y="3959196"/>
+                <a:ext cx="475361" cy="426617"/>
+              </a:xfrm>
+              <a:prstGeom prst="rect">
+                <a:avLst/>
+              </a:prstGeom>
+            </p:spPr>
+          </p:pic>
+        </p:grpSp>
+      </p:grpSp>
+      <p:sp>
+        <p:nvSpPr>
+          <p:cNvPr id="69" name="Rectangle 68">
+            <a:extLst>
+              <a:ext uri="{FF2B5EF4-FFF2-40B4-BE49-F238E27FC236}">
+                <a16:creationId xmlns:a16="http://schemas.microsoft.com/office/drawing/2014/main" id="{6DD445DF-FC43-40AE-8BD6-DF4B12FA220F}"/>
+              </a:ext>
+            </a:extLst>
+          </p:cNvPr>
+          <p:cNvSpPr/>
+          <p:nvPr/>
+        </p:nvSpPr>
+        <p:spPr>
+          <a:xfrm>
+            <a:off x="4268426" y="2670794"/>
+            <a:ext cx="937793" cy="285751"/>
+          </a:xfrm>
+          <a:prstGeom prst="rect">
+            <a:avLst/>
+          </a:prstGeom>
+          <a:noFill/>
+          <a:ln>
+            <a:noFill/>
+          </a:ln>
+        </p:spPr>
+        <p:style>
+          <a:lnRef idx="2">
+            <a:schemeClr val="accent1">
+              <a:shade val="50000"/>
+            </a:schemeClr>
+          </a:lnRef>
+          <a:fillRef idx="1">
+            <a:schemeClr val="accent1"/>
+          </a:fillRef>
+          <a:effectRef idx="0">
+            <a:schemeClr val="accent1"/>
+          </a:effectRef>
+          <a:fontRef idx="minor">
+            <a:schemeClr val="lt1"/>
+          </a:fontRef>
+        </p:style>
+        <p:txBody>
+          <a:bodyPr rtlCol="0" anchor="ctr"/>
+          <a:lstStyle/>
+          <a:p>
+            <a:pPr algn="ctr"/>
+            <a:r>
+              <a:rPr lang="en-CA" sz="1000" b="1" dirty="0">
+                <a:solidFill>
+                  <a:schemeClr val="tx1"/>
+                </a:solidFill>
+              </a:rPr>
+              <a:t>VNet Peering</a:t>
+            </a:r>
+          </a:p>
+        </p:txBody>
+      </p:sp>
+      <p:grpSp>
+        <p:nvGrpSpPr>
+          <p:cNvPr id="106" name="Group 105">
+            <a:extLst>
+              <a:ext uri="{FF2B5EF4-FFF2-40B4-BE49-F238E27FC236}">
+                <a16:creationId xmlns:a16="http://schemas.microsoft.com/office/drawing/2014/main" id="{0880D4C0-C78D-4185-9186-4958379480C5}"/>
+              </a:ext>
+            </a:extLst>
+          </p:cNvPr>
+          <p:cNvGrpSpPr/>
+          <p:nvPr/>
+        </p:nvGrpSpPr>
+        <p:grpSpPr>
+          <a:xfrm>
+            <a:off x="8886217" y="2502479"/>
+            <a:ext cx="970573" cy="790037"/>
+            <a:chOff x="10899931" y="2303928"/>
+            <a:chExt cx="970573" cy="790037"/>
+          </a:xfrm>
+        </p:grpSpPr>
+        <p:grpSp>
+          <p:nvGrpSpPr>
+            <p:cNvPr id="97" name="Group 96">
+              <a:extLst>
+                <a:ext uri="{FF2B5EF4-FFF2-40B4-BE49-F238E27FC236}">
+                  <a16:creationId xmlns:a16="http://schemas.microsoft.com/office/drawing/2014/main" id="{4B0187A5-DF82-4FB6-97C9-5E23CADCD612}"/>
+                </a:ext>
+              </a:extLst>
+            </p:cNvPr>
+            <p:cNvGrpSpPr/>
+            <p:nvPr/>
+          </p:nvGrpSpPr>
+          <p:grpSpPr>
+            <a:xfrm>
+              <a:off x="10899931" y="2303928"/>
+              <a:ext cx="942975" cy="666822"/>
+              <a:chOff x="5667375" y="2971728"/>
+              <a:chExt cx="942975" cy="666822"/>
+            </a:xfrm>
+          </p:grpSpPr>
+          <p:pic>
+            <p:nvPicPr>
+              <p:cNvPr id="98" name="Picture 97" descr="Logo&#10;&#10;Description automatically generated">
+                <a:extLst>
+                  <a:ext uri="{FF2B5EF4-FFF2-40B4-BE49-F238E27FC236}">
+                    <a16:creationId xmlns:a16="http://schemas.microsoft.com/office/drawing/2014/main" id="{8998DFAC-5274-4B35-AC2D-894BBCF5B0B3}"/>
+                  </a:ext>
+                </a:extLst>
+              </p:cNvPr>
+              <p:cNvPicPr>
+                <a:picLocks noChangeAspect="1"/>
+              </p:cNvPicPr>
+              <p:nvPr/>
+            </p:nvPicPr>
+            <p:blipFill>
+              <a:blip r:embed="rId8">
+                <a:extLst>
+                  <a:ext uri="{28A0092B-C50C-407E-A947-70E740481C1C}">
+                    <a14:useLocalDpi xmlns:a14="http://schemas.microsoft.com/office/drawing/2010/main" val="0"/>
+                  </a:ext>
+                </a:extLst>
+              </a:blip>
+              <a:stretch>
+                <a:fillRect/>
+              </a:stretch>
+            </p:blipFill>
+            <p:spPr>
+              <a:xfrm>
+                <a:off x="5910491" y="2971728"/>
+                <a:ext cx="448532" cy="448532"/>
+              </a:xfrm>
+              <a:prstGeom prst="rect">
+                <a:avLst/>
+              </a:prstGeom>
+            </p:spPr>
+          </p:pic>
+          <p:sp>
+            <p:nvSpPr>
+              <p:cNvPr id="99" name="Rectangle 98">
+                <a:extLst>
+                  <a:ext uri="{FF2B5EF4-FFF2-40B4-BE49-F238E27FC236}">
+                    <a16:creationId xmlns:a16="http://schemas.microsoft.com/office/drawing/2014/main" id="{4A8489A4-961F-46BC-9493-439FF67449A5}"/>
+                  </a:ext>
+                </a:extLst>
+              </p:cNvPr>
+              <p:cNvSpPr/>
+              <p:nvPr/>
+            </p:nvSpPr>
+            <p:spPr>
+              <a:xfrm>
+                <a:off x="5667375" y="3352799"/>
+                <a:ext cx="942975" cy="285751"/>
+              </a:xfrm>
+              <a:prstGeom prst="rect">
+                <a:avLst/>
+              </a:prstGeom>
+              <a:noFill/>
+              <a:ln>
+                <a:noFill/>
+              </a:ln>
+            </p:spPr>
+            <p:style>
+              <a:lnRef idx="2">
+                <a:schemeClr val="accent1">
+                  <a:shade val="50000"/>
+                </a:schemeClr>
+              </a:lnRef>
+              <a:fillRef idx="1">
+                <a:schemeClr val="accent1"/>
+              </a:fillRef>
+              <a:effectRef idx="0">
+                <a:schemeClr val="accent1"/>
+              </a:effectRef>
+              <a:fontRef idx="minor">
+                <a:schemeClr val="lt1"/>
+              </a:fontRef>
+            </p:style>
+            <p:txBody>
+              <a:bodyPr rtlCol="0" anchor="ctr"/>
+              <a:lstStyle/>
+              <a:p>
+                <a:pPr algn="ctr"/>
+                <a:r>
+                  <a:rPr lang="en-CA" sz="1000" b="1" dirty="0">
+                    <a:solidFill>
+                      <a:schemeClr val="tx1"/>
+                    </a:solidFill>
+                  </a:rPr>
+                  <a:t>Key Vault</a:t>
+                </a:r>
+              </a:p>
+            </p:txBody>
+          </p:sp>
+        </p:grpSp>
+        <p:sp>
+          <p:nvSpPr>
+            <p:cNvPr id="105" name="Rectangle 104">
+              <a:extLst>
+                <a:ext uri="{FF2B5EF4-FFF2-40B4-BE49-F238E27FC236}">
+                  <a16:creationId xmlns:a16="http://schemas.microsoft.com/office/drawing/2014/main" id="{103E7E3A-1A28-45EA-9BAD-D1344A213024}"/>
+                </a:ext>
+              </a:extLst>
+            </p:cNvPr>
+            <p:cNvSpPr/>
+            <p:nvPr/>
+          </p:nvSpPr>
+          <p:spPr>
+            <a:xfrm>
+              <a:off x="10932427" y="2847744"/>
+              <a:ext cx="938077" cy="246221"/>
+            </a:xfrm>
+            <a:prstGeom prst="rect">
+              <a:avLst/>
+            </a:prstGeom>
+          </p:spPr>
+          <p:txBody>
+            <a:bodyPr wrap="none">
+              <a:spAutoFit/>
+            </a:bodyPr>
+            <a:lstStyle/>
+            <a:p>
+              <a:r>
+                <a:rPr lang="en-CA" sz="1000" b="0" dirty="0">
+                  <a:effectLst/>
+                </a:rPr>
+                <a:t>20.38.149.196</a:t>
+              </a:r>
+            </a:p>
+          </p:txBody>
+        </p:sp>
+      </p:grpSp>
+      <p:sp>
+        <p:nvSpPr>
+          <p:cNvPr id="107" name="Rectangle 106">
+            <a:extLst>
+              <a:ext uri="{FF2B5EF4-FFF2-40B4-BE49-F238E27FC236}">
+                <a16:creationId xmlns:a16="http://schemas.microsoft.com/office/drawing/2014/main" id="{CCED0884-FA50-426B-B20F-3A1B2DE2F748}"/>
+              </a:ext>
+            </a:extLst>
+          </p:cNvPr>
+          <p:cNvSpPr/>
+          <p:nvPr/>
+        </p:nvSpPr>
+        <p:spPr>
+          <a:xfrm>
+            <a:off x="2126250" y="3254974"/>
+            <a:ext cx="609462" cy="246221"/>
+          </a:xfrm>
+          <a:prstGeom prst="rect">
+            <a:avLst/>
+          </a:prstGeom>
+        </p:spPr>
+        <p:txBody>
+          <a:bodyPr wrap="none">
+            <a:spAutoFit/>
+          </a:bodyPr>
+          <a:lstStyle/>
+          <a:p>
+            <a:r>
+              <a:rPr lang="en-CA" sz="1000" b="0" i="0" dirty="0">
+                <a:solidFill>
+                  <a:srgbClr val="000000"/>
+                </a:solidFill>
+                <a:effectLst/>
+              </a:rPr>
+              <a:t>10.1.0.4</a:t>
+            </a:r>
+            <a:endParaRPr lang="en-CA" sz="1000" dirty="0"/>
+          </a:p>
+        </p:txBody>
+      </p:sp>
+      <p:grpSp>
+        <p:nvGrpSpPr>
+          <p:cNvPr id="112" name="Group 111">
+            <a:extLst>
+              <a:ext uri="{FF2B5EF4-FFF2-40B4-BE49-F238E27FC236}">
+                <a16:creationId xmlns:a16="http://schemas.microsoft.com/office/drawing/2014/main" id="{448BDF5F-219E-49A1-8D8F-C20D53E32F64}"/>
+              </a:ext>
+            </a:extLst>
+          </p:cNvPr>
+          <p:cNvGrpSpPr/>
+          <p:nvPr/>
+        </p:nvGrpSpPr>
+        <p:grpSpPr>
+          <a:xfrm>
+            <a:off x="1614432" y="3127375"/>
+            <a:ext cx="681499" cy="482543"/>
+            <a:chOff x="7958860" y="5899341"/>
+            <a:chExt cx="681499" cy="482543"/>
+          </a:xfrm>
+        </p:grpSpPr>
+        <p:pic>
+          <p:nvPicPr>
+            <p:cNvPr id="113" name="Graphic 112">
+              <a:extLst>
+                <a:ext uri="{FF2B5EF4-FFF2-40B4-BE49-F238E27FC236}">
+                  <a16:creationId xmlns:a16="http://schemas.microsoft.com/office/drawing/2014/main" id="{AE201023-78EE-4F3E-BC06-A5B889668760}"/>
+                </a:ext>
+              </a:extLst>
+            </p:cNvPr>
+            <p:cNvPicPr>
+              <a:picLocks noChangeAspect="1"/>
+            </p:cNvPicPr>
+            <p:nvPr/>
+          </p:nvPicPr>
+          <p:blipFill>
+            <a:blip r:embed="rId9">
+              <a:extLst>
+                <a:ext uri="{28A0092B-C50C-407E-A947-70E740481C1C}">
+                  <a14:useLocalDpi xmlns:a14="http://schemas.microsoft.com/office/drawing/2010/main" val="0"/>
+                </a:ext>
+                <a:ext uri="{96DAC541-7B7A-43D3-8B79-37D633B846F1}">
+                  <asvg:svgBlip xmlns:asvg="http://schemas.microsoft.com/office/drawing/2016/SVG/main" r:embed="rId10"/>
+                </a:ext>
+              </a:extLst>
+            </a:blip>
+            <a:stretch>
+              <a:fillRect/>
+            </a:stretch>
+          </p:blipFill>
+          <p:spPr>
+            <a:xfrm>
+              <a:off x="8158490" y="5899341"/>
+              <a:ext cx="282237" cy="317140"/>
+            </a:xfrm>
+            <a:prstGeom prst="rect">
+              <a:avLst/>
+            </a:prstGeom>
+          </p:spPr>
+        </p:pic>
+        <p:sp>
+          <p:nvSpPr>
+            <p:cNvPr id="114" name="Rectangle 113">
+              <a:extLst>
+                <a:ext uri="{FF2B5EF4-FFF2-40B4-BE49-F238E27FC236}">
+                  <a16:creationId xmlns:a16="http://schemas.microsoft.com/office/drawing/2014/main" id="{DAA7BFED-AF4E-40DF-9223-A066A98A8BEB}"/>
+                </a:ext>
+              </a:extLst>
+            </p:cNvPr>
+            <p:cNvSpPr/>
+            <p:nvPr/>
+          </p:nvSpPr>
+          <p:spPr>
+            <a:xfrm>
+              <a:off x="7958860" y="6149829"/>
+              <a:ext cx="681499" cy="232055"/>
+            </a:xfrm>
+            <a:prstGeom prst="rect">
+              <a:avLst/>
+            </a:prstGeom>
+            <a:noFill/>
+            <a:ln>
+              <a:noFill/>
+            </a:ln>
+          </p:spPr>
+          <p:style>
+            <a:lnRef idx="2">
+              <a:schemeClr val="accent1">
+                <a:shade val="50000"/>
+              </a:schemeClr>
+            </a:lnRef>
+            <a:fillRef idx="1">
+              <a:schemeClr val="accent1"/>
+            </a:fillRef>
+            <a:effectRef idx="0">
+              <a:schemeClr val="accent1"/>
+            </a:effectRef>
+            <a:fontRef idx="minor">
+              <a:schemeClr val="lt1"/>
+            </a:fontRef>
+          </p:style>
+          <p:txBody>
+            <a:bodyPr rtlCol="0" anchor="ctr"/>
+            <a:lstStyle/>
+            <a:p>
+              <a:pPr algn="ctr"/>
+              <a:r>
+                <a:rPr lang="en-CA" sz="1000" b="1" dirty="0">
+                  <a:solidFill>
+                    <a:schemeClr val="tx1"/>
+                  </a:solidFill>
+                </a:rPr>
+                <a:t>NIC</a:t>
+              </a:r>
+            </a:p>
+          </p:txBody>
+        </p:sp>
+      </p:grpSp>
+      <p:sp>
+        <p:nvSpPr>
+          <p:cNvPr id="70" name="Rectangle 69">
+            <a:extLst>
+              <a:ext uri="{FF2B5EF4-FFF2-40B4-BE49-F238E27FC236}">
+                <a16:creationId xmlns:a16="http://schemas.microsoft.com/office/drawing/2014/main" id="{275C8101-D293-4BB2-B252-666979EE9455}"/>
+              </a:ext>
+            </a:extLst>
+          </p:cNvPr>
+          <p:cNvSpPr/>
+          <p:nvPr/>
+        </p:nvSpPr>
+        <p:spPr>
+          <a:xfrm>
+            <a:off x="6541023" y="3292516"/>
+            <a:ext cx="609462" cy="246221"/>
+          </a:xfrm>
+          <a:prstGeom prst="rect">
+            <a:avLst/>
+          </a:prstGeom>
+        </p:spPr>
+        <p:txBody>
+          <a:bodyPr wrap="none">
+            <a:spAutoFit/>
+          </a:bodyPr>
+          <a:lstStyle/>
+          <a:p>
+            <a:r>
+              <a:rPr lang="en-CA" sz="1000" b="0" i="0" dirty="0">
+                <a:solidFill>
+                  <a:srgbClr val="000000"/>
+                </a:solidFill>
+                <a:effectLst/>
+              </a:rPr>
+              <a:t>10.0.0.4</a:t>
+            </a:r>
+            <a:endParaRPr lang="en-CA" sz="1000" dirty="0"/>
+          </a:p>
+        </p:txBody>
+      </p:sp>
+      <p:sp>
+        <p:nvSpPr>
+          <p:cNvPr id="73" name="Rectangle 72">
+            <a:extLst>
+              <a:ext uri="{FF2B5EF4-FFF2-40B4-BE49-F238E27FC236}">
+                <a16:creationId xmlns:a16="http://schemas.microsoft.com/office/drawing/2014/main" id="{7F173918-3754-4253-97E4-8535D404FDC9}"/>
+              </a:ext>
+            </a:extLst>
+          </p:cNvPr>
+          <p:cNvSpPr/>
+          <p:nvPr/>
+        </p:nvSpPr>
+        <p:spPr>
+          <a:xfrm>
+            <a:off x="2126309" y="3256323"/>
+            <a:ext cx="609462" cy="246221"/>
+          </a:xfrm>
+          <a:prstGeom prst="rect">
+            <a:avLst/>
+          </a:prstGeom>
+        </p:spPr>
+        <p:txBody>
+          <a:bodyPr wrap="none">
+            <a:spAutoFit/>
+          </a:bodyPr>
+          <a:lstStyle/>
+          <a:p>
+            <a:r>
+              <a:rPr lang="en-CA" sz="1000" b="0" i="0" dirty="0">
+                <a:solidFill>
+                  <a:srgbClr val="000000"/>
+                </a:solidFill>
+                <a:effectLst/>
+              </a:rPr>
+              <a:t>10.1.0.4</a:t>
+            </a:r>
+            <a:endParaRPr lang="en-CA" sz="1000" dirty="0"/>
+          </a:p>
+        </p:txBody>
+      </p:sp>
+      <p:sp>
+        <p:nvSpPr>
+          <p:cNvPr id="103" name="Rectangle 102">
+            <a:extLst>
+              <a:ext uri="{FF2B5EF4-FFF2-40B4-BE49-F238E27FC236}">
+                <a16:creationId xmlns:a16="http://schemas.microsoft.com/office/drawing/2014/main" id="{5D1E4941-71E8-48F3-B4F8-C84CD58A0669}"/>
+              </a:ext>
+            </a:extLst>
+          </p:cNvPr>
+          <p:cNvSpPr/>
+          <p:nvPr/>
+        </p:nvSpPr>
+        <p:spPr>
+          <a:xfrm>
+            <a:off x="6739804" y="2055675"/>
+            <a:ext cx="1282723" cy="246221"/>
+          </a:xfrm>
+          <a:prstGeom prst="rect">
+            <a:avLst/>
+          </a:prstGeom>
+        </p:spPr>
+        <p:txBody>
+          <a:bodyPr wrap="none">
+            <a:spAutoFit/>
+          </a:bodyPr>
+          <a:lstStyle/>
+          <a:p>
+            <a:r>
+              <a:rPr lang="en-CA" sz="1000" b="1" dirty="0">
+                <a:solidFill>
+                  <a:schemeClr val="accent1"/>
+                </a:solidFill>
+              </a:rPr>
+              <a:t>AzureFirewallSubnet</a:t>
+            </a:r>
+          </a:p>
+        </p:txBody>
+      </p:sp>
+      <p:sp>
+        <p:nvSpPr>
+          <p:cNvPr id="47" name="Rectangle 46">
+            <a:extLst>
+              <a:ext uri="{FF2B5EF4-FFF2-40B4-BE49-F238E27FC236}">
+                <a16:creationId xmlns:a16="http://schemas.microsoft.com/office/drawing/2014/main" id="{79908241-A5BC-4A84-BD93-D99FC066F7DF}"/>
+              </a:ext>
+            </a:extLst>
+          </p:cNvPr>
+          <p:cNvSpPr/>
+          <p:nvPr/>
+        </p:nvSpPr>
+        <p:spPr>
+          <a:xfrm>
+            <a:off x="2014166" y="589750"/>
+            <a:ext cx="6672771" cy="678023"/>
+          </a:xfrm>
+          <a:prstGeom prst="rect">
+            <a:avLst/>
+          </a:prstGeom>
+          <a:noFill/>
+          <a:ln>
+            <a:noFill/>
+          </a:ln>
+        </p:spPr>
+        <p:style>
+          <a:lnRef idx="2">
+            <a:schemeClr val="accent1">
+              <a:shade val="50000"/>
+            </a:schemeClr>
+          </a:lnRef>
+          <a:fillRef idx="1">
+            <a:schemeClr val="accent1"/>
+          </a:fillRef>
+          <a:effectRef idx="0">
+            <a:schemeClr val="accent1"/>
+          </a:effectRef>
+          <a:fontRef idx="minor">
+            <a:schemeClr val="lt1"/>
+          </a:fontRef>
+        </p:style>
+        <p:txBody>
+          <a:bodyPr rtlCol="0" anchor="ctr"/>
+          <a:lstStyle/>
+          <a:p>
+            <a:pPr algn="ctr"/>
+            <a:r>
+              <a:rPr lang="en-CA" sz="1600" b="1" u="sng" dirty="0">
+                <a:solidFill>
+                  <a:schemeClr val="tx1"/>
+                </a:solidFill>
+              </a:rPr>
+              <a:t>Azure Network – Firewall &amp; Service Endpoint</a:t>
+            </a:r>
+          </a:p>
+        </p:txBody>
+      </p:sp>
+      <p:grpSp>
+        <p:nvGrpSpPr>
+          <p:cNvPr id="50" name="Group 49">
+            <a:extLst>
+              <a:ext uri="{FF2B5EF4-FFF2-40B4-BE49-F238E27FC236}">
+                <a16:creationId xmlns:a16="http://schemas.microsoft.com/office/drawing/2014/main" id="{32A4D9F3-9DBA-4F60-8591-5AD9A6187091}"/>
+              </a:ext>
+            </a:extLst>
+          </p:cNvPr>
+          <p:cNvGrpSpPr/>
+          <p:nvPr/>
+        </p:nvGrpSpPr>
+        <p:grpSpPr>
+          <a:xfrm>
+            <a:off x="2939828" y="1817104"/>
+            <a:ext cx="1126704" cy="853084"/>
+            <a:chOff x="465703" y="4521412"/>
+            <a:chExt cx="1126704" cy="853084"/>
+          </a:xfrm>
+        </p:grpSpPr>
+        <p:sp>
+          <p:nvSpPr>
+            <p:cNvPr id="57" name="Rectangle 56">
+              <a:extLst>
+                <a:ext uri="{FF2B5EF4-FFF2-40B4-BE49-F238E27FC236}">
+                  <a16:creationId xmlns:a16="http://schemas.microsoft.com/office/drawing/2014/main" id="{8806AC6E-1D06-42E0-9526-8E0C9424E94A}"/>
+                </a:ext>
+              </a:extLst>
+            </p:cNvPr>
+            <p:cNvSpPr/>
+            <p:nvPr/>
+          </p:nvSpPr>
+          <p:spPr>
+            <a:xfrm>
+              <a:off x="465703" y="5080318"/>
+              <a:ext cx="890667" cy="294178"/>
+            </a:xfrm>
+            <a:prstGeom prst="rect">
+              <a:avLst/>
+            </a:prstGeom>
+            <a:noFill/>
+            <a:ln>
+              <a:noFill/>
+            </a:ln>
+          </p:spPr>
+          <p:style>
+            <a:lnRef idx="2">
+              <a:schemeClr val="accent1">
+                <a:shade val="50000"/>
+              </a:schemeClr>
+            </a:lnRef>
+            <a:fillRef idx="1">
+              <a:schemeClr val="accent1"/>
+            </a:fillRef>
+            <a:effectRef idx="0">
+              <a:schemeClr val="accent1"/>
+            </a:effectRef>
+            <a:fontRef idx="minor">
+              <a:schemeClr val="lt1"/>
+            </a:fontRef>
+          </p:style>
+          <p:txBody>
+            <a:bodyPr rtlCol="0" anchor="ctr"/>
+            <a:lstStyle/>
+            <a:p>
+              <a:pPr algn="ctr"/>
+              <a:r>
+                <a:rPr lang="en-CA" sz="1000" b="1" dirty="0">
+                  <a:solidFill>
+                    <a:schemeClr val="tx1"/>
+                  </a:solidFill>
+                </a:rPr>
+                <a:t>Route Table</a:t>
+              </a:r>
+            </a:p>
+          </p:txBody>
+        </p:sp>
+        <p:pic>
+          <p:nvPicPr>
+            <p:cNvPr id="58" name="Graphic 57">
+              <a:extLst>
+                <a:ext uri="{FF2B5EF4-FFF2-40B4-BE49-F238E27FC236}">
+                  <a16:creationId xmlns:a16="http://schemas.microsoft.com/office/drawing/2014/main" id="{892BB7D5-F9E0-4E7A-9960-C88E5F752B75}"/>
+                </a:ext>
+              </a:extLst>
+            </p:cNvPr>
+            <p:cNvPicPr>
+              <a:picLocks noChangeAspect="1"/>
+            </p:cNvPicPr>
+            <p:nvPr/>
+          </p:nvPicPr>
+          <p:blipFill>
+            <a:blip r:embed="rId11">
+              <a:extLst>
+                <a:ext uri="{28A0092B-C50C-407E-A947-70E740481C1C}">
+                  <a14:useLocalDpi xmlns:a14="http://schemas.microsoft.com/office/drawing/2010/main" val="0"/>
+                </a:ext>
+                <a:ext uri="{96DAC541-7B7A-43D3-8B79-37D633B846F1}">
+                  <asvg:svgBlip xmlns:asvg="http://schemas.microsoft.com/office/drawing/2016/SVG/main" r:embed="rId12"/>
+                </a:ext>
+              </a:extLst>
+            </a:blip>
+            <a:stretch>
+              <a:fillRect/>
+            </a:stretch>
+          </p:blipFill>
+          <p:spPr>
+            <a:xfrm>
+              <a:off x="612052" y="4783968"/>
+              <a:ext cx="404474" cy="404474"/>
+            </a:xfrm>
+            <a:prstGeom prst="rect">
+              <a:avLst/>
+            </a:prstGeom>
+          </p:spPr>
+        </p:pic>
+        <p:pic>
+          <p:nvPicPr>
+            <p:cNvPr id="59" name="Graphic 58">
+              <a:extLst>
+                <a:ext uri="{FF2B5EF4-FFF2-40B4-BE49-F238E27FC236}">
+                  <a16:creationId xmlns:a16="http://schemas.microsoft.com/office/drawing/2014/main" id="{C7F217D7-0074-4C1E-AA79-118699E34BC3}"/>
+                </a:ext>
+              </a:extLst>
+            </p:cNvPr>
+            <p:cNvPicPr>
+              <a:picLocks noChangeAspect="1"/>
+            </p:cNvPicPr>
+            <p:nvPr/>
+          </p:nvPicPr>
+          <p:blipFill>
+            <a:blip r:embed="rId13">
+              <a:extLst>
+                <a:ext uri="{28A0092B-C50C-407E-A947-70E740481C1C}">
+                  <a14:useLocalDpi xmlns:a14="http://schemas.microsoft.com/office/drawing/2010/main" val="0"/>
+                </a:ext>
+                <a:ext uri="{96DAC541-7B7A-43D3-8B79-37D633B846F1}">
+                  <asvg:svgBlip xmlns:asvg="http://schemas.microsoft.com/office/drawing/2016/SVG/main" r:embed="rId14"/>
+                </a:ext>
+              </a:extLst>
+            </a:blip>
+            <a:stretch>
+              <a:fillRect/>
+            </a:stretch>
+          </p:blipFill>
+          <p:spPr>
+            <a:xfrm>
+              <a:off x="903438" y="4671903"/>
+              <a:ext cx="476250" cy="476250"/>
+            </a:xfrm>
+            <a:prstGeom prst="rect">
+              <a:avLst/>
+            </a:prstGeom>
+          </p:spPr>
+        </p:pic>
+        <p:sp>
+          <p:nvSpPr>
+            <p:cNvPr id="60" name="Rectangle 59">
+              <a:extLst>
+                <a:ext uri="{FF2B5EF4-FFF2-40B4-BE49-F238E27FC236}">
+                  <a16:creationId xmlns:a16="http://schemas.microsoft.com/office/drawing/2014/main" id="{F10B4EF0-E875-4B58-9AAA-ECB5DA52C988}"/>
+                </a:ext>
+              </a:extLst>
+            </p:cNvPr>
+            <p:cNvSpPr/>
+            <p:nvPr/>
+          </p:nvSpPr>
+          <p:spPr>
+            <a:xfrm>
+              <a:off x="701740" y="4521412"/>
+              <a:ext cx="890667" cy="294178"/>
+            </a:xfrm>
+            <a:prstGeom prst="rect">
+              <a:avLst/>
+            </a:prstGeom>
+            <a:noFill/>
+            <a:ln>
+              <a:noFill/>
+            </a:ln>
+          </p:spPr>
+          <p:style>
+            <a:lnRef idx="2">
+              <a:schemeClr val="accent1">
+                <a:shade val="50000"/>
+              </a:schemeClr>
+            </a:lnRef>
+            <a:fillRef idx="1">
+              <a:schemeClr val="accent1"/>
+            </a:fillRef>
+            <a:effectRef idx="0">
+              <a:schemeClr val="accent1"/>
+            </a:effectRef>
+            <a:fontRef idx="minor">
+              <a:schemeClr val="lt1"/>
+            </a:fontRef>
+          </p:style>
+          <p:txBody>
+            <a:bodyPr rtlCol="0" anchor="ctr"/>
+            <a:lstStyle/>
+            <a:p>
+              <a:pPr algn="ctr"/>
+              <a:r>
+                <a:rPr lang="en-CA" sz="1000" b="1" dirty="0">
+                  <a:solidFill>
+                    <a:schemeClr val="tx1"/>
+                  </a:solidFill>
+                </a:rPr>
+                <a:t>Route Filters</a:t>
+              </a:r>
+            </a:p>
+          </p:txBody>
+        </p:sp>
+      </p:grpSp>
+      <p:cxnSp>
+        <p:nvCxnSpPr>
+          <p:cNvPr id="5" name="Straight Arrow Connector 4">
+            <a:extLst>
+              <a:ext uri="{FF2B5EF4-FFF2-40B4-BE49-F238E27FC236}">
+                <a16:creationId xmlns:a16="http://schemas.microsoft.com/office/drawing/2014/main" id="{9A18C5F1-5D93-455A-ABB5-8B6CC5339AD5}"/>
+              </a:ext>
+            </a:extLst>
+          </p:cNvPr>
+          <p:cNvCxnSpPr>
+            <a:stCxn id="40" idx="3"/>
+          </p:cNvCxnSpPr>
+          <p:nvPr/>
+        </p:nvCxnSpPr>
+        <p:spPr>
+          <a:xfrm>
+            <a:off x="3883131" y="2892991"/>
+            <a:ext cx="1665181" cy="10370"/>
+          </a:xfrm>
+          <a:prstGeom prst="straightConnector1">
+            <a:avLst/>
+          </a:prstGeom>
+          <a:ln>
+            <a:solidFill>
+              <a:schemeClr val="tx1"/>
+            </a:solidFill>
+            <a:headEnd type="triangle"/>
+            <a:tailEnd type="triangle"/>
+          </a:ln>
+        </p:spPr>
+        <p:style>
+          <a:lnRef idx="1">
+            <a:schemeClr val="accent1"/>
+          </a:lnRef>
+          <a:fillRef idx="0">
+            <a:schemeClr val="accent1"/>
+          </a:fillRef>
+          <a:effectRef idx="0">
+            <a:schemeClr val="accent1"/>
+          </a:effectRef>
+          <a:fontRef idx="minor">
+            <a:schemeClr val="tx1"/>
+          </a:fontRef>
+        </p:style>
+      </p:cxnSp>
+      <p:grpSp>
+        <p:nvGrpSpPr>
+          <p:cNvPr id="61" name="Group 60">
+            <a:extLst>
+              <a:ext uri="{FF2B5EF4-FFF2-40B4-BE49-F238E27FC236}">
+                <a16:creationId xmlns:a16="http://schemas.microsoft.com/office/drawing/2014/main" id="{DED62330-366D-4BB1-8555-05BD10D54700}"/>
+              </a:ext>
+            </a:extLst>
+          </p:cNvPr>
+          <p:cNvGrpSpPr/>
+          <p:nvPr/>
+        </p:nvGrpSpPr>
+        <p:grpSpPr>
+          <a:xfrm>
+            <a:off x="3280085" y="3413126"/>
+            <a:ext cx="559659" cy="519942"/>
+            <a:chOff x="1801668" y="6194481"/>
+            <a:chExt cx="559659" cy="519942"/>
+          </a:xfrm>
+        </p:grpSpPr>
+        <p:pic>
+          <p:nvPicPr>
+            <p:cNvPr id="62" name="Graphic 61">
+              <a:extLst>
+                <a:ext uri="{FF2B5EF4-FFF2-40B4-BE49-F238E27FC236}">
+                  <a16:creationId xmlns:a16="http://schemas.microsoft.com/office/drawing/2014/main" id="{7FF68A51-68DE-4EA2-9366-F7DF25FB1E05}"/>
+                </a:ext>
+              </a:extLst>
+            </p:cNvPr>
+            <p:cNvPicPr>
+              <a:picLocks noChangeAspect="1"/>
+            </p:cNvPicPr>
+            <p:nvPr/>
+          </p:nvPicPr>
+          <p:blipFill>
+            <a:blip r:embed="rId15">
+              <a:extLst>
+                <a:ext uri="{28A0092B-C50C-407E-A947-70E740481C1C}">
+                  <a14:useLocalDpi xmlns:a14="http://schemas.microsoft.com/office/drawing/2010/main" val="0"/>
+                </a:ext>
+                <a:ext uri="{96DAC541-7B7A-43D3-8B79-37D633B846F1}">
+                  <asvg:svgBlip xmlns:asvg="http://schemas.microsoft.com/office/drawing/2016/SVG/main" r:embed="rId16"/>
+                </a:ext>
+              </a:extLst>
+            </a:blip>
+            <a:stretch>
+              <a:fillRect/>
+            </a:stretch>
+          </p:blipFill>
+          <p:spPr>
+            <a:xfrm>
+              <a:off x="1898316" y="6194481"/>
+              <a:ext cx="327165" cy="327165"/>
+            </a:xfrm>
+            <a:prstGeom prst="rect">
+              <a:avLst/>
+            </a:prstGeom>
+          </p:spPr>
+        </p:pic>
+        <p:sp>
+          <p:nvSpPr>
+            <p:cNvPr id="63" name="Rectangle 62">
+              <a:extLst>
+                <a:ext uri="{FF2B5EF4-FFF2-40B4-BE49-F238E27FC236}">
+                  <a16:creationId xmlns:a16="http://schemas.microsoft.com/office/drawing/2014/main" id="{1E0475ED-AEB3-4474-982C-30B64B3C9897}"/>
+                </a:ext>
+              </a:extLst>
+            </p:cNvPr>
+            <p:cNvSpPr/>
+            <p:nvPr/>
+          </p:nvSpPr>
+          <p:spPr>
+            <a:xfrm>
+              <a:off x="1801668" y="6468202"/>
+              <a:ext cx="559659" cy="246221"/>
+            </a:xfrm>
+            <a:prstGeom prst="rect">
+              <a:avLst/>
+            </a:prstGeom>
+            <a:noFill/>
+            <a:ln>
+              <a:noFill/>
+            </a:ln>
+          </p:spPr>
+          <p:style>
+            <a:lnRef idx="2">
+              <a:schemeClr val="accent1">
+                <a:shade val="50000"/>
+              </a:schemeClr>
+            </a:lnRef>
+            <a:fillRef idx="1">
+              <a:schemeClr val="accent1"/>
+            </a:fillRef>
+            <a:effectRef idx="0">
+              <a:schemeClr val="accent1"/>
+            </a:effectRef>
+            <a:fontRef idx="minor">
+              <a:schemeClr val="lt1"/>
+            </a:fontRef>
+          </p:style>
+          <p:txBody>
+            <a:bodyPr rtlCol="0" anchor="ctr"/>
+            <a:lstStyle/>
+            <a:p>
+              <a:pPr algn="ctr"/>
+              <a:r>
+                <a:rPr lang="en-CA" sz="1000" b="1" dirty="0">
+                  <a:solidFill>
+                    <a:schemeClr val="tx1"/>
+                  </a:solidFill>
+                </a:rPr>
+                <a:t>NSG</a:t>
+              </a:r>
+            </a:p>
+          </p:txBody>
+        </p:sp>
+      </p:grpSp>
+      <p:grpSp>
+        <p:nvGrpSpPr>
+          <p:cNvPr id="64" name="Group 63">
+            <a:extLst>
+              <a:ext uri="{FF2B5EF4-FFF2-40B4-BE49-F238E27FC236}">
+                <a16:creationId xmlns:a16="http://schemas.microsoft.com/office/drawing/2014/main" id="{4BAE8FD3-7DBD-4727-A800-B21382CA987E}"/>
+              </a:ext>
+            </a:extLst>
+          </p:cNvPr>
+          <p:cNvGrpSpPr/>
+          <p:nvPr/>
+        </p:nvGrpSpPr>
+        <p:grpSpPr>
+          <a:xfrm>
+            <a:off x="1754900" y="3444515"/>
+            <a:ext cx="1652287" cy="467441"/>
+            <a:chOff x="335276" y="6100300"/>
+            <a:chExt cx="1652287" cy="467441"/>
+          </a:xfrm>
+        </p:grpSpPr>
+        <p:sp>
+          <p:nvSpPr>
+            <p:cNvPr id="65" name="Rectangle 64">
+              <a:extLst>
+                <a:ext uri="{FF2B5EF4-FFF2-40B4-BE49-F238E27FC236}">
+                  <a16:creationId xmlns:a16="http://schemas.microsoft.com/office/drawing/2014/main" id="{F575ED95-E502-454F-88DE-9E023EF06E95}"/>
+                </a:ext>
+              </a:extLst>
+            </p:cNvPr>
+            <p:cNvSpPr/>
+            <p:nvPr/>
+          </p:nvSpPr>
+          <p:spPr>
+            <a:xfrm>
+              <a:off x="335276" y="6112500"/>
+              <a:ext cx="1652287" cy="455241"/>
+            </a:xfrm>
+            <a:prstGeom prst="rect">
+              <a:avLst/>
+            </a:prstGeom>
+            <a:noFill/>
+            <a:ln>
+              <a:noFill/>
+            </a:ln>
+          </p:spPr>
+          <p:style>
+            <a:lnRef idx="2">
+              <a:schemeClr val="accent1">
+                <a:shade val="50000"/>
+              </a:schemeClr>
+            </a:lnRef>
+            <a:fillRef idx="1">
+              <a:schemeClr val="accent1"/>
+            </a:fillRef>
+            <a:effectRef idx="0">
+              <a:schemeClr val="accent1"/>
+            </a:effectRef>
+            <a:fontRef idx="minor">
+              <a:schemeClr val="lt1"/>
+            </a:fontRef>
+          </p:style>
+          <p:txBody>
+            <a:bodyPr rtlCol="0" anchor="ctr"/>
+            <a:lstStyle/>
+            <a:p>
+              <a:r>
+                <a:rPr lang="en-CA" sz="800" dirty="0">
+                  <a:solidFill>
+                    <a:schemeClr val="tx1"/>
+                  </a:solidFill>
+                </a:rPr>
+                <a:t>1. Outbound key vault allowed</a:t>
+              </a:r>
+            </a:p>
+            <a:p>
+              <a:r>
+                <a:rPr lang="en-CA" sz="800" dirty="0">
+                  <a:solidFill>
+                    <a:schemeClr val="tx1"/>
+                  </a:solidFill>
+                </a:rPr>
+                <a:t>2. Outbound internet  denied</a:t>
+              </a:r>
+            </a:p>
+          </p:txBody>
+        </p:sp>
+        <p:sp>
+          <p:nvSpPr>
+            <p:cNvPr id="66" name="Multiplication Sign 65">
+              <a:extLst>
+                <a:ext uri="{FF2B5EF4-FFF2-40B4-BE49-F238E27FC236}">
+                  <a16:creationId xmlns:a16="http://schemas.microsoft.com/office/drawing/2014/main" id="{23C382AE-2184-48EC-B9AA-994EF8D8AE61}"/>
+                </a:ext>
+              </a:extLst>
+            </p:cNvPr>
+            <p:cNvSpPr/>
+            <p:nvPr/>
+          </p:nvSpPr>
+          <p:spPr>
+            <a:xfrm>
+              <a:off x="1666002" y="6262836"/>
+              <a:ext cx="225354" cy="285752"/>
+            </a:xfrm>
+            <a:prstGeom prst="mathMultiply">
+              <a:avLst/>
+            </a:prstGeom>
+            <a:solidFill>
+              <a:srgbClr val="FF0000"/>
+            </a:solidFill>
+          </p:spPr>
+          <p:style>
+            <a:lnRef idx="2">
+              <a:schemeClr val="accent1">
+                <a:shade val="50000"/>
+              </a:schemeClr>
+            </a:lnRef>
+            <a:fillRef idx="1">
+              <a:schemeClr val="accent1"/>
+            </a:fillRef>
+            <a:effectRef idx="0">
+              <a:schemeClr val="accent1"/>
+            </a:effectRef>
+            <a:fontRef idx="minor">
+              <a:schemeClr val="lt1"/>
+            </a:fontRef>
+          </p:style>
+          <p:txBody>
+            <a:bodyPr rtlCol="0" anchor="ctr"/>
+            <a:lstStyle/>
+            <a:p>
+              <a:pPr algn="ctr"/>
+              <a:endParaRPr lang="en-CA"/>
+            </a:p>
+          </p:txBody>
+        </p:sp>
+        <p:pic>
+          <p:nvPicPr>
+            <p:cNvPr id="67" name="Graphic 66" descr="Checkmark">
+              <a:extLst>
+                <a:ext uri="{FF2B5EF4-FFF2-40B4-BE49-F238E27FC236}">
+                  <a16:creationId xmlns:a16="http://schemas.microsoft.com/office/drawing/2014/main" id="{391715CB-ED86-43F3-AFAC-68A822E36AF1}"/>
+                </a:ext>
+              </a:extLst>
+            </p:cNvPr>
+            <p:cNvPicPr>
+              <a:picLocks noChangeAspect="1"/>
+            </p:cNvPicPr>
+            <p:nvPr/>
+          </p:nvPicPr>
+          <p:blipFill>
+            <a:blip r:embed="rId17">
+              <a:extLst>
+                <a:ext uri="{28A0092B-C50C-407E-A947-70E740481C1C}">
+                  <a14:useLocalDpi xmlns:a14="http://schemas.microsoft.com/office/drawing/2010/main" val="0"/>
+                </a:ext>
+                <a:ext uri="{96DAC541-7B7A-43D3-8B79-37D633B846F1}">
+                  <asvg:svgBlip xmlns:asvg="http://schemas.microsoft.com/office/drawing/2016/SVG/main" r:embed="rId18"/>
+                </a:ext>
+              </a:extLst>
+            </a:blip>
+            <a:stretch>
+              <a:fillRect/>
+            </a:stretch>
+          </p:blipFill>
+          <p:spPr>
+            <a:xfrm>
+              <a:off x="1695664" y="6100300"/>
+              <a:ext cx="253470" cy="253470"/>
+            </a:xfrm>
+            <a:prstGeom prst="rect">
+              <a:avLst/>
+            </a:prstGeom>
+          </p:spPr>
+        </p:pic>
+      </p:grpSp>
+      <p:cxnSp>
+        <p:nvCxnSpPr>
+          <p:cNvPr id="9" name="Connector: Curved 8">
+            <a:extLst>
+              <a:ext uri="{FF2B5EF4-FFF2-40B4-BE49-F238E27FC236}">
+                <a16:creationId xmlns:a16="http://schemas.microsoft.com/office/drawing/2014/main" id="{FCBDFBCC-DBAF-492B-A6F1-272D47F7E3E9}"/>
+              </a:ext>
+            </a:extLst>
+          </p:cNvPr>
+          <p:cNvCxnSpPr>
+            <a:cxnSpLocks/>
+            <a:stCxn id="53" idx="3"/>
+          </p:cNvCxnSpPr>
+          <p:nvPr/>
+        </p:nvCxnSpPr>
+        <p:spPr>
+          <a:xfrm flipV="1">
+            <a:off x="2674049" y="2522491"/>
+            <a:ext cx="583238" cy="380871"/>
+          </a:xfrm>
+          <a:prstGeom prst="curvedConnector3">
+            <a:avLst>
+              <a:gd name="adj1" fmla="val 50000"/>
+            </a:avLst>
+          </a:prstGeom>
+          <a:ln>
+            <a:solidFill>
+              <a:srgbClr val="00B050"/>
+            </a:solidFill>
+            <a:tailEnd type="triangle"/>
+          </a:ln>
+        </p:spPr>
+        <p:style>
+          <a:lnRef idx="1">
+            <a:schemeClr val="accent1"/>
+          </a:lnRef>
+          <a:fillRef idx="0">
+            <a:schemeClr val="accent1"/>
+          </a:fillRef>
+          <a:effectRef idx="0">
+            <a:schemeClr val="accent1"/>
+          </a:effectRef>
+          <a:fontRef idx="minor">
+            <a:schemeClr val="tx1"/>
+          </a:fontRef>
+        </p:style>
+      </p:cxnSp>
+      <p:cxnSp>
+        <p:nvCxnSpPr>
+          <p:cNvPr id="22" name="Connector: Curved 21">
+            <a:extLst>
+              <a:ext uri="{FF2B5EF4-FFF2-40B4-BE49-F238E27FC236}">
+                <a16:creationId xmlns:a16="http://schemas.microsoft.com/office/drawing/2014/main" id="{905C825C-6478-4F7A-8A03-A1ACDA3E44FE}"/>
+              </a:ext>
+            </a:extLst>
+          </p:cNvPr>
+          <p:cNvCxnSpPr>
+            <a:stCxn id="59" idx="3"/>
+            <a:endCxn id="35" idx="1"/>
+          </p:cNvCxnSpPr>
+          <p:nvPr/>
+        </p:nvCxnSpPr>
+        <p:spPr>
+          <a:xfrm>
+            <a:off x="3853813" y="2205720"/>
+            <a:ext cx="2639050" cy="656117"/>
+          </a:xfrm>
+          <a:prstGeom prst="curvedConnector3">
+            <a:avLst/>
+          </a:prstGeom>
+          <a:ln>
+            <a:solidFill>
+              <a:srgbClr val="00B050"/>
+            </a:solidFill>
+            <a:tailEnd type="triangle"/>
+          </a:ln>
+        </p:spPr>
+        <p:style>
+          <a:lnRef idx="1">
+            <a:schemeClr val="accent1"/>
+          </a:lnRef>
+          <a:fillRef idx="0">
+            <a:schemeClr val="accent1"/>
+          </a:fillRef>
+          <a:effectRef idx="0">
+            <a:schemeClr val="accent1"/>
+          </a:effectRef>
+          <a:fontRef idx="minor">
+            <a:schemeClr val="tx1"/>
+          </a:fontRef>
+        </p:style>
+      </p:cxnSp>
+      <p:sp>
+        <p:nvSpPr>
+          <p:cNvPr id="76" name="Rectangle 75">
+            <a:extLst>
+              <a:ext uri="{FF2B5EF4-FFF2-40B4-BE49-F238E27FC236}">
+                <a16:creationId xmlns:a16="http://schemas.microsoft.com/office/drawing/2014/main" id="{3B985D5A-661C-42D1-83C6-088DF8083DAC}"/>
+              </a:ext>
+            </a:extLst>
+          </p:cNvPr>
+          <p:cNvSpPr/>
+          <p:nvPr/>
+        </p:nvSpPr>
+        <p:spPr>
+          <a:xfrm>
+            <a:off x="6037042" y="2460761"/>
+            <a:ext cx="889529" cy="223829"/>
+          </a:xfrm>
+          <a:prstGeom prst="rect">
+            <a:avLst/>
+          </a:prstGeom>
+          <a:noFill/>
+          <a:ln>
+            <a:noFill/>
+          </a:ln>
+        </p:spPr>
+        <p:style>
+          <a:lnRef idx="2">
+            <a:schemeClr val="accent1">
+              <a:shade val="50000"/>
+            </a:schemeClr>
+          </a:lnRef>
+          <a:fillRef idx="1">
+            <a:schemeClr val="accent1"/>
+          </a:fillRef>
+          <a:effectRef idx="0">
+            <a:schemeClr val="accent1"/>
+          </a:effectRef>
+          <a:fontRef idx="minor">
+            <a:schemeClr val="lt1"/>
+          </a:fontRef>
+        </p:style>
+        <p:txBody>
+          <a:bodyPr rtlCol="0" anchor="ctr"/>
+          <a:lstStyle/>
+          <a:p>
+            <a:r>
+              <a:rPr lang="en-CA" sz="900" dirty="0">
+                <a:solidFill>
+                  <a:srgbClr val="FF0000"/>
+                </a:solidFill>
+              </a:rPr>
+              <a:t>Deny all traffic by default</a:t>
+            </a:r>
+          </a:p>
+        </p:txBody>
+      </p:sp>
+      <p:sp>
+        <p:nvSpPr>
+          <p:cNvPr id="77" name="Rectangle 76">
+            <a:extLst>
+              <a:ext uri="{FF2B5EF4-FFF2-40B4-BE49-F238E27FC236}">
+                <a16:creationId xmlns:a16="http://schemas.microsoft.com/office/drawing/2014/main" id="{26F4F871-8E5F-4E74-BAC0-1DC29E2B434D}"/>
+              </a:ext>
+            </a:extLst>
+          </p:cNvPr>
+          <p:cNvSpPr/>
+          <p:nvPr/>
+        </p:nvSpPr>
+        <p:spPr>
+          <a:xfrm>
+            <a:off x="7094979" y="2765122"/>
+            <a:ext cx="1329845" cy="403079"/>
+          </a:xfrm>
+          <a:prstGeom prst="rect">
+            <a:avLst/>
+          </a:prstGeom>
+          <a:noFill/>
+          <a:ln>
+            <a:noFill/>
+          </a:ln>
+        </p:spPr>
+        <p:style>
+          <a:lnRef idx="2">
+            <a:schemeClr val="accent1">
+              <a:shade val="50000"/>
+            </a:schemeClr>
+          </a:lnRef>
+          <a:fillRef idx="1">
+            <a:schemeClr val="accent1"/>
+          </a:fillRef>
+          <a:effectRef idx="0">
+            <a:schemeClr val="accent1"/>
+          </a:effectRef>
+          <a:fontRef idx="minor">
+            <a:schemeClr val="lt1"/>
+          </a:fontRef>
+        </p:style>
+        <p:txBody>
+          <a:bodyPr rtlCol="0" anchor="ctr"/>
+          <a:lstStyle/>
+          <a:p>
+            <a:r>
+              <a:rPr lang="en-CA" sz="900" dirty="0">
+                <a:solidFill>
+                  <a:srgbClr val="00B050"/>
+                </a:solidFill>
+              </a:rPr>
+              <a:t>Traffic filtering rules allow outbound access to key vault</a:t>
+            </a:r>
+          </a:p>
+        </p:txBody>
+      </p:sp>
+      <p:cxnSp>
+        <p:nvCxnSpPr>
+          <p:cNvPr id="24" name="Connector: Curved 23">
+            <a:extLst>
+              <a:ext uri="{FF2B5EF4-FFF2-40B4-BE49-F238E27FC236}">
+                <a16:creationId xmlns:a16="http://schemas.microsoft.com/office/drawing/2014/main" id="{1FB88C86-5471-4B6D-B19B-2A3D4A537411}"/>
+              </a:ext>
+            </a:extLst>
+          </p:cNvPr>
+          <p:cNvCxnSpPr>
+            <a:cxnSpLocks/>
+          </p:cNvCxnSpPr>
+          <p:nvPr/>
+        </p:nvCxnSpPr>
+        <p:spPr>
+          <a:xfrm flipV="1">
+            <a:off x="7132338" y="2903362"/>
+            <a:ext cx="1961907" cy="285750"/>
+          </a:xfrm>
+          <a:prstGeom prst="curvedConnector3">
+            <a:avLst>
+              <a:gd name="adj1" fmla="val 76184"/>
+            </a:avLst>
+          </a:prstGeom>
+          <a:ln>
+            <a:solidFill>
+              <a:srgbClr val="00B050"/>
+            </a:solidFill>
+            <a:tailEnd type="triangle"/>
+          </a:ln>
+        </p:spPr>
+        <p:style>
+          <a:lnRef idx="1">
+            <a:schemeClr val="accent1"/>
+          </a:lnRef>
+          <a:fillRef idx="0">
+            <a:schemeClr val="accent1"/>
+          </a:fillRef>
+          <a:effectRef idx="0">
+            <a:schemeClr val="accent1"/>
+          </a:effectRef>
+          <a:fontRef idx="minor">
+            <a:schemeClr val="tx1"/>
+          </a:fontRef>
+        </p:style>
+      </p:cxnSp>
+      <p:grpSp>
+        <p:nvGrpSpPr>
+          <p:cNvPr id="82" name="Group 81">
+            <a:extLst>
+              <a:ext uri="{FF2B5EF4-FFF2-40B4-BE49-F238E27FC236}">
+                <a16:creationId xmlns:a16="http://schemas.microsoft.com/office/drawing/2014/main" id="{28377ECE-C8DE-4725-88A7-68AEE93542D2}"/>
+              </a:ext>
+            </a:extLst>
+          </p:cNvPr>
+          <p:cNvGrpSpPr/>
+          <p:nvPr/>
+        </p:nvGrpSpPr>
+        <p:grpSpPr>
+          <a:xfrm>
+            <a:off x="6381056" y="4354316"/>
+            <a:ext cx="909089" cy="673481"/>
+            <a:chOff x="10270591" y="801364"/>
+            <a:chExt cx="909089" cy="673481"/>
+          </a:xfrm>
+        </p:grpSpPr>
+        <p:pic>
+          <p:nvPicPr>
+            <p:cNvPr id="83" name="Graphic 82">
+              <a:extLst>
+                <a:ext uri="{FF2B5EF4-FFF2-40B4-BE49-F238E27FC236}">
+                  <a16:creationId xmlns:a16="http://schemas.microsoft.com/office/drawing/2014/main" id="{0C468430-6F62-43E5-9D07-7965B7CC3CF3}"/>
+                </a:ext>
+              </a:extLst>
+            </p:cNvPr>
+            <p:cNvPicPr>
+              <a:picLocks noChangeAspect="1"/>
+            </p:cNvPicPr>
+            <p:nvPr/>
+          </p:nvPicPr>
+          <p:blipFill>
+            <a:blip r:embed="rId19">
+              <a:extLst>
+                <a:ext uri="{28A0092B-C50C-407E-A947-70E740481C1C}">
+                  <a14:useLocalDpi xmlns:a14="http://schemas.microsoft.com/office/drawing/2010/main" val="0"/>
+                </a:ext>
+                <a:ext uri="{96DAC541-7B7A-43D3-8B79-37D633B846F1}">
+                  <asvg:svgBlip xmlns:asvg="http://schemas.microsoft.com/office/drawing/2016/SVG/main" r:embed="rId20"/>
+                </a:ext>
+              </a:extLst>
+            </a:blip>
+            <a:stretch>
+              <a:fillRect/>
+            </a:stretch>
+          </p:blipFill>
+          <p:spPr>
+            <a:xfrm>
+              <a:off x="10538759" y="801364"/>
+              <a:ext cx="400110" cy="400110"/>
+            </a:xfrm>
+            <a:prstGeom prst="rect">
+              <a:avLst/>
+            </a:prstGeom>
+          </p:spPr>
+        </p:pic>
+        <p:sp>
+          <p:nvSpPr>
+            <p:cNvPr id="84" name="Rectangle 83">
+              <a:extLst>
+                <a:ext uri="{FF2B5EF4-FFF2-40B4-BE49-F238E27FC236}">
+                  <a16:creationId xmlns:a16="http://schemas.microsoft.com/office/drawing/2014/main" id="{DB2ADE94-5F9D-48BC-B4F6-67E6E011E235}"/>
+                </a:ext>
+              </a:extLst>
+            </p:cNvPr>
+            <p:cNvSpPr/>
+            <p:nvPr/>
+          </p:nvSpPr>
+          <p:spPr>
+            <a:xfrm>
+              <a:off x="10270591" y="1189094"/>
+              <a:ext cx="909089" cy="285751"/>
+            </a:xfrm>
+            <a:prstGeom prst="rect">
+              <a:avLst/>
+            </a:prstGeom>
+            <a:noFill/>
+            <a:ln>
+              <a:noFill/>
+            </a:ln>
+          </p:spPr>
+          <p:style>
+            <a:lnRef idx="2">
+              <a:schemeClr val="accent1">
+                <a:shade val="50000"/>
+              </a:schemeClr>
+            </a:lnRef>
+            <a:fillRef idx="1">
+              <a:schemeClr val="accent1"/>
+            </a:fillRef>
+            <a:effectRef idx="0">
+              <a:schemeClr val="accent1"/>
+            </a:effectRef>
+            <a:fontRef idx="minor">
+              <a:schemeClr val="lt1"/>
+            </a:fontRef>
+          </p:style>
+          <p:txBody>
+            <a:bodyPr rtlCol="0" anchor="ctr"/>
+            <a:lstStyle/>
+            <a:p>
+              <a:pPr algn="ctr"/>
+              <a:r>
+                <a:rPr lang="en-CA" sz="1000" b="1" dirty="0">
+                  <a:solidFill>
+                    <a:schemeClr val="tx1"/>
+                  </a:solidFill>
+                </a:rPr>
+                <a:t>Log analytics workspace</a:t>
+              </a:r>
+            </a:p>
+          </p:txBody>
+        </p:sp>
+      </p:grpSp>
+      <p:cxnSp>
+        <p:nvCxnSpPr>
+          <p:cNvPr id="85" name="Straight Arrow Connector 84">
+            <a:extLst>
+              <a:ext uri="{FF2B5EF4-FFF2-40B4-BE49-F238E27FC236}">
+                <a16:creationId xmlns:a16="http://schemas.microsoft.com/office/drawing/2014/main" id="{329E4B35-5DF2-4244-B695-8200DF8BA210}"/>
+              </a:ext>
+            </a:extLst>
+          </p:cNvPr>
+          <p:cNvCxnSpPr>
+            <a:cxnSpLocks/>
+          </p:cNvCxnSpPr>
+          <p:nvPr/>
+        </p:nvCxnSpPr>
+        <p:spPr>
+          <a:xfrm>
+            <a:off x="6835601" y="3469523"/>
+            <a:ext cx="5695" cy="899398"/>
+          </a:xfrm>
+          <a:prstGeom prst="straightConnector1">
+            <a:avLst/>
+          </a:prstGeom>
+          <a:ln>
+            <a:solidFill>
+              <a:schemeClr val="tx1"/>
+            </a:solidFill>
+            <a:tailEnd type="triangle"/>
+          </a:ln>
+        </p:spPr>
+        <p:style>
+          <a:lnRef idx="1">
+            <a:schemeClr val="accent1"/>
+          </a:lnRef>
+          <a:fillRef idx="0">
+            <a:schemeClr val="accent1"/>
+          </a:fillRef>
+          <a:effectRef idx="0">
+            <a:schemeClr val="accent1"/>
+          </a:effectRef>
+          <a:fontRef idx="minor">
+            <a:schemeClr val="tx1"/>
+          </a:fontRef>
+        </p:style>
+      </p:cxnSp>
+      <p:sp>
+        <p:nvSpPr>
+          <p:cNvPr id="86" name="Rectangle 85">
+            <a:extLst>
+              <a:ext uri="{FF2B5EF4-FFF2-40B4-BE49-F238E27FC236}">
+                <a16:creationId xmlns:a16="http://schemas.microsoft.com/office/drawing/2014/main" id="{1B6E43ED-04CC-4008-97EC-4EABBFB95B8A}"/>
+              </a:ext>
+            </a:extLst>
+          </p:cNvPr>
+          <p:cNvSpPr/>
+          <p:nvPr/>
+        </p:nvSpPr>
+        <p:spPr>
+          <a:xfrm>
+            <a:off x="5067962" y="4373337"/>
+            <a:ext cx="1458450" cy="421396"/>
+          </a:xfrm>
+          <a:prstGeom prst="rect">
+            <a:avLst/>
+          </a:prstGeom>
+          <a:noFill/>
+          <a:ln>
+            <a:noFill/>
+          </a:ln>
+        </p:spPr>
+        <p:style>
+          <a:lnRef idx="2">
+            <a:schemeClr val="accent1">
+              <a:shade val="50000"/>
+            </a:schemeClr>
+          </a:lnRef>
+          <a:fillRef idx="1">
+            <a:schemeClr val="accent1"/>
+          </a:fillRef>
+          <a:effectRef idx="0">
+            <a:schemeClr val="accent1"/>
+          </a:effectRef>
+          <a:fontRef idx="minor">
+            <a:schemeClr val="lt1"/>
+          </a:fontRef>
+        </p:style>
+        <p:txBody>
+          <a:bodyPr rtlCol="0" anchor="ctr"/>
+          <a:lstStyle/>
+          <a:p>
+            <a:pPr algn="ctr"/>
+            <a:r>
+              <a:rPr lang="en-CA" sz="800" dirty="0">
+                <a:solidFill>
+                  <a:schemeClr val="tx1"/>
+                </a:solidFill>
+              </a:rPr>
+              <a:t>Integrated with Azure Monitor for logging &amp; analyzing traffic</a:t>
+            </a:r>
+          </a:p>
+        </p:txBody>
+      </p:sp>
+      <p:sp>
+        <p:nvSpPr>
+          <p:cNvPr id="87" name="Rectangle 86">
+            <a:extLst>
+              <a:ext uri="{FF2B5EF4-FFF2-40B4-BE49-F238E27FC236}">
+                <a16:creationId xmlns:a16="http://schemas.microsoft.com/office/drawing/2014/main" id="{552D9A9A-C780-4562-AC0A-EDB0C74C5939}"/>
+              </a:ext>
+            </a:extLst>
+          </p:cNvPr>
+          <p:cNvSpPr/>
+          <p:nvPr/>
+        </p:nvSpPr>
+        <p:spPr>
+          <a:xfrm>
+            <a:off x="4195625" y="1972770"/>
+            <a:ext cx="992507" cy="227668"/>
+          </a:xfrm>
+          <a:prstGeom prst="rect">
+            <a:avLst/>
+          </a:prstGeom>
+          <a:noFill/>
+          <a:ln>
+            <a:noFill/>
+          </a:ln>
+        </p:spPr>
+        <p:style>
+          <a:lnRef idx="2">
+            <a:schemeClr val="accent1">
+              <a:shade val="50000"/>
+            </a:schemeClr>
+          </a:lnRef>
+          <a:fillRef idx="1">
+            <a:schemeClr val="accent1"/>
+          </a:fillRef>
+          <a:effectRef idx="0">
+            <a:schemeClr val="accent1"/>
+          </a:effectRef>
+          <a:fontRef idx="minor">
+            <a:schemeClr val="lt1"/>
+          </a:fontRef>
+        </p:style>
+        <p:txBody>
+          <a:bodyPr rtlCol="0" anchor="ctr"/>
+          <a:lstStyle/>
+          <a:p>
+            <a:r>
+              <a:rPr lang="en-CA" sz="900" dirty="0">
+                <a:solidFill>
+                  <a:srgbClr val="00B050"/>
+                </a:solidFill>
+              </a:rPr>
+              <a:t>Ext traffic routed to Azure Firewall</a:t>
+            </a:r>
+          </a:p>
+        </p:txBody>
+      </p:sp>
+      <p:cxnSp>
+        <p:nvCxnSpPr>
+          <p:cNvPr id="33" name="Straight Arrow Connector 32">
+            <a:extLst>
+              <a:ext uri="{FF2B5EF4-FFF2-40B4-BE49-F238E27FC236}">
+                <a16:creationId xmlns:a16="http://schemas.microsoft.com/office/drawing/2014/main" id="{0882FB9A-5457-4C04-BBA2-6657783E66FF}"/>
+              </a:ext>
+            </a:extLst>
+          </p:cNvPr>
+          <p:cNvCxnSpPr>
+            <a:stCxn id="83" idx="3"/>
+          </p:cNvCxnSpPr>
+          <p:nvPr/>
+        </p:nvCxnSpPr>
+        <p:spPr>
+          <a:xfrm>
+            <a:off x="7049334" y="4554371"/>
+            <a:ext cx="973193" cy="0"/>
+          </a:xfrm>
+          <a:prstGeom prst="straightConnector1">
+            <a:avLst/>
+          </a:prstGeom>
+          <a:ln>
+            <a:solidFill>
+              <a:schemeClr val="tx1"/>
+            </a:solidFill>
+            <a:tailEnd type="triangle"/>
+          </a:ln>
+        </p:spPr>
+        <p:style>
+          <a:lnRef idx="1">
+            <a:schemeClr val="accent1"/>
+          </a:lnRef>
+          <a:fillRef idx="0">
+            <a:schemeClr val="accent1"/>
+          </a:fillRef>
+          <a:effectRef idx="0">
+            <a:schemeClr val="accent1"/>
+          </a:effectRef>
+          <a:fontRef idx="minor">
+            <a:schemeClr val="tx1"/>
+          </a:fontRef>
+        </p:style>
+      </p:cxnSp>
+      <p:sp>
+        <p:nvSpPr>
+          <p:cNvPr id="93" name="Rectangle 92">
+            <a:extLst>
+              <a:ext uri="{FF2B5EF4-FFF2-40B4-BE49-F238E27FC236}">
+                <a16:creationId xmlns:a16="http://schemas.microsoft.com/office/drawing/2014/main" id="{9FC8884D-1250-4103-BD8D-4152D88C0B54}"/>
+              </a:ext>
+            </a:extLst>
+          </p:cNvPr>
+          <p:cNvSpPr/>
+          <p:nvPr/>
+        </p:nvSpPr>
+        <p:spPr>
+          <a:xfrm>
+            <a:off x="8024781" y="4368921"/>
+            <a:ext cx="1243071" cy="421396"/>
+          </a:xfrm>
+          <a:prstGeom prst="rect">
+            <a:avLst/>
+          </a:prstGeom>
+          <a:noFill/>
+          <a:ln>
+            <a:noFill/>
+          </a:ln>
+        </p:spPr>
+        <p:style>
+          <a:lnRef idx="2">
+            <a:schemeClr val="accent1">
+              <a:shade val="50000"/>
+            </a:schemeClr>
+          </a:lnRef>
+          <a:fillRef idx="1">
+            <a:schemeClr val="accent1"/>
+          </a:fillRef>
+          <a:effectRef idx="0">
+            <a:schemeClr val="accent1"/>
+          </a:effectRef>
+          <a:fontRef idx="minor">
+            <a:schemeClr val="lt1"/>
+          </a:fontRef>
+        </p:style>
+        <p:txBody>
+          <a:bodyPr rtlCol="0" anchor="ctr"/>
+          <a:lstStyle/>
+          <a:p>
+            <a:r>
+              <a:rPr lang="en-CA" sz="800" dirty="0">
+                <a:solidFill>
+                  <a:schemeClr val="tx1"/>
+                </a:solidFill>
+              </a:rPr>
+              <a:t>Export logs for monitoring &amp; alerting</a:t>
+            </a:r>
+          </a:p>
+        </p:txBody>
+      </p:sp>
+      <p:sp>
+        <p:nvSpPr>
+          <p:cNvPr id="94" name="Rectangle 93">
+            <a:extLst>
+              <a:ext uri="{FF2B5EF4-FFF2-40B4-BE49-F238E27FC236}">
+                <a16:creationId xmlns:a16="http://schemas.microsoft.com/office/drawing/2014/main" id="{AEBA2B29-C474-4B76-8B89-04E5645E9C98}"/>
+              </a:ext>
+            </a:extLst>
+          </p:cNvPr>
+          <p:cNvSpPr/>
+          <p:nvPr/>
+        </p:nvSpPr>
+        <p:spPr>
+          <a:xfrm>
+            <a:off x="8104647" y="3255339"/>
+            <a:ext cx="1243071" cy="403079"/>
+          </a:xfrm>
+          <a:prstGeom prst="rect">
+            <a:avLst/>
+          </a:prstGeom>
+          <a:noFill/>
+          <a:ln>
+            <a:noFill/>
+          </a:ln>
+        </p:spPr>
+        <p:style>
+          <a:lnRef idx="2">
+            <a:schemeClr val="accent1">
+              <a:shade val="50000"/>
+            </a:schemeClr>
+          </a:lnRef>
+          <a:fillRef idx="1">
+            <a:schemeClr val="accent1"/>
+          </a:fillRef>
+          <a:effectRef idx="0">
+            <a:schemeClr val="accent1"/>
+          </a:effectRef>
+          <a:fontRef idx="minor">
+            <a:schemeClr val="lt1"/>
+          </a:fontRef>
+        </p:style>
+        <p:txBody>
+          <a:bodyPr rtlCol="0" anchor="ctr"/>
+          <a:lstStyle/>
+          <a:p>
+            <a:pPr algn="ctr"/>
+            <a:r>
+              <a:rPr lang="en-CA" sz="800" dirty="0">
+                <a:solidFill>
+                  <a:srgbClr val="00B050"/>
+                </a:solidFill>
+              </a:rPr>
+              <a:t>Traffic goes through Microsoft backbone </a:t>
+            </a:r>
+          </a:p>
+          <a:p>
+            <a:pPr algn="ctr"/>
+            <a:r>
+              <a:rPr lang="en-CA" sz="800" dirty="0">
+                <a:solidFill>
+                  <a:srgbClr val="00B050"/>
+                </a:solidFill>
+              </a:rPr>
+              <a:t>network</a:t>
+            </a:r>
+          </a:p>
+        </p:txBody>
+      </p:sp>
+      <p:sp>
+        <p:nvSpPr>
+          <p:cNvPr id="95" name="Rectangle 94">
+            <a:extLst>
+              <a:ext uri="{FF2B5EF4-FFF2-40B4-BE49-F238E27FC236}">
+                <a16:creationId xmlns:a16="http://schemas.microsoft.com/office/drawing/2014/main" id="{D7913D6D-6CAB-4BD0-A2B7-CE10E5D966DC}"/>
+              </a:ext>
+            </a:extLst>
+          </p:cNvPr>
+          <p:cNvSpPr/>
+          <p:nvPr/>
+        </p:nvSpPr>
+        <p:spPr>
+          <a:xfrm>
+            <a:off x="1090075" y="5146651"/>
+            <a:ext cx="4083263" cy="1128403"/>
+          </a:xfrm>
+          <a:prstGeom prst="rect">
+            <a:avLst/>
+          </a:prstGeom>
+          <a:noFill/>
+          <a:ln>
+            <a:noFill/>
+          </a:ln>
+        </p:spPr>
+        <p:style>
+          <a:lnRef idx="2">
+            <a:schemeClr val="accent1">
+              <a:shade val="50000"/>
+            </a:schemeClr>
+          </a:lnRef>
+          <a:fillRef idx="1">
+            <a:schemeClr val="accent1"/>
+          </a:fillRef>
+          <a:effectRef idx="0">
+            <a:schemeClr val="accent1"/>
+          </a:effectRef>
+          <a:fontRef idx="minor">
+            <a:schemeClr val="lt1"/>
+          </a:fontRef>
+        </p:style>
+        <p:txBody>
+          <a:bodyPr rtlCol="0" anchor="ctr"/>
+          <a:lstStyle/>
+          <a:p>
+            <a:r>
+              <a:rPr lang="en-CA" sz="1200" b="1" dirty="0">
+                <a:solidFill>
+                  <a:schemeClr val="tx1"/>
+                </a:solidFill>
+              </a:rPr>
+              <a:t>Comments</a:t>
+            </a:r>
+          </a:p>
+          <a:p>
+            <a:pPr marL="171450" indent="-171450">
+              <a:buFont typeface="Arial" panose="020B0604020202020204" pitchFamily="34" charset="0"/>
+              <a:buChar char="•"/>
+            </a:pPr>
+            <a:endParaRPr lang="en-CA" sz="1200" dirty="0">
+              <a:solidFill>
+                <a:schemeClr val="tx1"/>
+              </a:solidFill>
+            </a:endParaRPr>
+          </a:p>
+          <a:p>
+            <a:pPr marL="171450" indent="-171450">
+              <a:buFont typeface="Arial" panose="020B0604020202020204" pitchFamily="34" charset="0"/>
+              <a:buChar char="•"/>
+            </a:pPr>
+            <a:r>
+              <a:rPr lang="en-CA" sz="1200" dirty="0">
+                <a:solidFill>
+                  <a:schemeClr val="tx1"/>
+                </a:solidFill>
+              </a:rPr>
+              <a:t>Service Endpoint enabled only for AzureFirewallSubnet</a:t>
+            </a:r>
+          </a:p>
+          <a:p>
+            <a:pPr marL="171450" indent="-171450">
+              <a:buFont typeface="Arial" panose="020B0604020202020204" pitchFamily="34" charset="0"/>
+              <a:buChar char="•"/>
+            </a:pPr>
+            <a:r>
+              <a:rPr lang="en-CA" sz="1200" dirty="0">
+                <a:solidFill>
+                  <a:schemeClr val="tx1"/>
+                </a:solidFill>
+              </a:rPr>
+              <a:t>Connects to Public IP through Azure backbone network</a:t>
+            </a:r>
+          </a:p>
+          <a:p>
+            <a:pPr marL="171450" indent="-171450">
+              <a:buFont typeface="Arial" panose="020B0604020202020204" pitchFamily="34" charset="0"/>
+              <a:buChar char="•"/>
+            </a:pPr>
+            <a:r>
+              <a:rPr lang="en-CA" sz="1200" dirty="0">
+                <a:solidFill>
+                  <a:schemeClr val="tx1"/>
+                </a:solidFill>
+              </a:rPr>
+              <a:t>Source IP is switched to Private</a:t>
+            </a:r>
+          </a:p>
+          <a:p>
+            <a:pPr marL="171450" indent="-171450">
+              <a:buFont typeface="Arial" panose="020B0604020202020204" pitchFamily="34" charset="0"/>
+              <a:buChar char="•"/>
+            </a:pPr>
+            <a:r>
+              <a:rPr lang="en-CA" sz="1200" dirty="0">
+                <a:solidFill>
+                  <a:schemeClr val="tx1"/>
+                </a:solidFill>
+              </a:rPr>
+              <a:t>No VNet peering in case of CDP</a:t>
+            </a:r>
+          </a:p>
+        </p:txBody>
+      </p:sp>
+    </p:spTree>
+    <p:extLst>
+      <p:ext uri="{BB962C8B-B14F-4D97-AF65-F5344CB8AC3E}">
+        <p14:creationId xmlns:p14="http://schemas.microsoft.com/office/powerpoint/2010/main" val="2587440602"/>
+      </p:ext>
+    </p:extLst>
+  </p:cSld>
+  <p:clrMapOvr>
+    <a:masterClrMapping/>
+  </p:clrMapOvr>
+</p:sld>
+</file>
+
+<file path=ppt/slides/slide2.xml><?xml version="1.0" encoding="utf-8"?>
 <p:sld xmlns:a="http://schemas.openxmlformats.org/drawingml/2006/main" xmlns:r="http://schemas.openxmlformats.org/officeDocument/2006/relationships" xmlns:p="http://schemas.openxmlformats.org/presentationml/2006/main">
   <p:cSld>
     <p:spTree>
@@ -6964,7 +9966,7 @@
 </p:sld>
 </file>
 
-<file path=ppt/slides/slide2.xml><?xml version="1.0" encoding="utf-8"?>
+<file path=ppt/slides/slide3.xml><?xml version="1.0" encoding="utf-8"?>
 <p:sld xmlns:a="http://schemas.openxmlformats.org/drawingml/2006/main" xmlns:r="http://schemas.openxmlformats.org/officeDocument/2006/relationships" xmlns:p="http://schemas.openxmlformats.org/presentationml/2006/main">
   <p:cSld>
     <p:spTree>
@@ -7440,7 +10442,7 @@
 </p:sld>
 </file>
 
-<file path=ppt/slides/slide3.xml><?xml version="1.0" encoding="utf-8"?>
+<file path=ppt/slides/slide4.xml><?xml version="1.0" encoding="utf-8"?>
 <p:sld xmlns:a="http://schemas.openxmlformats.org/drawingml/2006/main" xmlns:r="http://schemas.openxmlformats.org/officeDocument/2006/relationships" xmlns:p="http://schemas.openxmlformats.org/presentationml/2006/main">
   <p:cSld>
     <p:spTree>
@@ -7935,9 +10937,9 @@
         <p:grpSpPr>
           <a:xfrm>
             <a:off x="3947585" y="3429000"/>
-            <a:ext cx="2862861" cy="2379543"/>
+            <a:ext cx="2785265" cy="2379543"/>
             <a:chOff x="4236132" y="2642781"/>
-            <a:chExt cx="2862861" cy="2379543"/>
+            <a:chExt cx="2785265" cy="2379543"/>
           </a:xfrm>
         </p:grpSpPr>
         <p:sp>
@@ -8154,123 +11156,6 @@
             </a:p>
           </p:txBody>
         </p:sp>
-        <p:grpSp>
-          <p:nvGrpSpPr>
-            <p:cNvPr id="17" name="Group 16">
-              <a:extLst>
-                <a:ext uri="{FF2B5EF4-FFF2-40B4-BE49-F238E27FC236}">
-                  <a16:creationId xmlns:a16="http://schemas.microsoft.com/office/drawing/2014/main" id="{6DFF6914-9121-4AB9-BC2B-879BA522F9B7}"/>
-                </a:ext>
-              </a:extLst>
-            </p:cNvPr>
-            <p:cNvGrpSpPr/>
-            <p:nvPr/>
-          </p:nvGrpSpPr>
-          <p:grpSpPr>
-            <a:xfrm>
-              <a:off x="6011209" y="4341489"/>
-              <a:ext cx="1087784" cy="678393"/>
-              <a:chOff x="10247359" y="6014407"/>
-              <a:chExt cx="1087784" cy="678393"/>
-            </a:xfrm>
-          </p:grpSpPr>
-          <p:sp>
-            <p:nvSpPr>
-              <p:cNvPr id="23" name="Rectangle 22">
-                <a:extLst>
-                  <a:ext uri="{FF2B5EF4-FFF2-40B4-BE49-F238E27FC236}">
-                    <a16:creationId xmlns:a16="http://schemas.microsoft.com/office/drawing/2014/main" id="{3D9CED80-E41F-4EBF-8515-ADAEAEF9554A}"/>
-                  </a:ext>
-                </a:extLst>
-              </p:cNvPr>
-              <p:cNvSpPr/>
-              <p:nvPr/>
-            </p:nvSpPr>
-            <p:spPr>
-              <a:xfrm>
-                <a:off x="10247359" y="6407049"/>
-                <a:ext cx="1087784" cy="285751"/>
-              </a:xfrm>
-              <a:prstGeom prst="rect">
-                <a:avLst/>
-              </a:prstGeom>
-              <a:noFill/>
-              <a:ln>
-                <a:noFill/>
-              </a:ln>
-            </p:spPr>
-            <p:style>
-              <a:lnRef idx="2">
-                <a:schemeClr val="accent1">
-                  <a:shade val="50000"/>
-                </a:schemeClr>
-              </a:lnRef>
-              <a:fillRef idx="1">
-                <a:schemeClr val="accent1"/>
-              </a:fillRef>
-              <a:effectRef idx="0">
-                <a:schemeClr val="accent1"/>
-              </a:effectRef>
-              <a:fontRef idx="minor">
-                <a:schemeClr val="lt1"/>
-              </a:fontRef>
-            </p:style>
-            <p:txBody>
-              <a:bodyPr rtlCol="0" anchor="ctr"/>
-              <a:lstStyle/>
-              <a:p>
-                <a:pPr algn="ctr"/>
-                <a:r>
-                  <a:rPr lang="en-CA" sz="1000" b="1" dirty="0">
-                    <a:solidFill>
-                      <a:schemeClr val="tx1"/>
-                    </a:solidFill>
-                  </a:rPr>
-                  <a:t>Service Endpoint</a:t>
-                </a:r>
-              </a:p>
-            </p:txBody>
-          </p:sp>
-          <p:pic>
-            <p:nvPicPr>
-              <p:cNvPr id="24" name="Graphic 23">
-                <a:extLst>
-                  <a:ext uri="{FF2B5EF4-FFF2-40B4-BE49-F238E27FC236}">
-                    <a16:creationId xmlns:a16="http://schemas.microsoft.com/office/drawing/2014/main" id="{482944B2-A507-4BCB-96D3-A0A151870BC4}"/>
-                  </a:ext>
-                </a:extLst>
-              </p:cNvPr>
-              <p:cNvPicPr>
-                <a:picLocks noChangeAspect="1"/>
-              </p:cNvPicPr>
-              <p:nvPr/>
-            </p:nvPicPr>
-            <p:blipFill>
-              <a:blip r:embed="rId4">
-                <a:extLst>
-                  <a:ext uri="{28A0092B-C50C-407E-A947-70E740481C1C}">
-                    <a14:useLocalDpi xmlns:a14="http://schemas.microsoft.com/office/drawing/2010/main" val="0"/>
-                  </a:ext>
-                  <a:ext uri="{96DAC541-7B7A-43D3-8B79-37D633B846F1}">
-                    <asvg:svgBlip xmlns:asvg="http://schemas.microsoft.com/office/drawing/2016/SVG/main" r:embed="rId5"/>
-                  </a:ext>
-                </a:extLst>
-              </a:blip>
-              <a:stretch>
-                <a:fillRect/>
-              </a:stretch>
-            </p:blipFill>
-            <p:spPr>
-              <a:xfrm>
-                <a:off x="10631340" y="6014407"/>
-                <a:ext cx="476250" cy="476250"/>
-              </a:xfrm>
-              <a:prstGeom prst="rect">
-                <a:avLst/>
-              </a:prstGeom>
-            </p:spPr>
-          </p:pic>
-        </p:grpSp>
         <p:sp>
           <p:nvSpPr>
             <p:cNvPr id="18" name="Rectangle 17">
@@ -8420,13 +11305,13 @@
               <p:nvPr/>
             </p:nvPicPr>
             <p:blipFill>
-              <a:blip r:embed="rId6">
+              <a:blip r:embed="rId4">
                 <a:extLst>
                   <a:ext uri="{28A0092B-C50C-407E-A947-70E740481C1C}">
                     <a14:useLocalDpi xmlns:a14="http://schemas.microsoft.com/office/drawing/2010/main" val="0"/>
                   </a:ext>
                   <a:ext uri="{96DAC541-7B7A-43D3-8B79-37D633B846F1}">
-                    <asvg:svgBlip xmlns:asvg="http://schemas.microsoft.com/office/drawing/2016/SVG/main" r:embed="rId7"/>
+                    <asvg:svgBlip xmlns:asvg="http://schemas.microsoft.com/office/drawing/2016/SVG/main" r:embed="rId5"/>
                   </a:ext>
                 </a:extLst>
               </a:blip>
@@ -8943,13 +11828,13 @@
               <p:nvPr/>
             </p:nvPicPr>
             <p:blipFill>
-              <a:blip r:embed="rId8">
+              <a:blip r:embed="rId6">
                 <a:extLst>
                   <a:ext uri="{28A0092B-C50C-407E-A947-70E740481C1C}">
                     <a14:useLocalDpi xmlns:a14="http://schemas.microsoft.com/office/drawing/2010/main" val="0"/>
                   </a:ext>
                   <a:ext uri="{96DAC541-7B7A-43D3-8B79-37D633B846F1}">
-                    <asvg:svgBlip xmlns:asvg="http://schemas.microsoft.com/office/drawing/2016/SVG/main" r:embed="rId9"/>
+                    <asvg:svgBlip xmlns:asvg="http://schemas.microsoft.com/office/drawing/2016/SVG/main" r:embed="rId7"/>
                   </a:ext>
                 </a:extLst>
               </a:blip>
@@ -9161,13 +12046,13 @@
             <p:nvPr/>
           </p:nvPicPr>
           <p:blipFill>
-            <a:blip r:embed="rId10">
+            <a:blip r:embed="rId8">
               <a:extLst>
                 <a:ext uri="{28A0092B-C50C-407E-A947-70E740481C1C}">
                   <a14:useLocalDpi xmlns:a14="http://schemas.microsoft.com/office/drawing/2010/main" val="0"/>
                 </a:ext>
                 <a:ext uri="{96DAC541-7B7A-43D3-8B79-37D633B846F1}">
-                  <asvg:svgBlip xmlns:asvg="http://schemas.microsoft.com/office/drawing/2016/SVG/main" r:embed="rId11"/>
+                  <asvg:svgBlip xmlns:asvg="http://schemas.microsoft.com/office/drawing/2016/SVG/main" r:embed="rId9"/>
                 </a:ext>
               </a:extLst>
             </a:blip>
@@ -9880,13 +12765,13 @@
             <p:nvPr/>
           </p:nvPicPr>
           <p:blipFill>
-            <a:blip r:embed="rId10">
+            <a:blip r:embed="rId8">
               <a:extLst>
                 <a:ext uri="{28A0092B-C50C-407E-A947-70E740481C1C}">
                   <a14:useLocalDpi xmlns:a14="http://schemas.microsoft.com/office/drawing/2010/main" val="0"/>
                 </a:ext>
                 <a:ext uri="{96DAC541-7B7A-43D3-8B79-37D633B846F1}">
-                  <asvg:svgBlip xmlns:asvg="http://schemas.microsoft.com/office/drawing/2016/SVG/main" r:embed="rId11"/>
+                  <asvg:svgBlip xmlns:asvg="http://schemas.microsoft.com/office/drawing/2016/SVG/main" r:embed="rId9"/>
                 </a:ext>
               </a:extLst>
             </a:blip>
@@ -10017,7 +12902,7 @@
               <p:nvPr/>
             </p:nvPicPr>
             <p:blipFill>
-              <a:blip r:embed="rId12">
+              <a:blip r:embed="rId10">
                 <a:extLst>
                   <a:ext uri="{28A0092B-C50C-407E-A947-70E740481C1C}">
                     <a14:useLocalDpi xmlns:a14="http://schemas.microsoft.com/office/drawing/2010/main" val="0"/>
@@ -10225,13 +13110,13 @@
             <p:nvPr/>
           </p:nvPicPr>
           <p:blipFill>
-            <a:blip r:embed="rId13">
+            <a:blip r:embed="rId11">
               <a:extLst>
                 <a:ext uri="{28A0092B-C50C-407E-A947-70E740481C1C}">
                   <a14:useLocalDpi xmlns:a14="http://schemas.microsoft.com/office/drawing/2010/main" val="0"/>
                 </a:ext>
                 <a:ext uri="{96DAC541-7B7A-43D3-8B79-37D633B846F1}">
-                  <asvg:svgBlip xmlns:asvg="http://schemas.microsoft.com/office/drawing/2016/SVG/main" r:embed="rId14"/>
+                  <asvg:svgBlip xmlns:asvg="http://schemas.microsoft.com/office/drawing/2016/SVG/main" r:embed="rId12"/>
                 </a:ext>
               </a:extLst>
             </a:blip>
@@ -10363,7 +13248,7 @@
           <p:nvPr/>
         </p:nvPicPr>
         <p:blipFill>
-          <a:blip r:embed="rId15">
+          <a:blip r:embed="rId13">
             <a:extLst>
               <a:ext uri="{28A0092B-C50C-407E-A947-70E740481C1C}">
                 <a14:useLocalDpi xmlns:a14="http://schemas.microsoft.com/office/drawing/2010/main" val="0"/>
@@ -10516,13 +13401,13 @@
           <p:nvPr/>
         </p:nvPicPr>
         <p:blipFill>
-          <a:blip r:embed="rId16">
+          <a:blip r:embed="rId14">
             <a:extLst>
               <a:ext uri="{28A0092B-C50C-407E-A947-70E740481C1C}">
                 <a14:useLocalDpi xmlns:a14="http://schemas.microsoft.com/office/drawing/2010/main" val="0"/>
               </a:ext>
               <a:ext uri="{96DAC541-7B7A-43D3-8B79-37D633B846F1}">
-                <asvg:svgBlip xmlns:asvg="http://schemas.microsoft.com/office/drawing/2016/SVG/main" r:embed="rId17"/>
+                <asvg:svgBlip xmlns:asvg="http://schemas.microsoft.com/office/drawing/2016/SVG/main" r:embed="rId15"/>
               </a:ext>
             </a:extLst>
           </a:blip>
@@ -10575,13 +13460,13 @@
             <p:nvPr/>
           </p:nvPicPr>
           <p:blipFill>
-            <a:blip r:embed="rId18">
+            <a:blip r:embed="rId16">
               <a:extLst>
                 <a:ext uri="{28A0092B-C50C-407E-A947-70E740481C1C}">
                   <a14:useLocalDpi xmlns:a14="http://schemas.microsoft.com/office/drawing/2010/main" val="0"/>
                 </a:ext>
                 <a:ext uri="{96DAC541-7B7A-43D3-8B79-37D633B846F1}">
-                  <asvg:svgBlip xmlns:asvg="http://schemas.microsoft.com/office/drawing/2016/SVG/main" r:embed="rId19"/>
+                  <asvg:svgBlip xmlns:asvg="http://schemas.microsoft.com/office/drawing/2016/SVG/main" r:embed="rId17"/>
                 </a:ext>
               </a:extLst>
             </a:blip>
@@ -10701,13 +13586,13 @@
             <p:nvPr/>
           </p:nvPicPr>
           <p:blipFill>
-            <a:blip r:embed="rId18">
+            <a:blip r:embed="rId16">
               <a:extLst>
                 <a:ext uri="{28A0092B-C50C-407E-A947-70E740481C1C}">
                   <a14:useLocalDpi xmlns:a14="http://schemas.microsoft.com/office/drawing/2010/main" val="0"/>
                 </a:ext>
                 <a:ext uri="{96DAC541-7B7A-43D3-8B79-37D633B846F1}">
-                  <asvg:svgBlip xmlns:asvg="http://schemas.microsoft.com/office/drawing/2016/SVG/main" r:embed="rId19"/>
+                  <asvg:svgBlip xmlns:asvg="http://schemas.microsoft.com/office/drawing/2016/SVG/main" r:embed="rId17"/>
                 </a:ext>
               </a:extLst>
             </a:blip>
@@ -10827,13 +13712,13 @@
             <p:nvPr/>
           </p:nvPicPr>
           <p:blipFill>
-            <a:blip r:embed="rId18">
+            <a:blip r:embed="rId16">
               <a:extLst>
                 <a:ext uri="{28A0092B-C50C-407E-A947-70E740481C1C}">
                   <a14:useLocalDpi xmlns:a14="http://schemas.microsoft.com/office/drawing/2010/main" val="0"/>
                 </a:ext>
                 <a:ext uri="{96DAC541-7B7A-43D3-8B79-37D633B846F1}">
-                  <asvg:svgBlip xmlns:asvg="http://schemas.microsoft.com/office/drawing/2016/SVG/main" r:embed="rId19"/>
+                  <asvg:svgBlip xmlns:asvg="http://schemas.microsoft.com/office/drawing/2016/SVG/main" r:embed="rId17"/>
                 </a:ext>
               </a:extLst>
             </a:blip>
@@ -10974,11 +13859,11 @@
           <p:nvPr/>
         </p:nvCxnSpPr>
         <p:spPr>
-          <a:xfrm rot="5400000" flipH="1" flipV="1">
-            <a:off x="1881318" y="4172512"/>
-            <a:ext cx="553075" cy="417442"/>
+          <a:xfrm flipV="1">
+            <a:off x="1868831" y="4104695"/>
+            <a:ext cx="497745" cy="405360"/>
           </a:xfrm>
-          <a:prstGeom prst="curvedConnector3">
+          <a:prstGeom prst="curvedConnector2">
             <a:avLst/>
           </a:prstGeom>
           <a:ln>
@@ -11590,7 +14475,7 @@
         </p:nvGrpSpPr>
         <p:grpSpPr>
           <a:xfrm>
-            <a:off x="1899164" y="5046449"/>
+            <a:off x="1833118" y="4980572"/>
             <a:ext cx="2226572" cy="853084"/>
             <a:chOff x="347685" y="5790096"/>
             <a:chExt cx="2226572" cy="853084"/>
@@ -11688,13 +14573,13 @@
               <p:nvPr/>
             </p:nvPicPr>
             <p:blipFill>
-              <a:blip r:embed="rId20">
+              <a:blip r:embed="rId18">
                 <a:extLst>
                   <a:ext uri="{28A0092B-C50C-407E-A947-70E740481C1C}">
                     <a14:useLocalDpi xmlns:a14="http://schemas.microsoft.com/office/drawing/2010/main" val="0"/>
                   </a:ext>
                   <a:ext uri="{96DAC541-7B7A-43D3-8B79-37D633B846F1}">
-                    <asvg:svgBlip xmlns:asvg="http://schemas.microsoft.com/office/drawing/2016/SVG/main" r:embed="rId21"/>
+                    <asvg:svgBlip xmlns:asvg="http://schemas.microsoft.com/office/drawing/2016/SVG/main" r:embed="rId19"/>
                   </a:ext>
                 </a:extLst>
               </a:blip>
@@ -11727,13 +14612,13 @@
               <p:nvPr/>
             </p:nvPicPr>
             <p:blipFill>
-              <a:blip r:embed="rId22">
+              <a:blip r:embed="rId20">
                 <a:extLst>
                   <a:ext uri="{28A0092B-C50C-407E-A947-70E740481C1C}">
                     <a14:useLocalDpi xmlns:a14="http://schemas.microsoft.com/office/drawing/2010/main" val="0"/>
                   </a:ext>
                   <a:ext uri="{96DAC541-7B7A-43D3-8B79-37D633B846F1}">
-                    <asvg:svgBlip xmlns:asvg="http://schemas.microsoft.com/office/drawing/2016/SVG/main" r:embed="rId23"/>
+                    <asvg:svgBlip xmlns:asvg="http://schemas.microsoft.com/office/drawing/2016/SVG/main" r:embed="rId21"/>
                   </a:ext>
                 </a:extLst>
               </a:blip>
@@ -11860,53 +14745,6 @@
           </p:txBody>
         </p:sp>
       </p:grpSp>
-      <p:cxnSp>
-        <p:nvCxnSpPr>
-          <p:cNvPr id="46" name="Connector: Curved 45">
-            <a:extLst>
-              <a:ext uri="{FF2B5EF4-FFF2-40B4-BE49-F238E27FC236}">
-                <a16:creationId xmlns:a16="http://schemas.microsoft.com/office/drawing/2014/main" id="{2A969B5F-0CBB-470F-9363-14FD18AFB78C}"/>
-              </a:ext>
-            </a:extLst>
-          </p:cNvPr>
-          <p:cNvCxnSpPr>
-            <a:cxnSpLocks/>
-            <a:endCxn id="22" idx="1"/>
-          </p:cNvCxnSpPr>
-          <p:nvPr/>
-        </p:nvCxnSpPr>
-        <p:spPr>
-          <a:xfrm>
-            <a:off x="2029735" y="4877784"/>
-            <a:ext cx="2733795" cy="292747"/>
-          </a:xfrm>
-          <a:prstGeom prst="curvedConnector3">
-            <a:avLst>
-              <a:gd name="adj1" fmla="val 50000"/>
-            </a:avLst>
-          </a:prstGeom>
-          <a:ln>
-            <a:solidFill>
-              <a:srgbClr val="00B050"/>
-            </a:solidFill>
-            <a:tailEnd type="triangle"/>
-          </a:ln>
-        </p:spPr>
-        <p:style>
-          <a:lnRef idx="1">
-            <a:schemeClr val="accent1"/>
-          </a:lnRef>
-          <a:fillRef idx="0">
-            <a:schemeClr val="accent1"/>
-          </a:fillRef>
-          <a:effectRef idx="0">
-            <a:schemeClr val="accent1"/>
-          </a:effectRef>
-          <a:fontRef idx="minor">
-            <a:schemeClr val="tx1"/>
-          </a:fontRef>
-        </p:style>
-      </p:cxnSp>
       <p:sp>
         <p:nvSpPr>
           <p:cNvPr id="114" name="Rectangle 113">
@@ -11921,7 +14759,7 @@
         </p:nvSpPr>
         <p:spPr>
           <a:xfrm>
-            <a:off x="3500518" y="4919118"/>
+            <a:off x="4214595" y="4803032"/>
             <a:ext cx="291841" cy="179938"/>
           </a:xfrm>
           <a:prstGeom prst="rect">
@@ -12181,335 +15019,6 @@
           </a:p>
         </p:txBody>
       </p:sp>
-      <p:grpSp>
-        <p:nvGrpSpPr>
-          <p:cNvPr id="137" name="Group 136">
-            <a:extLst>
-              <a:ext uri="{FF2B5EF4-FFF2-40B4-BE49-F238E27FC236}">
-                <a16:creationId xmlns:a16="http://schemas.microsoft.com/office/drawing/2014/main" id="{2AB08ECC-4BCF-47EC-83B2-5C671FEB927E}"/>
-              </a:ext>
-            </a:extLst>
-          </p:cNvPr>
-          <p:cNvGrpSpPr/>
-          <p:nvPr/>
-        </p:nvGrpSpPr>
-        <p:grpSpPr>
-          <a:xfrm>
-            <a:off x="11176293" y="5933248"/>
-            <a:ext cx="970573" cy="790037"/>
-            <a:chOff x="10899931" y="2303928"/>
-            <a:chExt cx="970573" cy="790037"/>
-          </a:xfrm>
-        </p:grpSpPr>
-        <p:grpSp>
-          <p:nvGrpSpPr>
-            <p:cNvPr id="138" name="Group 137">
-              <a:extLst>
-                <a:ext uri="{FF2B5EF4-FFF2-40B4-BE49-F238E27FC236}">
-                  <a16:creationId xmlns:a16="http://schemas.microsoft.com/office/drawing/2014/main" id="{1880D116-13FB-45EE-9C46-89A8313DB0B5}"/>
-                </a:ext>
-              </a:extLst>
-            </p:cNvPr>
-            <p:cNvGrpSpPr/>
-            <p:nvPr/>
-          </p:nvGrpSpPr>
-          <p:grpSpPr>
-            <a:xfrm>
-              <a:off x="10899931" y="2303928"/>
-              <a:ext cx="942975" cy="666822"/>
-              <a:chOff x="5667375" y="2971728"/>
-              <a:chExt cx="942975" cy="666822"/>
-            </a:xfrm>
-          </p:grpSpPr>
-          <p:pic>
-            <p:nvPicPr>
-              <p:cNvPr id="140" name="Picture 139" descr="Logo&#10;&#10;Description automatically generated">
-                <a:extLst>
-                  <a:ext uri="{FF2B5EF4-FFF2-40B4-BE49-F238E27FC236}">
-                    <a16:creationId xmlns:a16="http://schemas.microsoft.com/office/drawing/2014/main" id="{C7A6FC65-4008-429F-A1C5-5B9A91F35739}"/>
-                  </a:ext>
-                </a:extLst>
-              </p:cNvPr>
-              <p:cNvPicPr>
-                <a:picLocks noChangeAspect="1"/>
-              </p:cNvPicPr>
-              <p:nvPr/>
-            </p:nvPicPr>
-            <p:blipFill>
-              <a:blip r:embed="rId12">
-                <a:extLst>
-                  <a:ext uri="{28A0092B-C50C-407E-A947-70E740481C1C}">
-                    <a14:useLocalDpi xmlns:a14="http://schemas.microsoft.com/office/drawing/2010/main" val="0"/>
-                  </a:ext>
-                </a:extLst>
-              </a:blip>
-              <a:stretch>
-                <a:fillRect/>
-              </a:stretch>
-            </p:blipFill>
-            <p:spPr>
-              <a:xfrm>
-                <a:off x="5910491" y="2971728"/>
-                <a:ext cx="448532" cy="448532"/>
-              </a:xfrm>
-              <a:prstGeom prst="rect">
-                <a:avLst/>
-              </a:prstGeom>
-            </p:spPr>
-          </p:pic>
-          <p:sp>
-            <p:nvSpPr>
-              <p:cNvPr id="141" name="Rectangle 140">
-                <a:extLst>
-                  <a:ext uri="{FF2B5EF4-FFF2-40B4-BE49-F238E27FC236}">
-                    <a16:creationId xmlns:a16="http://schemas.microsoft.com/office/drawing/2014/main" id="{AF65972C-9E62-4684-918D-D9BA8A1FF20A}"/>
-                  </a:ext>
-                </a:extLst>
-              </p:cNvPr>
-              <p:cNvSpPr/>
-              <p:nvPr/>
-            </p:nvSpPr>
-            <p:spPr>
-              <a:xfrm>
-                <a:off x="5667375" y="3352799"/>
-                <a:ext cx="942975" cy="285751"/>
-              </a:xfrm>
-              <a:prstGeom prst="rect">
-                <a:avLst/>
-              </a:prstGeom>
-              <a:noFill/>
-              <a:ln>
-                <a:noFill/>
-              </a:ln>
-            </p:spPr>
-            <p:style>
-              <a:lnRef idx="2">
-                <a:schemeClr val="accent1">
-                  <a:shade val="50000"/>
-                </a:schemeClr>
-              </a:lnRef>
-              <a:fillRef idx="1">
-                <a:schemeClr val="accent1"/>
-              </a:fillRef>
-              <a:effectRef idx="0">
-                <a:schemeClr val="accent1"/>
-              </a:effectRef>
-              <a:fontRef idx="minor">
-                <a:schemeClr val="lt1"/>
-              </a:fontRef>
-            </p:style>
-            <p:txBody>
-              <a:bodyPr rtlCol="0" anchor="ctr"/>
-              <a:lstStyle/>
-              <a:p>
-                <a:pPr algn="ctr"/>
-                <a:r>
-                  <a:rPr lang="en-CA" sz="1000" b="1" dirty="0">
-                    <a:solidFill>
-                      <a:schemeClr val="tx1"/>
-                    </a:solidFill>
-                  </a:rPr>
-                  <a:t>Key Vault</a:t>
-                </a:r>
-              </a:p>
-            </p:txBody>
-          </p:sp>
-        </p:grpSp>
-        <p:sp>
-          <p:nvSpPr>
-            <p:cNvPr id="139" name="Rectangle 138">
-              <a:extLst>
-                <a:ext uri="{FF2B5EF4-FFF2-40B4-BE49-F238E27FC236}">
-                  <a16:creationId xmlns:a16="http://schemas.microsoft.com/office/drawing/2014/main" id="{B542BCE5-598F-48ED-AC2C-51CA00F5F47F}"/>
-                </a:ext>
-              </a:extLst>
-            </p:cNvPr>
-            <p:cNvSpPr/>
-            <p:nvPr/>
-          </p:nvSpPr>
-          <p:spPr>
-            <a:xfrm>
-              <a:off x="10932427" y="2847744"/>
-              <a:ext cx="938077" cy="246221"/>
-            </a:xfrm>
-            <a:prstGeom prst="rect">
-              <a:avLst/>
-            </a:prstGeom>
-          </p:spPr>
-          <p:txBody>
-            <a:bodyPr wrap="none">
-              <a:spAutoFit/>
-            </a:bodyPr>
-            <a:lstStyle/>
-            <a:p>
-              <a:r>
-                <a:rPr lang="en-CA" sz="1000" dirty="0"/>
-                <a:t>20.38.149.196</a:t>
-              </a:r>
-            </a:p>
-          </p:txBody>
-        </p:sp>
-      </p:grpSp>
-      <p:cxnSp>
-        <p:nvCxnSpPr>
-          <p:cNvPr id="127" name="Connector: Curved 126">
-            <a:extLst>
-              <a:ext uri="{FF2B5EF4-FFF2-40B4-BE49-F238E27FC236}">
-                <a16:creationId xmlns:a16="http://schemas.microsoft.com/office/drawing/2014/main" id="{F5FA7042-8C78-45BD-923D-5504A294FB03}"/>
-              </a:ext>
-            </a:extLst>
-          </p:cNvPr>
-          <p:cNvCxnSpPr>
-            <a:stCxn id="22" idx="3"/>
-            <a:endCxn id="140" idx="1"/>
-          </p:cNvCxnSpPr>
-          <p:nvPr/>
-        </p:nvCxnSpPr>
-        <p:spPr>
-          <a:xfrm>
-            <a:off x="5701323" y="5170531"/>
-            <a:ext cx="5718086" cy="986983"/>
-          </a:xfrm>
-          <a:prstGeom prst="curvedConnector3">
-            <a:avLst>
-              <a:gd name="adj1" fmla="val 21520"/>
-            </a:avLst>
-          </a:prstGeom>
-          <a:ln>
-            <a:solidFill>
-              <a:srgbClr val="00B050"/>
-            </a:solidFill>
-            <a:tailEnd type="triangle"/>
-          </a:ln>
-        </p:spPr>
-        <p:style>
-          <a:lnRef idx="1">
-            <a:schemeClr val="accent1"/>
-          </a:lnRef>
-          <a:fillRef idx="0">
-            <a:schemeClr val="accent1"/>
-          </a:fillRef>
-          <a:effectRef idx="0">
-            <a:schemeClr val="accent1"/>
-          </a:effectRef>
-          <a:fontRef idx="minor">
-            <a:schemeClr val="tx1"/>
-          </a:fontRef>
-        </p:style>
-      </p:cxnSp>
-      <p:sp>
-        <p:nvSpPr>
-          <p:cNvPr id="146" name="Rectangle 145">
-            <a:extLst>
-              <a:ext uri="{FF2B5EF4-FFF2-40B4-BE49-F238E27FC236}">
-                <a16:creationId xmlns:a16="http://schemas.microsoft.com/office/drawing/2014/main" id="{6D4F2BC6-07C9-48CF-81F0-916180DB56B9}"/>
-              </a:ext>
-            </a:extLst>
-          </p:cNvPr>
-          <p:cNvSpPr/>
-          <p:nvPr/>
-        </p:nvSpPr>
-        <p:spPr>
-          <a:xfrm>
-            <a:off x="8091866" y="6022527"/>
-            <a:ext cx="291841" cy="179938"/>
-          </a:xfrm>
-          <a:prstGeom prst="rect">
-            <a:avLst/>
-          </a:prstGeom>
-          <a:noFill/>
-          <a:ln>
-            <a:noFill/>
-          </a:ln>
-        </p:spPr>
-        <p:style>
-          <a:lnRef idx="2">
-            <a:schemeClr val="accent1">
-              <a:shade val="50000"/>
-            </a:schemeClr>
-          </a:lnRef>
-          <a:fillRef idx="1">
-            <a:schemeClr val="accent1"/>
-          </a:fillRef>
-          <a:effectRef idx="0">
-            <a:schemeClr val="accent1"/>
-          </a:effectRef>
-          <a:fontRef idx="minor">
-            <a:schemeClr val="lt1"/>
-          </a:fontRef>
-        </p:style>
-        <p:txBody>
-          <a:bodyPr rtlCol="0" anchor="ctr"/>
-          <a:lstStyle/>
-          <a:p>
-            <a:pPr algn="ctr"/>
-            <a:r>
-              <a:rPr lang="en-CA" sz="1200" b="1" dirty="0">
-                <a:solidFill>
-                  <a:srgbClr val="00B050"/>
-                </a:solidFill>
-              </a:rPr>
-              <a:t>9</a:t>
-            </a:r>
-          </a:p>
-        </p:txBody>
-      </p:sp>
-      <p:sp>
-        <p:nvSpPr>
-          <p:cNvPr id="147" name="Rectangle 146">
-            <a:extLst>
-              <a:ext uri="{FF2B5EF4-FFF2-40B4-BE49-F238E27FC236}">
-                <a16:creationId xmlns:a16="http://schemas.microsoft.com/office/drawing/2014/main" id="{8451734E-45C4-44FB-8D83-84B5854F35AC}"/>
-              </a:ext>
-            </a:extLst>
-          </p:cNvPr>
-          <p:cNvSpPr/>
-          <p:nvPr/>
-        </p:nvSpPr>
-        <p:spPr>
-          <a:xfrm>
-            <a:off x="8771711" y="5888667"/>
-            <a:ext cx="1753277" cy="223829"/>
-          </a:xfrm>
-          <a:prstGeom prst="rect">
-            <a:avLst/>
-          </a:prstGeom>
-          <a:noFill/>
-          <a:ln>
-            <a:noFill/>
-          </a:ln>
-        </p:spPr>
-        <p:style>
-          <a:lnRef idx="2">
-            <a:schemeClr val="accent1">
-              <a:shade val="50000"/>
-            </a:schemeClr>
-          </a:lnRef>
-          <a:fillRef idx="1">
-            <a:schemeClr val="accent1"/>
-          </a:fillRef>
-          <a:effectRef idx="0">
-            <a:schemeClr val="accent1"/>
-          </a:effectRef>
-          <a:fontRef idx="minor">
-            <a:schemeClr val="lt1"/>
-          </a:fontRef>
-        </p:style>
-        <p:txBody>
-          <a:bodyPr rtlCol="0" anchor="ctr"/>
-          <a:lstStyle/>
-          <a:p>
-            <a:r>
-              <a:rPr lang="en-CA" sz="900" dirty="0">
-                <a:solidFill>
-                  <a:srgbClr val="00B050"/>
-                </a:solidFill>
-              </a:rPr>
-              <a:t>Traffic through service endpoint</a:t>
-            </a:r>
-          </a:p>
-        </p:txBody>
-      </p:sp>
       <p:sp>
         <p:nvSpPr>
           <p:cNvPr id="148" name="Rectangle 147">
@@ -12562,8 +15071,21 @@
                   <a:schemeClr val="tx1"/>
                 </a:solidFill>
               </a:rPr>
-              <a:t>Azure Network - Firewall, DNS, Private Endpoint &amp; Service Endpoint</a:t>
+              <a:t>Azure Network - Firewall, DNS, </a:t>
             </a:r>
+            <a:r>
+              <a:rPr lang="en-CA" sz="1600" b="1" u="sng">
+                <a:solidFill>
+                  <a:schemeClr val="tx1"/>
+                </a:solidFill>
+              </a:rPr>
+              <a:t>Private Endpoint</a:t>
+            </a:r>
+            <a:endParaRPr lang="en-CA" sz="1600" b="1" u="sng" dirty="0">
+              <a:solidFill>
+                <a:schemeClr val="tx1"/>
+              </a:solidFill>
+            </a:endParaRPr>
           </a:p>
         </p:txBody>
       </p:sp>
@@ -12602,13 +15124,13 @@
             <p:nvPr/>
           </p:nvPicPr>
           <p:blipFill>
-            <a:blip r:embed="rId24">
+            <a:blip r:embed="rId22">
               <a:extLst>
                 <a:ext uri="{28A0092B-C50C-407E-A947-70E740481C1C}">
                   <a14:useLocalDpi xmlns:a14="http://schemas.microsoft.com/office/drawing/2010/main" val="0"/>
                 </a:ext>
                 <a:ext uri="{96DAC541-7B7A-43D3-8B79-37D633B846F1}">
-                  <asvg:svgBlip xmlns:asvg="http://schemas.microsoft.com/office/drawing/2016/SVG/main" r:embed="rId25"/>
+                  <asvg:svgBlip xmlns:asvg="http://schemas.microsoft.com/office/drawing/2016/SVG/main" r:embed="rId23"/>
                 </a:ext>
               </a:extLst>
             </a:blip>
@@ -12859,13 +15381,13 @@
             <p:nvPr/>
           </p:nvPicPr>
           <p:blipFill>
-            <a:blip r:embed="rId26">
+            <a:blip r:embed="rId24">
               <a:extLst>
                 <a:ext uri="{28A0092B-C50C-407E-A947-70E740481C1C}">
                   <a14:useLocalDpi xmlns:a14="http://schemas.microsoft.com/office/drawing/2010/main" val="0"/>
                 </a:ext>
                 <a:ext uri="{96DAC541-7B7A-43D3-8B79-37D633B846F1}">
-                  <asvg:svgBlip xmlns:asvg="http://schemas.microsoft.com/office/drawing/2016/SVG/main" r:embed="rId27"/>
+                  <asvg:svgBlip xmlns:asvg="http://schemas.microsoft.com/office/drawing/2016/SVG/main" r:embed="rId25"/>
                 </a:ext>
               </a:extLst>
             </a:blip>
@@ -13091,13 +15613,13 @@
             <p:nvPr/>
           </p:nvPicPr>
           <p:blipFill>
-            <a:blip r:embed="rId28">
+            <a:blip r:embed="rId26">
               <a:extLst>
                 <a:ext uri="{28A0092B-C50C-407E-A947-70E740481C1C}">
                   <a14:useLocalDpi xmlns:a14="http://schemas.microsoft.com/office/drawing/2010/main" val="0"/>
                 </a:ext>
                 <a:ext uri="{96DAC541-7B7A-43D3-8B79-37D633B846F1}">
-                  <asvg:svgBlip xmlns:asvg="http://schemas.microsoft.com/office/drawing/2016/SVG/main" r:embed="rId29"/>
+                  <asvg:svgBlip xmlns:asvg="http://schemas.microsoft.com/office/drawing/2016/SVG/main" r:embed="rId27"/>
                 </a:ext>
               </a:extLst>
             </a:blip>
@@ -13116,6 +15638,96 @@
           </p:spPr>
         </p:pic>
       </p:grpSp>
+      <p:cxnSp>
+        <p:nvCxnSpPr>
+          <p:cNvPr id="163" name="Connector: Curved 162">
+            <a:extLst>
+              <a:ext uri="{FF2B5EF4-FFF2-40B4-BE49-F238E27FC236}">
+                <a16:creationId xmlns:a16="http://schemas.microsoft.com/office/drawing/2014/main" id="{B9640A34-F9A1-41A5-BF17-D53F4E4FE9A2}"/>
+              </a:ext>
+            </a:extLst>
+          </p:cNvPr>
+          <p:cNvCxnSpPr>
+            <a:cxnSpLocks/>
+            <a:endCxn id="110" idx="1"/>
+          </p:cNvCxnSpPr>
+          <p:nvPr/>
+        </p:nvCxnSpPr>
+        <p:spPr>
+          <a:xfrm rot="16200000" flipH="1">
+            <a:off x="1808408" y="4906743"/>
+            <a:ext cx="487154" cy="437736"/>
+          </a:xfrm>
+          <a:prstGeom prst="curvedConnector2">
+            <a:avLst/>
+          </a:prstGeom>
+          <a:ln>
+            <a:solidFill>
+              <a:srgbClr val="00B050"/>
+            </a:solidFill>
+          </a:ln>
+        </p:spPr>
+        <p:style>
+          <a:lnRef idx="1">
+            <a:schemeClr val="accent1"/>
+          </a:lnRef>
+          <a:fillRef idx="0">
+            <a:schemeClr val="accent1"/>
+          </a:fillRef>
+          <a:effectRef idx="0">
+            <a:schemeClr val="accent1"/>
+          </a:effectRef>
+          <a:fontRef idx="minor">
+            <a:schemeClr val="tx1"/>
+          </a:fontRef>
+        </p:style>
+      </p:cxnSp>
+      <p:cxnSp>
+        <p:nvCxnSpPr>
+          <p:cNvPr id="174" name="Connector: Curved 173">
+            <a:extLst>
+              <a:ext uri="{FF2B5EF4-FFF2-40B4-BE49-F238E27FC236}">
+                <a16:creationId xmlns:a16="http://schemas.microsoft.com/office/drawing/2014/main" id="{655D0370-4D89-41C2-87CA-C1EE36C4326A}"/>
+              </a:ext>
+            </a:extLst>
+          </p:cNvPr>
+          <p:cNvCxnSpPr>
+            <a:stCxn id="110" idx="1"/>
+          </p:cNvCxnSpPr>
+          <p:nvPr/>
+        </p:nvCxnSpPr>
+        <p:spPr>
+          <a:xfrm rot="10800000" flipH="1">
+            <a:off x="2270853" y="4945292"/>
+            <a:ext cx="2659462" cy="423896"/>
+          </a:xfrm>
+          <a:prstGeom prst="curvedConnector3">
+            <a:avLst>
+              <a:gd name="adj1" fmla="val 48499"/>
+            </a:avLst>
+          </a:prstGeom>
+          <a:ln>
+            <a:solidFill>
+              <a:srgbClr val="00B050"/>
+            </a:solidFill>
+            <a:tailEnd type="triangle"/>
+          </a:ln>
+        </p:spPr>
+        <p:style>
+          <a:lnRef idx="1">
+            <a:schemeClr val="accent1"/>
+          </a:lnRef>
+          <a:fillRef idx="0">
+            <a:schemeClr val="accent1"/>
+          </a:fillRef>
+          <a:effectRef idx="0">
+            <a:schemeClr val="accent1"/>
+          </a:effectRef>
+          <a:fontRef idx="minor">
+            <a:schemeClr val="tx1"/>
+          </a:fontRef>
+        </p:style>
+      </p:cxnSp>
     </p:spTree>
     <p:extLst>
       <p:ext uri="{BB962C8B-B14F-4D97-AF65-F5344CB8AC3E}">
